--- a/Thesis/arch.pptx
+++ b/Thesis/arch.pptx
@@ -6,6 +6,7 @@
   </p:sldMasterIdLst>
   <p:sldIdLst>
     <p:sldId id="256" r:id="rId2"/>
+    <p:sldId id="257" r:id="rId3"/>
   </p:sldIdLst>
   <p:sldSz cx="9144000" cy="6858000" type="screen4x3"/>
   <p:notesSz cx="6858000" cy="9144000"/>
@@ -288,7 +289,8 @@
           <a:p>
             <a:fld id="{E861DE41-929C-F344-8FB3-659D3F84A00A}" type="datetimeFigureOut">
               <a:rPr lang="en-US" smtClean="0"/>
-              <a:t>10/6/10</a:t>
+              <a:pPr/>
+              <a:t>10/7/10</a:t>
             </a:fld>
             <a:endParaRPr lang="en-US"/>
           </a:p>
@@ -330,6 +332,7 @@
           <a:p>
             <a:fld id="{6085016A-F90F-AA44-9527-88C99CA8BFE7}" type="slidenum">
               <a:rPr lang="en-US" smtClean="0"/>
+              <a:pPr/>
               <a:t>‹#›</a:t>
             </a:fld>
             <a:endParaRPr lang="en-US"/>
@@ -453,7 +456,8 @@
           <a:p>
             <a:fld id="{E861DE41-929C-F344-8FB3-659D3F84A00A}" type="datetimeFigureOut">
               <a:rPr lang="en-US" smtClean="0"/>
-              <a:t>10/6/10</a:t>
+              <a:pPr/>
+              <a:t>10/7/10</a:t>
             </a:fld>
             <a:endParaRPr lang="en-US"/>
           </a:p>
@@ -495,6 +499,7 @@
           <a:p>
             <a:fld id="{6085016A-F90F-AA44-9527-88C99CA8BFE7}" type="slidenum">
               <a:rPr lang="en-US" smtClean="0"/>
+              <a:pPr/>
               <a:t>‹#›</a:t>
             </a:fld>
             <a:endParaRPr lang="en-US"/>
@@ -628,7 +633,8 @@
           <a:p>
             <a:fld id="{E861DE41-929C-F344-8FB3-659D3F84A00A}" type="datetimeFigureOut">
               <a:rPr lang="en-US" smtClean="0"/>
-              <a:t>10/6/10</a:t>
+              <a:pPr/>
+              <a:t>10/7/10</a:t>
             </a:fld>
             <a:endParaRPr lang="en-US"/>
           </a:p>
@@ -670,6 +676,7 @@
           <a:p>
             <a:fld id="{6085016A-F90F-AA44-9527-88C99CA8BFE7}" type="slidenum">
               <a:rPr lang="en-US" smtClean="0"/>
+              <a:pPr/>
               <a:t>‹#›</a:t>
             </a:fld>
             <a:endParaRPr lang="en-US"/>
@@ -793,7 +800,8 @@
           <a:p>
             <a:fld id="{E861DE41-929C-F344-8FB3-659D3F84A00A}" type="datetimeFigureOut">
               <a:rPr lang="en-US" smtClean="0"/>
-              <a:t>10/6/10</a:t>
+              <a:pPr/>
+              <a:t>10/7/10</a:t>
             </a:fld>
             <a:endParaRPr lang="en-US"/>
           </a:p>
@@ -835,6 +843,7 @@
           <a:p>
             <a:fld id="{6085016A-F90F-AA44-9527-88C99CA8BFE7}" type="slidenum">
               <a:rPr lang="en-US" smtClean="0"/>
+              <a:pPr/>
               <a:t>‹#›</a:t>
             </a:fld>
             <a:endParaRPr lang="en-US"/>
@@ -1034,7 +1043,8 @@
           <a:p>
             <a:fld id="{E861DE41-929C-F344-8FB3-659D3F84A00A}" type="datetimeFigureOut">
               <a:rPr lang="en-US" smtClean="0"/>
-              <a:t>10/6/10</a:t>
+              <a:pPr/>
+              <a:t>10/7/10</a:t>
             </a:fld>
             <a:endParaRPr lang="en-US"/>
           </a:p>
@@ -1076,6 +1086,7 @@
           <a:p>
             <a:fld id="{6085016A-F90F-AA44-9527-88C99CA8BFE7}" type="slidenum">
               <a:rPr lang="en-US" smtClean="0"/>
+              <a:pPr/>
               <a:t>‹#›</a:t>
             </a:fld>
             <a:endParaRPr lang="en-US"/>
@@ -1317,7 +1328,8 @@
           <a:p>
             <a:fld id="{E861DE41-929C-F344-8FB3-659D3F84A00A}" type="datetimeFigureOut">
               <a:rPr lang="en-US" smtClean="0"/>
-              <a:t>10/6/10</a:t>
+              <a:pPr/>
+              <a:t>10/7/10</a:t>
             </a:fld>
             <a:endParaRPr lang="en-US"/>
           </a:p>
@@ -1359,6 +1371,7 @@
           <a:p>
             <a:fld id="{6085016A-F90F-AA44-9527-88C99CA8BFE7}" type="slidenum">
               <a:rPr lang="en-US" smtClean="0"/>
+              <a:pPr/>
               <a:t>‹#›</a:t>
             </a:fld>
             <a:endParaRPr lang="en-US"/>
@@ -1734,7 +1747,8 @@
           <a:p>
             <a:fld id="{E861DE41-929C-F344-8FB3-659D3F84A00A}" type="datetimeFigureOut">
               <a:rPr lang="en-US" smtClean="0"/>
-              <a:t>10/6/10</a:t>
+              <a:pPr/>
+              <a:t>10/7/10</a:t>
             </a:fld>
             <a:endParaRPr lang="en-US"/>
           </a:p>
@@ -1776,6 +1790,7 @@
           <a:p>
             <a:fld id="{6085016A-F90F-AA44-9527-88C99CA8BFE7}" type="slidenum">
               <a:rPr lang="en-US" smtClean="0"/>
+              <a:pPr/>
               <a:t>‹#›</a:t>
             </a:fld>
             <a:endParaRPr lang="en-US"/>
@@ -1847,7 +1862,8 @@
           <a:p>
             <a:fld id="{E861DE41-929C-F344-8FB3-659D3F84A00A}" type="datetimeFigureOut">
               <a:rPr lang="en-US" smtClean="0"/>
-              <a:t>10/6/10</a:t>
+              <a:pPr/>
+              <a:t>10/7/10</a:t>
             </a:fld>
             <a:endParaRPr lang="en-US"/>
           </a:p>
@@ -1889,6 +1905,7 @@
           <a:p>
             <a:fld id="{6085016A-F90F-AA44-9527-88C99CA8BFE7}" type="slidenum">
               <a:rPr lang="en-US" smtClean="0"/>
+              <a:pPr/>
               <a:t>‹#›</a:t>
             </a:fld>
             <a:endParaRPr lang="en-US"/>
@@ -1937,7 +1954,8 @@
           <a:p>
             <a:fld id="{E861DE41-929C-F344-8FB3-659D3F84A00A}" type="datetimeFigureOut">
               <a:rPr lang="en-US" smtClean="0"/>
-              <a:t>10/6/10</a:t>
+              <a:pPr/>
+              <a:t>10/7/10</a:t>
             </a:fld>
             <a:endParaRPr lang="en-US"/>
           </a:p>
@@ -1979,6 +1997,7 @@
           <a:p>
             <a:fld id="{6085016A-F90F-AA44-9527-88C99CA8BFE7}" type="slidenum">
               <a:rPr lang="en-US" smtClean="0"/>
+              <a:pPr/>
               <a:t>‹#›</a:t>
             </a:fld>
             <a:endParaRPr lang="en-US"/>
@@ -2209,7 +2228,8 @@
           <a:p>
             <a:fld id="{E861DE41-929C-F344-8FB3-659D3F84A00A}" type="datetimeFigureOut">
               <a:rPr lang="en-US" smtClean="0"/>
-              <a:t>10/6/10</a:t>
+              <a:pPr/>
+              <a:t>10/7/10</a:t>
             </a:fld>
             <a:endParaRPr lang="en-US"/>
           </a:p>
@@ -2251,6 +2271,7 @@
           <a:p>
             <a:fld id="{6085016A-F90F-AA44-9527-88C99CA8BFE7}" type="slidenum">
               <a:rPr lang="en-US" smtClean="0"/>
+              <a:pPr/>
               <a:t>‹#›</a:t>
             </a:fld>
             <a:endParaRPr lang="en-US"/>
@@ -2457,7 +2478,8 @@
           <a:p>
             <a:fld id="{E861DE41-929C-F344-8FB3-659D3F84A00A}" type="datetimeFigureOut">
               <a:rPr lang="en-US" smtClean="0"/>
-              <a:t>10/6/10</a:t>
+              <a:pPr/>
+              <a:t>10/7/10</a:t>
             </a:fld>
             <a:endParaRPr lang="en-US"/>
           </a:p>
@@ -2499,6 +2521,7 @@
           <a:p>
             <a:fld id="{6085016A-F90F-AA44-9527-88C99CA8BFE7}" type="slidenum">
               <a:rPr lang="en-US" smtClean="0"/>
+              <a:pPr/>
               <a:t>‹#›</a:t>
             </a:fld>
             <a:endParaRPr lang="en-US"/>
@@ -2665,7 +2688,8 @@
           <a:p>
             <a:fld id="{E861DE41-929C-F344-8FB3-659D3F84A00A}" type="datetimeFigureOut">
               <a:rPr lang="en-US" smtClean="0"/>
-              <a:t>10/6/10</a:t>
+              <a:pPr/>
+              <a:t>10/7/10</a:t>
             </a:fld>
             <a:endParaRPr lang="en-US"/>
           </a:p>
@@ -2743,6 +2767,7 @@
           <a:p>
             <a:fld id="{6085016A-F90F-AA44-9527-88C99CA8BFE7}" type="slidenum">
               <a:rPr lang="en-US" smtClean="0"/>
+              <a:pPr/>
               <a:t>‹#›</a:t>
             </a:fld>
             <a:endParaRPr lang="en-US"/>
@@ -3427,6 +3452,851 @@
 </p:sld>
 </file>
 
+<file path=ppt/slides/slide2.xml><?xml version="1.0" encoding="utf-8"?>
+<p:sld xmlns:a="http://schemas.openxmlformats.org/drawingml/2006/main" xmlns:r="http://schemas.openxmlformats.org/officeDocument/2006/relationships" xmlns:mc="http://schemas.openxmlformats.org/markup-compatibility/2006" xmlns:mv="urn:schemas-microsoft-com:mac:vml" xmlns:p="http://schemas.openxmlformats.org/presentationml/2006/main" mc:Ignorable="mv" mc:PreserveAttributes="mv:*">
+  <p:cSld>
+    <p:spTree>
+      <p:nvGrpSpPr>
+        <p:cNvPr id="1" name=""/>
+        <p:cNvGrpSpPr/>
+        <p:nvPr/>
+      </p:nvGrpSpPr>
+      <p:grpSpPr>
+        <a:xfrm>
+          <a:off x="0" y="0"/>
+          <a:ext cx="0" cy="0"/>
+          <a:chOff x="0" y="0"/>
+          <a:chExt cx="0" cy="0"/>
+        </a:xfrm>
+      </p:grpSpPr>
+      <p:sp>
+        <p:nvSpPr>
+          <p:cNvPr id="5" name="Rectangle 4"/>
+          <p:cNvSpPr/>
+          <p:nvPr/>
+        </p:nvSpPr>
+        <p:spPr>
+          <a:xfrm>
+            <a:off x="3124200" y="1219200"/>
+            <a:ext cx="3276600" cy="4343400"/>
+          </a:xfrm>
+          <a:prstGeom prst="rect">
+            <a:avLst/>
+          </a:prstGeom>
+          <a:noFill/>
+          <a:ln>
+            <a:solidFill>
+              <a:schemeClr val="tx1"/>
+            </a:solidFill>
+          </a:ln>
+        </p:spPr>
+        <p:style>
+          <a:lnRef idx="1">
+            <a:schemeClr val="accent1"/>
+          </a:lnRef>
+          <a:fillRef idx="3">
+            <a:schemeClr val="accent1"/>
+          </a:fillRef>
+          <a:effectRef idx="2">
+            <a:schemeClr val="accent1"/>
+          </a:effectRef>
+          <a:fontRef idx="minor">
+            <a:schemeClr val="lt1"/>
+          </a:fontRef>
+        </p:style>
+        <p:txBody>
+          <a:bodyPr rtlCol="0" anchor="ctr"/>
+          <a:lstStyle/>
+          <a:p>
+            <a:pPr algn="ctr"/>
+            <a:r>
+              <a:rPr lang="en-US" dirty="0" smtClean="0">
+                <a:solidFill>
+                  <a:schemeClr val="tx1"/>
+                </a:solidFill>
+                <a:latin typeface="Georgia"/>
+                <a:cs typeface="Georgia"/>
+              </a:rPr>
+              <a:t>User Story#1: ~ ~ ~ ~ ~ ~ ~ ~</a:t>
+            </a:r>
+          </a:p>
+          <a:p>
+            <a:pPr algn="ctr"/>
+            <a:r>
+              <a:rPr lang="en-US" dirty="0" smtClean="0">
+                <a:solidFill>
+                  <a:schemeClr val="tx1"/>
+                </a:solidFill>
+                <a:latin typeface="Georgia"/>
+                <a:cs typeface="Georgia"/>
+              </a:rPr>
+              <a:t>User Story</a:t>
+            </a:r>
+            <a:r>
+              <a:rPr lang="en-US" dirty="0" smtClean="0">
+                <a:solidFill>
+                  <a:schemeClr val="tx1"/>
+                </a:solidFill>
+                <a:latin typeface="Georgia"/>
+                <a:cs typeface="Georgia"/>
+              </a:rPr>
+              <a:t>#2: </a:t>
+            </a:r>
+            <a:r>
+              <a:rPr lang="en-US" dirty="0" smtClean="0">
+                <a:solidFill>
+                  <a:schemeClr val="tx1"/>
+                </a:solidFill>
+                <a:latin typeface="Georgia"/>
+                <a:cs typeface="Georgia"/>
+              </a:rPr>
+              <a:t>~ ~ ~ ~ ~ ~ ~ </a:t>
+            </a:r>
+            <a:r>
+              <a:rPr lang="en-US" dirty="0" smtClean="0">
+                <a:solidFill>
+                  <a:schemeClr val="tx1"/>
+                </a:solidFill>
+                <a:latin typeface="Georgia"/>
+                <a:cs typeface="Georgia"/>
+              </a:rPr>
+              <a:t>~</a:t>
+            </a:r>
+          </a:p>
+          <a:p>
+            <a:pPr algn="ctr"/>
+            <a:r>
+              <a:rPr lang="en-US" dirty="0" smtClean="0">
+                <a:solidFill>
+                  <a:schemeClr val="tx1"/>
+                </a:solidFill>
+                <a:latin typeface="Georgia"/>
+                <a:cs typeface="Georgia"/>
+              </a:rPr>
+              <a:t>User Story</a:t>
+            </a:r>
+            <a:r>
+              <a:rPr lang="en-US" dirty="0" smtClean="0">
+                <a:solidFill>
+                  <a:schemeClr val="tx1"/>
+                </a:solidFill>
+                <a:latin typeface="Georgia"/>
+                <a:cs typeface="Georgia"/>
+              </a:rPr>
+              <a:t>#3: </a:t>
+            </a:r>
+            <a:r>
+              <a:rPr lang="en-US" dirty="0" smtClean="0">
+                <a:solidFill>
+                  <a:schemeClr val="tx1"/>
+                </a:solidFill>
+                <a:latin typeface="Georgia"/>
+                <a:cs typeface="Georgia"/>
+              </a:rPr>
+              <a:t>~ ~ ~ ~ ~ ~ ~ </a:t>
+            </a:r>
+            <a:r>
+              <a:rPr lang="en-US" dirty="0" smtClean="0">
+                <a:solidFill>
+                  <a:schemeClr val="tx1"/>
+                </a:solidFill>
+                <a:latin typeface="Georgia"/>
+                <a:cs typeface="Georgia"/>
+              </a:rPr>
+              <a:t>~</a:t>
+            </a:r>
+          </a:p>
+          <a:p>
+            <a:pPr algn="ctr"/>
+            <a:r>
+              <a:rPr lang="en-US" dirty="0" smtClean="0">
+                <a:solidFill>
+                  <a:schemeClr val="tx1"/>
+                </a:solidFill>
+                <a:latin typeface="Georgia"/>
+                <a:cs typeface="Georgia"/>
+              </a:rPr>
+              <a:t>User Story</a:t>
+            </a:r>
+            <a:r>
+              <a:rPr lang="en-US" dirty="0" smtClean="0">
+                <a:solidFill>
+                  <a:schemeClr val="tx1"/>
+                </a:solidFill>
+                <a:latin typeface="Georgia"/>
+                <a:cs typeface="Georgia"/>
+              </a:rPr>
+              <a:t>#4: </a:t>
+            </a:r>
+            <a:r>
+              <a:rPr lang="en-US" dirty="0" smtClean="0">
+                <a:solidFill>
+                  <a:schemeClr val="tx1"/>
+                </a:solidFill>
+                <a:latin typeface="Georgia"/>
+                <a:cs typeface="Georgia"/>
+              </a:rPr>
+              <a:t>~ ~ ~ ~ ~ ~ ~ </a:t>
+            </a:r>
+            <a:r>
+              <a:rPr lang="en-US" dirty="0" smtClean="0">
+                <a:solidFill>
+                  <a:schemeClr val="tx1"/>
+                </a:solidFill>
+                <a:latin typeface="Georgia"/>
+                <a:cs typeface="Georgia"/>
+              </a:rPr>
+              <a:t>~</a:t>
+            </a:r>
+          </a:p>
+          <a:p>
+            <a:pPr algn="ctr"/>
+            <a:r>
+              <a:rPr lang="en-US" dirty="0" smtClean="0">
+                <a:solidFill>
+                  <a:schemeClr val="tx1"/>
+                </a:solidFill>
+                <a:latin typeface="Georgia"/>
+                <a:cs typeface="Georgia"/>
+              </a:rPr>
+              <a:t>User Story</a:t>
+            </a:r>
+            <a:r>
+              <a:rPr lang="en-US" dirty="0" smtClean="0">
+                <a:solidFill>
+                  <a:schemeClr val="tx1"/>
+                </a:solidFill>
+                <a:latin typeface="Georgia"/>
+                <a:cs typeface="Georgia"/>
+              </a:rPr>
+              <a:t>#5: </a:t>
+            </a:r>
+            <a:r>
+              <a:rPr lang="en-US" dirty="0" smtClean="0">
+                <a:solidFill>
+                  <a:schemeClr val="tx1"/>
+                </a:solidFill>
+                <a:latin typeface="Georgia"/>
+                <a:cs typeface="Georgia"/>
+              </a:rPr>
+              <a:t>~ ~ ~ ~ ~ ~ ~ </a:t>
+            </a:r>
+            <a:r>
+              <a:rPr lang="en-US" dirty="0" smtClean="0">
+                <a:solidFill>
+                  <a:schemeClr val="tx1"/>
+                </a:solidFill>
+                <a:latin typeface="Georgia"/>
+                <a:cs typeface="Georgia"/>
+              </a:rPr>
+              <a:t>~</a:t>
+            </a:r>
+          </a:p>
+          <a:p>
+            <a:pPr algn="ctr"/>
+            <a:r>
+              <a:rPr lang="en-US" dirty="0" smtClean="0">
+                <a:solidFill>
+                  <a:schemeClr val="tx1"/>
+                </a:solidFill>
+                <a:latin typeface="Georgia"/>
+                <a:cs typeface="Georgia"/>
+              </a:rPr>
+              <a:t>User Story</a:t>
+            </a:r>
+            <a:r>
+              <a:rPr lang="en-US" dirty="0" smtClean="0">
+                <a:solidFill>
+                  <a:schemeClr val="tx1"/>
+                </a:solidFill>
+                <a:latin typeface="Georgia"/>
+                <a:cs typeface="Georgia"/>
+              </a:rPr>
+              <a:t>#6: </a:t>
+            </a:r>
+            <a:r>
+              <a:rPr lang="en-US" dirty="0" smtClean="0">
+                <a:solidFill>
+                  <a:schemeClr val="tx1"/>
+                </a:solidFill>
+                <a:latin typeface="Georgia"/>
+                <a:cs typeface="Georgia"/>
+              </a:rPr>
+              <a:t>~ ~ ~ ~ ~ ~ ~ </a:t>
+            </a:r>
+            <a:r>
+              <a:rPr lang="en-US" dirty="0" smtClean="0">
+                <a:solidFill>
+                  <a:schemeClr val="tx1"/>
+                </a:solidFill>
+                <a:latin typeface="Georgia"/>
+                <a:cs typeface="Georgia"/>
+              </a:rPr>
+              <a:t>~</a:t>
+            </a:r>
+          </a:p>
+          <a:p>
+            <a:pPr algn="ctr"/>
+            <a:r>
+              <a:rPr lang="en-US" dirty="0" smtClean="0">
+                <a:solidFill>
+                  <a:schemeClr val="tx1"/>
+                </a:solidFill>
+                <a:latin typeface="Georgia"/>
+                <a:cs typeface="Georgia"/>
+              </a:rPr>
+              <a:t>User Story</a:t>
+            </a:r>
+            <a:r>
+              <a:rPr lang="en-US" dirty="0" smtClean="0">
+                <a:solidFill>
+                  <a:schemeClr val="tx1"/>
+                </a:solidFill>
+                <a:latin typeface="Georgia"/>
+                <a:cs typeface="Georgia"/>
+              </a:rPr>
+              <a:t>#7: </a:t>
+            </a:r>
+            <a:r>
+              <a:rPr lang="en-US" dirty="0" smtClean="0">
+                <a:solidFill>
+                  <a:schemeClr val="tx1"/>
+                </a:solidFill>
+                <a:latin typeface="Georgia"/>
+                <a:cs typeface="Georgia"/>
+              </a:rPr>
+              <a:t>~ ~ ~ ~ ~ ~ ~ </a:t>
+            </a:r>
+            <a:r>
+              <a:rPr lang="en-US" dirty="0" smtClean="0">
+                <a:solidFill>
+                  <a:schemeClr val="tx1"/>
+                </a:solidFill>
+                <a:latin typeface="Georgia"/>
+                <a:cs typeface="Georgia"/>
+              </a:rPr>
+              <a:t>~</a:t>
+            </a:r>
+          </a:p>
+          <a:p>
+            <a:pPr algn="ctr"/>
+            <a:r>
+              <a:rPr lang="en-US" dirty="0" smtClean="0">
+                <a:solidFill>
+                  <a:schemeClr val="tx1"/>
+                </a:solidFill>
+                <a:latin typeface="Georgia"/>
+                <a:cs typeface="Georgia"/>
+              </a:rPr>
+              <a:t>User Story</a:t>
+            </a:r>
+            <a:r>
+              <a:rPr lang="en-US" dirty="0" smtClean="0">
+                <a:solidFill>
+                  <a:schemeClr val="tx1"/>
+                </a:solidFill>
+                <a:latin typeface="Georgia"/>
+                <a:cs typeface="Georgia"/>
+              </a:rPr>
+              <a:t>#8: </a:t>
+            </a:r>
+            <a:r>
+              <a:rPr lang="en-US" dirty="0" smtClean="0">
+                <a:solidFill>
+                  <a:schemeClr val="tx1"/>
+                </a:solidFill>
+                <a:latin typeface="Georgia"/>
+                <a:cs typeface="Georgia"/>
+              </a:rPr>
+              <a:t>~ ~ ~ ~ ~ ~ ~ </a:t>
+            </a:r>
+            <a:r>
+              <a:rPr lang="en-US" dirty="0" smtClean="0">
+                <a:solidFill>
+                  <a:schemeClr val="tx1"/>
+                </a:solidFill>
+                <a:latin typeface="Georgia"/>
+                <a:cs typeface="Georgia"/>
+              </a:rPr>
+              <a:t>~</a:t>
+            </a:r>
+          </a:p>
+          <a:p>
+            <a:pPr algn="ctr"/>
+            <a:r>
+              <a:rPr lang="en-US" dirty="0" smtClean="0">
+                <a:solidFill>
+                  <a:schemeClr val="tx1"/>
+                </a:solidFill>
+                <a:latin typeface="Georgia"/>
+                <a:cs typeface="Georgia"/>
+              </a:rPr>
+              <a:t>User Story</a:t>
+            </a:r>
+            <a:r>
+              <a:rPr lang="en-US" dirty="0" smtClean="0">
+                <a:solidFill>
+                  <a:schemeClr val="tx1"/>
+                </a:solidFill>
+                <a:latin typeface="Georgia"/>
+                <a:cs typeface="Georgia"/>
+              </a:rPr>
+              <a:t>#9: </a:t>
+            </a:r>
+            <a:r>
+              <a:rPr lang="en-US" dirty="0" smtClean="0">
+                <a:solidFill>
+                  <a:schemeClr val="tx1"/>
+                </a:solidFill>
+                <a:latin typeface="Georgia"/>
+                <a:cs typeface="Georgia"/>
+              </a:rPr>
+              <a:t>~ ~ ~ ~ ~ ~ ~ </a:t>
+            </a:r>
+            <a:r>
+              <a:rPr lang="en-US" dirty="0" smtClean="0">
+                <a:solidFill>
+                  <a:schemeClr val="tx1"/>
+                </a:solidFill>
+                <a:latin typeface="Georgia"/>
+                <a:cs typeface="Georgia"/>
+              </a:rPr>
+              <a:t>~</a:t>
+            </a:r>
+          </a:p>
+          <a:p>
+            <a:pPr algn="ctr"/>
+            <a:r>
+              <a:rPr lang="en-US" dirty="0" smtClean="0">
+                <a:solidFill>
+                  <a:schemeClr val="tx1"/>
+                </a:solidFill>
+                <a:latin typeface="Georgia"/>
+                <a:cs typeface="Georgia"/>
+              </a:rPr>
+              <a:t>User Story#10: ~ ~ ~ ~ ~ ~ ~~ </a:t>
+            </a:r>
+          </a:p>
+          <a:p>
+            <a:pPr algn="ctr"/>
+            <a:r>
+              <a:rPr lang="en-US" dirty="0" smtClean="0">
+                <a:solidFill>
+                  <a:schemeClr val="tx1"/>
+                </a:solidFill>
+                <a:latin typeface="Georgia"/>
+                <a:cs typeface="Georgia"/>
+              </a:rPr>
+              <a:t>…</a:t>
+            </a:r>
+          </a:p>
+          <a:p>
+            <a:pPr algn="ctr"/>
+            <a:r>
+              <a:rPr lang="en-US" dirty="0" smtClean="0">
+                <a:solidFill>
+                  <a:schemeClr val="tx1"/>
+                </a:solidFill>
+                <a:latin typeface="Georgia"/>
+                <a:cs typeface="Georgia"/>
+              </a:rPr>
+              <a:t>User Story</a:t>
+            </a:r>
+            <a:r>
+              <a:rPr lang="en-US" dirty="0" smtClean="0">
+                <a:solidFill>
+                  <a:schemeClr val="tx1"/>
+                </a:solidFill>
+                <a:latin typeface="Georgia"/>
+                <a:cs typeface="Georgia"/>
+              </a:rPr>
+              <a:t>#n: </a:t>
+            </a:r>
+            <a:r>
+              <a:rPr lang="en-US" dirty="0" smtClean="0">
+                <a:solidFill>
+                  <a:schemeClr val="tx1"/>
+                </a:solidFill>
+                <a:latin typeface="Georgia"/>
+                <a:cs typeface="Georgia"/>
+              </a:rPr>
+              <a:t>~ ~ ~ ~ ~ ~ ~ ~</a:t>
+            </a:r>
+            <a:r>
+              <a:rPr lang="en-US" dirty="0" smtClean="0">
+                <a:solidFill>
+                  <a:schemeClr val="tx1"/>
+                </a:solidFill>
+                <a:latin typeface="Georgia"/>
+                <a:cs typeface="Georgia"/>
+              </a:rPr>
+              <a:t> </a:t>
+            </a:r>
+            <a:endParaRPr lang="en-US" dirty="0">
+              <a:solidFill>
+                <a:schemeClr val="tx1"/>
+              </a:solidFill>
+              <a:latin typeface="Georgia"/>
+              <a:cs typeface="Georgia"/>
+            </a:endParaRPr>
+          </a:p>
+        </p:txBody>
+      </p:sp>
+      <p:sp>
+        <p:nvSpPr>
+          <p:cNvPr id="6" name="TextBox 5"/>
+          <p:cNvSpPr txBox="1"/>
+          <p:nvPr/>
+        </p:nvSpPr>
+        <p:spPr>
+          <a:xfrm>
+            <a:off x="304800" y="2512873"/>
+            <a:ext cx="2207155" cy="1754327"/>
+          </a:xfrm>
+          <a:prstGeom prst="rect">
+            <a:avLst/>
+          </a:prstGeom>
+          <a:noFill/>
+          <a:ln>
+            <a:solidFill>
+              <a:schemeClr val="tx1"/>
+            </a:solidFill>
+          </a:ln>
+        </p:spPr>
+        <p:txBody>
+          <a:bodyPr wrap="none" rtlCol="0">
+            <a:spAutoFit/>
+          </a:bodyPr>
+          <a:lstStyle/>
+          <a:p>
+            <a:r>
+              <a:rPr lang="en-US" dirty="0" smtClean="0">
+                <a:latin typeface="Georgia"/>
+                <a:cs typeface="Georgia"/>
+              </a:rPr>
+              <a:t>From: ~ ~ ~</a:t>
+            </a:r>
+          </a:p>
+          <a:p>
+            <a:r>
+              <a:rPr lang="en-US" dirty="0" smtClean="0">
+                <a:latin typeface="Georgia"/>
+                <a:cs typeface="Georgia"/>
+              </a:rPr>
+              <a:t>To: ~ ~ ~</a:t>
+            </a:r>
+          </a:p>
+          <a:p>
+            <a:r>
+              <a:rPr lang="en-US" dirty="0" smtClean="0">
+                <a:latin typeface="Georgia"/>
+                <a:cs typeface="Georgia"/>
+              </a:rPr>
+              <a:t>At: ~ ~ ~ ~ ~</a:t>
+            </a:r>
+          </a:p>
+          <a:p>
+            <a:r>
+              <a:rPr lang="en-US" dirty="0" smtClean="0">
+                <a:latin typeface="Georgia"/>
+                <a:cs typeface="Georgia"/>
+              </a:rPr>
+              <a:t>Subject: ~ ~ ~</a:t>
+            </a:r>
+          </a:p>
+          <a:p>
+            <a:r>
+              <a:rPr lang="en-US" dirty="0" smtClean="0">
+                <a:latin typeface="Georgia"/>
+                <a:cs typeface="Georgia"/>
+              </a:rPr>
+              <a:t>Body: ~ ~ ~ ~ ~ ~ ~</a:t>
+            </a:r>
+          </a:p>
+          <a:p>
+            <a:r>
+              <a:rPr lang="en-US" dirty="0" smtClean="0">
+                <a:latin typeface="Georgia"/>
+                <a:cs typeface="Georgia"/>
+              </a:rPr>
+              <a:t>Attachments: ~ ~ ~</a:t>
+            </a:r>
+            <a:endParaRPr lang="en-US" dirty="0">
+              <a:latin typeface="Georgia"/>
+              <a:cs typeface="Georgia"/>
+            </a:endParaRPr>
+          </a:p>
+        </p:txBody>
+      </p:sp>
+      <p:sp>
+        <p:nvSpPr>
+          <p:cNvPr id="7" name="Right Arrow 6"/>
+          <p:cNvSpPr/>
+          <p:nvPr/>
+        </p:nvSpPr>
+        <p:spPr>
+          <a:xfrm>
+            <a:off x="2514600" y="3276600"/>
+            <a:ext cx="571302" cy="304800"/>
+          </a:xfrm>
+          <a:prstGeom prst="rightArrow">
+            <a:avLst/>
+          </a:prstGeom>
+          <a:noFill/>
+          <a:ln>
+            <a:solidFill>
+              <a:schemeClr val="tx1"/>
+            </a:solidFill>
+          </a:ln>
+        </p:spPr>
+        <p:style>
+          <a:lnRef idx="1">
+            <a:schemeClr val="accent1"/>
+          </a:lnRef>
+          <a:fillRef idx="3">
+            <a:schemeClr val="accent1"/>
+          </a:fillRef>
+          <a:effectRef idx="2">
+            <a:schemeClr val="accent1"/>
+          </a:effectRef>
+          <a:fontRef idx="minor">
+            <a:schemeClr val="lt1"/>
+          </a:fontRef>
+        </p:style>
+        <p:txBody>
+          <a:bodyPr rtlCol="0" anchor="ctr"/>
+          <a:lstStyle/>
+          <a:p>
+            <a:pPr algn="ctr"/>
+            <a:endParaRPr lang="en-US">
+              <a:latin typeface="Georgia"/>
+              <a:cs typeface="Georgia"/>
+            </a:endParaRPr>
+          </a:p>
+        </p:txBody>
+      </p:sp>
+      <p:sp>
+        <p:nvSpPr>
+          <p:cNvPr id="9" name="TextBox 8"/>
+          <p:cNvSpPr txBox="1"/>
+          <p:nvPr/>
+        </p:nvSpPr>
+        <p:spPr>
+          <a:xfrm>
+            <a:off x="6990536" y="3011269"/>
+            <a:ext cx="1582484" cy="646331"/>
+          </a:xfrm>
+          <a:prstGeom prst="rect">
+            <a:avLst/>
+          </a:prstGeom>
+          <a:noFill/>
+          <a:ln>
+            <a:solidFill>
+              <a:schemeClr val="tx1"/>
+            </a:solidFill>
+          </a:ln>
+        </p:spPr>
+        <p:txBody>
+          <a:bodyPr wrap="none" rtlCol="0">
+            <a:spAutoFit/>
+          </a:bodyPr>
+          <a:lstStyle/>
+          <a:p>
+            <a:r>
+              <a:rPr lang="en-US" dirty="0" smtClean="0">
+                <a:latin typeface="Georgia"/>
+                <a:cs typeface="Georgia"/>
+              </a:rPr>
+              <a:t>User Story#5</a:t>
+            </a:r>
+          </a:p>
+          <a:p>
+            <a:r>
+              <a:rPr lang="en-US" dirty="0" smtClean="0">
+                <a:latin typeface="Georgia"/>
+                <a:cs typeface="Georgia"/>
+              </a:rPr>
+              <a:t>User Story#k</a:t>
+            </a:r>
+            <a:endParaRPr lang="en-US" dirty="0">
+              <a:latin typeface="Georgia"/>
+              <a:cs typeface="Georgia"/>
+            </a:endParaRPr>
+          </a:p>
+        </p:txBody>
+      </p:sp>
+      <p:sp>
+        <p:nvSpPr>
+          <p:cNvPr id="10" name="Right Arrow 9"/>
+          <p:cNvSpPr/>
+          <p:nvPr/>
+        </p:nvSpPr>
+        <p:spPr>
+          <a:xfrm>
+            <a:off x="6400800" y="3200400"/>
+            <a:ext cx="571302" cy="304800"/>
+          </a:xfrm>
+          <a:prstGeom prst="rightArrow">
+            <a:avLst/>
+          </a:prstGeom>
+          <a:noFill/>
+          <a:ln>
+            <a:solidFill>
+              <a:schemeClr val="tx1"/>
+            </a:solidFill>
+          </a:ln>
+        </p:spPr>
+        <p:style>
+          <a:lnRef idx="1">
+            <a:schemeClr val="accent1"/>
+          </a:lnRef>
+          <a:fillRef idx="3">
+            <a:schemeClr val="accent1"/>
+          </a:fillRef>
+          <a:effectRef idx="2">
+            <a:schemeClr val="accent1"/>
+          </a:effectRef>
+          <a:fontRef idx="minor">
+            <a:schemeClr val="lt1"/>
+          </a:fontRef>
+        </p:style>
+        <p:txBody>
+          <a:bodyPr rtlCol="0" anchor="ctr"/>
+          <a:lstStyle/>
+          <a:p>
+            <a:pPr algn="ctr"/>
+            <a:endParaRPr lang="en-US">
+              <a:latin typeface="Georgia"/>
+              <a:cs typeface="Georgia"/>
+            </a:endParaRPr>
+          </a:p>
+        </p:txBody>
+      </p:sp>
+      <p:sp>
+        <p:nvSpPr>
+          <p:cNvPr id="11" name="TextBox 10"/>
+          <p:cNvSpPr txBox="1"/>
+          <p:nvPr/>
+        </p:nvSpPr>
+        <p:spPr>
+          <a:xfrm>
+            <a:off x="990600" y="4343400"/>
+            <a:ext cx="788798" cy="369332"/>
+          </a:xfrm>
+          <a:prstGeom prst="rect">
+            <a:avLst/>
+          </a:prstGeom>
+          <a:noFill/>
+        </p:spPr>
+        <p:txBody>
+          <a:bodyPr wrap="none" rtlCol="0">
+            <a:spAutoFit/>
+          </a:bodyPr>
+          <a:lstStyle/>
+          <a:p>
+            <a:r>
+              <a:rPr lang="en-US" dirty="0" smtClean="0">
+                <a:latin typeface="Georgia"/>
+                <a:cs typeface="Georgia"/>
+              </a:rPr>
+              <a:t>Email</a:t>
+            </a:r>
+            <a:endParaRPr lang="en-US" dirty="0">
+              <a:latin typeface="Georgia"/>
+              <a:cs typeface="Georgia"/>
+            </a:endParaRPr>
+          </a:p>
+        </p:txBody>
+      </p:sp>
+      <p:sp>
+        <p:nvSpPr>
+          <p:cNvPr id="12" name="TextBox 11"/>
+          <p:cNvSpPr txBox="1"/>
+          <p:nvPr/>
+        </p:nvSpPr>
+        <p:spPr>
+          <a:xfrm>
+            <a:off x="4114800" y="5638800"/>
+            <a:ext cx="1456724" cy="369332"/>
+          </a:xfrm>
+          <a:prstGeom prst="rect">
+            <a:avLst/>
+          </a:prstGeom>
+          <a:noFill/>
+        </p:spPr>
+        <p:txBody>
+          <a:bodyPr wrap="none" rtlCol="0">
+            <a:spAutoFit/>
+          </a:bodyPr>
+          <a:lstStyle/>
+          <a:p>
+            <a:r>
+              <a:rPr lang="en-US" dirty="0" smtClean="0">
+                <a:latin typeface="Georgia"/>
+                <a:cs typeface="Georgia"/>
+              </a:rPr>
+              <a:t>CBR Library</a:t>
+            </a:r>
+            <a:endParaRPr lang="en-US" dirty="0">
+              <a:latin typeface="Georgia"/>
+              <a:cs typeface="Georgia"/>
+            </a:endParaRPr>
+          </a:p>
+        </p:txBody>
+      </p:sp>
+      <p:sp>
+        <p:nvSpPr>
+          <p:cNvPr id="13" name="TextBox 12"/>
+          <p:cNvSpPr txBox="1"/>
+          <p:nvPr/>
+        </p:nvSpPr>
+        <p:spPr>
+          <a:xfrm>
+            <a:off x="6954017" y="3886200"/>
+            <a:ext cx="1427983" cy="646331"/>
+          </a:xfrm>
+          <a:prstGeom prst="rect">
+            <a:avLst/>
+          </a:prstGeom>
+          <a:noFill/>
+        </p:spPr>
+        <p:txBody>
+          <a:bodyPr wrap="none" rtlCol="0">
+            <a:spAutoFit/>
+          </a:bodyPr>
+          <a:lstStyle/>
+          <a:p>
+            <a:r>
+              <a:rPr lang="en-US" dirty="0" smtClean="0">
+                <a:latin typeface="Georgia"/>
+                <a:cs typeface="Georgia"/>
+              </a:rPr>
+              <a:t>Related </a:t>
+            </a:r>
+          </a:p>
+          <a:p>
+            <a:r>
+              <a:rPr lang="en-US" dirty="0" smtClean="0">
+                <a:latin typeface="Georgia"/>
+                <a:cs typeface="Georgia"/>
+              </a:rPr>
+              <a:t>User Stories</a:t>
+            </a:r>
+            <a:endParaRPr lang="en-US" dirty="0">
+              <a:latin typeface="Georgia"/>
+              <a:cs typeface="Georgia"/>
+            </a:endParaRPr>
+          </a:p>
+        </p:txBody>
+      </p:sp>
+    </p:spTree>
+  </p:cSld>
+  <p:clrMapOvr>
+    <a:masterClrMapping/>
+  </p:clrMapOvr>
+</p:sld>
+</file>
+
 <file path=ppt/theme/theme1.xml><?xml version="1.0" encoding="utf-8"?>
 <a:theme xmlns:a="http://schemas.openxmlformats.org/drawingml/2006/main" name="Office Theme">
   <a:themeElements>

--- a/Thesis/arch.pptx
+++ b/Thesis/arch.pptx
@@ -6,7 +6,11 @@
   </p:sldMasterIdLst>
   <p:sldIdLst>
     <p:sldId id="256" r:id="rId2"/>
-    <p:sldId id="257" r:id="rId3"/>
+    <p:sldId id="258" r:id="rId3"/>
+    <p:sldId id="257" r:id="rId4"/>
+    <p:sldId id="259" r:id="rId5"/>
+    <p:sldId id="260" r:id="rId6"/>
+    <p:sldId id="261" r:id="rId7"/>
   </p:sldIdLst>
   <p:sldSz cx="9144000" cy="6858000" type="screen4x3"/>
   <p:notesSz cx="6858000" cy="9144000"/>
@@ -106,6 +110,3103 @@
     </a:lvl9pPr>
   </p:defaultTextStyle>
 </p:presentation>
+</file>
+
+<file path=ppt/charts/chart1.xml><?xml version="1.0" encoding="utf-8"?>
+<c:chartSpace xmlns:c="http://schemas.openxmlformats.org/drawingml/2006/chart" xmlns:a="http://schemas.openxmlformats.org/drawingml/2006/main" xmlns:r="http://schemas.openxmlformats.org/officeDocument/2006/relationships">
+  <c:date1904 val="1"/>
+  <c:lang val="en-US"/>
+  <c:style val="18"/>
+  <c:chart>
+    <c:title>
+      <c:tx>
+        <c:rich>
+          <a:bodyPr/>
+          <a:lstStyle/>
+          <a:p>
+            <a:pPr>
+              <a:defRPr/>
+            </a:pPr>
+            <a:r>
+              <a:rPr lang="en-US"/>
+              <a:t>Impact of Training on Relative Weights</a:t>
+            </a:r>
+          </a:p>
+        </c:rich>
+      </c:tx>
+      <c:layout/>
+    </c:title>
+    <c:plotArea>
+      <c:layout>
+        <c:manualLayout>
+          <c:layoutTarget val="inner"/>
+          <c:xMode val="edge"/>
+          <c:yMode val="edge"/>
+          <c:x val="0.241140836151172"/>
+          <c:y val="0.140110279723322"/>
+          <c:w val="0.736097403606036"/>
+          <c:h val="0.469765737155784"/>
+        </c:manualLayout>
+      </c:layout>
+      <c:barChart>
+        <c:barDir val="col"/>
+        <c:grouping val="clustered"/>
+        <c:ser>
+          <c:idx val="0"/>
+          <c:order val="0"/>
+          <c:tx>
+            <c:strRef>
+              <c:f>Sheet1!$B$18</c:f>
+              <c:strCache>
+                <c:ptCount val="1"/>
+                <c:pt idx="0">
+                  <c:v>Before Training</c:v>
+                </c:pt>
+              </c:strCache>
+            </c:strRef>
+          </c:tx>
+          <c:cat>
+            <c:strRef>
+              <c:f>Sheet1!$A$19:$A$22</c:f>
+              <c:strCache>
+                <c:ptCount val="4"/>
+                <c:pt idx="0">
+                  <c:v>Temporal</c:v>
+                </c:pt>
+                <c:pt idx="1">
+                  <c:v>People</c:v>
+                </c:pt>
+                <c:pt idx="2">
+                  <c:v>Subject</c:v>
+                </c:pt>
+                <c:pt idx="3">
+                  <c:v>Body</c:v>
+                </c:pt>
+              </c:strCache>
+            </c:strRef>
+          </c:cat>
+          <c:val>
+            <c:numRef>
+              <c:f>Sheet1!$B$19:$B$22</c:f>
+              <c:numCache>
+                <c:formatCode>General</c:formatCode>
+                <c:ptCount val="4"/>
+                <c:pt idx="0">
+                  <c:v>25.2</c:v>
+                </c:pt>
+                <c:pt idx="1">
+                  <c:v>13.0</c:v>
+                </c:pt>
+                <c:pt idx="2">
+                  <c:v>39.8</c:v>
+                </c:pt>
+                <c:pt idx="3">
+                  <c:v>22.0</c:v>
+                </c:pt>
+              </c:numCache>
+            </c:numRef>
+          </c:val>
+        </c:ser>
+        <c:ser>
+          <c:idx val="1"/>
+          <c:order val="1"/>
+          <c:tx>
+            <c:strRef>
+              <c:f>Sheet1!$C$18</c:f>
+              <c:strCache>
+                <c:ptCount val="1"/>
+                <c:pt idx="0">
+                  <c:v>After Training</c:v>
+                </c:pt>
+              </c:strCache>
+            </c:strRef>
+          </c:tx>
+          <c:cat>
+            <c:strRef>
+              <c:f>Sheet1!$A$19:$A$22</c:f>
+              <c:strCache>
+                <c:ptCount val="4"/>
+                <c:pt idx="0">
+                  <c:v>Temporal</c:v>
+                </c:pt>
+                <c:pt idx="1">
+                  <c:v>People</c:v>
+                </c:pt>
+                <c:pt idx="2">
+                  <c:v>Subject</c:v>
+                </c:pt>
+                <c:pt idx="3">
+                  <c:v>Body</c:v>
+                </c:pt>
+              </c:strCache>
+            </c:strRef>
+          </c:cat>
+          <c:val>
+            <c:numRef>
+              <c:f>Sheet1!$C$19:$C$22</c:f>
+              <c:numCache>
+                <c:formatCode>General</c:formatCode>
+                <c:ptCount val="4"/>
+                <c:pt idx="0">
+                  <c:v>28.6</c:v>
+                </c:pt>
+                <c:pt idx="1">
+                  <c:v>20.2</c:v>
+                </c:pt>
+                <c:pt idx="2">
+                  <c:v>34.4</c:v>
+                </c:pt>
+                <c:pt idx="3">
+                  <c:v>16.8</c:v>
+                </c:pt>
+              </c:numCache>
+            </c:numRef>
+          </c:val>
+        </c:ser>
+        <c:axId val="110762808"/>
+        <c:axId val="110343016"/>
+      </c:barChart>
+      <c:catAx>
+        <c:axId val="110762808"/>
+        <c:scaling>
+          <c:orientation val="minMax"/>
+        </c:scaling>
+        <c:axPos val="b"/>
+        <c:title>
+          <c:tx>
+            <c:rich>
+              <a:bodyPr/>
+              <a:lstStyle/>
+              <a:p>
+                <a:pPr>
+                  <a:defRPr/>
+                </a:pPr>
+                <a:r>
+                  <a:rPr lang="en-US"/>
+                  <a:t>Similarity Measure</a:t>
+                </a:r>
+              </a:p>
+            </c:rich>
+          </c:tx>
+          <c:layout/>
+        </c:title>
+        <c:tickLblPos val="nextTo"/>
+        <c:crossAx val="110343016"/>
+        <c:crosses val="autoZero"/>
+        <c:auto val="1"/>
+        <c:lblAlgn val="ctr"/>
+        <c:lblOffset val="100"/>
+      </c:catAx>
+      <c:valAx>
+        <c:axId val="110343016"/>
+        <c:scaling>
+          <c:orientation val="minMax"/>
+        </c:scaling>
+        <c:axPos val="l"/>
+        <c:majorGridlines/>
+        <c:title>
+          <c:tx>
+            <c:rich>
+              <a:bodyPr/>
+              <a:lstStyle/>
+              <a:p>
+                <a:pPr>
+                  <a:defRPr/>
+                </a:pPr>
+                <a:r>
+                  <a:rPr lang="en-US"/>
+                  <a:t>Relative Weights</a:t>
+                </a:r>
+              </a:p>
+            </c:rich>
+          </c:tx>
+          <c:layout/>
+        </c:title>
+        <c:numFmt formatCode="General" sourceLinked="1"/>
+        <c:tickLblPos val="nextTo"/>
+        <c:crossAx val="110762808"/>
+        <c:crosses val="autoZero"/>
+        <c:crossBetween val="between"/>
+      </c:valAx>
+      <c:dTable>
+        <c:showHorzBorder val="1"/>
+        <c:showVertBorder val="1"/>
+        <c:showOutline val="1"/>
+        <c:showKeys val="1"/>
+      </c:dTable>
+    </c:plotArea>
+    <c:legend>
+      <c:legendPos val="r"/>
+      <c:layout>
+        <c:manualLayout>
+          <c:xMode val="edge"/>
+          <c:yMode val="edge"/>
+          <c:x val="0.77327494533593"/>
+          <c:y val="0.174625440466351"/>
+          <c:w val="0.22672505466407"/>
+          <c:h val="0.145002827685213"/>
+        </c:manualLayout>
+      </c:layout>
+    </c:legend>
+    <c:plotVisOnly val="1"/>
+  </c:chart>
+  <c:spPr>
+    <a:ln>
+      <a:solidFill>
+        <a:schemeClr val="tx1"/>
+      </a:solidFill>
+    </a:ln>
+  </c:spPr>
+  <c:txPr>
+    <a:bodyPr/>
+    <a:lstStyle/>
+    <a:p>
+      <a:pPr>
+        <a:defRPr sz="1800">
+          <a:latin typeface="Georgia"/>
+          <a:cs typeface="Georgia"/>
+        </a:defRPr>
+      </a:pPr>
+      <a:endParaRPr lang="en-US"/>
+    </a:p>
+  </c:txPr>
+  <c:externalData r:id="rId1"/>
+</c:chartSpace>
+</file>
+
+<file path=ppt/diagrams/colors1.xml><?xml version="1.0" encoding="utf-8"?>
+<dgm:colorsDef xmlns:dgm="http://schemas.openxmlformats.org/drawingml/2006/diagram" xmlns:a="http://schemas.openxmlformats.org/drawingml/2006/main" uniqueId="urn:microsoft.com/office/officeart/2005/8/colors/accent1_2">
+  <dgm:title val=""/>
+  <dgm:desc val=""/>
+  <dgm:catLst>
+    <dgm:cat type="accent1" pri="11200"/>
+  </dgm:catLst>
+  <dgm:styleLbl name="node0">
+    <dgm:fillClrLst meth="repeat">
+      <a:schemeClr val="accent1"/>
+    </dgm:fillClrLst>
+    <dgm:linClrLst meth="repeat">
+      <a:schemeClr val="lt1"/>
+    </dgm:linClrLst>
+    <dgm:effectClrLst/>
+    <dgm:txLinClrLst/>
+    <dgm:txFillClrLst/>
+    <dgm:txEffectClrLst/>
+  </dgm:styleLbl>
+  <dgm:styleLbl name="alignNode1">
+    <dgm:fillClrLst meth="repeat">
+      <a:schemeClr val="accent1"/>
+    </dgm:fillClrLst>
+    <dgm:linClrLst meth="repeat">
+      <a:schemeClr val="accent1"/>
+    </dgm:linClrLst>
+    <dgm:effectClrLst/>
+    <dgm:txLinClrLst/>
+    <dgm:txFillClrLst/>
+    <dgm:txEffectClrLst/>
+  </dgm:styleLbl>
+  <dgm:styleLbl name="node1">
+    <dgm:fillClrLst meth="repeat">
+      <a:schemeClr val="accent1"/>
+    </dgm:fillClrLst>
+    <dgm:linClrLst meth="repeat">
+      <a:schemeClr val="lt1"/>
+    </dgm:linClrLst>
+    <dgm:effectClrLst/>
+    <dgm:txLinClrLst/>
+    <dgm:txFillClrLst/>
+    <dgm:txEffectClrLst/>
+  </dgm:styleLbl>
+  <dgm:styleLbl name="lnNode1">
+    <dgm:fillClrLst meth="repeat">
+      <a:schemeClr val="accent1"/>
+    </dgm:fillClrLst>
+    <dgm:linClrLst meth="repeat">
+      <a:schemeClr val="lt1"/>
+    </dgm:linClrLst>
+    <dgm:effectClrLst/>
+    <dgm:txLinClrLst/>
+    <dgm:txFillClrLst/>
+    <dgm:txEffectClrLst/>
+  </dgm:styleLbl>
+  <dgm:styleLbl name="vennNode1">
+    <dgm:fillClrLst meth="repeat">
+      <a:schemeClr val="accent1">
+        <a:alpha val="50000"/>
+      </a:schemeClr>
+    </dgm:fillClrLst>
+    <dgm:linClrLst meth="repeat">
+      <a:schemeClr val="lt1"/>
+    </dgm:linClrLst>
+    <dgm:effectClrLst/>
+    <dgm:txLinClrLst/>
+    <dgm:txFillClrLst/>
+    <dgm:txEffectClrLst/>
+  </dgm:styleLbl>
+  <dgm:styleLbl name="node2">
+    <dgm:fillClrLst meth="repeat">
+      <a:schemeClr val="accent1"/>
+    </dgm:fillClrLst>
+    <dgm:linClrLst meth="repeat">
+      <a:schemeClr val="lt1"/>
+    </dgm:linClrLst>
+    <dgm:effectClrLst/>
+    <dgm:txLinClrLst/>
+    <dgm:txFillClrLst/>
+    <dgm:txEffectClrLst/>
+  </dgm:styleLbl>
+  <dgm:styleLbl name="node3">
+    <dgm:fillClrLst meth="repeat">
+      <a:schemeClr val="accent1"/>
+    </dgm:fillClrLst>
+    <dgm:linClrLst meth="repeat">
+      <a:schemeClr val="lt1"/>
+    </dgm:linClrLst>
+    <dgm:effectClrLst/>
+    <dgm:txLinClrLst/>
+    <dgm:txFillClrLst/>
+    <dgm:txEffectClrLst/>
+  </dgm:styleLbl>
+  <dgm:styleLbl name="node4">
+    <dgm:fillClrLst meth="repeat">
+      <a:schemeClr val="accent1"/>
+    </dgm:fillClrLst>
+    <dgm:linClrLst meth="repeat">
+      <a:schemeClr val="lt1"/>
+    </dgm:linClrLst>
+    <dgm:effectClrLst/>
+    <dgm:txLinClrLst/>
+    <dgm:txFillClrLst/>
+    <dgm:txEffectClrLst/>
+  </dgm:styleLbl>
+  <dgm:styleLbl name="fgImgPlace1">
+    <dgm:fillClrLst meth="repeat">
+      <a:schemeClr val="accent1">
+        <a:tint val="50000"/>
+      </a:schemeClr>
+    </dgm:fillClrLst>
+    <dgm:linClrLst meth="repeat">
+      <a:schemeClr val="lt1"/>
+    </dgm:linClrLst>
+    <dgm:effectClrLst/>
+    <dgm:txLinClrLst/>
+    <dgm:txFillClrLst meth="repeat">
+      <a:schemeClr val="lt1"/>
+    </dgm:txFillClrLst>
+    <dgm:txEffectClrLst/>
+  </dgm:styleLbl>
+  <dgm:styleLbl name="alignImgPlace1">
+    <dgm:fillClrLst meth="repeat">
+      <a:schemeClr val="accent1">
+        <a:tint val="50000"/>
+      </a:schemeClr>
+    </dgm:fillClrLst>
+    <dgm:linClrLst meth="repeat">
+      <a:schemeClr val="lt1"/>
+    </dgm:linClrLst>
+    <dgm:effectClrLst/>
+    <dgm:txLinClrLst/>
+    <dgm:txFillClrLst meth="repeat">
+      <a:schemeClr val="lt1"/>
+    </dgm:txFillClrLst>
+    <dgm:txEffectClrLst/>
+  </dgm:styleLbl>
+  <dgm:styleLbl name="bgImgPlace1">
+    <dgm:fillClrLst meth="repeat">
+      <a:schemeClr val="accent1">
+        <a:tint val="50000"/>
+      </a:schemeClr>
+    </dgm:fillClrLst>
+    <dgm:linClrLst meth="repeat">
+      <a:schemeClr val="lt1"/>
+    </dgm:linClrLst>
+    <dgm:effectClrLst/>
+    <dgm:txLinClrLst/>
+    <dgm:txFillClrLst meth="repeat">
+      <a:schemeClr val="lt1"/>
+    </dgm:txFillClrLst>
+    <dgm:txEffectClrLst/>
+  </dgm:styleLbl>
+  <dgm:styleLbl name="sibTrans2D1">
+    <dgm:fillClrLst meth="repeat">
+      <a:schemeClr val="accent1">
+        <a:tint val="60000"/>
+      </a:schemeClr>
+    </dgm:fillClrLst>
+    <dgm:linClrLst meth="repeat">
+      <a:schemeClr val="accent1">
+        <a:tint val="60000"/>
+      </a:schemeClr>
+    </dgm:linClrLst>
+    <dgm:effectClrLst/>
+    <dgm:txLinClrLst/>
+    <dgm:txFillClrLst/>
+    <dgm:txEffectClrLst/>
+  </dgm:styleLbl>
+  <dgm:styleLbl name="fgSibTrans2D1">
+    <dgm:fillClrLst meth="repeat">
+      <a:schemeClr val="accent1">
+        <a:tint val="60000"/>
+      </a:schemeClr>
+    </dgm:fillClrLst>
+    <dgm:linClrLst meth="repeat">
+      <a:schemeClr val="accent1">
+        <a:tint val="60000"/>
+      </a:schemeClr>
+    </dgm:linClrLst>
+    <dgm:effectClrLst/>
+    <dgm:txLinClrLst/>
+    <dgm:txFillClrLst/>
+    <dgm:txEffectClrLst/>
+  </dgm:styleLbl>
+  <dgm:styleLbl name="bgSibTrans2D1">
+    <dgm:fillClrLst meth="repeat">
+      <a:schemeClr val="accent1">
+        <a:tint val="60000"/>
+      </a:schemeClr>
+    </dgm:fillClrLst>
+    <dgm:linClrLst meth="repeat">
+      <a:schemeClr val="accent1">
+        <a:tint val="60000"/>
+      </a:schemeClr>
+    </dgm:linClrLst>
+    <dgm:effectClrLst/>
+    <dgm:txLinClrLst/>
+    <dgm:txFillClrLst/>
+    <dgm:txEffectClrLst/>
+  </dgm:styleLbl>
+  <dgm:styleLbl name="sibTrans1D1">
+    <dgm:fillClrLst meth="repeat">
+      <a:schemeClr val="accent1"/>
+    </dgm:fillClrLst>
+    <dgm:linClrLst meth="repeat">
+      <a:schemeClr val="accent1"/>
+    </dgm:linClrLst>
+    <dgm:effectClrLst/>
+    <dgm:txLinClrLst/>
+    <dgm:txFillClrLst meth="repeat">
+      <a:schemeClr val="tx1"/>
+    </dgm:txFillClrLst>
+    <dgm:txEffectClrLst/>
+  </dgm:styleLbl>
+  <dgm:styleLbl name="callout">
+    <dgm:fillClrLst meth="repeat">
+      <a:schemeClr val="accent1"/>
+    </dgm:fillClrLst>
+    <dgm:linClrLst meth="repeat">
+      <a:schemeClr val="accent1">
+        <a:tint val="50000"/>
+      </a:schemeClr>
+    </dgm:linClrLst>
+    <dgm:effectClrLst/>
+    <dgm:txLinClrLst/>
+    <dgm:txFillClrLst meth="repeat">
+      <a:schemeClr val="tx1"/>
+    </dgm:txFillClrLst>
+    <dgm:txEffectClrLst/>
+  </dgm:styleLbl>
+  <dgm:styleLbl name="asst0">
+    <dgm:fillClrLst meth="repeat">
+      <a:schemeClr val="accent1"/>
+    </dgm:fillClrLst>
+    <dgm:linClrLst meth="repeat">
+      <a:schemeClr val="lt1"/>
+    </dgm:linClrLst>
+    <dgm:effectClrLst/>
+    <dgm:txLinClrLst/>
+    <dgm:txFillClrLst/>
+    <dgm:txEffectClrLst/>
+  </dgm:styleLbl>
+  <dgm:styleLbl name="asst1">
+    <dgm:fillClrLst meth="repeat">
+      <a:schemeClr val="accent1"/>
+    </dgm:fillClrLst>
+    <dgm:linClrLst meth="repeat">
+      <a:schemeClr val="lt1"/>
+    </dgm:linClrLst>
+    <dgm:effectClrLst/>
+    <dgm:txLinClrLst/>
+    <dgm:txFillClrLst/>
+    <dgm:txEffectClrLst/>
+  </dgm:styleLbl>
+  <dgm:styleLbl name="asst2">
+    <dgm:fillClrLst meth="repeat">
+      <a:schemeClr val="accent1"/>
+    </dgm:fillClrLst>
+    <dgm:linClrLst meth="repeat">
+      <a:schemeClr val="lt1"/>
+    </dgm:linClrLst>
+    <dgm:effectClrLst/>
+    <dgm:txLinClrLst/>
+    <dgm:txFillClrLst/>
+    <dgm:txEffectClrLst/>
+  </dgm:styleLbl>
+  <dgm:styleLbl name="asst3">
+    <dgm:fillClrLst meth="repeat">
+      <a:schemeClr val="accent1"/>
+    </dgm:fillClrLst>
+    <dgm:linClrLst meth="repeat">
+      <a:schemeClr val="lt1"/>
+    </dgm:linClrLst>
+    <dgm:effectClrLst/>
+    <dgm:txLinClrLst/>
+    <dgm:txFillClrLst/>
+    <dgm:txEffectClrLst/>
+  </dgm:styleLbl>
+  <dgm:styleLbl name="asst4">
+    <dgm:fillClrLst meth="repeat">
+      <a:schemeClr val="accent1"/>
+    </dgm:fillClrLst>
+    <dgm:linClrLst meth="repeat">
+      <a:schemeClr val="lt1"/>
+    </dgm:linClrLst>
+    <dgm:effectClrLst/>
+    <dgm:txLinClrLst/>
+    <dgm:txFillClrLst/>
+    <dgm:txEffectClrLst/>
+  </dgm:styleLbl>
+  <dgm:styleLbl name="parChTrans2D1">
+    <dgm:fillClrLst meth="repeat">
+      <a:schemeClr val="accent1">
+        <a:tint val="60000"/>
+      </a:schemeClr>
+    </dgm:fillClrLst>
+    <dgm:linClrLst meth="repeat">
+      <a:schemeClr val="accent1">
+        <a:tint val="60000"/>
+      </a:schemeClr>
+    </dgm:linClrLst>
+    <dgm:effectClrLst/>
+    <dgm:txLinClrLst/>
+    <dgm:txFillClrLst meth="repeat">
+      <a:schemeClr val="lt1"/>
+    </dgm:txFillClrLst>
+    <dgm:txEffectClrLst/>
+  </dgm:styleLbl>
+  <dgm:styleLbl name="parChTrans2D2">
+    <dgm:fillClrLst meth="repeat">
+      <a:schemeClr val="accent1"/>
+    </dgm:fillClrLst>
+    <dgm:linClrLst meth="repeat">
+      <a:schemeClr val="accent1"/>
+    </dgm:linClrLst>
+    <dgm:effectClrLst/>
+    <dgm:txLinClrLst/>
+    <dgm:txFillClrLst meth="repeat">
+      <a:schemeClr val="lt1"/>
+    </dgm:txFillClrLst>
+    <dgm:txEffectClrLst/>
+  </dgm:styleLbl>
+  <dgm:styleLbl name="parChTrans2D3">
+    <dgm:fillClrLst meth="repeat">
+      <a:schemeClr val="accent1"/>
+    </dgm:fillClrLst>
+    <dgm:linClrLst meth="repeat">
+      <a:schemeClr val="accent1"/>
+    </dgm:linClrLst>
+    <dgm:effectClrLst/>
+    <dgm:txLinClrLst/>
+    <dgm:txFillClrLst meth="repeat">
+      <a:schemeClr val="lt1"/>
+    </dgm:txFillClrLst>
+    <dgm:txEffectClrLst/>
+  </dgm:styleLbl>
+  <dgm:styleLbl name="parChTrans2D4">
+    <dgm:fillClrLst meth="repeat">
+      <a:schemeClr val="accent1"/>
+    </dgm:fillClrLst>
+    <dgm:linClrLst meth="repeat">
+      <a:schemeClr val="accent1"/>
+    </dgm:linClrLst>
+    <dgm:effectClrLst/>
+    <dgm:txLinClrLst/>
+    <dgm:txFillClrLst meth="repeat">
+      <a:schemeClr val="lt1"/>
+    </dgm:txFillClrLst>
+    <dgm:txEffectClrLst/>
+  </dgm:styleLbl>
+  <dgm:styleLbl name="parChTrans1D1">
+    <dgm:fillClrLst meth="repeat">
+      <a:schemeClr val="accent1"/>
+    </dgm:fillClrLst>
+    <dgm:linClrLst meth="repeat">
+      <a:schemeClr val="accent1">
+        <a:shade val="60000"/>
+      </a:schemeClr>
+    </dgm:linClrLst>
+    <dgm:effectClrLst/>
+    <dgm:txLinClrLst/>
+    <dgm:txFillClrLst meth="repeat">
+      <a:schemeClr val="tx1"/>
+    </dgm:txFillClrLst>
+    <dgm:txEffectClrLst/>
+  </dgm:styleLbl>
+  <dgm:styleLbl name="parChTrans1D2">
+    <dgm:fillClrLst meth="repeat">
+      <a:schemeClr val="accent1"/>
+    </dgm:fillClrLst>
+    <dgm:linClrLst meth="repeat">
+      <a:schemeClr val="accent1">
+        <a:shade val="60000"/>
+      </a:schemeClr>
+    </dgm:linClrLst>
+    <dgm:effectClrLst/>
+    <dgm:txLinClrLst/>
+    <dgm:txFillClrLst meth="repeat">
+      <a:schemeClr val="tx1"/>
+    </dgm:txFillClrLst>
+    <dgm:txEffectClrLst/>
+  </dgm:styleLbl>
+  <dgm:styleLbl name="parChTrans1D3">
+    <dgm:fillClrLst meth="repeat">
+      <a:schemeClr val="accent1"/>
+    </dgm:fillClrLst>
+    <dgm:linClrLst meth="repeat">
+      <a:schemeClr val="accent1">
+        <a:shade val="80000"/>
+      </a:schemeClr>
+    </dgm:linClrLst>
+    <dgm:effectClrLst/>
+    <dgm:txLinClrLst/>
+    <dgm:txFillClrLst meth="repeat">
+      <a:schemeClr val="tx1"/>
+    </dgm:txFillClrLst>
+    <dgm:txEffectClrLst/>
+  </dgm:styleLbl>
+  <dgm:styleLbl name="parChTrans1D4">
+    <dgm:fillClrLst meth="repeat">
+      <a:schemeClr val="accent1"/>
+    </dgm:fillClrLst>
+    <dgm:linClrLst meth="repeat">
+      <a:schemeClr val="accent1">
+        <a:shade val="80000"/>
+      </a:schemeClr>
+    </dgm:linClrLst>
+    <dgm:effectClrLst/>
+    <dgm:txLinClrLst/>
+    <dgm:txFillClrLst meth="repeat">
+      <a:schemeClr val="tx1"/>
+    </dgm:txFillClrLst>
+    <dgm:txEffectClrLst/>
+  </dgm:styleLbl>
+  <dgm:styleLbl name="fgAcc1">
+    <dgm:fillClrLst meth="repeat">
+      <a:schemeClr val="lt1">
+        <a:alpha val="90000"/>
+      </a:schemeClr>
+    </dgm:fillClrLst>
+    <dgm:linClrLst meth="repeat">
+      <a:schemeClr val="accent1"/>
+    </dgm:linClrLst>
+    <dgm:effectClrLst/>
+    <dgm:txLinClrLst/>
+    <dgm:txFillClrLst meth="repeat">
+      <a:schemeClr val="dk1"/>
+    </dgm:txFillClrLst>
+    <dgm:txEffectClrLst/>
+  </dgm:styleLbl>
+  <dgm:styleLbl name="conFgAcc1">
+    <dgm:fillClrLst meth="repeat">
+      <a:schemeClr val="lt1">
+        <a:alpha val="90000"/>
+      </a:schemeClr>
+    </dgm:fillClrLst>
+    <dgm:linClrLst meth="repeat">
+      <a:schemeClr val="accent1"/>
+    </dgm:linClrLst>
+    <dgm:effectClrLst/>
+    <dgm:txLinClrLst/>
+    <dgm:txFillClrLst meth="repeat">
+      <a:schemeClr val="dk1"/>
+    </dgm:txFillClrLst>
+    <dgm:txEffectClrLst/>
+  </dgm:styleLbl>
+  <dgm:styleLbl name="alignAcc1">
+    <dgm:fillClrLst meth="repeat">
+      <a:schemeClr val="lt1">
+        <a:alpha val="90000"/>
+      </a:schemeClr>
+    </dgm:fillClrLst>
+    <dgm:linClrLst meth="repeat">
+      <a:schemeClr val="accent1"/>
+    </dgm:linClrLst>
+    <dgm:effectClrLst/>
+    <dgm:txLinClrLst/>
+    <dgm:txFillClrLst meth="repeat">
+      <a:schemeClr val="dk1"/>
+    </dgm:txFillClrLst>
+    <dgm:txEffectClrLst/>
+  </dgm:styleLbl>
+  <dgm:styleLbl name="trAlignAcc1">
+    <dgm:fillClrLst meth="repeat">
+      <a:schemeClr val="lt1">
+        <a:alpha val="40000"/>
+      </a:schemeClr>
+    </dgm:fillClrLst>
+    <dgm:linClrLst meth="repeat">
+      <a:schemeClr val="accent1"/>
+    </dgm:linClrLst>
+    <dgm:effectClrLst/>
+    <dgm:txLinClrLst/>
+    <dgm:txFillClrLst meth="repeat">
+      <a:schemeClr val="dk1"/>
+    </dgm:txFillClrLst>
+    <dgm:txEffectClrLst/>
+  </dgm:styleLbl>
+  <dgm:styleLbl name="bgAcc1">
+    <dgm:fillClrLst meth="repeat">
+      <a:schemeClr val="lt1">
+        <a:alpha val="90000"/>
+      </a:schemeClr>
+    </dgm:fillClrLst>
+    <dgm:linClrLst meth="repeat">
+      <a:schemeClr val="accent1"/>
+    </dgm:linClrLst>
+    <dgm:effectClrLst/>
+    <dgm:txLinClrLst/>
+    <dgm:txFillClrLst meth="repeat">
+      <a:schemeClr val="dk1"/>
+    </dgm:txFillClrLst>
+    <dgm:txEffectClrLst/>
+  </dgm:styleLbl>
+  <dgm:styleLbl name="solidFgAcc1">
+    <dgm:fillClrLst meth="repeat">
+      <a:schemeClr val="lt1"/>
+    </dgm:fillClrLst>
+    <dgm:linClrLst meth="repeat">
+      <a:schemeClr val="accent1"/>
+    </dgm:linClrLst>
+    <dgm:effectClrLst/>
+    <dgm:txLinClrLst/>
+    <dgm:txFillClrLst meth="repeat">
+      <a:schemeClr val="dk1"/>
+    </dgm:txFillClrLst>
+    <dgm:txEffectClrLst/>
+  </dgm:styleLbl>
+  <dgm:styleLbl name="solidAlignAcc1">
+    <dgm:fillClrLst meth="repeat">
+      <a:schemeClr val="lt1"/>
+    </dgm:fillClrLst>
+    <dgm:linClrLst meth="repeat">
+      <a:schemeClr val="accent1"/>
+    </dgm:linClrLst>
+    <dgm:effectClrLst/>
+    <dgm:txLinClrLst/>
+    <dgm:txFillClrLst meth="repeat">
+      <a:schemeClr val="dk1"/>
+    </dgm:txFillClrLst>
+    <dgm:txEffectClrLst/>
+  </dgm:styleLbl>
+  <dgm:styleLbl name="solidBgAcc1">
+    <dgm:fillClrLst meth="repeat">
+      <a:schemeClr val="lt1"/>
+    </dgm:fillClrLst>
+    <dgm:linClrLst meth="repeat">
+      <a:schemeClr val="accent1"/>
+    </dgm:linClrLst>
+    <dgm:effectClrLst/>
+    <dgm:txLinClrLst/>
+    <dgm:txFillClrLst meth="repeat">
+      <a:schemeClr val="dk1"/>
+    </dgm:txFillClrLst>
+    <dgm:txEffectClrLst/>
+  </dgm:styleLbl>
+  <dgm:styleLbl name="fgAccFollowNode1">
+    <dgm:fillClrLst meth="repeat">
+      <a:schemeClr val="accent1">
+        <a:alpha val="90000"/>
+        <a:tint val="40000"/>
+      </a:schemeClr>
+    </dgm:fillClrLst>
+    <dgm:linClrLst meth="repeat">
+      <a:schemeClr val="accent1">
+        <a:alpha val="90000"/>
+        <a:tint val="40000"/>
+      </a:schemeClr>
+    </dgm:linClrLst>
+    <dgm:effectClrLst/>
+    <dgm:txLinClrLst/>
+    <dgm:txFillClrLst meth="repeat">
+      <a:schemeClr val="dk1"/>
+    </dgm:txFillClrLst>
+    <dgm:txEffectClrLst/>
+  </dgm:styleLbl>
+  <dgm:styleLbl name="alignAccFollowNode1">
+    <dgm:fillClrLst meth="repeat">
+      <a:schemeClr val="accent1">
+        <a:alpha val="90000"/>
+        <a:tint val="40000"/>
+      </a:schemeClr>
+    </dgm:fillClrLst>
+    <dgm:linClrLst meth="repeat">
+      <a:schemeClr val="accent1">
+        <a:alpha val="90000"/>
+        <a:tint val="40000"/>
+      </a:schemeClr>
+    </dgm:linClrLst>
+    <dgm:effectClrLst/>
+    <dgm:txLinClrLst/>
+    <dgm:txFillClrLst meth="repeat">
+      <a:schemeClr val="dk1"/>
+    </dgm:txFillClrLst>
+    <dgm:txEffectClrLst/>
+  </dgm:styleLbl>
+  <dgm:styleLbl name="bgAccFollowNode1">
+    <dgm:fillClrLst meth="repeat">
+      <a:schemeClr val="accent1">
+        <a:alpha val="90000"/>
+        <a:tint val="40000"/>
+      </a:schemeClr>
+    </dgm:fillClrLst>
+    <dgm:linClrLst meth="repeat">
+      <a:schemeClr val="accent1">
+        <a:alpha val="90000"/>
+        <a:tint val="40000"/>
+      </a:schemeClr>
+    </dgm:linClrLst>
+    <dgm:effectClrLst/>
+    <dgm:txLinClrLst/>
+    <dgm:txFillClrLst meth="repeat">
+      <a:schemeClr val="dk1"/>
+    </dgm:txFillClrLst>
+    <dgm:txEffectClrLst/>
+  </dgm:styleLbl>
+  <dgm:styleLbl name="fgAcc0">
+    <dgm:fillClrLst meth="repeat">
+      <a:schemeClr val="lt1">
+        <a:alpha val="90000"/>
+      </a:schemeClr>
+    </dgm:fillClrLst>
+    <dgm:linClrLst meth="repeat">
+      <a:schemeClr val="accent1"/>
+    </dgm:linClrLst>
+    <dgm:effectClrLst/>
+    <dgm:txLinClrLst/>
+    <dgm:txFillClrLst meth="repeat">
+      <a:schemeClr val="dk1"/>
+    </dgm:txFillClrLst>
+    <dgm:txEffectClrLst/>
+  </dgm:styleLbl>
+  <dgm:styleLbl name="fgAcc2">
+    <dgm:fillClrLst meth="repeat">
+      <a:schemeClr val="lt1">
+        <a:alpha val="90000"/>
+      </a:schemeClr>
+    </dgm:fillClrLst>
+    <dgm:linClrLst meth="repeat">
+      <a:schemeClr val="accent1"/>
+    </dgm:linClrLst>
+    <dgm:effectClrLst/>
+    <dgm:txLinClrLst/>
+    <dgm:txFillClrLst meth="repeat">
+      <a:schemeClr val="dk1"/>
+    </dgm:txFillClrLst>
+    <dgm:txEffectClrLst/>
+  </dgm:styleLbl>
+  <dgm:styleLbl name="fgAcc3">
+    <dgm:fillClrLst meth="repeat">
+      <a:schemeClr val="lt1">
+        <a:alpha val="90000"/>
+      </a:schemeClr>
+    </dgm:fillClrLst>
+    <dgm:linClrLst meth="repeat">
+      <a:schemeClr val="accent1"/>
+    </dgm:linClrLst>
+    <dgm:effectClrLst/>
+    <dgm:txLinClrLst/>
+    <dgm:txFillClrLst meth="repeat">
+      <a:schemeClr val="dk1"/>
+    </dgm:txFillClrLst>
+    <dgm:txEffectClrLst/>
+  </dgm:styleLbl>
+  <dgm:styleLbl name="fgAcc4">
+    <dgm:fillClrLst meth="repeat">
+      <a:schemeClr val="lt1">
+        <a:alpha val="90000"/>
+      </a:schemeClr>
+    </dgm:fillClrLst>
+    <dgm:linClrLst meth="repeat">
+      <a:schemeClr val="accent1"/>
+    </dgm:linClrLst>
+    <dgm:effectClrLst/>
+    <dgm:txLinClrLst/>
+    <dgm:txFillClrLst meth="repeat">
+      <a:schemeClr val="dk1"/>
+    </dgm:txFillClrLst>
+    <dgm:txEffectClrLst/>
+  </dgm:styleLbl>
+  <dgm:styleLbl name="bgShp">
+    <dgm:fillClrLst meth="repeat">
+      <a:schemeClr val="accent1">
+        <a:tint val="40000"/>
+      </a:schemeClr>
+    </dgm:fillClrLst>
+    <dgm:linClrLst meth="repeat">
+      <a:schemeClr val="accent1"/>
+    </dgm:linClrLst>
+    <dgm:effectClrLst/>
+    <dgm:txLinClrLst/>
+    <dgm:txFillClrLst meth="repeat">
+      <a:schemeClr val="dk1"/>
+    </dgm:txFillClrLst>
+    <dgm:txEffectClrLst/>
+  </dgm:styleLbl>
+  <dgm:styleLbl name="dkBgShp">
+    <dgm:fillClrLst meth="repeat">
+      <a:schemeClr val="accent1">
+        <a:shade val="80000"/>
+      </a:schemeClr>
+    </dgm:fillClrLst>
+    <dgm:linClrLst meth="repeat">
+      <a:schemeClr val="accent1"/>
+    </dgm:linClrLst>
+    <dgm:effectClrLst/>
+    <dgm:txLinClrLst/>
+    <dgm:txFillClrLst meth="repeat">
+      <a:schemeClr val="lt1"/>
+    </dgm:txFillClrLst>
+    <dgm:txEffectClrLst/>
+  </dgm:styleLbl>
+  <dgm:styleLbl name="trBgShp">
+    <dgm:fillClrLst meth="repeat">
+      <a:schemeClr val="accent1">
+        <a:tint val="50000"/>
+        <a:alpha val="40000"/>
+      </a:schemeClr>
+    </dgm:fillClrLst>
+    <dgm:linClrLst meth="repeat">
+      <a:schemeClr val="accent1"/>
+    </dgm:linClrLst>
+    <dgm:effectClrLst/>
+    <dgm:txLinClrLst/>
+    <dgm:txFillClrLst meth="repeat">
+      <a:schemeClr val="lt1"/>
+    </dgm:txFillClrLst>
+    <dgm:txEffectClrLst/>
+  </dgm:styleLbl>
+  <dgm:styleLbl name="fgShp">
+    <dgm:fillClrLst meth="repeat">
+      <a:schemeClr val="accent1">
+        <a:tint val="60000"/>
+      </a:schemeClr>
+    </dgm:fillClrLst>
+    <dgm:linClrLst meth="repeat">
+      <a:schemeClr val="lt1"/>
+    </dgm:linClrLst>
+    <dgm:effectClrLst/>
+    <dgm:txLinClrLst/>
+    <dgm:txFillClrLst meth="repeat">
+      <a:schemeClr val="dk1"/>
+    </dgm:txFillClrLst>
+    <dgm:txEffectClrLst/>
+  </dgm:styleLbl>
+  <dgm:styleLbl name="revTx">
+    <dgm:fillClrLst meth="repeat">
+      <a:schemeClr val="lt1">
+        <a:alpha val="0"/>
+      </a:schemeClr>
+    </dgm:fillClrLst>
+    <dgm:linClrLst meth="repeat">
+      <a:schemeClr val="dk1">
+        <a:alpha val="0"/>
+      </a:schemeClr>
+    </dgm:linClrLst>
+    <dgm:effectClrLst/>
+    <dgm:txLinClrLst/>
+    <dgm:txFillClrLst meth="repeat">
+      <a:schemeClr val="tx1"/>
+    </dgm:txFillClrLst>
+    <dgm:txEffectClrLst/>
+  </dgm:styleLbl>
+</dgm:colorsDef>
+</file>
+
+<file path=ppt/diagrams/data1.xml><?xml version="1.0" encoding="utf-8"?>
+<dgm:dataModel xmlns:dgm="http://schemas.openxmlformats.org/drawingml/2006/diagram" xmlns:a="http://schemas.openxmlformats.org/drawingml/2006/main">
+  <dgm:ptLst>
+    <dgm:pt modelId="{3BA1705F-E0BA-DC46-8CB0-D1C336D01925}" type="doc">
+      <dgm:prSet loTypeId="urn:microsoft.com/office/officeart/2005/8/layout/process4" loCatId="process" qsTypeId="urn:microsoft.com/office/officeart/2005/8/quickstyle/simple4" qsCatId="simple" csTypeId="urn:microsoft.com/office/officeart/2005/8/colors/accent1_2" csCatId="accent1" phldr="1"/>
+      <dgm:spPr/>
+      <dgm:t>
+        <a:bodyPr/>
+        <a:lstStyle/>
+        <a:p>
+          <a:endParaRPr lang="en-US"/>
+        </a:p>
+      </dgm:t>
+    </dgm:pt>
+    <dgm:pt modelId="{C52DA908-9425-5948-B05E-6B57AFE792B1}">
+      <dgm:prSet phldrT="[Text]" custT="1"/>
+      <dgm:spPr/>
+      <dgm:t>
+        <a:bodyPr/>
+        <a:lstStyle/>
+        <a:p>
+          <a:r>
+            <a:rPr lang="en-US" sz="2100" dirty="0" smtClean="0">
+              <a:solidFill>
+                <a:schemeClr val="tx1"/>
+              </a:solidFill>
+              <a:latin typeface="Georgia"/>
+              <a:cs typeface="Georgia"/>
+            </a:rPr>
+            <a:t>Random </a:t>
+          </a:r>
+          <a:r>
+            <a:rPr lang="en-US" sz="2000" dirty="0" smtClean="0">
+              <a:solidFill>
+                <a:schemeClr val="tx1"/>
+              </a:solidFill>
+              <a:latin typeface="Georgia"/>
+              <a:cs typeface="Georgia"/>
+            </a:rPr>
+            <a:t>Select</a:t>
+          </a:r>
+          <a:endParaRPr lang="en-US" sz="2000" dirty="0">
+            <a:solidFill>
+              <a:schemeClr val="tx1"/>
+            </a:solidFill>
+            <a:latin typeface="Georgia"/>
+            <a:cs typeface="Georgia"/>
+          </a:endParaRPr>
+        </a:p>
+      </dgm:t>
+    </dgm:pt>
+    <dgm:pt modelId="{63227DC4-0F62-DC43-8D8C-9F0F468A4858}" type="parTrans" cxnId="{33A6D84A-E119-DB49-AFED-450C011902EE}">
+      <dgm:prSet/>
+      <dgm:spPr/>
+      <dgm:t>
+        <a:bodyPr/>
+        <a:lstStyle/>
+        <a:p>
+          <a:endParaRPr lang="en-US">
+            <a:latin typeface="Georgia"/>
+            <a:cs typeface="Georgia"/>
+          </a:endParaRPr>
+        </a:p>
+      </dgm:t>
+    </dgm:pt>
+    <dgm:pt modelId="{FFA5C026-EA14-7241-8A03-C97A7250A135}" type="sibTrans" cxnId="{33A6D84A-E119-DB49-AFED-450C011902EE}">
+      <dgm:prSet/>
+      <dgm:spPr/>
+      <dgm:t>
+        <a:bodyPr/>
+        <a:lstStyle/>
+        <a:p>
+          <a:endParaRPr lang="en-US">
+            <a:latin typeface="Georgia"/>
+            <a:cs typeface="Georgia"/>
+          </a:endParaRPr>
+        </a:p>
+      </dgm:t>
+    </dgm:pt>
+    <dgm:pt modelId="{A29D0659-DBF3-FF4F-A6FE-4236E1C1E6DC}">
+      <dgm:prSet phldrT="[Text]"/>
+      <dgm:spPr/>
+      <dgm:t>
+        <a:bodyPr/>
+        <a:lstStyle/>
+        <a:p>
+          <a:r>
+            <a:rPr lang="en-US" dirty="0" smtClean="0">
+              <a:latin typeface="Georgia"/>
+              <a:cs typeface="Georgia"/>
+            </a:rPr>
+            <a:t>Select Training Data Set</a:t>
+          </a:r>
+          <a:endParaRPr lang="en-US" dirty="0">
+            <a:latin typeface="Georgia"/>
+            <a:cs typeface="Georgia"/>
+          </a:endParaRPr>
+        </a:p>
+      </dgm:t>
+    </dgm:pt>
+    <dgm:pt modelId="{07A0DEC9-B562-BA42-806A-BE8EA5B75752}" type="parTrans" cxnId="{BF265F81-3CBB-124A-9AB7-2EEE24FB0701}">
+      <dgm:prSet/>
+      <dgm:spPr/>
+      <dgm:t>
+        <a:bodyPr/>
+        <a:lstStyle/>
+        <a:p>
+          <a:endParaRPr lang="en-US">
+            <a:latin typeface="Georgia"/>
+            <a:cs typeface="Georgia"/>
+          </a:endParaRPr>
+        </a:p>
+      </dgm:t>
+    </dgm:pt>
+    <dgm:pt modelId="{E2018CB6-B69A-CC4A-9310-409C533D1113}" type="sibTrans" cxnId="{BF265F81-3CBB-124A-9AB7-2EEE24FB0701}">
+      <dgm:prSet/>
+      <dgm:spPr/>
+      <dgm:t>
+        <a:bodyPr/>
+        <a:lstStyle/>
+        <a:p>
+          <a:endParaRPr lang="en-US">
+            <a:latin typeface="Georgia"/>
+            <a:cs typeface="Georgia"/>
+          </a:endParaRPr>
+        </a:p>
+      </dgm:t>
+    </dgm:pt>
+    <dgm:pt modelId="{20A07F48-E1FF-6D4D-A07E-8EB1ECCDEC74}">
+      <dgm:prSet phldrT="[Text]" custT="1"/>
+      <dgm:spPr/>
+      <dgm:t>
+        <a:bodyPr/>
+        <a:lstStyle/>
+        <a:p>
+          <a:r>
+            <a:rPr lang="en-US" sz="2000" dirty="0" smtClean="0">
+              <a:solidFill>
+                <a:srgbClr val="000000"/>
+              </a:solidFill>
+              <a:latin typeface="Georgia"/>
+              <a:cs typeface="Georgia"/>
+            </a:rPr>
+            <a:t>Initialize Relative Weights</a:t>
+          </a:r>
+          <a:endParaRPr lang="en-US" sz="2000" dirty="0">
+            <a:solidFill>
+              <a:srgbClr val="000000"/>
+            </a:solidFill>
+            <a:latin typeface="Georgia"/>
+            <a:cs typeface="Georgia"/>
+          </a:endParaRPr>
+        </a:p>
+      </dgm:t>
+    </dgm:pt>
+    <dgm:pt modelId="{1F7AEE5A-E91D-5444-8E38-00C7BB742E59}" type="parTrans" cxnId="{0EFBB2ED-969A-EA49-9AD1-1C24FFE0F388}">
+      <dgm:prSet/>
+      <dgm:spPr/>
+      <dgm:t>
+        <a:bodyPr/>
+        <a:lstStyle/>
+        <a:p>
+          <a:endParaRPr lang="en-US">
+            <a:latin typeface="Georgia"/>
+            <a:cs typeface="Georgia"/>
+          </a:endParaRPr>
+        </a:p>
+      </dgm:t>
+    </dgm:pt>
+    <dgm:pt modelId="{AA118DBA-C1DC-1C45-8604-0AA407E0B89D}" type="sibTrans" cxnId="{0EFBB2ED-969A-EA49-9AD1-1C24FFE0F388}">
+      <dgm:prSet/>
+      <dgm:spPr/>
+      <dgm:t>
+        <a:bodyPr/>
+        <a:lstStyle/>
+        <a:p>
+          <a:endParaRPr lang="en-US">
+            <a:latin typeface="Georgia"/>
+            <a:cs typeface="Georgia"/>
+          </a:endParaRPr>
+        </a:p>
+      </dgm:t>
+    </dgm:pt>
+    <dgm:pt modelId="{6A1A6EFB-CCC9-9D4C-A90B-AE821544A349}">
+      <dgm:prSet phldrT="[Text]"/>
+      <dgm:spPr/>
+      <dgm:t>
+        <a:bodyPr/>
+        <a:lstStyle/>
+        <a:p>
+          <a:r>
+            <a:rPr lang="en-US" dirty="0" smtClean="0">
+              <a:latin typeface="Georgia"/>
+              <a:cs typeface="Georgia"/>
+            </a:rPr>
+            <a:t>Find Initial Relative Weights for Local Similarity</a:t>
+          </a:r>
+          <a:endParaRPr lang="en-US" dirty="0">
+            <a:latin typeface="Georgia"/>
+            <a:cs typeface="Georgia"/>
+          </a:endParaRPr>
+        </a:p>
+      </dgm:t>
+    </dgm:pt>
+    <dgm:pt modelId="{03D5BE02-1767-3545-97F6-F8F68A9A8261}" type="parTrans" cxnId="{C8B3FC37-0AFD-E348-9FAD-28B80AB19495}">
+      <dgm:prSet/>
+      <dgm:spPr/>
+      <dgm:t>
+        <a:bodyPr/>
+        <a:lstStyle/>
+        <a:p>
+          <a:endParaRPr lang="en-US">
+            <a:latin typeface="Georgia"/>
+            <a:cs typeface="Georgia"/>
+          </a:endParaRPr>
+        </a:p>
+      </dgm:t>
+    </dgm:pt>
+    <dgm:pt modelId="{31132092-A27F-7841-90E9-8E8C25F18BCA}" type="sibTrans" cxnId="{C8B3FC37-0AFD-E348-9FAD-28B80AB19495}">
+      <dgm:prSet/>
+      <dgm:spPr/>
+      <dgm:t>
+        <a:bodyPr/>
+        <a:lstStyle/>
+        <a:p>
+          <a:endParaRPr lang="en-US">
+            <a:latin typeface="Georgia"/>
+            <a:cs typeface="Georgia"/>
+          </a:endParaRPr>
+        </a:p>
+      </dgm:t>
+    </dgm:pt>
+    <dgm:pt modelId="{83C241C7-BBDA-7945-857F-CB1BECD026F6}">
+      <dgm:prSet phldrT="[Text]" custT="1"/>
+      <dgm:spPr/>
+      <dgm:t>
+        <a:bodyPr/>
+        <a:lstStyle/>
+        <a:p>
+          <a:r>
+            <a:rPr lang="en-US" sz="2000" dirty="0" smtClean="0">
+              <a:solidFill>
+                <a:srgbClr val="000000"/>
+              </a:solidFill>
+              <a:latin typeface="Georgia"/>
+              <a:cs typeface="Georgia"/>
+            </a:rPr>
+            <a:t>Learn</a:t>
+          </a:r>
+          <a:endParaRPr lang="en-US" sz="2000" dirty="0">
+            <a:solidFill>
+              <a:srgbClr val="000000"/>
+            </a:solidFill>
+            <a:latin typeface="Georgia"/>
+            <a:cs typeface="Georgia"/>
+          </a:endParaRPr>
+        </a:p>
+      </dgm:t>
+    </dgm:pt>
+    <dgm:pt modelId="{118064A2-6428-9949-B706-1B864D02B92C}" type="parTrans" cxnId="{CC5C1AFC-F0F2-C949-8EFB-245F4670B115}">
+      <dgm:prSet/>
+      <dgm:spPr/>
+      <dgm:t>
+        <a:bodyPr/>
+        <a:lstStyle/>
+        <a:p>
+          <a:endParaRPr lang="en-US">
+            <a:latin typeface="Georgia"/>
+            <a:cs typeface="Georgia"/>
+          </a:endParaRPr>
+        </a:p>
+      </dgm:t>
+    </dgm:pt>
+    <dgm:pt modelId="{E2288DE1-6CED-2247-BC54-AB8D6A40BBFC}" type="sibTrans" cxnId="{CC5C1AFC-F0F2-C949-8EFB-245F4670B115}">
+      <dgm:prSet/>
+      <dgm:spPr/>
+      <dgm:t>
+        <a:bodyPr/>
+        <a:lstStyle/>
+        <a:p>
+          <a:endParaRPr lang="en-US">
+            <a:latin typeface="Georgia"/>
+            <a:cs typeface="Georgia"/>
+          </a:endParaRPr>
+        </a:p>
+      </dgm:t>
+    </dgm:pt>
+    <dgm:pt modelId="{66A96539-6FC5-A946-A7A7-F2153B10B730}">
+      <dgm:prSet phldrT="[Text]"/>
+      <dgm:spPr/>
+      <dgm:t>
+        <a:bodyPr/>
+        <a:lstStyle/>
+        <a:p>
+          <a:r>
+            <a:rPr lang="en-US" dirty="0" smtClean="0">
+              <a:latin typeface="Georgia"/>
+              <a:cs typeface="Georgia"/>
+            </a:rPr>
+            <a:t>Learn Relative Weights</a:t>
+          </a:r>
+          <a:endParaRPr lang="en-US" dirty="0">
+            <a:latin typeface="Georgia"/>
+            <a:cs typeface="Georgia"/>
+          </a:endParaRPr>
+        </a:p>
+      </dgm:t>
+    </dgm:pt>
+    <dgm:pt modelId="{D25CCDE8-8511-FA4F-87DA-C0C6F1811F15}" type="parTrans" cxnId="{58F1DE4D-FC72-6140-8905-ED32E71763EB}">
+      <dgm:prSet/>
+      <dgm:spPr/>
+      <dgm:t>
+        <a:bodyPr/>
+        <a:lstStyle/>
+        <a:p>
+          <a:endParaRPr lang="en-US">
+            <a:latin typeface="Georgia"/>
+            <a:cs typeface="Georgia"/>
+          </a:endParaRPr>
+        </a:p>
+      </dgm:t>
+    </dgm:pt>
+    <dgm:pt modelId="{8A5A52FC-4171-174C-BE4B-A1676FCB6962}" type="sibTrans" cxnId="{58F1DE4D-FC72-6140-8905-ED32E71763EB}">
+      <dgm:prSet/>
+      <dgm:spPr/>
+      <dgm:t>
+        <a:bodyPr/>
+        <a:lstStyle/>
+        <a:p>
+          <a:endParaRPr lang="en-US">
+            <a:latin typeface="Georgia"/>
+            <a:cs typeface="Georgia"/>
+          </a:endParaRPr>
+        </a:p>
+      </dgm:t>
+    </dgm:pt>
+    <dgm:pt modelId="{A092C352-1CEA-AF4C-A770-FDFF2A7BB67C}">
+      <dgm:prSet phldrT="[Text]" custT="1"/>
+      <dgm:spPr/>
+      <dgm:t>
+        <a:bodyPr/>
+        <a:lstStyle/>
+        <a:p>
+          <a:r>
+            <a:rPr lang="en-US" sz="2000" dirty="0" smtClean="0">
+              <a:solidFill>
+                <a:srgbClr val="000000"/>
+              </a:solidFill>
+              <a:latin typeface="Georgia"/>
+              <a:cs typeface="Georgia"/>
+            </a:rPr>
+            <a:t>Evaluate</a:t>
+          </a:r>
+          <a:endParaRPr lang="en-US" sz="2000" dirty="0">
+            <a:solidFill>
+              <a:srgbClr val="000000"/>
+            </a:solidFill>
+            <a:latin typeface="Georgia"/>
+            <a:cs typeface="Georgia"/>
+          </a:endParaRPr>
+        </a:p>
+      </dgm:t>
+    </dgm:pt>
+    <dgm:pt modelId="{C3043119-2DE8-654B-8D83-9D8FA84E9B46}" type="parTrans" cxnId="{2F7888CD-C96D-9346-87C6-6BEF656A3601}">
+      <dgm:prSet/>
+      <dgm:spPr/>
+      <dgm:t>
+        <a:bodyPr/>
+        <a:lstStyle/>
+        <a:p>
+          <a:endParaRPr lang="en-US">
+            <a:latin typeface="Georgia"/>
+            <a:cs typeface="Georgia"/>
+          </a:endParaRPr>
+        </a:p>
+      </dgm:t>
+    </dgm:pt>
+    <dgm:pt modelId="{214BC011-3E84-5A40-ABC3-77DFB0CD1276}" type="sibTrans" cxnId="{2F7888CD-C96D-9346-87C6-6BEF656A3601}">
+      <dgm:prSet/>
+      <dgm:spPr/>
+      <dgm:t>
+        <a:bodyPr/>
+        <a:lstStyle/>
+        <a:p>
+          <a:endParaRPr lang="en-US">
+            <a:latin typeface="Georgia"/>
+            <a:cs typeface="Georgia"/>
+          </a:endParaRPr>
+        </a:p>
+      </dgm:t>
+    </dgm:pt>
+    <dgm:pt modelId="{D13CD1B0-83D9-5145-BCD6-E51A7326F1D7}">
+      <dgm:prSet phldrT="[Text]"/>
+      <dgm:spPr/>
+      <dgm:t>
+        <a:bodyPr/>
+        <a:lstStyle/>
+        <a:p>
+          <a:r>
+            <a:rPr lang="en-US" dirty="0" smtClean="0">
+              <a:latin typeface="Georgia"/>
+              <a:cs typeface="Georgia"/>
+            </a:rPr>
+            <a:t>Evaluate Auto-Tagging Accuracy </a:t>
+          </a:r>
+          <a:endParaRPr lang="en-US" dirty="0">
+            <a:latin typeface="Georgia"/>
+            <a:cs typeface="Georgia"/>
+          </a:endParaRPr>
+        </a:p>
+      </dgm:t>
+    </dgm:pt>
+    <dgm:pt modelId="{81088E42-74F3-8848-A64A-A0E1DB2508F8}" type="parTrans" cxnId="{23A0A539-B9A6-5344-AFF6-0AC171C5A493}">
+      <dgm:prSet/>
+      <dgm:spPr/>
+      <dgm:t>
+        <a:bodyPr/>
+        <a:lstStyle/>
+        <a:p>
+          <a:endParaRPr lang="en-US">
+            <a:latin typeface="Georgia"/>
+            <a:cs typeface="Georgia"/>
+          </a:endParaRPr>
+        </a:p>
+      </dgm:t>
+    </dgm:pt>
+    <dgm:pt modelId="{582959C3-0FCE-5D46-B6A8-D6D7FFC80824}" type="sibTrans" cxnId="{23A0A539-B9A6-5344-AFF6-0AC171C5A493}">
+      <dgm:prSet/>
+      <dgm:spPr/>
+      <dgm:t>
+        <a:bodyPr/>
+        <a:lstStyle/>
+        <a:p>
+          <a:endParaRPr lang="en-US">
+            <a:latin typeface="Georgia"/>
+            <a:cs typeface="Georgia"/>
+          </a:endParaRPr>
+        </a:p>
+      </dgm:t>
+    </dgm:pt>
+    <dgm:pt modelId="{5DA6B6AC-ABA3-2B41-9E84-B287273838D8}" type="pres">
+      <dgm:prSet presAssocID="{3BA1705F-E0BA-DC46-8CB0-D1C336D01925}" presName="Name0" presStyleCnt="0">
+        <dgm:presLayoutVars>
+          <dgm:dir/>
+          <dgm:animLvl val="lvl"/>
+          <dgm:resizeHandles val="exact"/>
+        </dgm:presLayoutVars>
+      </dgm:prSet>
+      <dgm:spPr/>
+      <dgm:t>
+        <a:bodyPr/>
+        <a:lstStyle/>
+        <a:p>
+          <a:endParaRPr lang="en-US"/>
+        </a:p>
+      </dgm:t>
+    </dgm:pt>
+    <dgm:pt modelId="{A400EA9E-1DA7-FB40-9240-59ACE069AF1A}" type="pres">
+      <dgm:prSet presAssocID="{A092C352-1CEA-AF4C-A770-FDFF2A7BB67C}" presName="boxAndChildren" presStyleCnt="0"/>
+      <dgm:spPr/>
+    </dgm:pt>
+    <dgm:pt modelId="{102464FE-230A-FF48-B591-F4ED733E0DAD}" type="pres">
+      <dgm:prSet presAssocID="{A092C352-1CEA-AF4C-A770-FDFF2A7BB67C}" presName="parentTextBox" presStyleLbl="node1" presStyleIdx="0" presStyleCnt="4"/>
+      <dgm:spPr/>
+      <dgm:t>
+        <a:bodyPr/>
+        <a:lstStyle/>
+        <a:p>
+          <a:endParaRPr lang="en-US"/>
+        </a:p>
+      </dgm:t>
+    </dgm:pt>
+    <dgm:pt modelId="{B9F345E9-F1CD-BB46-A37E-D7668551CCE8}" type="pres">
+      <dgm:prSet presAssocID="{A092C352-1CEA-AF4C-A770-FDFF2A7BB67C}" presName="entireBox" presStyleLbl="node1" presStyleIdx="0" presStyleCnt="4"/>
+      <dgm:spPr/>
+      <dgm:t>
+        <a:bodyPr/>
+        <a:lstStyle/>
+        <a:p>
+          <a:endParaRPr lang="en-US"/>
+        </a:p>
+      </dgm:t>
+    </dgm:pt>
+    <dgm:pt modelId="{E2CA06E6-8965-6940-9F4F-E6FDBE21F282}" type="pres">
+      <dgm:prSet presAssocID="{A092C352-1CEA-AF4C-A770-FDFF2A7BB67C}" presName="descendantBox" presStyleCnt="0"/>
+      <dgm:spPr/>
+    </dgm:pt>
+    <dgm:pt modelId="{906C6A75-8DEC-8146-9AA2-78FB30225788}" type="pres">
+      <dgm:prSet presAssocID="{D13CD1B0-83D9-5145-BCD6-E51A7326F1D7}" presName="childTextBox" presStyleLbl="fgAccFollowNode1" presStyleIdx="0" presStyleCnt="4">
+        <dgm:presLayoutVars>
+          <dgm:bulletEnabled val="1"/>
+        </dgm:presLayoutVars>
+      </dgm:prSet>
+      <dgm:spPr/>
+      <dgm:t>
+        <a:bodyPr/>
+        <a:lstStyle/>
+        <a:p>
+          <a:endParaRPr lang="en-US"/>
+        </a:p>
+      </dgm:t>
+    </dgm:pt>
+    <dgm:pt modelId="{0E337782-AAF3-044A-81E7-D774D64864CD}" type="pres">
+      <dgm:prSet presAssocID="{E2288DE1-6CED-2247-BC54-AB8D6A40BBFC}" presName="sp" presStyleCnt="0"/>
+      <dgm:spPr/>
+    </dgm:pt>
+    <dgm:pt modelId="{0AD2129D-F32A-0041-A900-06DAC00272ED}" type="pres">
+      <dgm:prSet presAssocID="{83C241C7-BBDA-7945-857F-CB1BECD026F6}" presName="arrowAndChildren" presStyleCnt="0"/>
+      <dgm:spPr/>
+    </dgm:pt>
+    <dgm:pt modelId="{C5C2D940-3F9D-E24B-8BB8-8BF791AF2811}" type="pres">
+      <dgm:prSet presAssocID="{83C241C7-BBDA-7945-857F-CB1BECD026F6}" presName="parentTextArrow" presStyleLbl="node1" presStyleIdx="0" presStyleCnt="4"/>
+      <dgm:spPr/>
+      <dgm:t>
+        <a:bodyPr/>
+        <a:lstStyle/>
+        <a:p>
+          <a:endParaRPr lang="en-US"/>
+        </a:p>
+      </dgm:t>
+    </dgm:pt>
+    <dgm:pt modelId="{22CCF5B1-4963-1144-9615-9CB37A90CE71}" type="pres">
+      <dgm:prSet presAssocID="{83C241C7-BBDA-7945-857F-CB1BECD026F6}" presName="arrow" presStyleLbl="node1" presStyleIdx="1" presStyleCnt="4"/>
+      <dgm:spPr/>
+      <dgm:t>
+        <a:bodyPr/>
+        <a:lstStyle/>
+        <a:p>
+          <a:endParaRPr lang="en-US"/>
+        </a:p>
+      </dgm:t>
+    </dgm:pt>
+    <dgm:pt modelId="{C772CB13-AAC3-5B40-91C0-DF0EA3DFA7DC}" type="pres">
+      <dgm:prSet presAssocID="{83C241C7-BBDA-7945-857F-CB1BECD026F6}" presName="descendantArrow" presStyleCnt="0"/>
+      <dgm:spPr/>
+    </dgm:pt>
+    <dgm:pt modelId="{14AF9E7B-6F59-194A-9916-A0581CF06F66}" type="pres">
+      <dgm:prSet presAssocID="{66A96539-6FC5-A946-A7A7-F2153B10B730}" presName="childTextArrow" presStyleLbl="fgAccFollowNode1" presStyleIdx="1" presStyleCnt="4">
+        <dgm:presLayoutVars>
+          <dgm:bulletEnabled val="1"/>
+        </dgm:presLayoutVars>
+      </dgm:prSet>
+      <dgm:spPr/>
+      <dgm:t>
+        <a:bodyPr/>
+        <a:lstStyle/>
+        <a:p>
+          <a:endParaRPr lang="en-US"/>
+        </a:p>
+      </dgm:t>
+    </dgm:pt>
+    <dgm:pt modelId="{902F7EE1-6E51-BA4F-86DF-C6D93C7DC5EA}" type="pres">
+      <dgm:prSet presAssocID="{AA118DBA-C1DC-1C45-8604-0AA407E0B89D}" presName="sp" presStyleCnt="0"/>
+      <dgm:spPr/>
+    </dgm:pt>
+    <dgm:pt modelId="{9DEB2D5F-44D1-2445-8C7C-F28D1FF03B4D}" type="pres">
+      <dgm:prSet presAssocID="{20A07F48-E1FF-6D4D-A07E-8EB1ECCDEC74}" presName="arrowAndChildren" presStyleCnt="0"/>
+      <dgm:spPr/>
+    </dgm:pt>
+    <dgm:pt modelId="{E0726C17-6105-C049-85C3-448117711ED9}" type="pres">
+      <dgm:prSet presAssocID="{20A07F48-E1FF-6D4D-A07E-8EB1ECCDEC74}" presName="parentTextArrow" presStyleLbl="node1" presStyleIdx="1" presStyleCnt="4"/>
+      <dgm:spPr/>
+      <dgm:t>
+        <a:bodyPr/>
+        <a:lstStyle/>
+        <a:p>
+          <a:endParaRPr lang="en-US"/>
+        </a:p>
+      </dgm:t>
+    </dgm:pt>
+    <dgm:pt modelId="{50143F26-D35F-C444-8C04-374705C12AE1}" type="pres">
+      <dgm:prSet presAssocID="{20A07F48-E1FF-6D4D-A07E-8EB1ECCDEC74}" presName="arrow" presStyleLbl="node1" presStyleIdx="2" presStyleCnt="4"/>
+      <dgm:spPr/>
+      <dgm:t>
+        <a:bodyPr/>
+        <a:lstStyle/>
+        <a:p>
+          <a:endParaRPr lang="en-US"/>
+        </a:p>
+      </dgm:t>
+    </dgm:pt>
+    <dgm:pt modelId="{B711FB0B-FED2-A34A-9121-E223A0A9AE78}" type="pres">
+      <dgm:prSet presAssocID="{20A07F48-E1FF-6D4D-A07E-8EB1ECCDEC74}" presName="descendantArrow" presStyleCnt="0"/>
+      <dgm:spPr/>
+    </dgm:pt>
+    <dgm:pt modelId="{89C8B710-8CB0-BA41-B2DB-C3DDDB2EB9B2}" type="pres">
+      <dgm:prSet presAssocID="{6A1A6EFB-CCC9-9D4C-A90B-AE821544A349}" presName="childTextArrow" presStyleLbl="fgAccFollowNode1" presStyleIdx="2" presStyleCnt="4">
+        <dgm:presLayoutVars>
+          <dgm:bulletEnabled val="1"/>
+        </dgm:presLayoutVars>
+      </dgm:prSet>
+      <dgm:spPr/>
+      <dgm:t>
+        <a:bodyPr/>
+        <a:lstStyle/>
+        <a:p>
+          <a:endParaRPr lang="en-US"/>
+        </a:p>
+      </dgm:t>
+    </dgm:pt>
+    <dgm:pt modelId="{142FCBA5-0A7C-7143-A074-4B0295A9A47E}" type="pres">
+      <dgm:prSet presAssocID="{FFA5C026-EA14-7241-8A03-C97A7250A135}" presName="sp" presStyleCnt="0"/>
+      <dgm:spPr/>
+    </dgm:pt>
+    <dgm:pt modelId="{CE8A07AF-6B88-314A-9F97-DE90D40CBF29}" type="pres">
+      <dgm:prSet presAssocID="{C52DA908-9425-5948-B05E-6B57AFE792B1}" presName="arrowAndChildren" presStyleCnt="0"/>
+      <dgm:spPr/>
+    </dgm:pt>
+    <dgm:pt modelId="{4E1AEDE4-2C5C-1344-8348-BC71C5A14093}" type="pres">
+      <dgm:prSet presAssocID="{C52DA908-9425-5948-B05E-6B57AFE792B1}" presName="parentTextArrow" presStyleLbl="node1" presStyleIdx="2" presStyleCnt="4"/>
+      <dgm:spPr/>
+      <dgm:t>
+        <a:bodyPr/>
+        <a:lstStyle/>
+        <a:p>
+          <a:endParaRPr lang="en-US"/>
+        </a:p>
+      </dgm:t>
+    </dgm:pt>
+    <dgm:pt modelId="{D14D93E6-8E4D-684A-9FB9-79BDD80F67EF}" type="pres">
+      <dgm:prSet presAssocID="{C52DA908-9425-5948-B05E-6B57AFE792B1}" presName="arrow" presStyleLbl="node1" presStyleIdx="3" presStyleCnt="4"/>
+      <dgm:spPr/>
+      <dgm:t>
+        <a:bodyPr/>
+        <a:lstStyle/>
+        <a:p>
+          <a:endParaRPr lang="en-US"/>
+        </a:p>
+      </dgm:t>
+    </dgm:pt>
+    <dgm:pt modelId="{BFB3FD57-6AAA-DE46-BE1F-614ED325DF62}" type="pres">
+      <dgm:prSet presAssocID="{C52DA908-9425-5948-B05E-6B57AFE792B1}" presName="descendantArrow" presStyleCnt="0"/>
+      <dgm:spPr/>
+    </dgm:pt>
+    <dgm:pt modelId="{A60F040B-F9FF-9E48-8D63-02576270A135}" type="pres">
+      <dgm:prSet presAssocID="{A29D0659-DBF3-FF4F-A6FE-4236E1C1E6DC}" presName="childTextArrow" presStyleLbl="fgAccFollowNode1" presStyleIdx="3" presStyleCnt="4">
+        <dgm:presLayoutVars>
+          <dgm:bulletEnabled val="1"/>
+        </dgm:presLayoutVars>
+      </dgm:prSet>
+      <dgm:spPr/>
+      <dgm:t>
+        <a:bodyPr/>
+        <a:lstStyle/>
+        <a:p>
+          <a:endParaRPr lang="en-US"/>
+        </a:p>
+      </dgm:t>
+    </dgm:pt>
+  </dgm:ptLst>
+  <dgm:cxnLst>
+    <dgm:cxn modelId="{2F7888CD-C96D-9346-87C6-6BEF656A3601}" srcId="{3BA1705F-E0BA-DC46-8CB0-D1C336D01925}" destId="{A092C352-1CEA-AF4C-A770-FDFF2A7BB67C}" srcOrd="3" destOrd="0" parTransId="{C3043119-2DE8-654B-8D83-9D8FA84E9B46}" sibTransId="{214BC011-3E84-5A40-ABC3-77DFB0CD1276}"/>
+    <dgm:cxn modelId="{1E538F78-A4E2-8340-92F7-B267205055C7}" type="presOf" srcId="{6A1A6EFB-CCC9-9D4C-A90B-AE821544A349}" destId="{89C8B710-8CB0-BA41-B2DB-C3DDDB2EB9B2}" srcOrd="0" destOrd="0" presId="urn:microsoft.com/office/officeart/2005/8/layout/process4"/>
+    <dgm:cxn modelId="{44C41705-E151-6C4A-9227-9C4D1F1B4E67}" type="presOf" srcId="{20A07F48-E1FF-6D4D-A07E-8EB1ECCDEC74}" destId="{50143F26-D35F-C444-8C04-374705C12AE1}" srcOrd="1" destOrd="0" presId="urn:microsoft.com/office/officeart/2005/8/layout/process4"/>
+    <dgm:cxn modelId="{33A6D84A-E119-DB49-AFED-450C011902EE}" srcId="{3BA1705F-E0BA-DC46-8CB0-D1C336D01925}" destId="{C52DA908-9425-5948-B05E-6B57AFE792B1}" srcOrd="0" destOrd="0" parTransId="{63227DC4-0F62-DC43-8D8C-9F0F468A4858}" sibTransId="{FFA5C026-EA14-7241-8A03-C97A7250A135}"/>
+    <dgm:cxn modelId="{233E4350-8A3A-5640-9C61-5B82B20AE5AC}" type="presOf" srcId="{83C241C7-BBDA-7945-857F-CB1BECD026F6}" destId="{C5C2D940-3F9D-E24B-8BB8-8BF791AF2811}" srcOrd="0" destOrd="0" presId="urn:microsoft.com/office/officeart/2005/8/layout/process4"/>
+    <dgm:cxn modelId="{CCF6E5E0-2008-3A49-B21B-E3964E4D2C8E}" type="presOf" srcId="{D13CD1B0-83D9-5145-BCD6-E51A7326F1D7}" destId="{906C6A75-8DEC-8146-9AA2-78FB30225788}" srcOrd="0" destOrd="0" presId="urn:microsoft.com/office/officeart/2005/8/layout/process4"/>
+    <dgm:cxn modelId="{BF265F81-3CBB-124A-9AB7-2EEE24FB0701}" srcId="{C52DA908-9425-5948-B05E-6B57AFE792B1}" destId="{A29D0659-DBF3-FF4F-A6FE-4236E1C1E6DC}" srcOrd="0" destOrd="0" parTransId="{07A0DEC9-B562-BA42-806A-BE8EA5B75752}" sibTransId="{E2018CB6-B69A-CC4A-9310-409C533D1113}"/>
+    <dgm:cxn modelId="{1D36D531-5597-8F4F-84B3-8966D60D201B}" type="presOf" srcId="{20A07F48-E1FF-6D4D-A07E-8EB1ECCDEC74}" destId="{E0726C17-6105-C049-85C3-448117711ED9}" srcOrd="0" destOrd="0" presId="urn:microsoft.com/office/officeart/2005/8/layout/process4"/>
+    <dgm:cxn modelId="{0EFBB2ED-969A-EA49-9AD1-1C24FFE0F388}" srcId="{3BA1705F-E0BA-DC46-8CB0-D1C336D01925}" destId="{20A07F48-E1FF-6D4D-A07E-8EB1ECCDEC74}" srcOrd="1" destOrd="0" parTransId="{1F7AEE5A-E91D-5444-8E38-00C7BB742E59}" sibTransId="{AA118DBA-C1DC-1C45-8604-0AA407E0B89D}"/>
+    <dgm:cxn modelId="{23A0A539-B9A6-5344-AFF6-0AC171C5A493}" srcId="{A092C352-1CEA-AF4C-A770-FDFF2A7BB67C}" destId="{D13CD1B0-83D9-5145-BCD6-E51A7326F1D7}" srcOrd="0" destOrd="0" parTransId="{81088E42-74F3-8848-A64A-A0E1DB2508F8}" sibTransId="{582959C3-0FCE-5D46-B6A8-D6D7FFC80824}"/>
+    <dgm:cxn modelId="{2AFDE8D5-ABCD-7D47-9DCA-E75A55676D92}" type="presOf" srcId="{C52DA908-9425-5948-B05E-6B57AFE792B1}" destId="{D14D93E6-8E4D-684A-9FB9-79BDD80F67EF}" srcOrd="1" destOrd="0" presId="urn:microsoft.com/office/officeart/2005/8/layout/process4"/>
+    <dgm:cxn modelId="{742B9177-5097-F34F-A919-488DB3AC03E2}" type="presOf" srcId="{3BA1705F-E0BA-DC46-8CB0-D1C336D01925}" destId="{5DA6B6AC-ABA3-2B41-9E84-B287273838D8}" srcOrd="0" destOrd="0" presId="urn:microsoft.com/office/officeart/2005/8/layout/process4"/>
+    <dgm:cxn modelId="{C8B3FC37-0AFD-E348-9FAD-28B80AB19495}" srcId="{20A07F48-E1FF-6D4D-A07E-8EB1ECCDEC74}" destId="{6A1A6EFB-CCC9-9D4C-A90B-AE821544A349}" srcOrd="0" destOrd="0" parTransId="{03D5BE02-1767-3545-97F6-F8F68A9A8261}" sibTransId="{31132092-A27F-7841-90E9-8E8C25F18BCA}"/>
+    <dgm:cxn modelId="{4223BEA5-9F63-8D44-B679-046556297DDD}" type="presOf" srcId="{A092C352-1CEA-AF4C-A770-FDFF2A7BB67C}" destId="{B9F345E9-F1CD-BB46-A37E-D7668551CCE8}" srcOrd="1" destOrd="0" presId="urn:microsoft.com/office/officeart/2005/8/layout/process4"/>
+    <dgm:cxn modelId="{58F1DE4D-FC72-6140-8905-ED32E71763EB}" srcId="{83C241C7-BBDA-7945-857F-CB1BECD026F6}" destId="{66A96539-6FC5-A946-A7A7-F2153B10B730}" srcOrd="0" destOrd="0" parTransId="{D25CCDE8-8511-FA4F-87DA-C0C6F1811F15}" sibTransId="{8A5A52FC-4171-174C-BE4B-A1676FCB6962}"/>
+    <dgm:cxn modelId="{6700744A-3506-F142-B107-6DA83323B3EE}" type="presOf" srcId="{A092C352-1CEA-AF4C-A770-FDFF2A7BB67C}" destId="{102464FE-230A-FF48-B591-F4ED733E0DAD}" srcOrd="0" destOrd="0" presId="urn:microsoft.com/office/officeart/2005/8/layout/process4"/>
+    <dgm:cxn modelId="{7F877290-7098-0649-943E-0E54BE25E4A5}" type="presOf" srcId="{83C241C7-BBDA-7945-857F-CB1BECD026F6}" destId="{22CCF5B1-4963-1144-9615-9CB37A90CE71}" srcOrd="1" destOrd="0" presId="urn:microsoft.com/office/officeart/2005/8/layout/process4"/>
+    <dgm:cxn modelId="{DF43C1DD-617A-3F48-8DC5-72A1EFFFEEFD}" type="presOf" srcId="{66A96539-6FC5-A946-A7A7-F2153B10B730}" destId="{14AF9E7B-6F59-194A-9916-A0581CF06F66}" srcOrd="0" destOrd="0" presId="urn:microsoft.com/office/officeart/2005/8/layout/process4"/>
+    <dgm:cxn modelId="{61B2C8D6-48FB-4241-829D-D1F9A83094B4}" type="presOf" srcId="{A29D0659-DBF3-FF4F-A6FE-4236E1C1E6DC}" destId="{A60F040B-F9FF-9E48-8D63-02576270A135}" srcOrd="0" destOrd="0" presId="urn:microsoft.com/office/officeart/2005/8/layout/process4"/>
+    <dgm:cxn modelId="{CC5C1AFC-F0F2-C949-8EFB-245F4670B115}" srcId="{3BA1705F-E0BA-DC46-8CB0-D1C336D01925}" destId="{83C241C7-BBDA-7945-857F-CB1BECD026F6}" srcOrd="2" destOrd="0" parTransId="{118064A2-6428-9949-B706-1B864D02B92C}" sibTransId="{E2288DE1-6CED-2247-BC54-AB8D6A40BBFC}"/>
+    <dgm:cxn modelId="{A1F151EF-50B8-514B-AE50-46A69E107304}" type="presOf" srcId="{C52DA908-9425-5948-B05E-6B57AFE792B1}" destId="{4E1AEDE4-2C5C-1344-8348-BC71C5A14093}" srcOrd="0" destOrd="0" presId="urn:microsoft.com/office/officeart/2005/8/layout/process4"/>
+    <dgm:cxn modelId="{7B20F977-7C87-234A-887F-5A9CE83A4493}" type="presParOf" srcId="{5DA6B6AC-ABA3-2B41-9E84-B287273838D8}" destId="{A400EA9E-1DA7-FB40-9240-59ACE069AF1A}" srcOrd="0" destOrd="0" presId="urn:microsoft.com/office/officeart/2005/8/layout/process4"/>
+    <dgm:cxn modelId="{36D361C0-B082-B349-836C-EA62EFAA9179}" type="presParOf" srcId="{A400EA9E-1DA7-FB40-9240-59ACE069AF1A}" destId="{102464FE-230A-FF48-B591-F4ED733E0DAD}" srcOrd="0" destOrd="0" presId="urn:microsoft.com/office/officeart/2005/8/layout/process4"/>
+    <dgm:cxn modelId="{CE826F9D-A69D-434A-9977-B781B21CEE0A}" type="presParOf" srcId="{A400EA9E-1DA7-FB40-9240-59ACE069AF1A}" destId="{B9F345E9-F1CD-BB46-A37E-D7668551CCE8}" srcOrd="1" destOrd="0" presId="urn:microsoft.com/office/officeart/2005/8/layout/process4"/>
+    <dgm:cxn modelId="{48F5C405-CECB-5D4C-9926-8CAA1A393923}" type="presParOf" srcId="{A400EA9E-1DA7-FB40-9240-59ACE069AF1A}" destId="{E2CA06E6-8965-6940-9F4F-E6FDBE21F282}" srcOrd="2" destOrd="0" presId="urn:microsoft.com/office/officeart/2005/8/layout/process4"/>
+    <dgm:cxn modelId="{8F63F31C-8791-6948-9A02-B4FA4B79F05A}" type="presParOf" srcId="{E2CA06E6-8965-6940-9F4F-E6FDBE21F282}" destId="{906C6A75-8DEC-8146-9AA2-78FB30225788}" srcOrd="0" destOrd="0" presId="urn:microsoft.com/office/officeart/2005/8/layout/process4"/>
+    <dgm:cxn modelId="{41FDEFC6-8F3A-314A-9437-1F3F9A25ECCF}" type="presParOf" srcId="{5DA6B6AC-ABA3-2B41-9E84-B287273838D8}" destId="{0E337782-AAF3-044A-81E7-D774D64864CD}" srcOrd="1" destOrd="0" presId="urn:microsoft.com/office/officeart/2005/8/layout/process4"/>
+    <dgm:cxn modelId="{60778AC4-1046-584B-8E60-7C8DFFF2004F}" type="presParOf" srcId="{5DA6B6AC-ABA3-2B41-9E84-B287273838D8}" destId="{0AD2129D-F32A-0041-A900-06DAC00272ED}" srcOrd="2" destOrd="0" presId="urn:microsoft.com/office/officeart/2005/8/layout/process4"/>
+    <dgm:cxn modelId="{2684F237-0695-7C46-AAC0-4D8419657B12}" type="presParOf" srcId="{0AD2129D-F32A-0041-A900-06DAC00272ED}" destId="{C5C2D940-3F9D-E24B-8BB8-8BF791AF2811}" srcOrd="0" destOrd="0" presId="urn:microsoft.com/office/officeart/2005/8/layout/process4"/>
+    <dgm:cxn modelId="{0EE21AE4-5B28-4843-BEDE-DFE2A5128058}" type="presParOf" srcId="{0AD2129D-F32A-0041-A900-06DAC00272ED}" destId="{22CCF5B1-4963-1144-9615-9CB37A90CE71}" srcOrd="1" destOrd="0" presId="urn:microsoft.com/office/officeart/2005/8/layout/process4"/>
+    <dgm:cxn modelId="{62FCC71A-EAAB-E446-8DFB-825C2C6F4B9F}" type="presParOf" srcId="{0AD2129D-F32A-0041-A900-06DAC00272ED}" destId="{C772CB13-AAC3-5B40-91C0-DF0EA3DFA7DC}" srcOrd="2" destOrd="0" presId="urn:microsoft.com/office/officeart/2005/8/layout/process4"/>
+    <dgm:cxn modelId="{98E99C7B-9BB3-0241-A4D1-68370C343CB5}" type="presParOf" srcId="{C772CB13-AAC3-5B40-91C0-DF0EA3DFA7DC}" destId="{14AF9E7B-6F59-194A-9916-A0581CF06F66}" srcOrd="0" destOrd="0" presId="urn:microsoft.com/office/officeart/2005/8/layout/process4"/>
+    <dgm:cxn modelId="{B73D1C2A-D1D1-4A46-B683-E7EC7F1AA7B2}" type="presParOf" srcId="{5DA6B6AC-ABA3-2B41-9E84-B287273838D8}" destId="{902F7EE1-6E51-BA4F-86DF-C6D93C7DC5EA}" srcOrd="3" destOrd="0" presId="urn:microsoft.com/office/officeart/2005/8/layout/process4"/>
+    <dgm:cxn modelId="{C3262D3D-6E38-2042-A47F-C523667C5BAE}" type="presParOf" srcId="{5DA6B6AC-ABA3-2B41-9E84-B287273838D8}" destId="{9DEB2D5F-44D1-2445-8C7C-F28D1FF03B4D}" srcOrd="4" destOrd="0" presId="urn:microsoft.com/office/officeart/2005/8/layout/process4"/>
+    <dgm:cxn modelId="{AC44C3B7-4B94-E947-8817-6F4E42AAABCA}" type="presParOf" srcId="{9DEB2D5F-44D1-2445-8C7C-F28D1FF03B4D}" destId="{E0726C17-6105-C049-85C3-448117711ED9}" srcOrd="0" destOrd="0" presId="urn:microsoft.com/office/officeart/2005/8/layout/process4"/>
+    <dgm:cxn modelId="{C8B794F1-7FCE-134A-846D-C85297611C55}" type="presParOf" srcId="{9DEB2D5F-44D1-2445-8C7C-F28D1FF03B4D}" destId="{50143F26-D35F-C444-8C04-374705C12AE1}" srcOrd="1" destOrd="0" presId="urn:microsoft.com/office/officeart/2005/8/layout/process4"/>
+    <dgm:cxn modelId="{2BEBB59A-5804-0745-9255-AED34A304A49}" type="presParOf" srcId="{9DEB2D5F-44D1-2445-8C7C-F28D1FF03B4D}" destId="{B711FB0B-FED2-A34A-9121-E223A0A9AE78}" srcOrd="2" destOrd="0" presId="urn:microsoft.com/office/officeart/2005/8/layout/process4"/>
+    <dgm:cxn modelId="{4083302A-90DF-E94B-9204-DDCC22A59B36}" type="presParOf" srcId="{B711FB0B-FED2-A34A-9121-E223A0A9AE78}" destId="{89C8B710-8CB0-BA41-B2DB-C3DDDB2EB9B2}" srcOrd="0" destOrd="0" presId="urn:microsoft.com/office/officeart/2005/8/layout/process4"/>
+    <dgm:cxn modelId="{C506BE01-CF7E-2E49-9428-422E32DF48B0}" type="presParOf" srcId="{5DA6B6AC-ABA3-2B41-9E84-B287273838D8}" destId="{142FCBA5-0A7C-7143-A074-4B0295A9A47E}" srcOrd="5" destOrd="0" presId="urn:microsoft.com/office/officeart/2005/8/layout/process4"/>
+    <dgm:cxn modelId="{96C8A1C4-6568-B341-B26A-501F68629565}" type="presParOf" srcId="{5DA6B6AC-ABA3-2B41-9E84-B287273838D8}" destId="{CE8A07AF-6B88-314A-9F97-DE90D40CBF29}" srcOrd="6" destOrd="0" presId="urn:microsoft.com/office/officeart/2005/8/layout/process4"/>
+    <dgm:cxn modelId="{B338F65F-6DE3-0145-ABA2-D08D5CC953AD}" type="presParOf" srcId="{CE8A07AF-6B88-314A-9F97-DE90D40CBF29}" destId="{4E1AEDE4-2C5C-1344-8348-BC71C5A14093}" srcOrd="0" destOrd="0" presId="urn:microsoft.com/office/officeart/2005/8/layout/process4"/>
+    <dgm:cxn modelId="{18AEC259-A5DD-CF48-9E0B-A2CDFFBCF532}" type="presParOf" srcId="{CE8A07AF-6B88-314A-9F97-DE90D40CBF29}" destId="{D14D93E6-8E4D-684A-9FB9-79BDD80F67EF}" srcOrd="1" destOrd="0" presId="urn:microsoft.com/office/officeart/2005/8/layout/process4"/>
+    <dgm:cxn modelId="{87D3968B-D54D-C645-AB4D-2558F1C1CA9E}" type="presParOf" srcId="{CE8A07AF-6B88-314A-9F97-DE90D40CBF29}" destId="{BFB3FD57-6AAA-DE46-BE1F-614ED325DF62}" srcOrd="2" destOrd="0" presId="urn:microsoft.com/office/officeart/2005/8/layout/process4"/>
+    <dgm:cxn modelId="{C8613596-5B48-E74C-B52C-630EA8DDCD94}" type="presParOf" srcId="{BFB3FD57-6AAA-DE46-BE1F-614ED325DF62}" destId="{A60F040B-F9FF-9E48-8D63-02576270A135}" srcOrd="0" destOrd="0" presId="urn:microsoft.com/office/officeart/2005/8/layout/process4"/>
+  </dgm:cxnLst>
+  <dgm:bg/>
+  <dgm:whole/>
+</dgm:dataModel>
+</file>
+
+<file path=ppt/diagrams/layout1.xml><?xml version="1.0" encoding="utf-8"?>
+<dgm:layoutDef xmlns:dgm="http://schemas.openxmlformats.org/drawingml/2006/diagram" xmlns:a="http://schemas.openxmlformats.org/drawingml/2006/main" uniqueId="urn:microsoft.com/office/officeart/2005/8/layout/process4">
+  <dgm:title val=""/>
+  <dgm:desc val=""/>
+  <dgm:catLst>
+    <dgm:cat type="process" pri="16000"/>
+    <dgm:cat type="list" pri="20000"/>
+  </dgm:catLst>
+  <dgm:sampData>
+    <dgm:dataModel>
+      <dgm:ptLst>
+        <dgm:pt modelId="0" type="doc"/>
+        <dgm:pt modelId="1">
+          <dgm:prSet phldr="1"/>
+        </dgm:pt>
+        <dgm:pt modelId="11">
+          <dgm:prSet phldr="1"/>
+        </dgm:pt>
+        <dgm:pt modelId="12">
+          <dgm:prSet phldr="1"/>
+        </dgm:pt>
+        <dgm:pt modelId="2">
+          <dgm:prSet phldr="1"/>
+        </dgm:pt>
+        <dgm:pt modelId="21">
+          <dgm:prSet phldr="1"/>
+        </dgm:pt>
+        <dgm:pt modelId="22">
+          <dgm:prSet phldr="1"/>
+        </dgm:pt>
+        <dgm:pt modelId="3">
+          <dgm:prSet phldr="1"/>
+        </dgm:pt>
+        <dgm:pt modelId="31">
+          <dgm:prSet phldr="1"/>
+        </dgm:pt>
+        <dgm:pt modelId="32">
+          <dgm:prSet phldr="1"/>
+        </dgm:pt>
+      </dgm:ptLst>
+      <dgm:cxnLst>
+        <dgm:cxn modelId="4" srcId="0" destId="1" srcOrd="0" destOrd="0"/>
+        <dgm:cxn modelId="5" srcId="0" destId="2" srcOrd="1" destOrd="0"/>
+        <dgm:cxn modelId="6" srcId="0" destId="3" srcOrd="2" destOrd="0"/>
+        <dgm:cxn modelId="13" srcId="1" destId="11" srcOrd="0" destOrd="0"/>
+        <dgm:cxn modelId="14" srcId="1" destId="12" srcOrd="1" destOrd="0"/>
+        <dgm:cxn modelId="23" srcId="2" destId="21" srcOrd="0" destOrd="0"/>
+        <dgm:cxn modelId="24" srcId="2" destId="22" srcOrd="1" destOrd="0"/>
+        <dgm:cxn modelId="33" srcId="3" destId="31" srcOrd="0" destOrd="0"/>
+        <dgm:cxn modelId="34" srcId="3" destId="32" srcOrd="1" destOrd="0"/>
+      </dgm:cxnLst>
+      <dgm:bg/>
+      <dgm:whole/>
+    </dgm:dataModel>
+  </dgm:sampData>
+  <dgm:styleData>
+    <dgm:dataModel>
+      <dgm:ptLst>
+        <dgm:pt modelId="0" type="doc"/>
+        <dgm:pt modelId="1"/>
+        <dgm:pt modelId="11"/>
+        <dgm:pt modelId="2"/>
+        <dgm:pt modelId="21"/>
+      </dgm:ptLst>
+      <dgm:cxnLst>
+        <dgm:cxn modelId="4" srcId="0" destId="1" srcOrd="0" destOrd="0"/>
+        <dgm:cxn modelId="5" srcId="0" destId="2" srcOrd="1" destOrd="0"/>
+        <dgm:cxn modelId="13" srcId="1" destId="11" srcOrd="0" destOrd="0"/>
+        <dgm:cxn modelId="23" srcId="2" destId="21" srcOrd="0" destOrd="0"/>
+      </dgm:cxnLst>
+      <dgm:bg/>
+      <dgm:whole/>
+    </dgm:dataModel>
+  </dgm:styleData>
+  <dgm:clrData>
+    <dgm:dataModel>
+      <dgm:ptLst>
+        <dgm:pt modelId="0" type="doc"/>
+        <dgm:pt modelId="1"/>
+        <dgm:pt modelId="11"/>
+        <dgm:pt modelId="2"/>
+        <dgm:pt modelId="21"/>
+        <dgm:pt modelId="3"/>
+        <dgm:pt modelId="31"/>
+        <dgm:pt modelId="4"/>
+        <dgm:pt modelId="41"/>
+      </dgm:ptLst>
+      <dgm:cxnLst>
+        <dgm:cxn modelId="5" srcId="0" destId="1" srcOrd="0" destOrd="0"/>
+        <dgm:cxn modelId="6" srcId="0" destId="2" srcOrd="1" destOrd="0"/>
+        <dgm:cxn modelId="7" srcId="0" destId="3" srcOrd="2" destOrd="0"/>
+        <dgm:cxn modelId="8" srcId="0" destId="4" srcOrd="3" destOrd="0"/>
+        <dgm:cxn modelId="13" srcId="1" destId="11" srcOrd="0" destOrd="0"/>
+        <dgm:cxn modelId="23" srcId="2" destId="21" srcOrd="0" destOrd="0"/>
+        <dgm:cxn modelId="33" srcId="3" destId="31" srcOrd="0" destOrd="0"/>
+        <dgm:cxn modelId="43" srcId="4" destId="41" srcOrd="0" destOrd="0"/>
+      </dgm:cxnLst>
+      <dgm:bg/>
+      <dgm:whole/>
+    </dgm:dataModel>
+  </dgm:clrData>
+  <dgm:layoutNode name="Name0">
+    <dgm:varLst>
+      <dgm:dir/>
+      <dgm:animLvl val="lvl"/>
+      <dgm:resizeHandles val="exact"/>
+    </dgm:varLst>
+    <dgm:alg type="lin">
+      <dgm:param type="linDir" val="fromB"/>
+    </dgm:alg>
+    <dgm:shape xmlns:r="http://schemas.openxmlformats.org/officeDocument/2006/relationships" r:blip="">
+      <dgm:adjLst/>
+    </dgm:shape>
+    <dgm:presOf/>
+    <dgm:constrLst>
+      <dgm:constr type="h" for="ch" forName="boxAndChildren" refType="h"/>
+      <dgm:constr type="h" for="ch" forName="arrowAndChildren" refType="h" refFor="ch" refForName="boxAndChildren" op="equ" fact="1.538"/>
+      <dgm:constr type="w" for="ch" forName="arrowAndChildren" refType="w"/>
+      <dgm:constr type="w" for="ch" forName="boxAndChildren" refType="w"/>
+      <dgm:constr type="h" for="ch" forName="sp" refType="h" fact="-0.015"/>
+      <dgm:constr type="primFontSz" for="des" forName="parentTextBox" val="65"/>
+      <dgm:constr type="primFontSz" for="des" forName="parentTextArrow" refType="primFontSz" refFor="des" refForName="parentTextBox" op="equ"/>
+      <dgm:constr type="primFontSz" for="des" forName="childTextArrow" val="65"/>
+      <dgm:constr type="primFontSz" for="des" forName="childTextBox" refType="primFontSz" refFor="des" refForName="childTextArrow" op="equ"/>
+    </dgm:constrLst>
+    <dgm:ruleLst/>
+    <dgm:forEach name="Name1" axis="ch" ptType="node" st="-1" step="-1">
+      <dgm:choose name="Name2">
+        <dgm:if name="Name3" axis="self" ptType="node" func="revPos" op="equ" val="1">
+          <dgm:layoutNode name="boxAndChildren">
+            <dgm:alg type="composite"/>
+            <dgm:shape xmlns:r="http://schemas.openxmlformats.org/officeDocument/2006/relationships" r:blip="">
+              <dgm:adjLst/>
+            </dgm:shape>
+            <dgm:presOf/>
+            <dgm:choose name="Name4">
+              <dgm:if name="Name5" axis="ch" ptType="node" func="cnt" op="gte" val="1">
+                <dgm:constrLst>
+                  <dgm:constr type="w" for="ch" forName="parentTextBox" refType="w"/>
+                  <dgm:constr type="h" for="ch" forName="parentTextBox" refType="h" fact="0.54"/>
+                  <dgm:constr type="t" for="ch" forName="parentTextBox"/>
+                  <dgm:constr type="w" for="ch" forName="entireBox" refType="w"/>
+                  <dgm:constr type="h" for="ch" forName="entireBox" refType="h"/>
+                  <dgm:constr type="w" for="ch" forName="descendantBox" refType="w"/>
+                  <dgm:constr type="b" for="ch" forName="descendantBox" refType="h" fact="0.98"/>
+                  <dgm:constr type="h" for="ch" forName="descendantBox" refType="h" fact="0.46"/>
+                </dgm:constrLst>
+              </dgm:if>
+              <dgm:else name="Name6">
+                <dgm:constrLst>
+                  <dgm:constr type="w" for="ch" forName="parentTextBox" refType="w"/>
+                  <dgm:constr type="h" for="ch" forName="parentTextBox" refType="h"/>
+                </dgm:constrLst>
+              </dgm:else>
+            </dgm:choose>
+            <dgm:ruleLst/>
+            <dgm:layoutNode name="parentTextBox">
+              <dgm:alg type="tx"/>
+              <dgm:choose name="Name7">
+                <dgm:if name="Name8" axis="ch" ptType="node" func="cnt" op="gte" val="1">
+                  <dgm:shape xmlns:r="http://schemas.openxmlformats.org/officeDocument/2006/relationships" type="rect" r:blip="" zOrderOff="1" hideGeom="1">
+                    <dgm:adjLst/>
+                  </dgm:shape>
+                </dgm:if>
+                <dgm:else name="Name9">
+                  <dgm:shape xmlns:r="http://schemas.openxmlformats.org/officeDocument/2006/relationships" type="rect" r:blip="">
+                    <dgm:adjLst/>
+                  </dgm:shape>
+                </dgm:else>
+              </dgm:choose>
+              <dgm:presOf axis="self"/>
+              <dgm:constrLst/>
+              <dgm:ruleLst>
+                <dgm:rule type="primFontSz" val="5" fact="NaN" max="NaN"/>
+              </dgm:ruleLst>
+            </dgm:layoutNode>
+            <dgm:choose name="Name10">
+              <dgm:if name="Name11" axis="ch" ptType="node" func="cnt" op="gte" val="1">
+                <dgm:layoutNode name="entireBox">
+                  <dgm:alg type="sp"/>
+                  <dgm:shape xmlns:r="http://schemas.openxmlformats.org/officeDocument/2006/relationships" type="rect" r:blip="">
+                    <dgm:adjLst/>
+                  </dgm:shape>
+                  <dgm:presOf axis="self"/>
+                  <dgm:constrLst/>
+                  <dgm:ruleLst/>
+                </dgm:layoutNode>
+                <dgm:layoutNode name="descendantBox" styleLbl="fgAccFollowNode1">
+                  <dgm:choose name="Name12">
+                    <dgm:if name="Name13" func="var" arg="dir" op="equ" val="norm">
+                      <dgm:alg type="lin"/>
+                    </dgm:if>
+                    <dgm:else name="Name14">
+                      <dgm:alg type="lin">
+                        <dgm:param type="linDir" val="fromR"/>
+                      </dgm:alg>
+                    </dgm:else>
+                  </dgm:choose>
+                  <dgm:shape xmlns:r="http://schemas.openxmlformats.org/officeDocument/2006/relationships" r:blip="">
+                    <dgm:adjLst/>
+                  </dgm:shape>
+                  <dgm:presOf/>
+                  <dgm:constrLst>
+                    <dgm:constr type="w" for="ch" forName="childTextBox" refType="w"/>
+                    <dgm:constr type="h" for="ch" forName="childTextBox" refType="h"/>
+                  </dgm:constrLst>
+                  <dgm:ruleLst/>
+                  <dgm:forEach name="Name15" axis="ch" ptType="node">
+                    <dgm:layoutNode name="childTextBox" styleLbl="fgAccFollowNode1">
+                      <dgm:varLst>
+                        <dgm:bulletEnabled val="1"/>
+                      </dgm:varLst>
+                      <dgm:alg type="tx"/>
+                      <dgm:shape xmlns:r="http://schemas.openxmlformats.org/officeDocument/2006/relationships" type="rect" r:blip="">
+                        <dgm:adjLst/>
+                      </dgm:shape>
+                      <dgm:presOf axis="desOrSelf" ptType="node"/>
+                      <dgm:constrLst>
+                        <dgm:constr type="tMarg" refType="primFontSz" fact="0.1"/>
+                        <dgm:constr type="bMarg" refType="primFontSz" fact="0.1"/>
+                      </dgm:constrLst>
+                      <dgm:ruleLst>
+                        <dgm:rule type="primFontSz" val="5" fact="NaN" max="NaN"/>
+                      </dgm:ruleLst>
+                    </dgm:layoutNode>
+                  </dgm:forEach>
+                </dgm:layoutNode>
+              </dgm:if>
+              <dgm:else name="Name16"/>
+            </dgm:choose>
+          </dgm:layoutNode>
+        </dgm:if>
+        <dgm:else name="Name17">
+          <dgm:layoutNode name="arrowAndChildren">
+            <dgm:alg type="composite"/>
+            <dgm:shape xmlns:r="http://schemas.openxmlformats.org/officeDocument/2006/relationships" r:blip="">
+              <dgm:adjLst/>
+            </dgm:shape>
+            <dgm:presOf/>
+            <dgm:choose name="Name18">
+              <dgm:if name="Name19" axis="ch" ptType="node" func="cnt" op="gte" val="1">
+                <dgm:constrLst>
+                  <dgm:constr type="w" for="ch" forName="parentTextArrow" refType="w"/>
+                  <dgm:constr type="t" for="ch" forName="parentTextArrow"/>
+                  <dgm:constr type="h" for="ch" forName="parentTextArrow" refType="h" fact="0.351"/>
+                  <dgm:constr type="w" for="ch" forName="arrow" refType="w"/>
+                  <dgm:constr type="h" for="ch" forName="arrow" refType="h"/>
+                  <dgm:constr type="w" for="ch" forName="descendantArrow" refType="w"/>
+                  <dgm:constr type="b" for="ch" forName="descendantArrow" refType="h" fact="0.65"/>
+                  <dgm:constr type="h" for="ch" forName="descendantArrow" refType="h" fact="0.299"/>
+                </dgm:constrLst>
+              </dgm:if>
+              <dgm:else name="Name20">
+                <dgm:constrLst>
+                  <dgm:constr type="w" for="ch" forName="parentTextArrow" refType="w"/>
+                  <dgm:constr type="h" for="ch" forName="parentTextArrow" refType="h"/>
+                </dgm:constrLst>
+              </dgm:else>
+            </dgm:choose>
+            <dgm:ruleLst/>
+            <dgm:layoutNode name="parentTextArrow">
+              <dgm:alg type="tx"/>
+              <dgm:choose name="Name21">
+                <dgm:if name="Name22" axis="ch" ptType="node" func="cnt" op="gte" val="1">
+                  <dgm:shape xmlns:r="http://schemas.openxmlformats.org/officeDocument/2006/relationships" type="rect" r:blip="" zOrderOff="1" hideGeom="1">
+                    <dgm:adjLst/>
+                  </dgm:shape>
+                </dgm:if>
+                <dgm:else name="Name23">
+                  <dgm:shape xmlns:r="http://schemas.openxmlformats.org/officeDocument/2006/relationships" rot="180" type="upArrowCallout" r:blip="">
+                    <dgm:adjLst/>
+                  </dgm:shape>
+                </dgm:else>
+              </dgm:choose>
+              <dgm:presOf axis="self"/>
+              <dgm:constrLst/>
+              <dgm:ruleLst>
+                <dgm:rule type="primFontSz" val="5" fact="NaN" max="NaN"/>
+              </dgm:ruleLst>
+            </dgm:layoutNode>
+            <dgm:choose name="Name24">
+              <dgm:if name="Name25" axis="ch" ptType="node" func="cnt" op="gte" val="1">
+                <dgm:layoutNode name="arrow">
+                  <dgm:alg type="sp"/>
+                  <dgm:shape xmlns:r="http://schemas.openxmlformats.org/officeDocument/2006/relationships" rot="180" type="upArrowCallout" r:blip="">
+                    <dgm:adjLst/>
+                  </dgm:shape>
+                  <dgm:presOf axis="self"/>
+                  <dgm:constrLst/>
+                  <dgm:ruleLst/>
+                </dgm:layoutNode>
+                <dgm:layoutNode name="descendantArrow">
+                  <dgm:choose name="Name26">
+                    <dgm:if name="Name27" func="var" arg="dir" op="equ" val="norm">
+                      <dgm:alg type="lin"/>
+                    </dgm:if>
+                    <dgm:else name="Name28">
+                      <dgm:alg type="lin">
+                        <dgm:param type="linDir" val="fromR"/>
+                      </dgm:alg>
+                    </dgm:else>
+                  </dgm:choose>
+                  <dgm:shape xmlns:r="http://schemas.openxmlformats.org/officeDocument/2006/relationships" r:blip="">
+                    <dgm:adjLst/>
+                  </dgm:shape>
+                  <dgm:presOf/>
+                  <dgm:constrLst>
+                    <dgm:constr type="w" for="ch" forName="childTextArrow" refType="w"/>
+                    <dgm:constr type="h" for="ch" forName="childTextArrow" refType="h"/>
+                  </dgm:constrLst>
+                  <dgm:ruleLst/>
+                  <dgm:forEach name="Name29" axis="ch" ptType="node">
+                    <dgm:layoutNode name="childTextArrow" styleLbl="fgAccFollowNode1">
+                      <dgm:varLst>
+                        <dgm:bulletEnabled val="1"/>
+                      </dgm:varLst>
+                      <dgm:alg type="tx"/>
+                      <dgm:shape xmlns:r="http://schemas.openxmlformats.org/officeDocument/2006/relationships" type="rect" r:blip="">
+                        <dgm:adjLst/>
+                      </dgm:shape>
+                      <dgm:presOf axis="desOrSelf" ptType="node"/>
+                      <dgm:constrLst>
+                        <dgm:constr type="tMarg" refType="primFontSz" fact="0.1"/>
+                        <dgm:constr type="bMarg" refType="primFontSz" fact="0.1"/>
+                      </dgm:constrLst>
+                      <dgm:ruleLst>
+                        <dgm:rule type="primFontSz" val="5" fact="NaN" max="NaN"/>
+                      </dgm:ruleLst>
+                    </dgm:layoutNode>
+                  </dgm:forEach>
+                </dgm:layoutNode>
+              </dgm:if>
+              <dgm:else name="Name30"/>
+            </dgm:choose>
+          </dgm:layoutNode>
+        </dgm:else>
+      </dgm:choose>
+      <dgm:forEach name="Name31" axis="precedSib" ptType="sibTrans" st="-1" cnt="1">
+        <dgm:layoutNode name="sp">
+          <dgm:alg type="sp"/>
+          <dgm:shape xmlns:r="http://schemas.openxmlformats.org/officeDocument/2006/relationships" r:blip="">
+            <dgm:adjLst/>
+          </dgm:shape>
+          <dgm:presOf axis="self"/>
+          <dgm:constrLst/>
+          <dgm:ruleLst/>
+        </dgm:layoutNode>
+      </dgm:forEach>
+    </dgm:forEach>
+  </dgm:layoutNode>
+</dgm:layoutDef>
+</file>
+
+<file path=ppt/diagrams/quickStyle1.xml><?xml version="1.0" encoding="utf-8"?>
+<dgm:styleDef xmlns:dgm="http://schemas.openxmlformats.org/drawingml/2006/diagram" xmlns:a="http://schemas.openxmlformats.org/drawingml/2006/main" uniqueId="urn:microsoft.com/office/officeart/2005/8/quickstyle/simple4">
+  <dgm:title val=""/>
+  <dgm:desc val=""/>
+  <dgm:catLst>
+    <dgm:cat type="simple" pri="10400"/>
+  </dgm:catLst>
+  <dgm:scene3d>
+    <a:camera prst="orthographicFront"/>
+    <a:lightRig rig="threePt" dir="t"/>
+  </dgm:scene3d>
+  <dgm:styleLbl name="node0">
+    <dgm:scene3d>
+      <a:camera prst="orthographicFront"/>
+      <a:lightRig rig="threePt" dir="t"/>
+    </dgm:scene3d>
+    <dgm:sp3d/>
+    <dgm:txPr/>
+    <dgm:style>
+      <a:lnRef idx="0">
+        <a:scrgbClr r="0" g="0" b="0"/>
+      </a:lnRef>
+      <a:fillRef idx="3">
+        <a:scrgbClr r="0" g="0" b="0"/>
+      </a:fillRef>
+      <a:effectRef idx="2">
+        <a:scrgbClr r="0" g="0" b="0"/>
+      </a:effectRef>
+      <a:fontRef idx="minor">
+        <a:schemeClr val="lt1"/>
+      </a:fontRef>
+    </dgm:style>
+  </dgm:styleLbl>
+  <dgm:styleLbl name="lnNode1">
+    <dgm:scene3d>
+      <a:camera prst="orthographicFront"/>
+      <a:lightRig rig="threePt" dir="t"/>
+    </dgm:scene3d>
+    <dgm:sp3d/>
+    <dgm:txPr/>
+    <dgm:style>
+      <a:lnRef idx="1">
+        <a:scrgbClr r="0" g="0" b="0"/>
+      </a:lnRef>
+      <a:fillRef idx="3">
+        <a:scrgbClr r="0" g="0" b="0"/>
+      </a:fillRef>
+      <a:effectRef idx="2">
+        <a:scrgbClr r="0" g="0" b="0"/>
+      </a:effectRef>
+      <a:fontRef idx="minor">
+        <a:schemeClr val="lt1"/>
+      </a:fontRef>
+    </dgm:style>
+  </dgm:styleLbl>
+  <dgm:styleLbl name="vennNode1">
+    <dgm:scene3d>
+      <a:camera prst="orthographicFront"/>
+      <a:lightRig rig="threePt" dir="t"/>
+    </dgm:scene3d>
+    <dgm:sp3d/>
+    <dgm:txPr/>
+    <dgm:style>
+      <a:lnRef idx="0">
+        <a:scrgbClr r="0" g="0" b="0"/>
+      </a:lnRef>
+      <a:fillRef idx="3">
+        <a:scrgbClr r="0" g="0" b="0"/>
+      </a:fillRef>
+      <a:effectRef idx="0">
+        <a:scrgbClr r="0" g="0" b="0"/>
+      </a:effectRef>
+      <a:fontRef idx="minor">
+        <a:schemeClr val="tx1"/>
+      </a:fontRef>
+    </dgm:style>
+  </dgm:styleLbl>
+  <dgm:styleLbl name="alignNode1">
+    <dgm:scene3d>
+      <a:camera prst="orthographicFront"/>
+      <a:lightRig rig="threePt" dir="t"/>
+    </dgm:scene3d>
+    <dgm:sp3d/>
+    <dgm:txPr/>
+    <dgm:style>
+      <a:lnRef idx="1">
+        <a:scrgbClr r="0" g="0" b="0"/>
+      </a:lnRef>
+      <a:fillRef idx="3">
+        <a:scrgbClr r="0" g="0" b="0"/>
+      </a:fillRef>
+      <a:effectRef idx="2">
+        <a:scrgbClr r="0" g="0" b="0"/>
+      </a:effectRef>
+      <a:fontRef idx="minor">
+        <a:schemeClr val="lt1"/>
+      </a:fontRef>
+    </dgm:style>
+  </dgm:styleLbl>
+  <dgm:styleLbl name="node1">
+    <dgm:scene3d>
+      <a:camera prst="orthographicFront"/>
+      <a:lightRig rig="threePt" dir="t"/>
+    </dgm:scene3d>
+    <dgm:sp3d/>
+    <dgm:txPr/>
+    <dgm:style>
+      <a:lnRef idx="0">
+        <a:scrgbClr r="0" g="0" b="0"/>
+      </a:lnRef>
+      <a:fillRef idx="3">
+        <a:scrgbClr r="0" g="0" b="0"/>
+      </a:fillRef>
+      <a:effectRef idx="2">
+        <a:scrgbClr r="0" g="0" b="0"/>
+      </a:effectRef>
+      <a:fontRef idx="minor">
+        <a:schemeClr val="lt1"/>
+      </a:fontRef>
+    </dgm:style>
+  </dgm:styleLbl>
+  <dgm:styleLbl name="node2">
+    <dgm:scene3d>
+      <a:camera prst="orthographicFront"/>
+      <a:lightRig rig="threePt" dir="t"/>
+    </dgm:scene3d>
+    <dgm:sp3d/>
+    <dgm:txPr/>
+    <dgm:style>
+      <a:lnRef idx="0">
+        <a:scrgbClr r="0" g="0" b="0"/>
+      </a:lnRef>
+      <a:fillRef idx="3">
+        <a:scrgbClr r="0" g="0" b="0"/>
+      </a:fillRef>
+      <a:effectRef idx="2">
+        <a:scrgbClr r="0" g="0" b="0"/>
+      </a:effectRef>
+      <a:fontRef idx="minor">
+        <a:schemeClr val="lt1"/>
+      </a:fontRef>
+    </dgm:style>
+  </dgm:styleLbl>
+  <dgm:styleLbl name="node3">
+    <dgm:scene3d>
+      <a:camera prst="orthographicFront"/>
+      <a:lightRig rig="threePt" dir="t"/>
+    </dgm:scene3d>
+    <dgm:sp3d/>
+    <dgm:txPr/>
+    <dgm:style>
+      <a:lnRef idx="0">
+        <a:scrgbClr r="0" g="0" b="0"/>
+      </a:lnRef>
+      <a:fillRef idx="3">
+        <a:scrgbClr r="0" g="0" b="0"/>
+      </a:fillRef>
+      <a:effectRef idx="2">
+        <a:scrgbClr r="0" g="0" b="0"/>
+      </a:effectRef>
+      <a:fontRef idx="minor">
+        <a:schemeClr val="lt1"/>
+      </a:fontRef>
+    </dgm:style>
+  </dgm:styleLbl>
+  <dgm:styleLbl name="node4">
+    <dgm:scene3d>
+      <a:camera prst="orthographicFront"/>
+      <a:lightRig rig="threePt" dir="t"/>
+    </dgm:scene3d>
+    <dgm:sp3d/>
+    <dgm:txPr/>
+    <dgm:style>
+      <a:lnRef idx="0">
+        <a:scrgbClr r="0" g="0" b="0"/>
+      </a:lnRef>
+      <a:fillRef idx="3">
+        <a:scrgbClr r="0" g="0" b="0"/>
+      </a:fillRef>
+      <a:effectRef idx="2">
+        <a:scrgbClr r="0" g="0" b="0"/>
+      </a:effectRef>
+      <a:fontRef idx="minor">
+        <a:schemeClr val="lt1"/>
+      </a:fontRef>
+    </dgm:style>
+  </dgm:styleLbl>
+  <dgm:styleLbl name="fgImgPlace1">
+    <dgm:scene3d>
+      <a:camera prst="orthographicFront"/>
+      <a:lightRig rig="threePt" dir="t"/>
+    </dgm:scene3d>
+    <dgm:sp3d/>
+    <dgm:txPr/>
+    <dgm:style>
+      <a:lnRef idx="0">
+        <a:scrgbClr r="0" g="0" b="0"/>
+      </a:lnRef>
+      <a:fillRef idx="1">
+        <a:scrgbClr r="0" g="0" b="0"/>
+      </a:fillRef>
+      <a:effectRef idx="2">
+        <a:scrgbClr r="0" g="0" b="0"/>
+      </a:effectRef>
+      <a:fontRef idx="minor"/>
+    </dgm:style>
+  </dgm:styleLbl>
+  <dgm:styleLbl name="alignImgPlace1">
+    <dgm:scene3d>
+      <a:camera prst="orthographicFront"/>
+      <a:lightRig rig="threePt" dir="t"/>
+    </dgm:scene3d>
+    <dgm:sp3d/>
+    <dgm:txPr/>
+    <dgm:style>
+      <a:lnRef idx="0">
+        <a:scrgbClr r="0" g="0" b="0"/>
+      </a:lnRef>
+      <a:fillRef idx="1">
+        <a:scrgbClr r="0" g="0" b="0"/>
+      </a:fillRef>
+      <a:effectRef idx="2">
+        <a:scrgbClr r="0" g="0" b="0"/>
+      </a:effectRef>
+      <a:fontRef idx="minor"/>
+    </dgm:style>
+  </dgm:styleLbl>
+  <dgm:styleLbl name="bgImgPlace1">
+    <dgm:scene3d>
+      <a:camera prst="orthographicFront"/>
+      <a:lightRig rig="threePt" dir="t"/>
+    </dgm:scene3d>
+    <dgm:sp3d/>
+    <dgm:txPr/>
+    <dgm:style>
+      <a:lnRef idx="0">
+        <a:scrgbClr r="0" g="0" b="0"/>
+      </a:lnRef>
+      <a:fillRef idx="1">
+        <a:scrgbClr r="0" g="0" b="0"/>
+      </a:fillRef>
+      <a:effectRef idx="2">
+        <a:scrgbClr r="0" g="0" b="0"/>
+      </a:effectRef>
+      <a:fontRef idx="minor"/>
+    </dgm:style>
+  </dgm:styleLbl>
+  <dgm:styleLbl name="sibTrans2D1">
+    <dgm:scene3d>
+      <a:camera prst="orthographicFront"/>
+      <a:lightRig rig="threePt" dir="t"/>
+    </dgm:scene3d>
+    <dgm:sp3d/>
+    <dgm:txPr/>
+    <dgm:style>
+      <a:lnRef idx="0">
+        <a:scrgbClr r="0" g="0" b="0"/>
+      </a:lnRef>
+      <a:fillRef idx="3">
+        <a:scrgbClr r="0" g="0" b="0"/>
+      </a:fillRef>
+      <a:effectRef idx="2">
+        <a:scrgbClr r="0" g="0" b="0"/>
+      </a:effectRef>
+      <a:fontRef idx="minor">
+        <a:schemeClr val="lt1"/>
+      </a:fontRef>
+    </dgm:style>
+  </dgm:styleLbl>
+  <dgm:styleLbl name="fgSibTrans2D1">
+    <dgm:scene3d>
+      <a:camera prst="orthographicFront"/>
+      <a:lightRig rig="threePt" dir="t"/>
+    </dgm:scene3d>
+    <dgm:sp3d/>
+    <dgm:txPr/>
+    <dgm:style>
+      <a:lnRef idx="0">
+        <a:scrgbClr r="0" g="0" b="0"/>
+      </a:lnRef>
+      <a:fillRef idx="3">
+        <a:scrgbClr r="0" g="0" b="0"/>
+      </a:fillRef>
+      <a:effectRef idx="2">
+        <a:scrgbClr r="0" g="0" b="0"/>
+      </a:effectRef>
+      <a:fontRef idx="minor">
+        <a:schemeClr val="lt1"/>
+      </a:fontRef>
+    </dgm:style>
+  </dgm:styleLbl>
+  <dgm:styleLbl name="bgSibTrans2D1">
+    <dgm:scene3d>
+      <a:camera prst="orthographicFront"/>
+      <a:lightRig rig="threePt" dir="t"/>
+    </dgm:scene3d>
+    <dgm:sp3d/>
+    <dgm:txPr/>
+    <dgm:style>
+      <a:lnRef idx="0">
+        <a:scrgbClr r="0" g="0" b="0"/>
+      </a:lnRef>
+      <a:fillRef idx="3">
+        <a:scrgbClr r="0" g="0" b="0"/>
+      </a:fillRef>
+      <a:effectRef idx="2">
+        <a:scrgbClr r="0" g="0" b="0"/>
+      </a:effectRef>
+      <a:fontRef idx="minor">
+        <a:schemeClr val="lt1"/>
+      </a:fontRef>
+    </dgm:style>
+  </dgm:styleLbl>
+  <dgm:styleLbl name="sibTrans1D1">
+    <dgm:scene3d>
+      <a:camera prst="orthographicFront"/>
+      <a:lightRig rig="threePt" dir="t"/>
+    </dgm:scene3d>
+    <dgm:sp3d/>
+    <dgm:txPr/>
+    <dgm:style>
+      <a:lnRef idx="1">
+        <a:scrgbClr r="0" g="0" b="0"/>
+      </a:lnRef>
+      <a:fillRef idx="0">
+        <a:scrgbClr r="0" g="0" b="0"/>
+      </a:fillRef>
+      <a:effectRef idx="0">
+        <a:scrgbClr r="0" g="0" b="0"/>
+      </a:effectRef>
+      <a:fontRef idx="minor"/>
+    </dgm:style>
+  </dgm:styleLbl>
+  <dgm:styleLbl name="callout">
+    <dgm:scene3d>
+      <a:camera prst="orthographicFront"/>
+      <a:lightRig rig="threePt" dir="t"/>
+    </dgm:scene3d>
+    <dgm:sp3d/>
+    <dgm:txPr/>
+    <dgm:style>
+      <a:lnRef idx="2">
+        <a:scrgbClr r="0" g="0" b="0"/>
+      </a:lnRef>
+      <a:fillRef idx="1">
+        <a:scrgbClr r="0" g="0" b="0"/>
+      </a:fillRef>
+      <a:effectRef idx="1">
+        <a:scrgbClr r="0" g="0" b="0"/>
+      </a:effectRef>
+      <a:fontRef idx="minor"/>
+    </dgm:style>
+  </dgm:styleLbl>
+  <dgm:styleLbl name="asst0">
+    <dgm:scene3d>
+      <a:camera prst="orthographicFront"/>
+      <a:lightRig rig="threePt" dir="t"/>
+    </dgm:scene3d>
+    <dgm:sp3d/>
+    <dgm:txPr/>
+    <dgm:style>
+      <a:lnRef idx="0">
+        <a:scrgbClr r="0" g="0" b="0"/>
+      </a:lnRef>
+      <a:fillRef idx="3">
+        <a:scrgbClr r="0" g="0" b="0"/>
+      </a:fillRef>
+      <a:effectRef idx="2">
+        <a:scrgbClr r="0" g="0" b="0"/>
+      </a:effectRef>
+      <a:fontRef idx="minor">
+        <a:schemeClr val="lt1"/>
+      </a:fontRef>
+    </dgm:style>
+  </dgm:styleLbl>
+  <dgm:styleLbl name="asst1">
+    <dgm:scene3d>
+      <a:camera prst="orthographicFront"/>
+      <a:lightRig rig="threePt" dir="t"/>
+    </dgm:scene3d>
+    <dgm:sp3d/>
+    <dgm:txPr/>
+    <dgm:style>
+      <a:lnRef idx="0">
+        <a:scrgbClr r="0" g="0" b="0"/>
+      </a:lnRef>
+      <a:fillRef idx="3">
+        <a:scrgbClr r="0" g="0" b="0"/>
+      </a:fillRef>
+      <a:effectRef idx="2">
+        <a:scrgbClr r="0" g="0" b="0"/>
+      </a:effectRef>
+      <a:fontRef idx="minor">
+        <a:schemeClr val="lt1"/>
+      </a:fontRef>
+    </dgm:style>
+  </dgm:styleLbl>
+  <dgm:styleLbl name="asst2">
+    <dgm:scene3d>
+      <a:camera prst="orthographicFront"/>
+      <a:lightRig rig="threePt" dir="t"/>
+    </dgm:scene3d>
+    <dgm:sp3d/>
+    <dgm:txPr/>
+    <dgm:style>
+      <a:lnRef idx="0">
+        <a:scrgbClr r="0" g="0" b="0"/>
+      </a:lnRef>
+      <a:fillRef idx="3">
+        <a:scrgbClr r="0" g="0" b="0"/>
+      </a:fillRef>
+      <a:effectRef idx="2">
+        <a:scrgbClr r="0" g="0" b="0"/>
+      </a:effectRef>
+      <a:fontRef idx="minor">
+        <a:schemeClr val="lt1"/>
+      </a:fontRef>
+    </dgm:style>
+  </dgm:styleLbl>
+  <dgm:styleLbl name="asst3">
+    <dgm:scene3d>
+      <a:camera prst="orthographicFront"/>
+      <a:lightRig rig="threePt" dir="t"/>
+    </dgm:scene3d>
+    <dgm:sp3d/>
+    <dgm:txPr/>
+    <dgm:style>
+      <a:lnRef idx="0">
+        <a:scrgbClr r="0" g="0" b="0"/>
+      </a:lnRef>
+      <a:fillRef idx="3">
+        <a:scrgbClr r="0" g="0" b="0"/>
+      </a:fillRef>
+      <a:effectRef idx="2">
+        <a:scrgbClr r="0" g="0" b="0"/>
+      </a:effectRef>
+      <a:fontRef idx="minor">
+        <a:schemeClr val="lt1"/>
+      </a:fontRef>
+    </dgm:style>
+  </dgm:styleLbl>
+  <dgm:styleLbl name="asst4">
+    <dgm:scene3d>
+      <a:camera prst="orthographicFront"/>
+      <a:lightRig rig="threePt" dir="t"/>
+    </dgm:scene3d>
+    <dgm:sp3d/>
+    <dgm:txPr/>
+    <dgm:style>
+      <a:lnRef idx="0">
+        <a:scrgbClr r="0" g="0" b="0"/>
+      </a:lnRef>
+      <a:fillRef idx="3">
+        <a:scrgbClr r="0" g="0" b="0"/>
+      </a:fillRef>
+      <a:effectRef idx="2">
+        <a:scrgbClr r="0" g="0" b="0"/>
+      </a:effectRef>
+      <a:fontRef idx="minor">
+        <a:schemeClr val="lt1"/>
+      </a:fontRef>
+    </dgm:style>
+  </dgm:styleLbl>
+  <dgm:styleLbl name="parChTrans2D1">
+    <dgm:scene3d>
+      <a:camera prst="orthographicFront"/>
+      <a:lightRig rig="threePt" dir="t"/>
+    </dgm:scene3d>
+    <dgm:sp3d/>
+    <dgm:txPr/>
+    <dgm:style>
+      <a:lnRef idx="0">
+        <a:scrgbClr r="0" g="0" b="0"/>
+      </a:lnRef>
+      <a:fillRef idx="3">
+        <a:scrgbClr r="0" g="0" b="0"/>
+      </a:fillRef>
+      <a:effectRef idx="2">
+        <a:scrgbClr r="0" g="0" b="0"/>
+      </a:effectRef>
+      <a:fontRef idx="minor">
+        <a:schemeClr val="lt1"/>
+      </a:fontRef>
+    </dgm:style>
+  </dgm:styleLbl>
+  <dgm:styleLbl name="parChTrans2D2">
+    <dgm:scene3d>
+      <a:camera prst="orthographicFront"/>
+      <a:lightRig rig="threePt" dir="t"/>
+    </dgm:scene3d>
+    <dgm:sp3d/>
+    <dgm:txPr/>
+    <dgm:style>
+      <a:lnRef idx="0">
+        <a:scrgbClr r="0" g="0" b="0"/>
+      </a:lnRef>
+      <a:fillRef idx="3">
+        <a:scrgbClr r="0" g="0" b="0"/>
+      </a:fillRef>
+      <a:effectRef idx="2">
+        <a:scrgbClr r="0" g="0" b="0"/>
+      </a:effectRef>
+      <a:fontRef idx="minor">
+        <a:schemeClr val="lt1"/>
+      </a:fontRef>
+    </dgm:style>
+  </dgm:styleLbl>
+  <dgm:styleLbl name="parChTrans2D3">
+    <dgm:scene3d>
+      <a:camera prst="orthographicFront"/>
+      <a:lightRig rig="threePt" dir="t"/>
+    </dgm:scene3d>
+    <dgm:sp3d/>
+    <dgm:txPr/>
+    <dgm:style>
+      <a:lnRef idx="1">
+        <a:scrgbClr r="0" g="0" b="0"/>
+      </a:lnRef>
+      <a:fillRef idx="3">
+        <a:scrgbClr r="0" g="0" b="0"/>
+      </a:fillRef>
+      <a:effectRef idx="2">
+        <a:scrgbClr r="0" g="0" b="0"/>
+      </a:effectRef>
+      <a:fontRef idx="minor">
+        <a:schemeClr val="lt1"/>
+      </a:fontRef>
+    </dgm:style>
+  </dgm:styleLbl>
+  <dgm:styleLbl name="parChTrans2D4">
+    <dgm:scene3d>
+      <a:camera prst="orthographicFront"/>
+      <a:lightRig rig="threePt" dir="t"/>
+    </dgm:scene3d>
+    <dgm:sp3d/>
+    <dgm:txPr/>
+    <dgm:style>
+      <a:lnRef idx="1">
+        <a:scrgbClr r="0" g="0" b="0"/>
+      </a:lnRef>
+      <a:fillRef idx="3">
+        <a:scrgbClr r="0" g="0" b="0"/>
+      </a:fillRef>
+      <a:effectRef idx="2">
+        <a:scrgbClr r="0" g="0" b="0"/>
+      </a:effectRef>
+      <a:fontRef idx="minor">
+        <a:schemeClr val="lt1"/>
+      </a:fontRef>
+    </dgm:style>
+  </dgm:styleLbl>
+  <dgm:styleLbl name="parChTrans1D1">
+    <dgm:scene3d>
+      <a:camera prst="orthographicFront"/>
+      <a:lightRig rig="threePt" dir="t"/>
+    </dgm:scene3d>
+    <dgm:sp3d/>
+    <dgm:txPr/>
+    <dgm:style>
+      <a:lnRef idx="1">
+        <a:scrgbClr r="0" g="0" b="0"/>
+      </a:lnRef>
+      <a:fillRef idx="0">
+        <a:scrgbClr r="0" g="0" b="0"/>
+      </a:fillRef>
+      <a:effectRef idx="0">
+        <a:scrgbClr r="0" g="0" b="0"/>
+      </a:effectRef>
+      <a:fontRef idx="minor"/>
+    </dgm:style>
+  </dgm:styleLbl>
+  <dgm:styleLbl name="parChTrans1D2">
+    <dgm:scene3d>
+      <a:camera prst="orthographicFront"/>
+      <a:lightRig rig="threePt" dir="t"/>
+    </dgm:scene3d>
+    <dgm:sp3d/>
+    <dgm:txPr/>
+    <dgm:style>
+      <a:lnRef idx="1">
+        <a:scrgbClr r="0" g="0" b="0"/>
+      </a:lnRef>
+      <a:fillRef idx="0">
+        <a:scrgbClr r="0" g="0" b="0"/>
+      </a:fillRef>
+      <a:effectRef idx="0">
+        <a:scrgbClr r="0" g="0" b="0"/>
+      </a:effectRef>
+      <a:fontRef idx="minor"/>
+    </dgm:style>
+  </dgm:styleLbl>
+  <dgm:styleLbl name="parChTrans1D3">
+    <dgm:scene3d>
+      <a:camera prst="orthographicFront"/>
+      <a:lightRig rig="threePt" dir="t"/>
+    </dgm:scene3d>
+    <dgm:sp3d/>
+    <dgm:txPr/>
+    <dgm:style>
+      <a:lnRef idx="1">
+        <a:scrgbClr r="0" g="0" b="0"/>
+      </a:lnRef>
+      <a:fillRef idx="0">
+        <a:scrgbClr r="0" g="0" b="0"/>
+      </a:fillRef>
+      <a:effectRef idx="0">
+        <a:scrgbClr r="0" g="0" b="0"/>
+      </a:effectRef>
+      <a:fontRef idx="minor"/>
+    </dgm:style>
+  </dgm:styleLbl>
+  <dgm:styleLbl name="parChTrans1D4">
+    <dgm:scene3d>
+      <a:camera prst="orthographicFront"/>
+      <a:lightRig rig="threePt" dir="t"/>
+    </dgm:scene3d>
+    <dgm:sp3d/>
+    <dgm:txPr/>
+    <dgm:style>
+      <a:lnRef idx="1">
+        <a:scrgbClr r="0" g="0" b="0"/>
+      </a:lnRef>
+      <a:fillRef idx="0">
+        <a:scrgbClr r="0" g="0" b="0"/>
+      </a:fillRef>
+      <a:effectRef idx="0">
+        <a:scrgbClr r="0" g="0" b="0"/>
+      </a:effectRef>
+      <a:fontRef idx="minor"/>
+    </dgm:style>
+  </dgm:styleLbl>
+  <dgm:styleLbl name="fgAcc1">
+    <dgm:scene3d>
+      <a:camera prst="orthographicFront"/>
+      <a:lightRig rig="threePt" dir="t"/>
+    </dgm:scene3d>
+    <dgm:sp3d/>
+    <dgm:txPr/>
+    <dgm:style>
+      <a:lnRef idx="1">
+        <a:scrgbClr r="0" g="0" b="0"/>
+      </a:lnRef>
+      <a:fillRef idx="1">
+        <a:scrgbClr r="0" g="0" b="0"/>
+      </a:fillRef>
+      <a:effectRef idx="0">
+        <a:scrgbClr r="0" g="0" b="0"/>
+      </a:effectRef>
+      <a:fontRef idx="minor"/>
+    </dgm:style>
+  </dgm:styleLbl>
+  <dgm:styleLbl name="conFgAcc1">
+    <dgm:scene3d>
+      <a:camera prst="orthographicFront"/>
+      <a:lightRig rig="threePt" dir="t"/>
+    </dgm:scene3d>
+    <dgm:sp3d/>
+    <dgm:txPr/>
+    <dgm:style>
+      <a:lnRef idx="1">
+        <a:scrgbClr r="0" g="0" b="0"/>
+      </a:lnRef>
+      <a:fillRef idx="1">
+        <a:scrgbClr r="0" g="0" b="0"/>
+      </a:fillRef>
+      <a:effectRef idx="0">
+        <a:scrgbClr r="0" g="0" b="0"/>
+      </a:effectRef>
+      <a:fontRef idx="minor"/>
+    </dgm:style>
+  </dgm:styleLbl>
+  <dgm:styleLbl name="alignAcc1">
+    <dgm:scene3d>
+      <a:camera prst="orthographicFront"/>
+      <a:lightRig rig="threePt" dir="t"/>
+    </dgm:scene3d>
+    <dgm:sp3d/>
+    <dgm:txPr/>
+    <dgm:style>
+      <a:lnRef idx="1">
+        <a:scrgbClr r="0" g="0" b="0"/>
+      </a:lnRef>
+      <a:fillRef idx="1">
+        <a:scrgbClr r="0" g="0" b="0"/>
+      </a:fillRef>
+      <a:effectRef idx="0">
+        <a:scrgbClr r="0" g="0" b="0"/>
+      </a:effectRef>
+      <a:fontRef idx="minor"/>
+    </dgm:style>
+  </dgm:styleLbl>
+  <dgm:styleLbl name="trAlignAcc1">
+    <dgm:scene3d>
+      <a:camera prst="orthographicFront"/>
+      <a:lightRig rig="threePt" dir="t"/>
+    </dgm:scene3d>
+    <dgm:sp3d/>
+    <dgm:txPr/>
+    <dgm:style>
+      <a:lnRef idx="1">
+        <a:scrgbClr r="0" g="0" b="0"/>
+      </a:lnRef>
+      <a:fillRef idx="1">
+        <a:scrgbClr r="0" g="0" b="0"/>
+      </a:fillRef>
+      <a:effectRef idx="0">
+        <a:scrgbClr r="0" g="0" b="0"/>
+      </a:effectRef>
+      <a:fontRef idx="minor"/>
+    </dgm:style>
+  </dgm:styleLbl>
+  <dgm:styleLbl name="bgAcc1">
+    <dgm:scene3d>
+      <a:camera prst="orthographicFront"/>
+      <a:lightRig rig="threePt" dir="t"/>
+    </dgm:scene3d>
+    <dgm:sp3d/>
+    <dgm:txPr/>
+    <dgm:style>
+      <a:lnRef idx="1">
+        <a:scrgbClr r="0" g="0" b="0"/>
+      </a:lnRef>
+      <a:fillRef idx="1">
+        <a:scrgbClr r="0" g="0" b="0"/>
+      </a:fillRef>
+      <a:effectRef idx="0">
+        <a:scrgbClr r="0" g="0" b="0"/>
+      </a:effectRef>
+      <a:fontRef idx="minor"/>
+    </dgm:style>
+  </dgm:styleLbl>
+  <dgm:styleLbl name="solidFgAcc1">
+    <dgm:scene3d>
+      <a:camera prst="orthographicFront"/>
+      <a:lightRig rig="threePt" dir="t"/>
+    </dgm:scene3d>
+    <dgm:sp3d/>
+    <dgm:txPr/>
+    <dgm:style>
+      <a:lnRef idx="1">
+        <a:scrgbClr r="0" g="0" b="0"/>
+      </a:lnRef>
+      <a:fillRef idx="1">
+        <a:scrgbClr r="0" g="0" b="0"/>
+      </a:fillRef>
+      <a:effectRef idx="0">
+        <a:scrgbClr r="0" g="0" b="0"/>
+      </a:effectRef>
+      <a:fontRef idx="minor"/>
+    </dgm:style>
+  </dgm:styleLbl>
+  <dgm:styleLbl name="solidAlignAcc1">
+    <dgm:scene3d>
+      <a:camera prst="orthographicFront"/>
+      <a:lightRig rig="threePt" dir="t"/>
+    </dgm:scene3d>
+    <dgm:sp3d/>
+    <dgm:txPr/>
+    <dgm:style>
+      <a:lnRef idx="1">
+        <a:scrgbClr r="0" g="0" b="0"/>
+      </a:lnRef>
+      <a:fillRef idx="1">
+        <a:scrgbClr r="0" g="0" b="0"/>
+      </a:fillRef>
+      <a:effectRef idx="0">
+        <a:scrgbClr r="0" g="0" b="0"/>
+      </a:effectRef>
+      <a:fontRef idx="minor"/>
+    </dgm:style>
+  </dgm:styleLbl>
+  <dgm:styleLbl name="solidBgAcc1">
+    <dgm:scene3d>
+      <a:camera prst="orthographicFront"/>
+      <a:lightRig rig="threePt" dir="t"/>
+    </dgm:scene3d>
+    <dgm:sp3d/>
+    <dgm:txPr/>
+    <dgm:style>
+      <a:lnRef idx="1">
+        <a:scrgbClr r="0" g="0" b="0"/>
+      </a:lnRef>
+      <a:fillRef idx="1">
+        <a:scrgbClr r="0" g="0" b="0"/>
+      </a:fillRef>
+      <a:effectRef idx="0">
+        <a:scrgbClr r="0" g="0" b="0"/>
+      </a:effectRef>
+      <a:fontRef idx="minor"/>
+    </dgm:style>
+  </dgm:styleLbl>
+  <dgm:styleLbl name="fgAccFollowNode1">
+    <dgm:scene3d>
+      <a:camera prst="orthographicFront"/>
+      <a:lightRig rig="threePt" dir="t"/>
+    </dgm:scene3d>
+    <dgm:sp3d/>
+    <dgm:txPr/>
+    <dgm:style>
+      <a:lnRef idx="1">
+        <a:scrgbClr r="0" g="0" b="0"/>
+      </a:lnRef>
+      <a:fillRef idx="1">
+        <a:scrgbClr r="0" g="0" b="0"/>
+      </a:fillRef>
+      <a:effectRef idx="0">
+        <a:scrgbClr r="0" g="0" b="0"/>
+      </a:effectRef>
+      <a:fontRef idx="minor"/>
+    </dgm:style>
+  </dgm:styleLbl>
+  <dgm:styleLbl name="alignAccFollowNode1">
+    <dgm:scene3d>
+      <a:camera prst="orthographicFront"/>
+      <a:lightRig rig="threePt" dir="t"/>
+    </dgm:scene3d>
+    <dgm:sp3d/>
+    <dgm:txPr/>
+    <dgm:style>
+      <a:lnRef idx="1">
+        <a:scrgbClr r="0" g="0" b="0"/>
+      </a:lnRef>
+      <a:fillRef idx="1">
+        <a:scrgbClr r="0" g="0" b="0"/>
+      </a:fillRef>
+      <a:effectRef idx="0">
+        <a:scrgbClr r="0" g="0" b="0"/>
+      </a:effectRef>
+      <a:fontRef idx="minor"/>
+    </dgm:style>
+  </dgm:styleLbl>
+  <dgm:styleLbl name="bgAccFollowNode1">
+    <dgm:scene3d>
+      <a:camera prst="orthographicFront"/>
+      <a:lightRig rig="threePt" dir="t"/>
+    </dgm:scene3d>
+    <dgm:sp3d/>
+    <dgm:txPr/>
+    <dgm:style>
+      <a:lnRef idx="1">
+        <a:scrgbClr r="0" g="0" b="0"/>
+      </a:lnRef>
+      <a:fillRef idx="1">
+        <a:scrgbClr r="0" g="0" b="0"/>
+      </a:fillRef>
+      <a:effectRef idx="0">
+        <a:scrgbClr r="0" g="0" b="0"/>
+      </a:effectRef>
+      <a:fontRef idx="minor"/>
+    </dgm:style>
+  </dgm:styleLbl>
+  <dgm:styleLbl name="fgAcc0">
+    <dgm:scene3d>
+      <a:camera prst="orthographicFront"/>
+      <a:lightRig rig="threePt" dir="t"/>
+    </dgm:scene3d>
+    <dgm:sp3d/>
+    <dgm:txPr/>
+    <dgm:style>
+      <a:lnRef idx="1">
+        <a:scrgbClr r="0" g="0" b="0"/>
+      </a:lnRef>
+      <a:fillRef idx="1">
+        <a:scrgbClr r="0" g="0" b="0"/>
+      </a:fillRef>
+      <a:effectRef idx="0">
+        <a:scrgbClr r="0" g="0" b="0"/>
+      </a:effectRef>
+      <a:fontRef idx="minor"/>
+    </dgm:style>
+  </dgm:styleLbl>
+  <dgm:styleLbl name="fgAcc2">
+    <dgm:scene3d>
+      <a:camera prst="orthographicFront"/>
+      <a:lightRig rig="threePt" dir="t"/>
+    </dgm:scene3d>
+    <dgm:sp3d/>
+    <dgm:txPr/>
+    <dgm:style>
+      <a:lnRef idx="1">
+        <a:scrgbClr r="0" g="0" b="0"/>
+      </a:lnRef>
+      <a:fillRef idx="1">
+        <a:scrgbClr r="0" g="0" b="0"/>
+      </a:fillRef>
+      <a:effectRef idx="0">
+        <a:scrgbClr r="0" g="0" b="0"/>
+      </a:effectRef>
+      <a:fontRef idx="minor"/>
+    </dgm:style>
+  </dgm:styleLbl>
+  <dgm:styleLbl name="fgAcc3">
+    <dgm:scene3d>
+      <a:camera prst="orthographicFront"/>
+      <a:lightRig rig="threePt" dir="t"/>
+    </dgm:scene3d>
+    <dgm:sp3d/>
+    <dgm:txPr/>
+    <dgm:style>
+      <a:lnRef idx="1">
+        <a:scrgbClr r="0" g="0" b="0"/>
+      </a:lnRef>
+      <a:fillRef idx="1">
+        <a:scrgbClr r="0" g="0" b="0"/>
+      </a:fillRef>
+      <a:effectRef idx="0">
+        <a:scrgbClr r="0" g="0" b="0"/>
+      </a:effectRef>
+      <a:fontRef idx="minor"/>
+    </dgm:style>
+  </dgm:styleLbl>
+  <dgm:styleLbl name="fgAcc4">
+    <dgm:scene3d>
+      <a:camera prst="orthographicFront"/>
+      <a:lightRig rig="threePt" dir="t"/>
+    </dgm:scene3d>
+    <dgm:sp3d/>
+    <dgm:txPr/>
+    <dgm:style>
+      <a:lnRef idx="1">
+        <a:scrgbClr r="0" g="0" b="0"/>
+      </a:lnRef>
+      <a:fillRef idx="1">
+        <a:scrgbClr r="0" g="0" b="0"/>
+      </a:fillRef>
+      <a:effectRef idx="0">
+        <a:scrgbClr r="0" g="0" b="0"/>
+      </a:effectRef>
+      <a:fontRef idx="minor"/>
+    </dgm:style>
+  </dgm:styleLbl>
+  <dgm:styleLbl name="bgShp">
+    <dgm:scene3d>
+      <a:camera prst="orthographicFront"/>
+      <a:lightRig rig="threePt" dir="t"/>
+    </dgm:scene3d>
+    <dgm:sp3d/>
+    <dgm:txPr/>
+    <dgm:style>
+      <a:lnRef idx="0">
+        <a:scrgbClr r="0" g="0" b="0"/>
+      </a:lnRef>
+      <a:fillRef idx="1">
+        <a:scrgbClr r="0" g="0" b="0"/>
+      </a:fillRef>
+      <a:effectRef idx="2">
+        <a:scrgbClr r="0" g="0" b="0"/>
+      </a:effectRef>
+      <a:fontRef idx="minor"/>
+    </dgm:style>
+  </dgm:styleLbl>
+  <dgm:styleLbl name="dkBgShp">
+    <dgm:scene3d>
+      <a:camera prst="orthographicFront"/>
+      <a:lightRig rig="threePt" dir="t"/>
+    </dgm:scene3d>
+    <dgm:sp3d/>
+    <dgm:txPr/>
+    <dgm:style>
+      <a:lnRef idx="0">
+        <a:scrgbClr r="0" g="0" b="0"/>
+      </a:lnRef>
+      <a:fillRef idx="1">
+        <a:scrgbClr r="0" g="0" b="0"/>
+      </a:fillRef>
+      <a:effectRef idx="2">
+        <a:scrgbClr r="0" g="0" b="0"/>
+      </a:effectRef>
+      <a:fontRef idx="minor"/>
+    </dgm:style>
+  </dgm:styleLbl>
+  <dgm:styleLbl name="trBgShp">
+    <dgm:scene3d>
+      <a:camera prst="orthographicFront"/>
+      <a:lightRig rig="threePt" dir="t"/>
+    </dgm:scene3d>
+    <dgm:sp3d/>
+    <dgm:txPr/>
+    <dgm:style>
+      <a:lnRef idx="0">
+        <a:scrgbClr r="0" g="0" b="0"/>
+      </a:lnRef>
+      <a:fillRef idx="1">
+        <a:scrgbClr r="0" g="0" b="0"/>
+      </a:fillRef>
+      <a:effectRef idx="0">
+        <a:scrgbClr r="0" g="0" b="0"/>
+      </a:effectRef>
+      <a:fontRef idx="minor"/>
+    </dgm:style>
+  </dgm:styleLbl>
+  <dgm:styleLbl name="fgShp">
+    <dgm:scene3d>
+      <a:camera prst="orthographicFront"/>
+      <a:lightRig rig="threePt" dir="t"/>
+    </dgm:scene3d>
+    <dgm:sp3d/>
+    <dgm:txPr/>
+    <dgm:style>
+      <a:lnRef idx="0">
+        <a:scrgbClr r="0" g="0" b="0"/>
+      </a:lnRef>
+      <a:fillRef idx="3">
+        <a:scrgbClr r="0" g="0" b="0"/>
+      </a:fillRef>
+      <a:effectRef idx="2">
+        <a:scrgbClr r="0" g="0" b="0"/>
+      </a:effectRef>
+      <a:fontRef idx="minor"/>
+    </dgm:style>
+  </dgm:styleLbl>
+  <dgm:styleLbl name="revTx">
+    <dgm:scene3d>
+      <a:camera prst="orthographicFront"/>
+      <a:lightRig rig="threePt" dir="t"/>
+    </dgm:scene3d>
+    <dgm:sp3d/>
+    <dgm:txPr/>
+    <dgm:style>
+      <a:lnRef idx="0">
+        <a:scrgbClr r="0" g="0" b="0"/>
+      </a:lnRef>
+      <a:fillRef idx="0">
+        <a:scrgbClr r="0" g="0" b="0"/>
+      </a:fillRef>
+      <a:effectRef idx="0">
+        <a:scrgbClr r="0" g="0" b="0"/>
+      </a:effectRef>
+      <a:fontRef idx="minor"/>
+    </dgm:style>
+  </dgm:styleLbl>
+</dgm:styleDef>
 </file>
 
 <file path=ppt/slideLayouts/slideLayout1.xml><?xml version="1.0" encoding="utf-8"?>
@@ -290,7 +3391,7 @@
             <a:fld id="{E861DE41-929C-F344-8FB3-659D3F84A00A}" type="datetimeFigureOut">
               <a:rPr lang="en-US" smtClean="0"/>
               <a:pPr/>
-              <a:t>10/7/10</a:t>
+              <a:t>10/13/10</a:t>
             </a:fld>
             <a:endParaRPr lang="en-US"/>
           </a:p>
@@ -457,7 +3558,7 @@
             <a:fld id="{E861DE41-929C-F344-8FB3-659D3F84A00A}" type="datetimeFigureOut">
               <a:rPr lang="en-US" smtClean="0"/>
               <a:pPr/>
-              <a:t>10/7/10</a:t>
+              <a:t>10/13/10</a:t>
             </a:fld>
             <a:endParaRPr lang="en-US"/>
           </a:p>
@@ -634,7 +3735,7 @@
             <a:fld id="{E861DE41-929C-F344-8FB3-659D3F84A00A}" type="datetimeFigureOut">
               <a:rPr lang="en-US" smtClean="0"/>
               <a:pPr/>
-              <a:t>10/7/10</a:t>
+              <a:t>10/13/10</a:t>
             </a:fld>
             <a:endParaRPr lang="en-US"/>
           </a:p>
@@ -801,7 +3902,7 @@
             <a:fld id="{E861DE41-929C-F344-8FB3-659D3F84A00A}" type="datetimeFigureOut">
               <a:rPr lang="en-US" smtClean="0"/>
               <a:pPr/>
-              <a:t>10/7/10</a:t>
+              <a:t>10/13/10</a:t>
             </a:fld>
             <a:endParaRPr lang="en-US"/>
           </a:p>
@@ -1044,7 +4145,7 @@
             <a:fld id="{E861DE41-929C-F344-8FB3-659D3F84A00A}" type="datetimeFigureOut">
               <a:rPr lang="en-US" smtClean="0"/>
               <a:pPr/>
-              <a:t>10/7/10</a:t>
+              <a:t>10/13/10</a:t>
             </a:fld>
             <a:endParaRPr lang="en-US"/>
           </a:p>
@@ -1329,7 +4430,7 @@
             <a:fld id="{E861DE41-929C-F344-8FB3-659D3F84A00A}" type="datetimeFigureOut">
               <a:rPr lang="en-US" smtClean="0"/>
               <a:pPr/>
-              <a:t>10/7/10</a:t>
+              <a:t>10/13/10</a:t>
             </a:fld>
             <a:endParaRPr lang="en-US"/>
           </a:p>
@@ -1748,7 +4849,7 @@
             <a:fld id="{E861DE41-929C-F344-8FB3-659D3F84A00A}" type="datetimeFigureOut">
               <a:rPr lang="en-US" smtClean="0"/>
               <a:pPr/>
-              <a:t>10/7/10</a:t>
+              <a:t>10/13/10</a:t>
             </a:fld>
             <a:endParaRPr lang="en-US"/>
           </a:p>
@@ -1863,7 +4964,7 @@
             <a:fld id="{E861DE41-929C-F344-8FB3-659D3F84A00A}" type="datetimeFigureOut">
               <a:rPr lang="en-US" smtClean="0"/>
               <a:pPr/>
-              <a:t>10/7/10</a:t>
+              <a:t>10/13/10</a:t>
             </a:fld>
             <a:endParaRPr lang="en-US"/>
           </a:p>
@@ -1955,7 +5056,7 @@
             <a:fld id="{E861DE41-929C-F344-8FB3-659D3F84A00A}" type="datetimeFigureOut">
               <a:rPr lang="en-US" smtClean="0"/>
               <a:pPr/>
-              <a:t>10/7/10</a:t>
+              <a:t>10/13/10</a:t>
             </a:fld>
             <a:endParaRPr lang="en-US"/>
           </a:p>
@@ -2229,7 +5330,7 @@
             <a:fld id="{E861DE41-929C-F344-8FB3-659D3F84A00A}" type="datetimeFigureOut">
               <a:rPr lang="en-US" smtClean="0"/>
               <a:pPr/>
-              <a:t>10/7/10</a:t>
+              <a:t>10/13/10</a:t>
             </a:fld>
             <a:endParaRPr lang="en-US"/>
           </a:p>
@@ -2479,7 +5580,7 @@
             <a:fld id="{E861DE41-929C-F344-8FB3-659D3F84A00A}" type="datetimeFigureOut">
               <a:rPr lang="en-US" smtClean="0"/>
               <a:pPr/>
-              <a:t>10/7/10</a:t>
+              <a:t>10/13/10</a:t>
             </a:fld>
             <a:endParaRPr lang="en-US"/>
           </a:p>
@@ -2689,7 +5790,7 @@
             <a:fld id="{E861DE41-929C-F344-8FB3-659D3F84A00A}" type="datetimeFigureOut">
               <a:rPr lang="en-US" smtClean="0"/>
               <a:pPr/>
-              <a:t>10/7/10</a:t>
+              <a:t>10/13/10</a:t>
             </a:fld>
             <a:endParaRPr lang="en-US"/>
           </a:p>
@@ -3449,10 +6550,499 @@
   <p:clrMapOvr>
     <a:masterClrMapping/>
   </p:clrMapOvr>
+  <p:timing>
+    <p:tnLst>
+      <p:par>
+        <p:cTn id="1" dur="indefinite" restart="never" nodeType="tmRoot"/>
+      </p:par>
+    </p:tnLst>
+  </p:timing>
 </p:sld>
 </file>
 
 <file path=ppt/slides/slide2.xml><?xml version="1.0" encoding="utf-8"?>
+<p:sld xmlns:a="http://schemas.openxmlformats.org/drawingml/2006/main" xmlns:r="http://schemas.openxmlformats.org/officeDocument/2006/relationships" xmlns:mc="http://schemas.openxmlformats.org/markup-compatibility/2006" xmlns:mv="urn:schemas-microsoft-com:mac:vml" xmlns:p="http://schemas.openxmlformats.org/presentationml/2006/main" mc:Ignorable="mv" mc:PreserveAttributes="mv:*">
+  <p:cSld>
+    <p:spTree>
+      <p:nvGrpSpPr>
+        <p:cNvPr id="1" name=""/>
+        <p:cNvGrpSpPr/>
+        <p:nvPr/>
+      </p:nvGrpSpPr>
+      <p:grpSpPr>
+        <a:xfrm>
+          <a:off x="0" y="0"/>
+          <a:ext cx="0" cy="0"/>
+          <a:chOff x="0" y="0"/>
+          <a:chExt cx="0" cy="0"/>
+        </a:xfrm>
+      </p:grpSpPr>
+      <p:grpSp>
+        <p:nvGrpSpPr>
+          <p:cNvPr id="2" name="Group 14"/>
+          <p:cNvGrpSpPr/>
+          <p:nvPr/>
+        </p:nvGrpSpPr>
+        <p:grpSpPr>
+          <a:xfrm>
+            <a:off x="1066799" y="823555"/>
+            <a:ext cx="7480052" cy="4281845"/>
+            <a:chOff x="1066799" y="838200"/>
+            <a:chExt cx="7480052" cy="4281845"/>
+          </a:xfrm>
+        </p:grpSpPr>
+        <p:sp>
+          <p:nvSpPr>
+            <p:cNvPr id="4" name="TextBox 3"/>
+            <p:cNvSpPr txBox="1"/>
+            <p:nvPr/>
+          </p:nvSpPr>
+          <p:spPr>
+            <a:xfrm>
+              <a:off x="1080026" y="4750713"/>
+              <a:ext cx="4792410" cy="369332"/>
+            </a:xfrm>
+            <a:prstGeom prst="rect">
+              <a:avLst/>
+            </a:prstGeom>
+            <a:noFill/>
+            <a:ln>
+              <a:solidFill>
+                <a:schemeClr val="tx1">
+                  <a:lumMod val="50000"/>
+                  <a:lumOff val="50000"/>
+                </a:schemeClr>
+              </a:solidFill>
+            </a:ln>
+          </p:spPr>
+          <p:txBody>
+            <a:bodyPr wrap="square" rtlCol="0">
+              <a:spAutoFit/>
+            </a:bodyPr>
+            <a:lstStyle/>
+            <a:p>
+              <a:pPr algn="ctr"/>
+              <a:r>
+                <a:rPr lang="en-US" dirty="0" smtClean="0">
+                  <a:latin typeface="Georgia"/>
+                  <a:cs typeface="Georgia"/>
+                </a:rPr>
+                <a:t>Relational Database - </a:t>
+              </a:r>
+              <a:r>
+                <a:rPr lang="en-US" b="1" dirty="0" smtClean="0">
+                  <a:latin typeface="Georgia"/>
+                  <a:cs typeface="Georgia"/>
+                </a:rPr>
+                <a:t>MySQL</a:t>
+              </a:r>
+            </a:p>
+          </p:txBody>
+        </p:sp>
+        <p:sp>
+          <p:nvSpPr>
+            <p:cNvPr id="5" name="TextBox 4"/>
+            <p:cNvSpPr txBox="1"/>
+            <p:nvPr/>
+          </p:nvSpPr>
+          <p:spPr>
+            <a:xfrm>
+              <a:off x="1066800" y="4141113"/>
+              <a:ext cx="7467599" cy="369332"/>
+            </a:xfrm>
+            <a:prstGeom prst="rect">
+              <a:avLst/>
+            </a:prstGeom>
+            <a:noFill/>
+            <a:ln>
+              <a:solidFill>
+                <a:schemeClr val="tx1">
+                  <a:lumMod val="50000"/>
+                  <a:lumOff val="50000"/>
+                </a:schemeClr>
+              </a:solidFill>
+            </a:ln>
+          </p:spPr>
+          <p:txBody>
+            <a:bodyPr wrap="square" rtlCol="0">
+              <a:spAutoFit/>
+            </a:bodyPr>
+            <a:lstStyle/>
+            <a:p>
+              <a:pPr algn="ctr"/>
+              <a:r>
+                <a:rPr lang="en-US" dirty="0" smtClean="0">
+                  <a:latin typeface="Georgia"/>
+                  <a:cs typeface="Georgia"/>
+                </a:rPr>
+                <a:t>Full Text Search Engine – </a:t>
+              </a:r>
+              <a:r>
+                <a:rPr lang="en-US" b="1" dirty="0" smtClean="0">
+                  <a:latin typeface="Georgia"/>
+                  <a:cs typeface="Georgia"/>
+                </a:rPr>
+                <a:t>Apache Lucene, Solr</a:t>
+              </a:r>
+            </a:p>
+          </p:txBody>
+        </p:sp>
+        <p:sp>
+          <p:nvSpPr>
+            <p:cNvPr id="6" name="TextBox 5"/>
+            <p:cNvSpPr txBox="1"/>
+            <p:nvPr/>
+          </p:nvSpPr>
+          <p:spPr>
+            <a:xfrm>
+              <a:off x="1080025" y="3379113"/>
+              <a:ext cx="2195149" cy="646331"/>
+            </a:xfrm>
+            <a:prstGeom prst="rect">
+              <a:avLst/>
+            </a:prstGeom>
+            <a:noFill/>
+            <a:ln>
+              <a:solidFill>
+                <a:schemeClr val="tx1">
+                  <a:lumMod val="50000"/>
+                  <a:lumOff val="50000"/>
+                </a:schemeClr>
+              </a:solidFill>
+            </a:ln>
+          </p:spPr>
+          <p:txBody>
+            <a:bodyPr wrap="square" rtlCol="0">
+              <a:spAutoFit/>
+            </a:bodyPr>
+            <a:lstStyle/>
+            <a:p>
+              <a:pPr algn="ctr"/>
+              <a:r>
+                <a:rPr lang="en-US" dirty="0" smtClean="0">
+                  <a:latin typeface="Georgia"/>
+                  <a:cs typeface="Georgia"/>
+                </a:rPr>
+                <a:t>Taggy Learner -</a:t>
+              </a:r>
+              <a:r>
+                <a:rPr lang="en-US" b="1" dirty="0" smtClean="0">
+                  <a:latin typeface="Georgia"/>
+                  <a:cs typeface="Georgia"/>
+                </a:rPr>
+                <a:t> Ruby</a:t>
+              </a:r>
+            </a:p>
+          </p:txBody>
+        </p:sp>
+        <p:sp>
+          <p:nvSpPr>
+            <p:cNvPr id="7" name="TextBox 6"/>
+            <p:cNvSpPr txBox="1"/>
+            <p:nvPr/>
+          </p:nvSpPr>
+          <p:spPr>
+            <a:xfrm>
+              <a:off x="3498515" y="3352800"/>
+              <a:ext cx="5048336" cy="369332"/>
+            </a:xfrm>
+            <a:prstGeom prst="rect">
+              <a:avLst/>
+            </a:prstGeom>
+            <a:noFill/>
+            <a:ln>
+              <a:solidFill>
+                <a:schemeClr val="tx1">
+                  <a:lumMod val="50000"/>
+                  <a:lumOff val="50000"/>
+                </a:schemeClr>
+              </a:solidFill>
+            </a:ln>
+          </p:spPr>
+          <p:txBody>
+            <a:bodyPr wrap="square" rtlCol="0">
+              <a:spAutoFit/>
+            </a:bodyPr>
+            <a:lstStyle/>
+            <a:p>
+              <a:pPr algn="ctr"/>
+              <a:r>
+                <a:rPr lang="en-US" dirty="0" smtClean="0">
+                  <a:latin typeface="Georgia"/>
+                  <a:cs typeface="Georgia"/>
+                </a:rPr>
+                <a:t>Taggy Matchers -</a:t>
+              </a:r>
+              <a:r>
+                <a:rPr lang="en-US" b="1" dirty="0" smtClean="0">
+                  <a:latin typeface="Georgia"/>
+                  <a:cs typeface="Georgia"/>
+                </a:rPr>
+                <a:t> Ruby</a:t>
+              </a:r>
+            </a:p>
+          </p:txBody>
+        </p:sp>
+        <p:sp>
+          <p:nvSpPr>
+            <p:cNvPr id="8" name="TextBox 7"/>
+            <p:cNvSpPr txBox="1"/>
+            <p:nvPr/>
+          </p:nvSpPr>
+          <p:spPr>
+            <a:xfrm>
+              <a:off x="1066799" y="838200"/>
+              <a:ext cx="7480051" cy="369332"/>
+            </a:xfrm>
+            <a:prstGeom prst="rect">
+              <a:avLst/>
+            </a:prstGeom>
+            <a:noFill/>
+            <a:ln>
+              <a:solidFill>
+                <a:schemeClr val="tx1">
+                  <a:lumMod val="50000"/>
+                  <a:lumOff val="50000"/>
+                </a:schemeClr>
+              </a:solidFill>
+            </a:ln>
+          </p:spPr>
+          <p:txBody>
+            <a:bodyPr wrap="square" rtlCol="0">
+              <a:spAutoFit/>
+            </a:bodyPr>
+            <a:lstStyle/>
+            <a:p>
+              <a:pPr algn="ctr"/>
+              <a:r>
+                <a:rPr lang="en-US" dirty="0" smtClean="0">
+                  <a:latin typeface="Georgia"/>
+                  <a:cs typeface="Georgia"/>
+                </a:rPr>
+                <a:t>Taggy Web Application – </a:t>
+              </a:r>
+              <a:r>
+                <a:rPr lang="en-US" b="1" dirty="0" smtClean="0">
+                  <a:latin typeface="Georgia"/>
+                  <a:cs typeface="Georgia"/>
+                </a:rPr>
+                <a:t>Ruby on Rails</a:t>
+              </a:r>
+            </a:p>
+          </p:txBody>
+        </p:sp>
+        <p:sp>
+          <p:nvSpPr>
+            <p:cNvPr id="9" name="TextBox 8"/>
+            <p:cNvSpPr txBox="1"/>
+            <p:nvPr/>
+          </p:nvSpPr>
+          <p:spPr>
+            <a:xfrm>
+              <a:off x="3505200" y="2300645"/>
+              <a:ext cx="2387144" cy="923330"/>
+            </a:xfrm>
+            <a:prstGeom prst="rect">
+              <a:avLst/>
+            </a:prstGeom>
+            <a:noFill/>
+            <a:ln>
+              <a:solidFill>
+                <a:schemeClr val="tx1">
+                  <a:lumMod val="50000"/>
+                  <a:lumOff val="50000"/>
+                </a:schemeClr>
+              </a:solidFill>
+            </a:ln>
+          </p:spPr>
+          <p:txBody>
+            <a:bodyPr wrap="square" rtlCol="0">
+              <a:spAutoFit/>
+            </a:bodyPr>
+            <a:lstStyle/>
+            <a:p>
+              <a:pPr algn="ctr"/>
+              <a:r>
+                <a:rPr lang="en-US" dirty="0" smtClean="0">
+                  <a:latin typeface="Georgia"/>
+                  <a:cs typeface="Georgia"/>
+                </a:rPr>
+                <a:t>Taggy Email Grabber</a:t>
+              </a:r>
+            </a:p>
+            <a:p>
+              <a:pPr algn="ctr"/>
+              <a:r>
+                <a:rPr lang="en-US" b="1" dirty="0" smtClean="0">
+                  <a:latin typeface="Georgia"/>
+                  <a:cs typeface="Georgia"/>
+                </a:rPr>
+                <a:t>Cron/Scheduled Tasks</a:t>
+              </a:r>
+            </a:p>
+          </p:txBody>
+        </p:sp>
+        <p:sp>
+          <p:nvSpPr>
+            <p:cNvPr id="10" name="TextBox 9"/>
+            <p:cNvSpPr txBox="1"/>
+            <p:nvPr/>
+          </p:nvSpPr>
+          <p:spPr>
+            <a:xfrm>
+              <a:off x="6084426" y="1654700"/>
+              <a:ext cx="2461550" cy="369332"/>
+            </a:xfrm>
+            <a:prstGeom prst="rect">
+              <a:avLst/>
+            </a:prstGeom>
+            <a:noFill/>
+            <a:ln>
+              <a:solidFill>
+                <a:schemeClr val="tx1">
+                  <a:lumMod val="50000"/>
+                  <a:lumOff val="50000"/>
+                </a:schemeClr>
+              </a:solidFill>
+            </a:ln>
+          </p:spPr>
+          <p:txBody>
+            <a:bodyPr wrap="square" rtlCol="0">
+              <a:spAutoFit/>
+            </a:bodyPr>
+            <a:lstStyle/>
+            <a:p>
+              <a:pPr algn="ctr"/>
+              <a:r>
+                <a:rPr lang="en-US" dirty="0" smtClean="0">
+                  <a:latin typeface="Georgia"/>
+                  <a:cs typeface="Georgia"/>
+                </a:rPr>
+                <a:t>Taggy </a:t>
+              </a:r>
+              <a:r>
+                <a:rPr lang="en-US" b="1" dirty="0" smtClean="0">
+                  <a:latin typeface="Georgia"/>
+                  <a:cs typeface="Georgia"/>
+                </a:rPr>
+                <a:t>Skype</a:t>
+              </a:r>
+              <a:r>
+                <a:rPr lang="en-US" dirty="0" smtClean="0">
+                  <a:latin typeface="Georgia"/>
+                  <a:cs typeface="Georgia"/>
+                </a:rPr>
+                <a:t> Plug-in</a:t>
+              </a:r>
+            </a:p>
+          </p:txBody>
+        </p:sp>
+        <p:sp>
+          <p:nvSpPr>
+            <p:cNvPr id="11" name="TextBox 10"/>
+            <p:cNvSpPr txBox="1"/>
+            <p:nvPr/>
+          </p:nvSpPr>
+          <p:spPr>
+            <a:xfrm>
+              <a:off x="6084425" y="2540913"/>
+              <a:ext cx="2449975" cy="646331"/>
+            </a:xfrm>
+            <a:prstGeom prst="rect">
+              <a:avLst/>
+            </a:prstGeom>
+            <a:noFill/>
+            <a:ln>
+              <a:solidFill>
+                <a:schemeClr val="tx1">
+                  <a:lumMod val="50000"/>
+                  <a:lumOff val="50000"/>
+                </a:schemeClr>
+              </a:solidFill>
+            </a:ln>
+          </p:spPr>
+          <p:txBody>
+            <a:bodyPr wrap="square" rtlCol="0">
+              <a:spAutoFit/>
+            </a:bodyPr>
+            <a:lstStyle/>
+            <a:p>
+              <a:pPr algn="ctr"/>
+              <a:r>
+                <a:rPr lang="en-US" dirty="0" smtClean="0">
+                  <a:latin typeface="Georgia"/>
+                  <a:cs typeface="Georgia"/>
+                </a:rPr>
+                <a:t>Taggy </a:t>
+              </a:r>
+              <a:r>
+                <a:rPr lang="en-US" b="1" dirty="0" smtClean="0">
+                  <a:latin typeface="Georgia"/>
+                  <a:cs typeface="Georgia"/>
+                </a:rPr>
+                <a:t>Rails</a:t>
+              </a:r>
+              <a:r>
+                <a:rPr lang="en-US" dirty="0" smtClean="0">
+                  <a:latin typeface="Georgia"/>
+                  <a:cs typeface="Georgia"/>
+                </a:rPr>
+                <a:t> Web Service</a:t>
+              </a:r>
+            </a:p>
+          </p:txBody>
+        </p:sp>
+        <p:sp>
+          <p:nvSpPr>
+            <p:cNvPr id="12" name="TextBox 11"/>
+            <p:cNvSpPr txBox="1"/>
+            <p:nvPr/>
+          </p:nvSpPr>
+          <p:spPr>
+            <a:xfrm>
+              <a:off x="6084425" y="4750713"/>
+              <a:ext cx="2449975" cy="369332"/>
+            </a:xfrm>
+            <a:prstGeom prst="rect">
+              <a:avLst/>
+            </a:prstGeom>
+            <a:noFill/>
+            <a:ln>
+              <a:solidFill>
+                <a:schemeClr val="tx1">
+                  <a:lumMod val="50000"/>
+                  <a:lumOff val="50000"/>
+                </a:schemeClr>
+              </a:solidFill>
+            </a:ln>
+          </p:spPr>
+          <p:txBody>
+            <a:bodyPr wrap="square" rtlCol="0">
+              <a:spAutoFit/>
+            </a:bodyPr>
+            <a:lstStyle/>
+            <a:p>
+              <a:pPr algn="ctr"/>
+              <a:r>
+                <a:rPr lang="en-US" dirty="0" smtClean="0">
+                  <a:latin typeface="Georgia"/>
+                  <a:cs typeface="Georgia"/>
+                </a:rPr>
+                <a:t>Attached Files</a:t>
+              </a:r>
+            </a:p>
+          </p:txBody>
+        </p:sp>
+      </p:grpSp>
+    </p:spTree>
+  </p:cSld>
+  <p:clrMapOvr>
+    <a:masterClrMapping/>
+  </p:clrMapOvr>
+</p:sld>
+</file>
+
+<file path=ppt/slides/slide3.xml><?xml version="1.0" encoding="utf-8"?>
 <p:sld xmlns:a="http://schemas.openxmlformats.org/drawingml/2006/main" xmlns:r="http://schemas.openxmlformats.org/officeDocument/2006/relationships" xmlns:mc="http://schemas.openxmlformats.org/markup-compatibility/2006" xmlns:mv="urn:schemas-microsoft-com:mac:vml" xmlns:p="http://schemas.openxmlformats.org/presentationml/2006/main" mc:Ignorable="mv" mc:PreserveAttributes="mv:*">
   <p:cSld>
     <p:spTree>
@@ -3530,37 +7120,7 @@
                 <a:latin typeface="Georgia"/>
                 <a:cs typeface="Georgia"/>
               </a:rPr>
-              <a:t>User Story</a:t>
-            </a:r>
-            <a:r>
-              <a:rPr lang="en-US" dirty="0" smtClean="0">
-                <a:solidFill>
-                  <a:schemeClr val="tx1"/>
-                </a:solidFill>
-                <a:latin typeface="Georgia"/>
-                <a:cs typeface="Georgia"/>
-              </a:rPr>
-              <a:t>#2: </a:t>
-            </a:r>
-            <a:r>
-              <a:rPr lang="en-US" dirty="0" smtClean="0">
-                <a:solidFill>
-                  <a:schemeClr val="tx1"/>
-                </a:solidFill>
-                <a:latin typeface="Georgia"/>
-                <a:cs typeface="Georgia"/>
-              </a:rPr>
-              <a:t>~ ~ ~ ~ ~ ~ ~ </a:t>
-            </a:r>
-            <a:r>
-              <a:rPr lang="en-US" dirty="0" smtClean="0">
-                <a:solidFill>
-                  <a:schemeClr val="tx1"/>
-                </a:solidFill>
-                <a:latin typeface="Georgia"/>
-                <a:cs typeface="Georgia"/>
-              </a:rPr>
-              <a:t>~</a:t>
+              <a:t>User Story#2: ~ ~ ~ ~ ~ ~ ~ ~</a:t>
             </a:r>
           </a:p>
           <a:p>
@@ -3573,37 +7133,7 @@
                 <a:latin typeface="Georgia"/>
                 <a:cs typeface="Georgia"/>
               </a:rPr>
-              <a:t>User Story</a:t>
-            </a:r>
-            <a:r>
-              <a:rPr lang="en-US" dirty="0" smtClean="0">
-                <a:solidFill>
-                  <a:schemeClr val="tx1"/>
-                </a:solidFill>
-                <a:latin typeface="Georgia"/>
-                <a:cs typeface="Georgia"/>
-              </a:rPr>
-              <a:t>#3: </a:t>
-            </a:r>
-            <a:r>
-              <a:rPr lang="en-US" dirty="0" smtClean="0">
-                <a:solidFill>
-                  <a:schemeClr val="tx1"/>
-                </a:solidFill>
-                <a:latin typeface="Georgia"/>
-                <a:cs typeface="Georgia"/>
-              </a:rPr>
-              <a:t>~ ~ ~ ~ ~ ~ ~ </a:t>
-            </a:r>
-            <a:r>
-              <a:rPr lang="en-US" dirty="0" smtClean="0">
-                <a:solidFill>
-                  <a:schemeClr val="tx1"/>
-                </a:solidFill>
-                <a:latin typeface="Georgia"/>
-                <a:cs typeface="Georgia"/>
-              </a:rPr>
-              <a:t>~</a:t>
+              <a:t>User Story#3: ~ ~ ~ ~ ~ ~ ~ ~</a:t>
             </a:r>
           </a:p>
           <a:p>
@@ -3616,37 +7146,7 @@
                 <a:latin typeface="Georgia"/>
                 <a:cs typeface="Georgia"/>
               </a:rPr>
-              <a:t>User Story</a:t>
-            </a:r>
-            <a:r>
-              <a:rPr lang="en-US" dirty="0" smtClean="0">
-                <a:solidFill>
-                  <a:schemeClr val="tx1"/>
-                </a:solidFill>
-                <a:latin typeface="Georgia"/>
-                <a:cs typeface="Georgia"/>
-              </a:rPr>
-              <a:t>#4: </a:t>
-            </a:r>
-            <a:r>
-              <a:rPr lang="en-US" dirty="0" smtClean="0">
-                <a:solidFill>
-                  <a:schemeClr val="tx1"/>
-                </a:solidFill>
-                <a:latin typeface="Georgia"/>
-                <a:cs typeface="Georgia"/>
-              </a:rPr>
-              <a:t>~ ~ ~ ~ ~ ~ ~ </a:t>
-            </a:r>
-            <a:r>
-              <a:rPr lang="en-US" dirty="0" smtClean="0">
-                <a:solidFill>
-                  <a:schemeClr val="tx1"/>
-                </a:solidFill>
-                <a:latin typeface="Georgia"/>
-                <a:cs typeface="Georgia"/>
-              </a:rPr>
-              <a:t>~</a:t>
+              <a:t>User Story#4: ~ ~ ~ ~ ~ ~ ~ ~</a:t>
             </a:r>
           </a:p>
           <a:p>
@@ -3659,37 +7159,7 @@
                 <a:latin typeface="Georgia"/>
                 <a:cs typeface="Georgia"/>
               </a:rPr>
-              <a:t>User Story</a:t>
-            </a:r>
-            <a:r>
-              <a:rPr lang="en-US" dirty="0" smtClean="0">
-                <a:solidFill>
-                  <a:schemeClr val="tx1"/>
-                </a:solidFill>
-                <a:latin typeface="Georgia"/>
-                <a:cs typeface="Georgia"/>
-              </a:rPr>
-              <a:t>#5: </a:t>
-            </a:r>
-            <a:r>
-              <a:rPr lang="en-US" dirty="0" smtClean="0">
-                <a:solidFill>
-                  <a:schemeClr val="tx1"/>
-                </a:solidFill>
-                <a:latin typeface="Georgia"/>
-                <a:cs typeface="Georgia"/>
-              </a:rPr>
-              <a:t>~ ~ ~ ~ ~ ~ ~ </a:t>
-            </a:r>
-            <a:r>
-              <a:rPr lang="en-US" dirty="0" smtClean="0">
-                <a:solidFill>
-                  <a:schemeClr val="tx1"/>
-                </a:solidFill>
-                <a:latin typeface="Georgia"/>
-                <a:cs typeface="Georgia"/>
-              </a:rPr>
-              <a:t>~</a:t>
+              <a:t>User Story#5: ~ ~ ~ ~ ~ ~ ~ ~</a:t>
             </a:r>
           </a:p>
           <a:p>
@@ -3702,37 +7172,7 @@
                 <a:latin typeface="Georgia"/>
                 <a:cs typeface="Georgia"/>
               </a:rPr>
-              <a:t>User Story</a:t>
-            </a:r>
-            <a:r>
-              <a:rPr lang="en-US" dirty="0" smtClean="0">
-                <a:solidFill>
-                  <a:schemeClr val="tx1"/>
-                </a:solidFill>
-                <a:latin typeface="Georgia"/>
-                <a:cs typeface="Georgia"/>
-              </a:rPr>
-              <a:t>#6: </a:t>
-            </a:r>
-            <a:r>
-              <a:rPr lang="en-US" dirty="0" smtClean="0">
-                <a:solidFill>
-                  <a:schemeClr val="tx1"/>
-                </a:solidFill>
-                <a:latin typeface="Georgia"/>
-                <a:cs typeface="Georgia"/>
-              </a:rPr>
-              <a:t>~ ~ ~ ~ ~ ~ ~ </a:t>
-            </a:r>
-            <a:r>
-              <a:rPr lang="en-US" dirty="0" smtClean="0">
-                <a:solidFill>
-                  <a:schemeClr val="tx1"/>
-                </a:solidFill>
-                <a:latin typeface="Georgia"/>
-                <a:cs typeface="Georgia"/>
-              </a:rPr>
-              <a:t>~</a:t>
+              <a:t>User Story#6: ~ ~ ~ ~ ~ ~ ~ ~</a:t>
             </a:r>
           </a:p>
           <a:p>
@@ -3745,37 +7185,7 @@
                 <a:latin typeface="Georgia"/>
                 <a:cs typeface="Georgia"/>
               </a:rPr>
-              <a:t>User Story</a:t>
-            </a:r>
-            <a:r>
-              <a:rPr lang="en-US" dirty="0" smtClean="0">
-                <a:solidFill>
-                  <a:schemeClr val="tx1"/>
-                </a:solidFill>
-                <a:latin typeface="Georgia"/>
-                <a:cs typeface="Georgia"/>
-              </a:rPr>
-              <a:t>#7: </a:t>
-            </a:r>
-            <a:r>
-              <a:rPr lang="en-US" dirty="0" smtClean="0">
-                <a:solidFill>
-                  <a:schemeClr val="tx1"/>
-                </a:solidFill>
-                <a:latin typeface="Georgia"/>
-                <a:cs typeface="Georgia"/>
-              </a:rPr>
-              <a:t>~ ~ ~ ~ ~ ~ ~ </a:t>
-            </a:r>
-            <a:r>
-              <a:rPr lang="en-US" dirty="0" smtClean="0">
-                <a:solidFill>
-                  <a:schemeClr val="tx1"/>
-                </a:solidFill>
-                <a:latin typeface="Georgia"/>
-                <a:cs typeface="Georgia"/>
-              </a:rPr>
-              <a:t>~</a:t>
+              <a:t>User Story#7: ~ ~ ~ ~ ~ ~ ~ ~</a:t>
             </a:r>
           </a:p>
           <a:p>
@@ -3788,37 +7198,7 @@
                 <a:latin typeface="Georgia"/>
                 <a:cs typeface="Georgia"/>
               </a:rPr>
-              <a:t>User Story</a:t>
-            </a:r>
-            <a:r>
-              <a:rPr lang="en-US" dirty="0" smtClean="0">
-                <a:solidFill>
-                  <a:schemeClr val="tx1"/>
-                </a:solidFill>
-                <a:latin typeface="Georgia"/>
-                <a:cs typeface="Georgia"/>
-              </a:rPr>
-              <a:t>#8: </a:t>
-            </a:r>
-            <a:r>
-              <a:rPr lang="en-US" dirty="0" smtClean="0">
-                <a:solidFill>
-                  <a:schemeClr val="tx1"/>
-                </a:solidFill>
-                <a:latin typeface="Georgia"/>
-                <a:cs typeface="Georgia"/>
-              </a:rPr>
-              <a:t>~ ~ ~ ~ ~ ~ ~ </a:t>
-            </a:r>
-            <a:r>
-              <a:rPr lang="en-US" dirty="0" smtClean="0">
-                <a:solidFill>
-                  <a:schemeClr val="tx1"/>
-                </a:solidFill>
-                <a:latin typeface="Georgia"/>
-                <a:cs typeface="Georgia"/>
-              </a:rPr>
-              <a:t>~</a:t>
+              <a:t>User Story#8: ~ ~ ~ ~ ~ ~ ~ ~</a:t>
             </a:r>
           </a:p>
           <a:p>
@@ -3831,37 +7211,7 @@
                 <a:latin typeface="Georgia"/>
                 <a:cs typeface="Georgia"/>
               </a:rPr>
-              <a:t>User Story</a:t>
-            </a:r>
-            <a:r>
-              <a:rPr lang="en-US" dirty="0" smtClean="0">
-                <a:solidFill>
-                  <a:schemeClr val="tx1"/>
-                </a:solidFill>
-                <a:latin typeface="Georgia"/>
-                <a:cs typeface="Georgia"/>
-              </a:rPr>
-              <a:t>#9: </a:t>
-            </a:r>
-            <a:r>
-              <a:rPr lang="en-US" dirty="0" smtClean="0">
-                <a:solidFill>
-                  <a:schemeClr val="tx1"/>
-                </a:solidFill>
-                <a:latin typeface="Georgia"/>
-                <a:cs typeface="Georgia"/>
-              </a:rPr>
-              <a:t>~ ~ ~ ~ ~ ~ ~ </a:t>
-            </a:r>
-            <a:r>
-              <a:rPr lang="en-US" dirty="0" smtClean="0">
-                <a:solidFill>
-                  <a:schemeClr val="tx1"/>
-                </a:solidFill>
-                <a:latin typeface="Georgia"/>
-                <a:cs typeface="Georgia"/>
-              </a:rPr>
-              <a:t>~</a:t>
+              <a:t>User Story#9: ~ ~ ~ ~ ~ ~ ~ ~</a:t>
             </a:r>
           </a:p>
           <a:p>
@@ -3900,37 +7250,7 @@
                 <a:latin typeface="Georgia"/>
                 <a:cs typeface="Georgia"/>
               </a:rPr>
-              <a:t>User Story</a:t>
-            </a:r>
-            <a:r>
-              <a:rPr lang="en-US" dirty="0" smtClean="0">
-                <a:solidFill>
-                  <a:schemeClr val="tx1"/>
-                </a:solidFill>
-                <a:latin typeface="Georgia"/>
-                <a:cs typeface="Georgia"/>
-              </a:rPr>
-              <a:t>#n: </a:t>
-            </a:r>
-            <a:r>
-              <a:rPr lang="en-US" dirty="0" smtClean="0">
-                <a:solidFill>
-                  <a:schemeClr val="tx1"/>
-                </a:solidFill>
-                <a:latin typeface="Georgia"/>
-                <a:cs typeface="Georgia"/>
-              </a:rPr>
-              <a:t>~ ~ ~ ~ ~ ~ ~ ~</a:t>
-            </a:r>
-            <a:r>
-              <a:rPr lang="en-US" dirty="0" smtClean="0">
-                <a:solidFill>
-                  <a:schemeClr val="tx1"/>
-                </a:solidFill>
-                <a:latin typeface="Georgia"/>
-                <a:cs typeface="Georgia"/>
-              </a:rPr>
-              <a:t> </a:t>
+              <a:t>User Story#n: ~ ~ ~ ~ ~ ~ ~ ~ </a:t>
             </a:r>
             <a:endParaRPr lang="en-US" dirty="0">
               <a:solidFill>
@@ -4294,6 +7614,906 @@
   <p:clrMapOvr>
     <a:masterClrMapping/>
   </p:clrMapOvr>
+</p:sld>
+</file>
+
+<file path=ppt/slides/slide4.xml><?xml version="1.0" encoding="utf-8"?>
+<p:sld xmlns:a="http://schemas.openxmlformats.org/drawingml/2006/main" xmlns:r="http://schemas.openxmlformats.org/officeDocument/2006/relationships" xmlns:mc="http://schemas.openxmlformats.org/markup-compatibility/2006" xmlns:mv="urn:schemas-microsoft-com:mac:vml" xmlns:p="http://schemas.openxmlformats.org/presentationml/2006/main" mc:Ignorable="mv" mc:PreserveAttributes="mv:*">
+  <p:cSld>
+    <p:spTree>
+      <p:nvGrpSpPr>
+        <p:cNvPr id="1" name=""/>
+        <p:cNvGrpSpPr/>
+        <p:nvPr/>
+      </p:nvGrpSpPr>
+      <p:grpSpPr>
+        <a:xfrm>
+          <a:off x="0" y="0"/>
+          <a:ext cx="0" cy="0"/>
+          <a:chOff x="0" y="0"/>
+          <a:chExt cx="0" cy="0"/>
+        </a:xfrm>
+      </p:grpSpPr>
+      <p:grpSp>
+        <p:nvGrpSpPr>
+          <p:cNvPr id="19" name="Group 18"/>
+          <p:cNvGrpSpPr/>
+          <p:nvPr/>
+        </p:nvGrpSpPr>
+        <p:grpSpPr>
+          <a:xfrm>
+            <a:off x="2971800" y="172501"/>
+            <a:ext cx="2370523" cy="2342099"/>
+            <a:chOff x="296477" y="1546385"/>
+            <a:chExt cx="2370523" cy="2342099"/>
+          </a:xfrm>
+        </p:grpSpPr>
+        <p:pic>
+          <p:nvPicPr>
+            <p:cNvPr id="20" name="Picture 19" descr="jigsaw-icon.jpg"/>
+            <p:cNvPicPr>
+              <a:picLocks noChangeAspect="1"/>
+            </p:cNvPicPr>
+            <p:nvPr/>
+          </p:nvPicPr>
+          <p:blipFill>
+            <a:blip r:embed="rId2"/>
+            <a:stretch>
+              <a:fillRect/>
+            </a:stretch>
+          </p:blipFill>
+          <p:spPr>
+            <a:xfrm>
+              <a:off x="296477" y="1546385"/>
+              <a:ext cx="2370523" cy="2342099"/>
+            </a:xfrm>
+            <a:prstGeom prst="rect">
+              <a:avLst/>
+            </a:prstGeom>
+          </p:spPr>
+        </p:pic>
+        <p:sp>
+          <p:nvSpPr>
+            <p:cNvPr id="21" name="TextBox 20"/>
+            <p:cNvSpPr txBox="1"/>
+            <p:nvPr/>
+          </p:nvSpPr>
+          <p:spPr>
+            <a:xfrm>
+              <a:off x="457200" y="2209800"/>
+              <a:ext cx="1525553" cy="400110"/>
+            </a:xfrm>
+            <a:prstGeom prst="rect">
+              <a:avLst/>
+            </a:prstGeom>
+            <a:noFill/>
+          </p:spPr>
+          <p:txBody>
+            <a:bodyPr wrap="none" rtlCol="0">
+              <a:spAutoFit/>
+            </a:bodyPr>
+            <a:lstStyle/>
+            <a:p>
+              <a:r>
+                <a:rPr lang="en-US" sz="2000" dirty="0" smtClean="0">
+                  <a:solidFill>
+                    <a:schemeClr val="bg1"/>
+                  </a:solidFill>
+                </a:rPr>
+                <a:t>User Story#2</a:t>
+              </a:r>
+            </a:p>
+          </p:txBody>
+        </p:sp>
+      </p:grpSp>
+      <p:grpSp>
+        <p:nvGrpSpPr>
+          <p:cNvPr id="22" name="Group 21"/>
+          <p:cNvGrpSpPr/>
+          <p:nvPr/>
+        </p:nvGrpSpPr>
+        <p:grpSpPr>
+          <a:xfrm>
+            <a:off x="829877" y="4345684"/>
+            <a:ext cx="2370523" cy="2342099"/>
+            <a:chOff x="296477" y="1546385"/>
+            <a:chExt cx="2370523" cy="2342099"/>
+          </a:xfrm>
+        </p:grpSpPr>
+        <p:pic>
+          <p:nvPicPr>
+            <p:cNvPr id="23" name="Picture 22" descr="jigsaw-icon.jpg"/>
+            <p:cNvPicPr>
+              <a:picLocks noChangeAspect="1"/>
+            </p:cNvPicPr>
+            <p:nvPr/>
+          </p:nvPicPr>
+          <p:blipFill>
+            <a:blip r:embed="rId2"/>
+            <a:stretch>
+              <a:fillRect/>
+            </a:stretch>
+          </p:blipFill>
+          <p:spPr>
+            <a:xfrm>
+              <a:off x="296477" y="1546385"/>
+              <a:ext cx="2370523" cy="2342099"/>
+            </a:xfrm>
+            <a:prstGeom prst="rect">
+              <a:avLst/>
+            </a:prstGeom>
+          </p:spPr>
+        </p:pic>
+        <p:sp>
+          <p:nvSpPr>
+            <p:cNvPr id="24" name="TextBox 23"/>
+            <p:cNvSpPr txBox="1"/>
+            <p:nvPr/>
+          </p:nvSpPr>
+          <p:spPr>
+            <a:xfrm>
+              <a:off x="457200" y="2209800"/>
+              <a:ext cx="1530312" cy="400110"/>
+            </a:xfrm>
+            <a:prstGeom prst="rect">
+              <a:avLst/>
+            </a:prstGeom>
+            <a:noFill/>
+          </p:spPr>
+          <p:txBody>
+            <a:bodyPr wrap="none" rtlCol="0">
+              <a:spAutoFit/>
+            </a:bodyPr>
+            <a:lstStyle/>
+            <a:p>
+              <a:r>
+                <a:rPr lang="en-US" sz="2000" dirty="0" smtClean="0">
+                  <a:solidFill>
+                    <a:schemeClr val="bg1"/>
+                  </a:solidFill>
+                </a:rPr>
+                <a:t>User Story#n</a:t>
+              </a:r>
+            </a:p>
+          </p:txBody>
+        </p:sp>
+      </p:grpSp>
+      <p:grpSp>
+        <p:nvGrpSpPr>
+          <p:cNvPr id="28" name="Group 27"/>
+          <p:cNvGrpSpPr/>
+          <p:nvPr/>
+        </p:nvGrpSpPr>
+        <p:grpSpPr>
+          <a:xfrm>
+            <a:off x="4267200" y="4513001"/>
+            <a:ext cx="2362200" cy="2344999"/>
+            <a:chOff x="2849177" y="2715984"/>
+            <a:chExt cx="2362200" cy="2344999"/>
+          </a:xfrm>
+        </p:grpSpPr>
+        <p:pic>
+          <p:nvPicPr>
+            <p:cNvPr id="29" name="Picture 28" descr="jigsaw-puzzle.jpg"/>
+            <p:cNvPicPr>
+              <a:picLocks noChangeAspect="1"/>
+            </p:cNvPicPr>
+            <p:nvPr/>
+          </p:nvPicPr>
+          <p:blipFill>
+            <a:blip r:embed="rId3"/>
+            <a:stretch>
+              <a:fillRect/>
+            </a:stretch>
+          </p:blipFill>
+          <p:spPr>
+            <a:xfrm>
+              <a:off x="2849177" y="2715984"/>
+              <a:ext cx="2362200" cy="2344999"/>
+            </a:xfrm>
+            <a:prstGeom prst="rect">
+              <a:avLst/>
+            </a:prstGeom>
+          </p:spPr>
+        </p:pic>
+        <p:sp>
+          <p:nvSpPr>
+            <p:cNvPr id="30" name="TextBox 29"/>
+            <p:cNvSpPr txBox="1"/>
+            <p:nvPr/>
+          </p:nvSpPr>
+          <p:spPr>
+            <a:xfrm>
+              <a:off x="3441429" y="3276600"/>
+              <a:ext cx="1769948" cy="923330"/>
+            </a:xfrm>
+            <a:prstGeom prst="rect">
+              <a:avLst/>
+            </a:prstGeom>
+            <a:noFill/>
+          </p:spPr>
+          <p:txBody>
+            <a:bodyPr wrap="none" rtlCol="0">
+              <a:spAutoFit/>
+            </a:bodyPr>
+            <a:lstStyle/>
+            <a:p>
+              <a:endParaRPr lang="en-US" dirty="0" smtClean="0">
+                <a:solidFill>
+                  <a:srgbClr val="FFFFFF"/>
+                </a:solidFill>
+              </a:endParaRPr>
+            </a:p>
+            <a:p>
+              <a:r>
+                <a:rPr lang="en-US" dirty="0" smtClean="0">
+                  <a:solidFill>
+                    <a:srgbClr val="FFFFFF"/>
+                  </a:solidFill>
+                </a:rPr>
+                <a:t>Email# 3</a:t>
+              </a:r>
+            </a:p>
+            <a:p>
+              <a:r>
+                <a:rPr lang="en-US" dirty="0" smtClean="0">
+                  <a:solidFill>
+                    <a:srgbClr val="FFFFFF"/>
+                  </a:solidFill>
+                </a:rPr>
+                <a:t>On User Story# 3</a:t>
+              </a:r>
+              <a:endParaRPr lang="en-US" dirty="0">
+                <a:solidFill>
+                  <a:srgbClr val="FFFFFF"/>
+                </a:solidFill>
+              </a:endParaRPr>
+            </a:p>
+          </p:txBody>
+        </p:sp>
+      </p:grpSp>
+      <p:grpSp>
+        <p:nvGrpSpPr>
+          <p:cNvPr id="27" name="Group 26"/>
+          <p:cNvGrpSpPr/>
+          <p:nvPr/>
+        </p:nvGrpSpPr>
+        <p:grpSpPr>
+          <a:xfrm>
+            <a:off x="2590800" y="2667000"/>
+            <a:ext cx="2400965" cy="2344999"/>
+            <a:chOff x="2590800" y="2667000"/>
+            <a:chExt cx="2400965" cy="2344999"/>
+          </a:xfrm>
+        </p:grpSpPr>
+        <p:pic>
+          <p:nvPicPr>
+            <p:cNvPr id="12" name="Picture 11" descr="jigsaw-puzzle.jpg"/>
+            <p:cNvPicPr>
+              <a:picLocks noChangeAspect="1"/>
+            </p:cNvPicPr>
+            <p:nvPr/>
+          </p:nvPicPr>
+          <p:blipFill>
+            <a:blip r:embed="rId3"/>
+            <a:stretch>
+              <a:fillRect/>
+            </a:stretch>
+          </p:blipFill>
+          <p:spPr>
+            <a:xfrm>
+              <a:off x="2590800" y="2667000"/>
+              <a:ext cx="2362200" cy="2344999"/>
+            </a:xfrm>
+            <a:prstGeom prst="rect">
+              <a:avLst/>
+            </a:prstGeom>
+          </p:spPr>
+        </p:pic>
+        <p:sp>
+          <p:nvSpPr>
+            <p:cNvPr id="25" name="TextBox 24"/>
+            <p:cNvSpPr txBox="1"/>
+            <p:nvPr/>
+          </p:nvSpPr>
+          <p:spPr>
+            <a:xfrm>
+              <a:off x="3221817" y="3276600"/>
+              <a:ext cx="1769948" cy="923330"/>
+            </a:xfrm>
+            <a:prstGeom prst="rect">
+              <a:avLst/>
+            </a:prstGeom>
+            <a:noFill/>
+          </p:spPr>
+          <p:txBody>
+            <a:bodyPr wrap="none" rtlCol="0">
+              <a:spAutoFit/>
+            </a:bodyPr>
+            <a:lstStyle/>
+            <a:p>
+              <a:endParaRPr lang="en-US" dirty="0" smtClean="0">
+                <a:solidFill>
+                  <a:srgbClr val="FFFFFF"/>
+                </a:solidFill>
+              </a:endParaRPr>
+            </a:p>
+            <a:p>
+              <a:r>
+                <a:rPr lang="en-US" dirty="0" smtClean="0">
+                  <a:solidFill>
+                    <a:srgbClr val="FFFFFF"/>
+                  </a:solidFill>
+                </a:rPr>
+                <a:t>Email# 1</a:t>
+              </a:r>
+            </a:p>
+            <a:p>
+              <a:r>
+                <a:rPr lang="en-US" dirty="0" smtClean="0">
+                  <a:solidFill>
+                    <a:srgbClr val="FFFFFF"/>
+                  </a:solidFill>
+                </a:rPr>
+                <a:t>On User Story# 1</a:t>
+              </a:r>
+              <a:endParaRPr lang="en-US" dirty="0">
+                <a:solidFill>
+                  <a:srgbClr val="FFFFFF"/>
+                </a:solidFill>
+              </a:endParaRPr>
+            </a:p>
+          </p:txBody>
+        </p:sp>
+      </p:grpSp>
+      <p:grpSp>
+        <p:nvGrpSpPr>
+          <p:cNvPr id="31" name="Group 30"/>
+          <p:cNvGrpSpPr/>
+          <p:nvPr/>
+        </p:nvGrpSpPr>
+        <p:grpSpPr>
+          <a:xfrm>
+            <a:off x="5410200" y="683881"/>
+            <a:ext cx="2362200" cy="2344999"/>
+            <a:chOff x="2667000" y="2715984"/>
+            <a:chExt cx="2362200" cy="2344999"/>
+          </a:xfrm>
+        </p:grpSpPr>
+        <p:pic>
+          <p:nvPicPr>
+            <p:cNvPr id="32" name="Picture 31" descr="jigsaw-puzzle.jpg"/>
+            <p:cNvPicPr>
+              <a:picLocks noChangeAspect="1"/>
+            </p:cNvPicPr>
+            <p:nvPr/>
+          </p:nvPicPr>
+          <p:blipFill>
+            <a:blip r:embed="rId3"/>
+            <a:stretch>
+              <a:fillRect/>
+            </a:stretch>
+          </p:blipFill>
+          <p:spPr>
+            <a:xfrm>
+              <a:off x="2667000" y="2715984"/>
+              <a:ext cx="2362200" cy="2344999"/>
+            </a:xfrm>
+            <a:prstGeom prst="rect">
+              <a:avLst/>
+            </a:prstGeom>
+          </p:spPr>
+        </p:pic>
+        <p:sp>
+          <p:nvSpPr>
+            <p:cNvPr id="33" name="TextBox 32"/>
+            <p:cNvSpPr txBox="1"/>
+            <p:nvPr/>
+          </p:nvSpPr>
+          <p:spPr>
+            <a:xfrm>
+              <a:off x="3221817" y="3276600"/>
+              <a:ext cx="1774231" cy="923330"/>
+            </a:xfrm>
+            <a:prstGeom prst="rect">
+              <a:avLst/>
+            </a:prstGeom>
+            <a:noFill/>
+          </p:spPr>
+          <p:txBody>
+            <a:bodyPr wrap="none" rtlCol="0">
+              <a:spAutoFit/>
+            </a:bodyPr>
+            <a:lstStyle/>
+            <a:p>
+              <a:endParaRPr lang="en-US" dirty="0" smtClean="0">
+                <a:solidFill>
+                  <a:srgbClr val="FFFFFF"/>
+                </a:solidFill>
+              </a:endParaRPr>
+            </a:p>
+            <a:p>
+              <a:r>
+                <a:rPr lang="en-US" dirty="0" smtClean="0">
+                  <a:solidFill>
+                    <a:srgbClr val="FFFFFF"/>
+                  </a:solidFill>
+                </a:rPr>
+                <a:t>Email# n</a:t>
+              </a:r>
+            </a:p>
+            <a:p>
+              <a:r>
+                <a:rPr lang="en-US" dirty="0" smtClean="0">
+                  <a:solidFill>
+                    <a:srgbClr val="FFFFFF"/>
+                  </a:solidFill>
+                </a:rPr>
+                <a:t>On User Story# n</a:t>
+              </a:r>
+              <a:endParaRPr lang="en-US" dirty="0">
+                <a:solidFill>
+                  <a:srgbClr val="FFFFFF"/>
+                </a:solidFill>
+              </a:endParaRPr>
+            </a:p>
+          </p:txBody>
+        </p:sp>
+      </p:grpSp>
+      <p:grpSp>
+        <p:nvGrpSpPr>
+          <p:cNvPr id="16" name="Group 15"/>
+          <p:cNvGrpSpPr/>
+          <p:nvPr/>
+        </p:nvGrpSpPr>
+        <p:grpSpPr>
+          <a:xfrm>
+            <a:off x="5486400" y="2819400"/>
+            <a:ext cx="2370523" cy="2342099"/>
+            <a:chOff x="457200" y="1584615"/>
+            <a:chExt cx="2370523" cy="2342099"/>
+          </a:xfrm>
+        </p:grpSpPr>
+        <p:pic>
+          <p:nvPicPr>
+            <p:cNvPr id="17" name="Picture 16" descr="jigsaw-icon.jpg"/>
+            <p:cNvPicPr>
+              <a:picLocks noChangeAspect="1"/>
+            </p:cNvPicPr>
+            <p:nvPr/>
+          </p:nvPicPr>
+          <p:blipFill>
+            <a:blip r:embed="rId2"/>
+            <a:stretch>
+              <a:fillRect/>
+            </a:stretch>
+          </p:blipFill>
+          <p:spPr>
+            <a:xfrm>
+              <a:off x="457200" y="1584615"/>
+              <a:ext cx="2370523" cy="2342099"/>
+            </a:xfrm>
+            <a:prstGeom prst="rect">
+              <a:avLst/>
+            </a:prstGeom>
+          </p:spPr>
+        </p:pic>
+        <p:sp>
+          <p:nvSpPr>
+            <p:cNvPr id="18" name="TextBox 17"/>
+            <p:cNvSpPr txBox="1"/>
+            <p:nvPr/>
+          </p:nvSpPr>
+          <p:spPr>
+            <a:xfrm>
+              <a:off x="457200" y="2209800"/>
+              <a:ext cx="1525553" cy="400110"/>
+            </a:xfrm>
+            <a:prstGeom prst="rect">
+              <a:avLst/>
+            </a:prstGeom>
+            <a:noFill/>
+          </p:spPr>
+          <p:txBody>
+            <a:bodyPr wrap="none" rtlCol="0">
+              <a:spAutoFit/>
+            </a:bodyPr>
+            <a:lstStyle/>
+            <a:p>
+              <a:r>
+                <a:rPr lang="en-US" sz="2000" dirty="0" smtClean="0">
+                  <a:solidFill>
+                    <a:schemeClr val="bg1"/>
+                  </a:solidFill>
+                </a:rPr>
+                <a:t>User Story#3</a:t>
+              </a:r>
+            </a:p>
+          </p:txBody>
+        </p:sp>
+      </p:grpSp>
+      <p:grpSp>
+        <p:nvGrpSpPr>
+          <p:cNvPr id="15" name="Group 14"/>
+          <p:cNvGrpSpPr/>
+          <p:nvPr/>
+        </p:nvGrpSpPr>
+        <p:grpSpPr>
+          <a:xfrm>
+            <a:off x="228600" y="1696501"/>
+            <a:ext cx="2370523" cy="2342099"/>
+            <a:chOff x="533400" y="1447800"/>
+            <a:chExt cx="2370523" cy="2342099"/>
+          </a:xfrm>
+        </p:grpSpPr>
+        <p:pic>
+          <p:nvPicPr>
+            <p:cNvPr id="6" name="Picture 5" descr="jigsaw-icon.jpg"/>
+            <p:cNvPicPr>
+              <a:picLocks noChangeAspect="1"/>
+            </p:cNvPicPr>
+            <p:nvPr/>
+          </p:nvPicPr>
+          <p:blipFill>
+            <a:blip r:embed="rId2"/>
+            <a:stretch>
+              <a:fillRect/>
+            </a:stretch>
+          </p:blipFill>
+          <p:spPr>
+            <a:xfrm>
+              <a:off x="533400" y="1447800"/>
+              <a:ext cx="2370523" cy="2342099"/>
+            </a:xfrm>
+            <a:prstGeom prst="rect">
+              <a:avLst/>
+            </a:prstGeom>
+          </p:spPr>
+        </p:pic>
+        <p:sp>
+          <p:nvSpPr>
+            <p:cNvPr id="7" name="TextBox 6"/>
+            <p:cNvSpPr txBox="1"/>
+            <p:nvPr/>
+          </p:nvSpPr>
+          <p:spPr>
+            <a:xfrm>
+              <a:off x="684247" y="2209800"/>
+              <a:ext cx="1525553" cy="400110"/>
+            </a:xfrm>
+            <a:prstGeom prst="rect">
+              <a:avLst/>
+            </a:prstGeom>
+            <a:noFill/>
+          </p:spPr>
+          <p:txBody>
+            <a:bodyPr wrap="none" rtlCol="0">
+              <a:spAutoFit/>
+            </a:bodyPr>
+            <a:lstStyle/>
+            <a:p>
+              <a:r>
+                <a:rPr lang="en-US" sz="2000" dirty="0" smtClean="0">
+                  <a:solidFill>
+                    <a:schemeClr val="bg1"/>
+                  </a:solidFill>
+                </a:rPr>
+                <a:t>User Story#1</a:t>
+              </a:r>
+            </a:p>
+          </p:txBody>
+        </p:sp>
+      </p:grpSp>
+    </p:spTree>
+  </p:cSld>
+  <p:clrMapOvr>
+    <a:masterClrMapping/>
+  </p:clrMapOvr>
+</p:sld>
+</file>
+
+<file path=ppt/slides/slide5.xml><?xml version="1.0" encoding="utf-8"?>
+<p:sld xmlns:a="http://schemas.openxmlformats.org/drawingml/2006/main" xmlns:r="http://schemas.openxmlformats.org/officeDocument/2006/relationships" xmlns:mc="http://schemas.openxmlformats.org/markup-compatibility/2006" xmlns:mv="urn:schemas-microsoft-com:mac:vml" xmlns:p="http://schemas.openxmlformats.org/presentationml/2006/main" mc:Ignorable="mv" mc:PreserveAttributes="mv:*">
+  <p:cSld>
+    <p:spTree>
+      <p:nvGrpSpPr>
+        <p:cNvPr id="1" name=""/>
+        <p:cNvGrpSpPr/>
+        <p:nvPr/>
+      </p:nvGrpSpPr>
+      <p:grpSpPr>
+        <a:xfrm>
+          <a:off x="0" y="0"/>
+          <a:ext cx="0" cy="0"/>
+          <a:chOff x="0" y="0"/>
+          <a:chExt cx="0" cy="0"/>
+        </a:xfrm>
+      </p:grpSpPr>
+      <p:graphicFrame>
+        <p:nvGraphicFramePr>
+          <p:cNvPr id="4" name="Diagram 3"/>
+          <p:cNvGraphicFramePr/>
+          <p:nvPr/>
+        </p:nvGraphicFramePr>
+        <p:xfrm>
+          <a:off x="762000" y="685800"/>
+          <a:ext cx="6477000" cy="5181600"/>
+        </p:xfrm>
+        <a:graphic>
+          <a:graphicData uri="http://schemas.openxmlformats.org/drawingml/2006/diagram">
+            <a:relIds xmlns:dgm="http://schemas.openxmlformats.org/drawingml/2006/diagram" xmlns:r="http://schemas.openxmlformats.org/officeDocument/2006/relationships" r:dm="rId2" r:lo="rId3" r:qs="rId4" r:cs="rId5"/>
+          </a:graphicData>
+        </a:graphic>
+      </p:graphicFrame>
+      <p:sp>
+        <p:nvSpPr>
+          <p:cNvPr id="7" name="Left Arrow 6"/>
+          <p:cNvSpPr/>
+          <p:nvPr/>
+        </p:nvSpPr>
+        <p:spPr>
+          <a:xfrm>
+            <a:off x="7239000" y="886968"/>
+            <a:ext cx="762000" cy="484632"/>
+          </a:xfrm>
+          <a:prstGeom prst="leftArrow">
+            <a:avLst/>
+          </a:prstGeom>
+          <a:solidFill>
+            <a:schemeClr val="accent1">
+              <a:alpha val="74000"/>
+            </a:schemeClr>
+          </a:solidFill>
+          <a:ln>
+            <a:solidFill>
+              <a:schemeClr val="accent1"/>
+            </a:solidFill>
+          </a:ln>
+        </p:spPr>
+        <p:style>
+          <a:lnRef idx="1">
+            <a:schemeClr val="accent1"/>
+          </a:lnRef>
+          <a:fillRef idx="3">
+            <a:schemeClr val="accent1"/>
+          </a:fillRef>
+          <a:effectRef idx="2">
+            <a:schemeClr val="accent1"/>
+          </a:effectRef>
+          <a:fontRef idx="minor">
+            <a:schemeClr val="lt1"/>
+          </a:fontRef>
+        </p:style>
+        <p:txBody>
+          <a:bodyPr rtlCol="0" anchor="ctr"/>
+          <a:lstStyle/>
+          <a:p>
+            <a:pPr algn="ctr"/>
+            <a:endParaRPr lang="en-US">
+              <a:latin typeface="Georgia"/>
+              <a:cs typeface="Georgia"/>
+            </a:endParaRPr>
+          </a:p>
+        </p:txBody>
+      </p:sp>
+      <p:sp>
+        <p:nvSpPr>
+          <p:cNvPr id="18" name="Rectangle 17"/>
+          <p:cNvSpPr/>
+          <p:nvPr/>
+        </p:nvSpPr>
+        <p:spPr>
+          <a:xfrm>
+            <a:off x="8001000" y="990600"/>
+            <a:ext cx="216408" cy="4585716"/>
+          </a:xfrm>
+          <a:prstGeom prst="rect">
+            <a:avLst/>
+          </a:prstGeom>
+          <a:solidFill>
+            <a:schemeClr val="accent1">
+              <a:alpha val="74000"/>
+            </a:schemeClr>
+          </a:solidFill>
+          <a:ln>
+            <a:noFill/>
+          </a:ln>
+        </p:spPr>
+        <p:style>
+          <a:lnRef idx="1">
+            <a:schemeClr val="accent1"/>
+          </a:lnRef>
+          <a:fillRef idx="3">
+            <a:schemeClr val="accent1"/>
+          </a:fillRef>
+          <a:effectRef idx="2">
+            <a:schemeClr val="accent1"/>
+          </a:effectRef>
+          <a:fontRef idx="minor">
+            <a:schemeClr val="lt1"/>
+          </a:fontRef>
+        </p:style>
+        <p:txBody>
+          <a:bodyPr rtlCol="0" anchor="ctr"/>
+          <a:lstStyle/>
+          <a:p>
+            <a:pPr algn="ctr"/>
+            <a:endParaRPr lang="en-US">
+              <a:latin typeface="Georgia"/>
+              <a:cs typeface="Georgia"/>
+            </a:endParaRPr>
+          </a:p>
+        </p:txBody>
+      </p:sp>
+      <p:sp>
+        <p:nvSpPr>
+          <p:cNvPr id="19" name="Rectangle 18"/>
+          <p:cNvSpPr/>
+          <p:nvPr/>
+        </p:nvSpPr>
+        <p:spPr>
+          <a:xfrm>
+            <a:off x="7239000" y="5257800"/>
+            <a:ext cx="762000" cy="318516"/>
+          </a:xfrm>
+          <a:prstGeom prst="rect">
+            <a:avLst/>
+          </a:prstGeom>
+          <a:solidFill>
+            <a:schemeClr val="accent1">
+              <a:alpha val="74000"/>
+            </a:schemeClr>
+          </a:solidFill>
+          <a:ln>
+            <a:noFill/>
+          </a:ln>
+        </p:spPr>
+        <p:style>
+          <a:lnRef idx="1">
+            <a:schemeClr val="accent1"/>
+          </a:lnRef>
+          <a:fillRef idx="3">
+            <a:schemeClr val="accent1"/>
+          </a:fillRef>
+          <a:effectRef idx="2">
+            <a:schemeClr val="accent1"/>
+          </a:effectRef>
+          <a:fontRef idx="minor">
+            <a:schemeClr val="lt1"/>
+          </a:fontRef>
+        </p:style>
+        <p:txBody>
+          <a:bodyPr rtlCol="0" anchor="ctr"/>
+          <a:lstStyle/>
+          <a:p>
+            <a:pPr algn="ctr"/>
+            <a:endParaRPr lang="en-US">
+              <a:latin typeface="Georgia"/>
+              <a:cs typeface="Georgia"/>
+            </a:endParaRPr>
+          </a:p>
+        </p:txBody>
+      </p:sp>
+      <p:sp>
+        <p:nvSpPr>
+          <p:cNvPr id="21" name="Rectangle 20"/>
+          <p:cNvSpPr/>
+          <p:nvPr/>
+        </p:nvSpPr>
+        <p:spPr>
+          <a:xfrm>
+            <a:off x="8305800" y="2590800"/>
+            <a:ext cx="533400" cy="1600200"/>
+          </a:xfrm>
+          <a:prstGeom prst="rect">
+            <a:avLst/>
+          </a:prstGeom>
+          <a:scene3d>
+            <a:camera prst="orthographicFront">
+              <a:rot lat="0" lon="0" rev="0"/>
+            </a:camera>
+            <a:lightRig rig="threePt" dir="t"/>
+          </a:scene3d>
+        </p:spPr>
+        <p:style>
+          <a:lnRef idx="1">
+            <a:schemeClr val="accent1"/>
+          </a:lnRef>
+          <a:fillRef idx="3">
+            <a:schemeClr val="accent1"/>
+          </a:fillRef>
+          <a:effectRef idx="2">
+            <a:schemeClr val="accent1"/>
+          </a:effectRef>
+          <a:fontRef idx="minor">
+            <a:schemeClr val="lt1"/>
+          </a:fontRef>
+        </p:style>
+        <p:txBody>
+          <a:bodyPr vert="vert270" rtlCol="0" anchor="ctr"/>
+          <a:lstStyle/>
+          <a:p>
+            <a:pPr algn="ctr"/>
+            <a:r>
+              <a:rPr lang="en-US" sz="2300" dirty="0" smtClean="0">
+                <a:solidFill>
+                  <a:srgbClr val="000000"/>
+                </a:solidFill>
+                <a:latin typeface="Georgia"/>
+                <a:cs typeface="Georgia"/>
+              </a:rPr>
+              <a:t>Iterate</a:t>
+            </a:r>
+            <a:endParaRPr lang="en-US" sz="2300" dirty="0">
+              <a:solidFill>
+                <a:srgbClr val="000000"/>
+              </a:solidFill>
+              <a:latin typeface="Georgia"/>
+              <a:cs typeface="Georgia"/>
+            </a:endParaRPr>
+          </a:p>
+        </p:txBody>
+      </p:sp>
+    </p:spTree>
+  </p:cSld>
+  <p:clrMapOvr>
+    <a:masterClrMapping/>
+  </p:clrMapOvr>
+  <p:timing>
+    <p:tnLst>
+      <p:par>
+        <p:cTn id="1" dur="indefinite" restart="never" nodeType="tmRoot"/>
+      </p:par>
+    </p:tnLst>
+  </p:timing>
+</p:sld>
+</file>
+
+<file path=ppt/slides/slide6.xml><?xml version="1.0" encoding="utf-8"?>
+<p:sld xmlns:a="http://schemas.openxmlformats.org/drawingml/2006/main" xmlns:r="http://schemas.openxmlformats.org/officeDocument/2006/relationships" xmlns:mc="http://schemas.openxmlformats.org/markup-compatibility/2006" xmlns:mv="urn:schemas-microsoft-com:mac:vml" xmlns:p="http://schemas.openxmlformats.org/presentationml/2006/main" mc:Ignorable="mv" mc:PreserveAttributes="mv:*">
+  <p:cSld>
+    <p:spTree>
+      <p:nvGrpSpPr>
+        <p:cNvPr id="1" name=""/>
+        <p:cNvGrpSpPr/>
+        <p:nvPr/>
+      </p:nvGrpSpPr>
+      <p:grpSpPr>
+        <a:xfrm>
+          <a:off x="0" y="0"/>
+          <a:ext cx="0" cy="0"/>
+          <a:chOff x="0" y="0"/>
+          <a:chExt cx="0" cy="0"/>
+        </a:xfrm>
+      </p:grpSpPr>
+      <p:graphicFrame>
+        <p:nvGraphicFramePr>
+          <p:cNvPr id="8" name="Chart 7"/>
+          <p:cNvGraphicFramePr/>
+          <p:nvPr/>
+        </p:nvGraphicFramePr>
+        <p:xfrm>
+          <a:off x="387350" y="1130300"/>
+          <a:ext cx="8369300" cy="4597400"/>
+        </p:xfrm>
+        <a:graphic>
+          <a:graphicData uri="http://schemas.openxmlformats.org/drawingml/2006/chart">
+            <c:chart xmlns:c="http://schemas.openxmlformats.org/drawingml/2006/chart" xmlns:r="http://schemas.openxmlformats.org/officeDocument/2006/relationships" r:id="rId2"/>
+          </a:graphicData>
+        </a:graphic>
+      </p:graphicFrame>
+    </p:spTree>
+  </p:cSld>
+  <p:clrMapOvr>
+    <a:masterClrMapping/>
+  </p:clrMapOvr>
+  <p:timing>
+    <p:tnLst>
+      <p:par>
+        <p:cTn id="1" dur="indefinite" restart="never" nodeType="tmRoot"/>
+      </p:par>
+    </p:tnLst>
+  </p:timing>
 </p:sld>
 </file>
 

--- a/Thesis/arch.pptx
+++ b/Thesis/arch.pptx
@@ -11,6 +11,7 @@
     <p:sldId id="259" r:id="rId5"/>
     <p:sldId id="260" r:id="rId6"/>
     <p:sldId id="261" r:id="rId7"/>
+    <p:sldId id="262" r:id="rId8"/>
   </p:sldIdLst>
   <p:sldSz cx="9144000" cy="6858000" type="screen4x3"/>
   <p:notesSz cx="6858000" cy="9144000"/>
@@ -263,11 +264,11 @@
             </c:numRef>
           </c:val>
         </c:ser>
-        <c:axId val="110762808"/>
-        <c:axId val="110343016"/>
+        <c:axId val="484616712"/>
+        <c:axId val="484623912"/>
       </c:barChart>
       <c:catAx>
-        <c:axId val="110762808"/>
+        <c:axId val="484616712"/>
         <c:scaling>
           <c:orientation val="minMax"/>
         </c:scaling>
@@ -291,14 +292,14 @@
           <c:layout/>
         </c:title>
         <c:tickLblPos val="nextTo"/>
-        <c:crossAx val="110343016"/>
+        <c:crossAx val="484623912"/>
         <c:crosses val="autoZero"/>
         <c:auto val="1"/>
         <c:lblAlgn val="ctr"/>
         <c:lblOffset val="100"/>
       </c:catAx>
       <c:valAx>
-        <c:axId val="110343016"/>
+        <c:axId val="484623912"/>
         <c:scaling>
           <c:orientation val="minMax"/>
         </c:scaling>
@@ -324,7 +325,7 @@
         </c:title>
         <c:numFmt formatCode="General" sourceLinked="1"/>
         <c:tickLblPos val="nextTo"/>
-        <c:crossAx val="110762808"/>
+        <c:crossAx val="484616712"/>
         <c:crosses val="autoZero"/>
         <c:crossBetween val="between"/>
       </c:valAx>
@@ -3391,7 +3392,7 @@
             <a:fld id="{E861DE41-929C-F344-8FB3-659D3F84A00A}" type="datetimeFigureOut">
               <a:rPr lang="en-US" smtClean="0"/>
               <a:pPr/>
-              <a:t>10/13/10</a:t>
+              <a:t>10/27/10</a:t>
             </a:fld>
             <a:endParaRPr lang="en-US"/>
           </a:p>
@@ -3558,7 +3559,7 @@
             <a:fld id="{E861DE41-929C-F344-8FB3-659D3F84A00A}" type="datetimeFigureOut">
               <a:rPr lang="en-US" smtClean="0"/>
               <a:pPr/>
-              <a:t>10/13/10</a:t>
+              <a:t>10/27/10</a:t>
             </a:fld>
             <a:endParaRPr lang="en-US"/>
           </a:p>
@@ -3735,7 +3736,7 @@
             <a:fld id="{E861DE41-929C-F344-8FB3-659D3F84A00A}" type="datetimeFigureOut">
               <a:rPr lang="en-US" smtClean="0"/>
               <a:pPr/>
-              <a:t>10/13/10</a:t>
+              <a:t>10/27/10</a:t>
             </a:fld>
             <a:endParaRPr lang="en-US"/>
           </a:p>
@@ -3902,7 +3903,7 @@
             <a:fld id="{E861DE41-929C-F344-8FB3-659D3F84A00A}" type="datetimeFigureOut">
               <a:rPr lang="en-US" smtClean="0"/>
               <a:pPr/>
-              <a:t>10/13/10</a:t>
+              <a:t>10/27/10</a:t>
             </a:fld>
             <a:endParaRPr lang="en-US"/>
           </a:p>
@@ -4145,7 +4146,7 @@
             <a:fld id="{E861DE41-929C-F344-8FB3-659D3F84A00A}" type="datetimeFigureOut">
               <a:rPr lang="en-US" smtClean="0"/>
               <a:pPr/>
-              <a:t>10/13/10</a:t>
+              <a:t>10/27/10</a:t>
             </a:fld>
             <a:endParaRPr lang="en-US"/>
           </a:p>
@@ -4430,7 +4431,7 @@
             <a:fld id="{E861DE41-929C-F344-8FB3-659D3F84A00A}" type="datetimeFigureOut">
               <a:rPr lang="en-US" smtClean="0"/>
               <a:pPr/>
-              <a:t>10/13/10</a:t>
+              <a:t>10/27/10</a:t>
             </a:fld>
             <a:endParaRPr lang="en-US"/>
           </a:p>
@@ -4849,7 +4850,7 @@
             <a:fld id="{E861DE41-929C-F344-8FB3-659D3F84A00A}" type="datetimeFigureOut">
               <a:rPr lang="en-US" smtClean="0"/>
               <a:pPr/>
-              <a:t>10/13/10</a:t>
+              <a:t>10/27/10</a:t>
             </a:fld>
             <a:endParaRPr lang="en-US"/>
           </a:p>
@@ -4964,7 +4965,7 @@
             <a:fld id="{E861DE41-929C-F344-8FB3-659D3F84A00A}" type="datetimeFigureOut">
               <a:rPr lang="en-US" smtClean="0"/>
               <a:pPr/>
-              <a:t>10/13/10</a:t>
+              <a:t>10/27/10</a:t>
             </a:fld>
             <a:endParaRPr lang="en-US"/>
           </a:p>
@@ -5056,7 +5057,7 @@
             <a:fld id="{E861DE41-929C-F344-8FB3-659D3F84A00A}" type="datetimeFigureOut">
               <a:rPr lang="en-US" smtClean="0"/>
               <a:pPr/>
-              <a:t>10/13/10</a:t>
+              <a:t>10/27/10</a:t>
             </a:fld>
             <a:endParaRPr lang="en-US"/>
           </a:p>
@@ -5330,7 +5331,7 @@
             <a:fld id="{E861DE41-929C-F344-8FB3-659D3F84A00A}" type="datetimeFigureOut">
               <a:rPr lang="en-US" smtClean="0"/>
               <a:pPr/>
-              <a:t>10/13/10</a:t>
+              <a:t>10/27/10</a:t>
             </a:fld>
             <a:endParaRPr lang="en-US"/>
           </a:p>
@@ -5580,7 +5581,7 @@
             <a:fld id="{E861DE41-929C-F344-8FB3-659D3F84A00A}" type="datetimeFigureOut">
               <a:rPr lang="en-US" smtClean="0"/>
               <a:pPr/>
-              <a:t>10/13/10</a:t>
+              <a:t>10/27/10</a:t>
             </a:fld>
             <a:endParaRPr lang="en-US"/>
           </a:p>
@@ -5790,7 +5791,7 @@
             <a:fld id="{E861DE41-929C-F344-8FB3-659D3F84A00A}" type="datetimeFigureOut">
               <a:rPr lang="en-US" smtClean="0"/>
               <a:pPr/>
-              <a:t>10/13/10</a:t>
+              <a:t>10/27/10</a:t>
             </a:fld>
             <a:endParaRPr lang="en-US"/>
           </a:p>
@@ -8517,6 +8518,99 @@
 </p:sld>
 </file>
 
+<file path=ppt/slides/slide7.xml><?xml version="1.0" encoding="utf-8"?>
+<p:sld xmlns:a="http://schemas.openxmlformats.org/drawingml/2006/main" xmlns:r="http://schemas.openxmlformats.org/officeDocument/2006/relationships" xmlns:mc="http://schemas.openxmlformats.org/markup-compatibility/2006" xmlns:mv="urn:schemas-microsoft-com:mac:vml" xmlns:p="http://schemas.openxmlformats.org/presentationml/2006/main" mc:Ignorable="mv" mc:PreserveAttributes="mv:*">
+  <p:cSld>
+    <p:spTree>
+      <p:nvGrpSpPr>
+        <p:cNvPr id="1" name=""/>
+        <p:cNvGrpSpPr/>
+        <p:nvPr/>
+      </p:nvGrpSpPr>
+      <p:grpSpPr>
+        <a:xfrm>
+          <a:off x="0" y="0"/>
+          <a:ext cx="0" cy="0"/>
+          <a:chOff x="0" y="0"/>
+          <a:chExt cx="0" cy="0"/>
+        </a:xfrm>
+      </p:grpSpPr>
+      <p:pic>
+        <p:nvPicPr>
+          <p:cNvPr id="6" name="Picture 5" descr="Picture 7.png"/>
+          <p:cNvPicPr>
+            <a:picLocks noChangeAspect="1"/>
+          </p:cNvPicPr>
+          <p:nvPr/>
+        </p:nvPicPr>
+        <p:blipFill>
+          <a:blip r:embed="rId2"/>
+          <a:stretch>
+            <a:fillRect/>
+          </a:stretch>
+        </p:blipFill>
+        <p:spPr>
+          <a:xfrm>
+            <a:off x="1066800" y="1447800"/>
+            <a:ext cx="6705601" cy="3771900"/>
+          </a:xfrm>
+          <a:prstGeom prst="rect">
+            <a:avLst/>
+          </a:prstGeom>
+        </p:spPr>
+      </p:pic>
+      <p:sp>
+        <p:nvSpPr>
+          <p:cNvPr id="7" name="Rectangle 6"/>
+          <p:cNvSpPr/>
+          <p:nvPr/>
+        </p:nvSpPr>
+        <p:spPr>
+          <a:xfrm>
+            <a:off x="1447800" y="2819400"/>
+            <a:ext cx="5943600" cy="228600"/>
+          </a:xfrm>
+          <a:prstGeom prst="rect">
+            <a:avLst/>
+          </a:prstGeom>
+          <a:noFill/>
+          <a:ln w="38100" cmpd="sng">
+            <a:solidFill>
+              <a:srgbClr val="FF0000"/>
+            </a:solidFill>
+          </a:ln>
+        </p:spPr>
+        <p:style>
+          <a:lnRef idx="1">
+            <a:schemeClr val="accent1"/>
+          </a:lnRef>
+          <a:fillRef idx="3">
+            <a:schemeClr val="accent1"/>
+          </a:fillRef>
+          <a:effectRef idx="2">
+            <a:schemeClr val="accent1"/>
+          </a:effectRef>
+          <a:fontRef idx="minor">
+            <a:schemeClr val="lt1"/>
+          </a:fontRef>
+        </p:style>
+        <p:txBody>
+          <a:bodyPr rtlCol="0" anchor="ctr"/>
+          <a:lstStyle/>
+          <a:p>
+            <a:pPr algn="ctr"/>
+            <a:endParaRPr lang="en-US"/>
+          </a:p>
+        </p:txBody>
+      </p:sp>
+    </p:spTree>
+  </p:cSld>
+  <p:clrMapOvr>
+    <a:masterClrMapping/>
+  </p:clrMapOvr>
+</p:sld>
+</file>
+
 <file path=ppt/theme/theme1.xml><?xml version="1.0" encoding="utf-8"?>
 <a:theme xmlns:a="http://schemas.openxmlformats.org/drawingml/2006/main" name="Office Theme">
   <a:themeElements>

--- a/Thesis/arch.pptx
+++ b/Thesis/arch.pptx
@@ -6,12 +6,17 @@
   </p:sldMasterIdLst>
   <p:sldIdLst>
     <p:sldId id="256" r:id="rId2"/>
-    <p:sldId id="258" r:id="rId3"/>
-    <p:sldId id="257" r:id="rId4"/>
-    <p:sldId id="259" r:id="rId5"/>
-    <p:sldId id="260" r:id="rId6"/>
-    <p:sldId id="261" r:id="rId7"/>
-    <p:sldId id="262" r:id="rId8"/>
+    <p:sldId id="267" r:id="rId3"/>
+    <p:sldId id="258" r:id="rId4"/>
+    <p:sldId id="257" r:id="rId5"/>
+    <p:sldId id="259" r:id="rId6"/>
+    <p:sldId id="260" r:id="rId7"/>
+    <p:sldId id="261" r:id="rId8"/>
+    <p:sldId id="262" r:id="rId9"/>
+    <p:sldId id="263" r:id="rId10"/>
+    <p:sldId id="264" r:id="rId11"/>
+    <p:sldId id="266" r:id="rId12"/>
+    <p:sldId id="265" r:id="rId13"/>
   </p:sldIdLst>
   <p:sldSz cx="9144000" cy="6858000" type="screen4x3"/>
   <p:notesSz cx="6858000" cy="9144000"/>
@@ -264,11 +269,11 @@
             </c:numRef>
           </c:val>
         </c:ser>
-        <c:axId val="484616712"/>
-        <c:axId val="484623912"/>
+        <c:axId val="481390840"/>
+        <c:axId val="481434488"/>
       </c:barChart>
       <c:catAx>
-        <c:axId val="484616712"/>
+        <c:axId val="481390840"/>
         <c:scaling>
           <c:orientation val="minMax"/>
         </c:scaling>
@@ -292,14 +297,14 @@
           <c:layout/>
         </c:title>
         <c:tickLblPos val="nextTo"/>
-        <c:crossAx val="484623912"/>
+        <c:crossAx val="481434488"/>
         <c:crosses val="autoZero"/>
         <c:auto val="1"/>
         <c:lblAlgn val="ctr"/>
         <c:lblOffset val="100"/>
       </c:catAx>
       <c:valAx>
-        <c:axId val="484623912"/>
+        <c:axId val="481434488"/>
         <c:scaling>
           <c:orientation val="minMax"/>
         </c:scaling>
@@ -325,7 +330,7 @@
         </c:title>
         <c:numFmt formatCode="General" sourceLinked="1"/>
         <c:tickLblPos val="nextTo"/>
-        <c:crossAx val="484616712"/>
+        <c:crossAx val="481390840"/>
         <c:crosses val="autoZero"/>
         <c:crossBetween val="between"/>
       </c:valAx>
@@ -3392,7 +3397,7 @@
             <a:fld id="{E861DE41-929C-F344-8FB3-659D3F84A00A}" type="datetimeFigureOut">
               <a:rPr lang="en-US" smtClean="0"/>
               <a:pPr/>
-              <a:t>10/27/10</a:t>
+              <a:t>11/4/10</a:t>
             </a:fld>
             <a:endParaRPr lang="en-US"/>
           </a:p>
@@ -3559,7 +3564,7 @@
             <a:fld id="{E861DE41-929C-F344-8FB3-659D3F84A00A}" type="datetimeFigureOut">
               <a:rPr lang="en-US" smtClean="0"/>
               <a:pPr/>
-              <a:t>10/27/10</a:t>
+              <a:t>11/4/10</a:t>
             </a:fld>
             <a:endParaRPr lang="en-US"/>
           </a:p>
@@ -3736,7 +3741,7 @@
             <a:fld id="{E861DE41-929C-F344-8FB3-659D3F84A00A}" type="datetimeFigureOut">
               <a:rPr lang="en-US" smtClean="0"/>
               <a:pPr/>
-              <a:t>10/27/10</a:t>
+              <a:t>11/4/10</a:t>
             </a:fld>
             <a:endParaRPr lang="en-US"/>
           </a:p>
@@ -3903,7 +3908,7 @@
             <a:fld id="{E861DE41-929C-F344-8FB3-659D3F84A00A}" type="datetimeFigureOut">
               <a:rPr lang="en-US" smtClean="0"/>
               <a:pPr/>
-              <a:t>10/27/10</a:t>
+              <a:t>11/4/10</a:t>
             </a:fld>
             <a:endParaRPr lang="en-US"/>
           </a:p>
@@ -4146,7 +4151,7 @@
             <a:fld id="{E861DE41-929C-F344-8FB3-659D3F84A00A}" type="datetimeFigureOut">
               <a:rPr lang="en-US" smtClean="0"/>
               <a:pPr/>
-              <a:t>10/27/10</a:t>
+              <a:t>11/4/10</a:t>
             </a:fld>
             <a:endParaRPr lang="en-US"/>
           </a:p>
@@ -4431,7 +4436,7 @@
             <a:fld id="{E861DE41-929C-F344-8FB3-659D3F84A00A}" type="datetimeFigureOut">
               <a:rPr lang="en-US" smtClean="0"/>
               <a:pPr/>
-              <a:t>10/27/10</a:t>
+              <a:t>11/4/10</a:t>
             </a:fld>
             <a:endParaRPr lang="en-US"/>
           </a:p>
@@ -4850,7 +4855,7 @@
             <a:fld id="{E861DE41-929C-F344-8FB3-659D3F84A00A}" type="datetimeFigureOut">
               <a:rPr lang="en-US" smtClean="0"/>
               <a:pPr/>
-              <a:t>10/27/10</a:t>
+              <a:t>11/4/10</a:t>
             </a:fld>
             <a:endParaRPr lang="en-US"/>
           </a:p>
@@ -4965,7 +4970,7 @@
             <a:fld id="{E861DE41-929C-F344-8FB3-659D3F84A00A}" type="datetimeFigureOut">
               <a:rPr lang="en-US" smtClean="0"/>
               <a:pPr/>
-              <a:t>10/27/10</a:t>
+              <a:t>11/4/10</a:t>
             </a:fld>
             <a:endParaRPr lang="en-US"/>
           </a:p>
@@ -5057,7 +5062,7 @@
             <a:fld id="{E861DE41-929C-F344-8FB3-659D3F84A00A}" type="datetimeFigureOut">
               <a:rPr lang="en-US" smtClean="0"/>
               <a:pPr/>
-              <a:t>10/27/10</a:t>
+              <a:t>11/4/10</a:t>
             </a:fld>
             <a:endParaRPr lang="en-US"/>
           </a:p>
@@ -5331,7 +5336,7 @@
             <a:fld id="{E861DE41-929C-F344-8FB3-659D3F84A00A}" type="datetimeFigureOut">
               <a:rPr lang="en-US" smtClean="0"/>
               <a:pPr/>
-              <a:t>10/27/10</a:t>
+              <a:t>11/4/10</a:t>
             </a:fld>
             <a:endParaRPr lang="en-US"/>
           </a:p>
@@ -5581,7 +5586,7 @@
             <a:fld id="{E861DE41-929C-F344-8FB3-659D3F84A00A}" type="datetimeFigureOut">
               <a:rPr lang="en-US" smtClean="0"/>
               <a:pPr/>
-              <a:t>10/27/10</a:t>
+              <a:t>11/4/10</a:t>
             </a:fld>
             <a:endParaRPr lang="en-US"/>
           </a:p>
@@ -5791,7 +5796,7 @@
             <a:fld id="{E861DE41-929C-F344-8FB3-659D3F84A00A}" type="datetimeFigureOut">
               <a:rPr lang="en-US" smtClean="0"/>
               <a:pPr/>
-              <a:t>10/27/10</a:t>
+              <a:t>11/4/10</a:t>
             </a:fld>
             <a:endParaRPr lang="en-US"/>
           </a:p>
@@ -6164,16 +6169,16 @@
       </p:grpSpPr>
       <p:grpSp>
         <p:nvGrpSpPr>
-          <p:cNvPr id="15" name="Group 14"/>
+          <p:cNvPr id="13" name="Group 12"/>
           <p:cNvGrpSpPr/>
           <p:nvPr/>
         </p:nvGrpSpPr>
         <p:grpSpPr>
           <a:xfrm>
-            <a:off x="1066799" y="823555"/>
-            <a:ext cx="7480052" cy="4281845"/>
-            <a:chOff x="1066799" y="838200"/>
-            <a:chExt cx="7480052" cy="4281845"/>
+            <a:off x="1066799" y="762000"/>
+            <a:ext cx="7480052" cy="4420344"/>
+            <a:chOff x="1066799" y="762000"/>
+            <a:chExt cx="7480052" cy="4420344"/>
           </a:xfrm>
         </p:grpSpPr>
         <p:sp>
@@ -6184,32 +6189,36 @@
           </p:nvSpPr>
           <p:spPr>
             <a:xfrm>
-              <a:off x="1080026" y="4750713"/>
-              <a:ext cx="4792410" cy="369332"/>
+              <a:off x="1080026" y="4736068"/>
+              <a:ext cx="4792410" cy="446276"/>
             </a:xfrm>
             <a:prstGeom prst="rect">
               <a:avLst/>
             </a:prstGeom>
-            <a:noFill/>
-            <a:ln>
+            <a:solidFill>
+              <a:schemeClr val="accent1">
+                <a:lumMod val="20000"/>
+                <a:lumOff val="80000"/>
+              </a:schemeClr>
+            </a:solidFill>
+            <a:ln w="76200" cmpd="sng">
               <a:solidFill>
-                <a:schemeClr val="tx1">
-                  <a:lumMod val="50000"/>
-                  <a:lumOff val="50000"/>
+                <a:schemeClr val="tx2">
+                  <a:lumMod val="40000"/>
+                  <a:lumOff val="60000"/>
                 </a:schemeClr>
               </a:solidFill>
             </a:ln>
           </p:spPr>
           <p:txBody>
-            <a:bodyPr wrap="square" rtlCol="0">
+            <a:bodyPr wrap="square" rtlCol="0" anchor="ctr" anchorCtr="0">
               <a:spAutoFit/>
             </a:bodyPr>
             <a:lstStyle/>
             <a:p>
               <a:pPr algn="ctr"/>
               <a:r>
-                <a:rPr lang="en-US" dirty="0" smtClean="0">
-                  <a:latin typeface="Georgia"/>
+                <a:rPr lang="en-US" sz="2300" dirty="0" smtClean="0">
                   <a:cs typeface="Georgia"/>
                 </a:rPr>
                 <a:t>Relational Database</a:t>
@@ -6225,32 +6234,36 @@
           </p:nvSpPr>
           <p:spPr>
             <a:xfrm>
-              <a:off x="1066800" y="4141113"/>
-              <a:ext cx="7467599" cy="369332"/>
+              <a:off x="1066800" y="4038600"/>
+              <a:ext cx="7467599" cy="446276"/>
             </a:xfrm>
             <a:prstGeom prst="rect">
               <a:avLst/>
             </a:prstGeom>
-            <a:noFill/>
-            <a:ln>
+            <a:solidFill>
+              <a:schemeClr val="accent1">
+                <a:lumMod val="20000"/>
+                <a:lumOff val="80000"/>
+              </a:schemeClr>
+            </a:solidFill>
+            <a:ln w="76200" cmpd="sng">
               <a:solidFill>
-                <a:schemeClr val="tx1">
-                  <a:lumMod val="50000"/>
-                  <a:lumOff val="50000"/>
+                <a:schemeClr val="tx2">
+                  <a:lumMod val="40000"/>
+                  <a:lumOff val="60000"/>
                 </a:schemeClr>
               </a:solidFill>
             </a:ln>
           </p:spPr>
           <p:txBody>
-            <a:bodyPr wrap="square" rtlCol="0">
+            <a:bodyPr wrap="square" rtlCol="0" anchor="ctr" anchorCtr="0">
               <a:spAutoFit/>
             </a:bodyPr>
             <a:lstStyle/>
             <a:p>
               <a:pPr algn="ctr"/>
               <a:r>
-                <a:rPr lang="en-US" dirty="0" smtClean="0">
-                  <a:latin typeface="Georgia"/>
+                <a:rPr lang="en-US" sz="2300" dirty="0" smtClean="0">
                   <a:cs typeface="Georgia"/>
                 </a:rPr>
                 <a:t>Full Text Search Engine</a:t>
@@ -6266,32 +6279,36 @@
           </p:nvSpPr>
           <p:spPr>
             <a:xfrm>
-              <a:off x="1080025" y="3379113"/>
-              <a:ext cx="2195149" cy="369332"/>
+              <a:off x="1080025" y="3364468"/>
+              <a:ext cx="2195149" cy="446276"/>
             </a:xfrm>
             <a:prstGeom prst="rect">
               <a:avLst/>
             </a:prstGeom>
-            <a:noFill/>
-            <a:ln>
+            <a:solidFill>
+              <a:schemeClr val="accent1">
+                <a:lumMod val="20000"/>
+                <a:lumOff val="80000"/>
+              </a:schemeClr>
+            </a:solidFill>
+            <a:ln w="76200" cmpd="sng">
               <a:solidFill>
-                <a:schemeClr val="tx1">
-                  <a:lumMod val="50000"/>
-                  <a:lumOff val="50000"/>
+                <a:schemeClr val="tx2">
+                  <a:lumMod val="40000"/>
+                  <a:lumOff val="60000"/>
                 </a:schemeClr>
               </a:solidFill>
             </a:ln>
           </p:spPr>
           <p:txBody>
-            <a:bodyPr wrap="square" rtlCol="0">
+            <a:bodyPr wrap="square" rtlCol="0" anchor="ctr" anchorCtr="0">
               <a:spAutoFit/>
             </a:bodyPr>
             <a:lstStyle/>
             <a:p>
               <a:pPr algn="ctr"/>
               <a:r>
-                <a:rPr lang="en-US" b="1" dirty="0" smtClean="0">
-                  <a:latin typeface="Georgia"/>
+                <a:rPr lang="en-US" sz="2300" dirty="0" smtClean="0">
                   <a:cs typeface="Georgia"/>
                 </a:rPr>
                 <a:t>Taggy Learner</a:t>
@@ -6307,32 +6324,36 @@
           </p:nvSpPr>
           <p:spPr>
             <a:xfrm>
-              <a:off x="3498515" y="3352800"/>
-              <a:ext cx="5048336" cy="369332"/>
+              <a:off x="3498515" y="3363724"/>
+              <a:ext cx="5048336" cy="446276"/>
             </a:xfrm>
             <a:prstGeom prst="rect">
               <a:avLst/>
             </a:prstGeom>
-            <a:noFill/>
-            <a:ln>
+            <a:solidFill>
+              <a:schemeClr val="accent1">
+                <a:lumMod val="20000"/>
+                <a:lumOff val="80000"/>
+              </a:schemeClr>
+            </a:solidFill>
+            <a:ln w="76200" cmpd="sng">
               <a:solidFill>
-                <a:schemeClr val="tx1">
-                  <a:lumMod val="50000"/>
-                  <a:lumOff val="50000"/>
+                <a:schemeClr val="tx2">
+                  <a:lumMod val="40000"/>
+                  <a:lumOff val="60000"/>
                 </a:schemeClr>
               </a:solidFill>
             </a:ln>
           </p:spPr>
           <p:txBody>
-            <a:bodyPr wrap="square" rtlCol="0">
+            <a:bodyPr wrap="square" rtlCol="0" anchor="ctr" anchorCtr="0">
               <a:spAutoFit/>
             </a:bodyPr>
             <a:lstStyle/>
             <a:p>
               <a:pPr algn="ctr"/>
               <a:r>
-                <a:rPr lang="en-US" b="1" dirty="0" smtClean="0">
-                  <a:latin typeface="Georgia"/>
+                <a:rPr lang="en-US" sz="2300" dirty="0" smtClean="0">
                   <a:cs typeface="Georgia"/>
                 </a:rPr>
                 <a:t>Taggy Matchers</a:t>
@@ -6348,32 +6369,36 @@
           </p:nvSpPr>
           <p:spPr>
             <a:xfrm>
-              <a:off x="1066799" y="838200"/>
-              <a:ext cx="7480051" cy="369332"/>
+              <a:off x="1066799" y="762000"/>
+              <a:ext cx="7480051" cy="446276"/>
             </a:xfrm>
             <a:prstGeom prst="rect">
               <a:avLst/>
             </a:prstGeom>
-            <a:noFill/>
-            <a:ln>
+            <a:solidFill>
+              <a:schemeClr val="accent1">
+                <a:lumMod val="20000"/>
+                <a:lumOff val="80000"/>
+              </a:schemeClr>
+            </a:solidFill>
+            <a:ln w="76200" cmpd="sng">
               <a:solidFill>
-                <a:schemeClr val="tx1">
-                  <a:lumMod val="50000"/>
-                  <a:lumOff val="50000"/>
+                <a:schemeClr val="tx2">
+                  <a:lumMod val="40000"/>
+                  <a:lumOff val="60000"/>
                 </a:schemeClr>
               </a:solidFill>
             </a:ln>
           </p:spPr>
           <p:txBody>
-            <a:bodyPr wrap="square" rtlCol="0">
+            <a:bodyPr wrap="square" rtlCol="0" anchor="ctr" anchorCtr="0">
               <a:spAutoFit/>
             </a:bodyPr>
             <a:lstStyle/>
             <a:p>
               <a:pPr algn="ctr"/>
               <a:r>
-                <a:rPr lang="en-US" dirty="0" smtClean="0">
-                  <a:latin typeface="Georgia"/>
+                <a:rPr lang="en-US" sz="2300" dirty="0" smtClean="0">
                   <a:cs typeface="Georgia"/>
                 </a:rPr>
                 <a:t>Taggy Web Application</a:t>
@@ -6389,32 +6414,36 @@
           </p:nvSpPr>
           <p:spPr>
             <a:xfrm>
-              <a:off x="3505200" y="2529245"/>
-              <a:ext cx="2387144" cy="369332"/>
+              <a:off x="3505200" y="1382672"/>
+              <a:ext cx="2387144" cy="1760482"/>
             </a:xfrm>
             <a:prstGeom prst="rect">
               <a:avLst/>
             </a:prstGeom>
-            <a:noFill/>
-            <a:ln>
+            <a:solidFill>
+              <a:schemeClr val="accent1">
+                <a:lumMod val="20000"/>
+                <a:lumOff val="80000"/>
+              </a:schemeClr>
+            </a:solidFill>
+            <a:ln w="76200" cmpd="sng">
               <a:solidFill>
-                <a:schemeClr val="tx1">
-                  <a:lumMod val="50000"/>
-                  <a:lumOff val="50000"/>
+                <a:schemeClr val="tx2">
+                  <a:lumMod val="40000"/>
+                  <a:lumOff val="60000"/>
                 </a:schemeClr>
               </a:solidFill>
             </a:ln>
           </p:spPr>
           <p:txBody>
-            <a:bodyPr wrap="square" rtlCol="0">
+            <a:bodyPr wrap="square" rtlCol="0" anchor="ctr" anchorCtr="0">
               <a:spAutoFit/>
             </a:bodyPr>
             <a:lstStyle/>
             <a:p>
               <a:pPr algn="ctr"/>
               <a:r>
-                <a:rPr lang="en-US" dirty="0" smtClean="0">
-                  <a:latin typeface="Georgia"/>
+                <a:rPr lang="en-US" sz="2300" dirty="0" smtClean="0">
                   <a:cs typeface="Georgia"/>
                 </a:rPr>
                 <a:t>Taggy Email Grabber</a:t>
@@ -6430,32 +6459,36 @@
           </p:nvSpPr>
           <p:spPr>
             <a:xfrm>
-              <a:off x="6084426" y="1654700"/>
-              <a:ext cx="2461550" cy="646331"/>
+              <a:off x="6084426" y="1371600"/>
+              <a:ext cx="2461550" cy="800219"/>
             </a:xfrm>
             <a:prstGeom prst="rect">
               <a:avLst/>
             </a:prstGeom>
-            <a:noFill/>
-            <a:ln>
+            <a:solidFill>
+              <a:schemeClr val="accent1">
+                <a:lumMod val="20000"/>
+                <a:lumOff val="80000"/>
+              </a:schemeClr>
+            </a:solidFill>
+            <a:ln w="76200" cmpd="sng">
               <a:solidFill>
-                <a:schemeClr val="tx1">
-                  <a:lumMod val="50000"/>
-                  <a:lumOff val="50000"/>
+                <a:schemeClr val="tx2">
+                  <a:lumMod val="40000"/>
+                  <a:lumOff val="60000"/>
                 </a:schemeClr>
               </a:solidFill>
             </a:ln>
           </p:spPr>
           <p:txBody>
-            <a:bodyPr wrap="square" rtlCol="0">
+            <a:bodyPr wrap="square" rtlCol="0" anchor="ctr" anchorCtr="0">
               <a:spAutoFit/>
             </a:bodyPr>
             <a:lstStyle/>
             <a:p>
               <a:pPr algn="ctr"/>
               <a:r>
-                <a:rPr lang="en-US" dirty="0" smtClean="0">
-                  <a:latin typeface="Georgia"/>
+                <a:rPr lang="en-US" sz="2300" dirty="0" smtClean="0">
                   <a:cs typeface="Georgia"/>
                 </a:rPr>
                 <a:t>Taggy Instant Messenger Plug-in</a:t>
@@ -6471,32 +6504,36 @@
           </p:nvSpPr>
           <p:spPr>
             <a:xfrm>
-              <a:off x="6084425" y="2540913"/>
-              <a:ext cx="2449975" cy="369332"/>
+              <a:off x="6084425" y="2362171"/>
+              <a:ext cx="2462426" cy="780983"/>
             </a:xfrm>
             <a:prstGeom prst="rect">
               <a:avLst/>
             </a:prstGeom>
-            <a:noFill/>
-            <a:ln>
+            <a:solidFill>
+              <a:schemeClr val="accent1">
+                <a:lumMod val="20000"/>
+                <a:lumOff val="80000"/>
+              </a:schemeClr>
+            </a:solidFill>
+            <a:ln w="76200" cmpd="sng">
               <a:solidFill>
-                <a:schemeClr val="tx1">
-                  <a:lumMod val="50000"/>
-                  <a:lumOff val="50000"/>
+                <a:schemeClr val="tx2">
+                  <a:lumMod val="40000"/>
+                  <a:lumOff val="60000"/>
                 </a:schemeClr>
               </a:solidFill>
             </a:ln>
           </p:spPr>
           <p:txBody>
-            <a:bodyPr wrap="square" rtlCol="0">
+            <a:bodyPr wrap="square" rtlCol="0" anchor="ctr" anchorCtr="0">
               <a:spAutoFit/>
             </a:bodyPr>
             <a:lstStyle/>
             <a:p>
               <a:pPr algn="ctr"/>
               <a:r>
-                <a:rPr lang="en-US" dirty="0" smtClean="0">
-                  <a:latin typeface="Georgia"/>
+                <a:rPr lang="en-US" sz="2300" dirty="0" smtClean="0">
                   <a:cs typeface="Georgia"/>
                 </a:rPr>
                 <a:t>Taggy Web Service</a:t>
@@ -6512,32 +6549,36 @@
           </p:nvSpPr>
           <p:spPr>
             <a:xfrm>
-              <a:off x="6084425" y="4750713"/>
-              <a:ext cx="2449975" cy="369332"/>
+              <a:off x="6084425" y="4736068"/>
+              <a:ext cx="2449975" cy="446276"/>
             </a:xfrm>
             <a:prstGeom prst="rect">
               <a:avLst/>
             </a:prstGeom>
-            <a:noFill/>
-            <a:ln>
+            <a:solidFill>
+              <a:schemeClr val="accent1">
+                <a:lumMod val="20000"/>
+                <a:lumOff val="80000"/>
+              </a:schemeClr>
+            </a:solidFill>
+            <a:ln w="76200" cmpd="sng">
               <a:solidFill>
-                <a:schemeClr val="tx1">
-                  <a:lumMod val="50000"/>
-                  <a:lumOff val="50000"/>
+                <a:schemeClr val="tx2">
+                  <a:lumMod val="40000"/>
+                  <a:lumOff val="60000"/>
                 </a:schemeClr>
               </a:solidFill>
             </a:ln>
           </p:spPr>
           <p:txBody>
-            <a:bodyPr wrap="square" rtlCol="0">
+            <a:bodyPr wrap="square" rtlCol="0" anchor="ctr" anchorCtr="0">
               <a:spAutoFit/>
             </a:bodyPr>
             <a:lstStyle/>
             <a:p>
               <a:pPr algn="ctr"/>
               <a:r>
-                <a:rPr lang="en-US" dirty="0" smtClean="0">
-                  <a:latin typeface="Georgia"/>
+                <a:rPr lang="en-US" sz="2300" dirty="0" smtClean="0">
                   <a:cs typeface="Georgia"/>
                 </a:rPr>
                 <a:t>Attached Files</a:t>
@@ -6561,7 +6602,2841 @@
 </p:sld>
 </file>
 
+<file path=ppt/slides/slide10.xml><?xml version="1.0" encoding="utf-8"?>
+<p:sld xmlns:a="http://schemas.openxmlformats.org/drawingml/2006/main" xmlns:r="http://schemas.openxmlformats.org/officeDocument/2006/relationships" xmlns:mc="http://schemas.openxmlformats.org/markup-compatibility/2006" xmlns:mv="urn:schemas-microsoft-com:mac:vml" xmlns:p="http://schemas.openxmlformats.org/presentationml/2006/main" mc:Ignorable="mv" mc:PreserveAttributes="mv:*">
+  <p:cSld>
+    <p:spTree>
+      <p:nvGrpSpPr>
+        <p:cNvPr id="1" name=""/>
+        <p:cNvGrpSpPr/>
+        <p:nvPr/>
+      </p:nvGrpSpPr>
+      <p:grpSpPr>
+        <a:xfrm>
+          <a:off x="0" y="0"/>
+          <a:ext cx="0" cy="0"/>
+          <a:chOff x="0" y="0"/>
+          <a:chExt cx="0" cy="0"/>
+        </a:xfrm>
+      </p:grpSpPr>
+      <p:grpSp>
+        <p:nvGrpSpPr>
+          <p:cNvPr id="37" name="Group 36"/>
+          <p:cNvGrpSpPr/>
+          <p:nvPr/>
+        </p:nvGrpSpPr>
+        <p:grpSpPr>
+          <a:xfrm>
+            <a:off x="908828" y="228600"/>
+            <a:ext cx="1148572" cy="1207532"/>
+            <a:chOff x="908828" y="228600"/>
+            <a:chExt cx="1148572" cy="1207532"/>
+          </a:xfrm>
+        </p:grpSpPr>
+        <p:sp>
+          <p:nvSpPr>
+            <p:cNvPr id="6" name="Smiley Face 5"/>
+            <p:cNvSpPr/>
+            <p:nvPr/>
+          </p:nvSpPr>
+          <p:spPr>
+            <a:xfrm>
+              <a:off x="1048348" y="228600"/>
+              <a:ext cx="822960" cy="822960"/>
+            </a:xfrm>
+            <a:prstGeom prst="smileyFace">
+              <a:avLst/>
+            </a:prstGeom>
+            <a:solidFill>
+              <a:schemeClr val="accent1">
+                <a:lumMod val="20000"/>
+                <a:lumOff val="80000"/>
+              </a:schemeClr>
+            </a:solidFill>
+            <a:ln w="38100" cmpd="sng"/>
+          </p:spPr>
+          <p:style>
+            <a:lnRef idx="1">
+              <a:schemeClr val="accent1"/>
+            </a:lnRef>
+            <a:fillRef idx="3">
+              <a:schemeClr val="accent1"/>
+            </a:fillRef>
+            <a:effectRef idx="2">
+              <a:schemeClr val="accent1"/>
+            </a:effectRef>
+            <a:fontRef idx="minor">
+              <a:schemeClr val="lt1"/>
+            </a:fontRef>
+          </p:style>
+        </p:sp>
+        <p:sp>
+          <p:nvSpPr>
+            <p:cNvPr id="9" name="TextBox 8"/>
+            <p:cNvSpPr txBox="1"/>
+            <p:nvPr/>
+          </p:nvSpPr>
+          <p:spPr>
+            <a:xfrm>
+              <a:off x="908828" y="1066800"/>
+              <a:ext cx="1148572" cy="369332"/>
+            </a:xfrm>
+            <a:prstGeom prst="rect">
+              <a:avLst/>
+            </a:prstGeom>
+            <a:noFill/>
+          </p:spPr>
+          <p:txBody>
+            <a:bodyPr wrap="none" rtlCol="0">
+              <a:spAutoFit/>
+            </a:bodyPr>
+            <a:lstStyle/>
+            <a:p>
+              <a:r>
+                <a:rPr lang="en-US" dirty="0" smtClean="0"/>
+                <a:t>Developer</a:t>
+              </a:r>
+              <a:endParaRPr lang="en-US" dirty="0"/>
+            </a:p>
+          </p:txBody>
+        </p:sp>
+      </p:grpSp>
+      <p:grpSp>
+        <p:nvGrpSpPr>
+          <p:cNvPr id="38" name="Group 37"/>
+          <p:cNvGrpSpPr/>
+          <p:nvPr/>
+        </p:nvGrpSpPr>
+        <p:grpSpPr>
+          <a:xfrm>
+            <a:off x="7086600" y="228600"/>
+            <a:ext cx="1095172" cy="1131332"/>
+            <a:chOff x="7086600" y="228600"/>
+            <a:chExt cx="1095172" cy="1131332"/>
+          </a:xfrm>
+        </p:grpSpPr>
+        <p:sp>
+          <p:nvSpPr>
+            <p:cNvPr id="8" name="Smiley Face 7"/>
+            <p:cNvSpPr/>
+            <p:nvPr/>
+          </p:nvSpPr>
+          <p:spPr>
+            <a:xfrm>
+              <a:off x="7254240" y="228600"/>
+              <a:ext cx="822960" cy="822960"/>
+            </a:xfrm>
+            <a:prstGeom prst="smileyFace">
+              <a:avLst/>
+            </a:prstGeom>
+            <a:solidFill>
+              <a:schemeClr val="accent1">
+                <a:lumMod val="20000"/>
+                <a:lumOff val="80000"/>
+              </a:schemeClr>
+            </a:solidFill>
+            <a:ln w="38100" cmpd="sng"/>
+          </p:spPr>
+          <p:style>
+            <a:lnRef idx="1">
+              <a:schemeClr val="accent1"/>
+            </a:lnRef>
+            <a:fillRef idx="3">
+              <a:schemeClr val="accent1"/>
+            </a:fillRef>
+            <a:effectRef idx="2">
+              <a:schemeClr val="accent1"/>
+            </a:effectRef>
+            <a:fontRef idx="minor">
+              <a:schemeClr val="lt1"/>
+            </a:fontRef>
+          </p:style>
+        </p:sp>
+        <p:sp>
+          <p:nvSpPr>
+            <p:cNvPr id="10" name="TextBox 9"/>
+            <p:cNvSpPr txBox="1"/>
+            <p:nvPr/>
+          </p:nvSpPr>
+          <p:spPr>
+            <a:xfrm>
+              <a:off x="7086600" y="990600"/>
+              <a:ext cx="1095172" cy="369332"/>
+            </a:xfrm>
+            <a:prstGeom prst="rect">
+              <a:avLst/>
+            </a:prstGeom>
+            <a:noFill/>
+          </p:spPr>
+          <p:txBody>
+            <a:bodyPr wrap="none" rtlCol="0">
+              <a:spAutoFit/>
+            </a:bodyPr>
+            <a:lstStyle/>
+            <a:p>
+              <a:r>
+                <a:rPr lang="en-US" dirty="0" smtClean="0"/>
+                <a:t>Customer</a:t>
+              </a:r>
+              <a:endParaRPr lang="en-US" dirty="0"/>
+            </a:p>
+          </p:txBody>
+        </p:sp>
+      </p:grpSp>
+      <p:cxnSp>
+        <p:nvCxnSpPr>
+          <p:cNvPr id="12" name="Straight Arrow Connector 11"/>
+          <p:cNvCxnSpPr>
+            <a:stCxn id="6" idx="6"/>
+            <a:endCxn id="8" idx="2"/>
+          </p:cNvCxnSpPr>
+          <p:nvPr/>
+        </p:nvCxnSpPr>
+        <p:spPr>
+          <a:xfrm>
+            <a:off x="1871308" y="640080"/>
+            <a:ext cx="5382932" cy="1588"/>
+          </a:xfrm>
+          <a:prstGeom prst="straightConnector1">
+            <a:avLst/>
+          </a:prstGeom>
+          <a:ln>
+            <a:headEnd type="arrow"/>
+            <a:tailEnd type="arrow"/>
+          </a:ln>
+        </p:spPr>
+        <p:style>
+          <a:lnRef idx="2">
+            <a:schemeClr val="accent1"/>
+          </a:lnRef>
+          <a:fillRef idx="0">
+            <a:schemeClr val="accent1"/>
+          </a:fillRef>
+          <a:effectRef idx="1">
+            <a:schemeClr val="accent1"/>
+          </a:effectRef>
+          <a:fontRef idx="minor">
+            <a:schemeClr val="tx1"/>
+          </a:fontRef>
+        </p:style>
+      </p:cxnSp>
+      <p:grpSp>
+        <p:nvGrpSpPr>
+          <p:cNvPr id="36" name="Group 35"/>
+          <p:cNvGrpSpPr/>
+          <p:nvPr/>
+        </p:nvGrpSpPr>
+        <p:grpSpPr>
+          <a:xfrm>
+            <a:off x="4267200" y="76200"/>
+            <a:ext cx="609600" cy="468868"/>
+            <a:chOff x="2438400" y="1283732"/>
+            <a:chExt cx="609600" cy="468868"/>
+          </a:xfrm>
+        </p:grpSpPr>
+        <p:sp>
+          <p:nvSpPr>
+            <p:cNvPr id="17" name="Rectangle 16"/>
+            <p:cNvSpPr/>
+            <p:nvPr/>
+          </p:nvSpPr>
+          <p:spPr>
+            <a:xfrm>
+              <a:off x="2438400" y="1291828"/>
+              <a:ext cx="609600" cy="460772"/>
+            </a:xfrm>
+            <a:prstGeom prst="rect">
+              <a:avLst/>
+            </a:prstGeom>
+            <a:solidFill>
+              <a:schemeClr val="accent1">
+                <a:lumMod val="20000"/>
+                <a:lumOff val="80000"/>
+              </a:schemeClr>
+            </a:solidFill>
+            <a:ln w="76200" cmpd="sng">
+              <a:solidFill>
+                <a:schemeClr val="tx2">
+                  <a:lumMod val="40000"/>
+                  <a:lumOff val="60000"/>
+                </a:schemeClr>
+              </a:solidFill>
+            </a:ln>
+            <a:effectLst>
+              <a:outerShdw blurRad="40000" dist="23000" dir="5400000" rotWithShape="0">
+                <a:srgbClr val="000000">
+                  <a:alpha val="35000"/>
+                </a:srgbClr>
+              </a:outerShdw>
+            </a:effectLst>
+          </p:spPr>
+          <p:style>
+            <a:lnRef idx="1">
+              <a:schemeClr val="accent1"/>
+            </a:lnRef>
+            <a:fillRef idx="3">
+              <a:schemeClr val="accent1"/>
+            </a:fillRef>
+            <a:effectRef idx="2">
+              <a:schemeClr val="accent1"/>
+            </a:effectRef>
+            <a:fontRef idx="minor">
+              <a:schemeClr val="lt1"/>
+            </a:fontRef>
+          </p:style>
+          <p:txBody>
+            <a:bodyPr vert="horz" anchor="ctr" anchorCtr="0"/>
+            <a:lstStyle/>
+            <a:p>
+              <a:pPr algn="ctr"/>
+              <a:r>
+                <a:rPr lang="en-US" sz="2300" baseline="-25000" dirty="0" smtClean="0">
+                  <a:solidFill>
+                    <a:schemeClr val="tx1"/>
+                  </a:solidFill>
+                </a:rPr>
+                <a:t>@</a:t>
+              </a:r>
+              <a:endParaRPr lang="en-US" sz="2300" baseline="-25000" dirty="0">
+                <a:solidFill>
+                  <a:schemeClr val="tx1"/>
+                </a:solidFill>
+              </a:endParaRPr>
+            </a:p>
+          </p:txBody>
+        </p:sp>
+        <p:cxnSp>
+          <p:nvCxnSpPr>
+            <p:cNvPr id="19" name="Straight Connector 18"/>
+            <p:cNvCxnSpPr/>
+            <p:nvPr/>
+          </p:nvCxnSpPr>
+          <p:spPr>
+            <a:xfrm rot="16200000" flipH="1">
+              <a:off x="2418953" y="1303179"/>
+              <a:ext cx="228600" cy="189706"/>
+            </a:xfrm>
+            <a:prstGeom prst="line">
+              <a:avLst/>
+            </a:prstGeom>
+          </p:spPr>
+          <p:style>
+            <a:lnRef idx="2">
+              <a:schemeClr val="accent1"/>
+            </a:lnRef>
+            <a:fillRef idx="0">
+              <a:schemeClr val="accent1"/>
+            </a:fillRef>
+            <a:effectRef idx="1">
+              <a:schemeClr val="accent1"/>
+            </a:effectRef>
+            <a:fontRef idx="minor">
+              <a:schemeClr val="tx1"/>
+            </a:fontRef>
+          </p:style>
+        </p:cxnSp>
+        <p:cxnSp>
+          <p:nvCxnSpPr>
+            <p:cNvPr id="29" name="Straight Connector 28"/>
+            <p:cNvCxnSpPr/>
+            <p:nvPr/>
+          </p:nvCxnSpPr>
+          <p:spPr>
+            <a:xfrm rot="5400000" flipH="1" flipV="1">
+              <a:off x="2819400" y="1283732"/>
+              <a:ext cx="228600" cy="228600"/>
+            </a:xfrm>
+            <a:prstGeom prst="line">
+              <a:avLst/>
+            </a:prstGeom>
+          </p:spPr>
+          <p:style>
+            <a:lnRef idx="2">
+              <a:schemeClr val="accent1"/>
+            </a:lnRef>
+            <a:fillRef idx="0">
+              <a:schemeClr val="accent1"/>
+            </a:fillRef>
+            <a:effectRef idx="1">
+              <a:schemeClr val="accent1"/>
+            </a:effectRef>
+            <a:fontRef idx="minor">
+              <a:schemeClr val="tx1"/>
+            </a:fontRef>
+          </p:style>
+        </p:cxnSp>
+        <p:cxnSp>
+          <p:nvCxnSpPr>
+            <p:cNvPr id="34" name="Straight Connector 33"/>
+            <p:cNvCxnSpPr/>
+            <p:nvPr/>
+          </p:nvCxnSpPr>
+          <p:spPr>
+            <a:xfrm>
+              <a:off x="2628106" y="1510744"/>
+              <a:ext cx="186092" cy="1588"/>
+            </a:xfrm>
+            <a:prstGeom prst="line">
+              <a:avLst/>
+            </a:prstGeom>
+          </p:spPr>
+          <p:style>
+            <a:lnRef idx="2">
+              <a:schemeClr val="accent1"/>
+            </a:lnRef>
+            <a:fillRef idx="0">
+              <a:schemeClr val="accent1"/>
+            </a:fillRef>
+            <a:effectRef idx="1">
+              <a:schemeClr val="accent1"/>
+            </a:effectRef>
+            <a:fontRef idx="minor">
+              <a:schemeClr val="tx1"/>
+            </a:fontRef>
+          </p:style>
+        </p:cxnSp>
+      </p:grpSp>
+      <p:cxnSp>
+        <p:nvCxnSpPr>
+          <p:cNvPr id="40" name="Straight Connector 39"/>
+          <p:cNvCxnSpPr/>
+          <p:nvPr/>
+        </p:nvCxnSpPr>
+        <p:spPr>
+          <a:xfrm rot="5400000">
+            <a:off x="4238344" y="892334"/>
+            <a:ext cx="501332" cy="1588"/>
+          </a:xfrm>
+          <a:prstGeom prst="line">
+            <a:avLst/>
+          </a:prstGeom>
+          <a:ln>
+            <a:tailEnd type="triangle" w="lg"/>
+          </a:ln>
+        </p:spPr>
+        <p:style>
+          <a:lnRef idx="2">
+            <a:schemeClr val="accent1"/>
+          </a:lnRef>
+          <a:fillRef idx="0">
+            <a:schemeClr val="accent1"/>
+          </a:fillRef>
+          <a:effectRef idx="1">
+            <a:schemeClr val="accent1"/>
+          </a:effectRef>
+          <a:fontRef idx="minor">
+            <a:schemeClr val="tx1"/>
+          </a:fontRef>
+        </p:style>
+      </p:cxnSp>
+      <p:grpSp>
+        <p:nvGrpSpPr>
+          <p:cNvPr id="43" name="Group 42"/>
+          <p:cNvGrpSpPr/>
+          <p:nvPr/>
+        </p:nvGrpSpPr>
+        <p:grpSpPr>
+          <a:xfrm>
+            <a:off x="3619500" y="685800"/>
+            <a:ext cx="1790700" cy="914400"/>
+            <a:chOff x="3619500" y="685800"/>
+            <a:chExt cx="1790700" cy="914400"/>
+          </a:xfrm>
+        </p:grpSpPr>
+        <p:sp>
+          <p:nvSpPr>
+            <p:cNvPr id="39" name="Rectangle 38"/>
+            <p:cNvSpPr/>
+            <p:nvPr/>
+          </p:nvSpPr>
+          <p:spPr>
+            <a:xfrm>
+              <a:off x="3619500" y="1143000"/>
+              <a:ext cx="1790700" cy="457200"/>
+            </a:xfrm>
+            <a:prstGeom prst="rect">
+              <a:avLst/>
+            </a:prstGeom>
+            <a:solidFill>
+              <a:schemeClr val="accent1">
+                <a:lumMod val="20000"/>
+                <a:lumOff val="80000"/>
+              </a:schemeClr>
+            </a:solidFill>
+            <a:ln w="76200" cmpd="sng">
+              <a:solidFill>
+                <a:schemeClr val="tx2">
+                  <a:lumMod val="40000"/>
+                  <a:lumOff val="60000"/>
+                </a:schemeClr>
+              </a:solidFill>
+            </a:ln>
+            <a:effectLst>
+              <a:outerShdw blurRad="40000" dist="23000" dir="5400000" rotWithShape="0">
+                <a:srgbClr val="000000">
+                  <a:alpha val="35000"/>
+                </a:srgbClr>
+              </a:outerShdw>
+            </a:effectLst>
+          </p:spPr>
+          <p:style>
+            <a:lnRef idx="1">
+              <a:schemeClr val="accent1"/>
+            </a:lnRef>
+            <a:fillRef idx="3">
+              <a:schemeClr val="accent1"/>
+            </a:fillRef>
+            <a:effectRef idx="2">
+              <a:schemeClr val="accent1"/>
+            </a:effectRef>
+            <a:fontRef idx="minor">
+              <a:schemeClr val="lt1"/>
+            </a:fontRef>
+          </p:style>
+          <p:txBody>
+            <a:bodyPr vert="horz" anchor="ctr" anchorCtr="0"/>
+            <a:lstStyle/>
+            <a:p>
+              <a:pPr algn="ctr"/>
+              <a:r>
+                <a:rPr lang="en-US" sz="2300" dirty="0" smtClean="0">
+                  <a:solidFill>
+                    <a:schemeClr val="tx1"/>
+                  </a:solidFill>
+                </a:rPr>
+                <a:t>Project Email</a:t>
+              </a:r>
+            </a:p>
+          </p:txBody>
+        </p:sp>
+        <p:sp>
+          <p:nvSpPr>
+            <p:cNvPr id="42" name="TextBox 41"/>
+            <p:cNvSpPr txBox="1"/>
+            <p:nvPr/>
+          </p:nvSpPr>
+          <p:spPr>
+            <a:xfrm>
+              <a:off x="4460407" y="685800"/>
+              <a:ext cx="492593" cy="369332"/>
+            </a:xfrm>
+            <a:prstGeom prst="rect">
+              <a:avLst/>
+            </a:prstGeom>
+            <a:noFill/>
+          </p:spPr>
+          <p:txBody>
+            <a:bodyPr wrap="none" rtlCol="0">
+              <a:spAutoFit/>
+            </a:bodyPr>
+            <a:lstStyle/>
+            <a:p>
+              <a:r>
+                <a:rPr lang="en-US" dirty="0" smtClean="0"/>
+                <a:t>CC:</a:t>
+              </a:r>
+              <a:endParaRPr lang="en-US" dirty="0"/>
+            </a:p>
+          </p:txBody>
+        </p:sp>
+      </p:grpSp>
+      <p:sp>
+        <p:nvSpPr>
+          <p:cNvPr id="44" name="Rectangle 43"/>
+          <p:cNvSpPr/>
+          <p:nvPr/>
+        </p:nvSpPr>
+        <p:spPr>
+          <a:xfrm>
+            <a:off x="152400" y="1905000"/>
+            <a:ext cx="8610600" cy="4267200"/>
+          </a:xfrm>
+          <a:prstGeom prst="rect">
+            <a:avLst/>
+          </a:prstGeom>
+          <a:solidFill>
+            <a:schemeClr val="accent6">
+              <a:lumMod val="20000"/>
+              <a:lumOff val="80000"/>
+            </a:schemeClr>
+          </a:solidFill>
+          <a:ln w="57150" cmpd="sng">
+            <a:solidFill>
+              <a:schemeClr val="accent6">
+                <a:lumMod val="60000"/>
+                <a:lumOff val="40000"/>
+              </a:schemeClr>
+            </a:solidFill>
+          </a:ln>
+        </p:spPr>
+        <p:style>
+          <a:lnRef idx="1">
+            <a:schemeClr val="accent1"/>
+          </a:lnRef>
+          <a:fillRef idx="3">
+            <a:schemeClr val="accent1"/>
+          </a:fillRef>
+          <a:effectRef idx="2">
+            <a:schemeClr val="accent1"/>
+          </a:effectRef>
+          <a:fontRef idx="minor">
+            <a:schemeClr val="lt1"/>
+          </a:fontRef>
+        </p:style>
+        <p:txBody>
+          <a:bodyPr rtlCol="0" anchor="ctr"/>
+          <a:lstStyle/>
+          <a:p>
+            <a:pPr algn="ctr"/>
+            <a:endParaRPr lang="en-US"/>
+          </a:p>
+        </p:txBody>
+      </p:sp>
+      <p:sp>
+        <p:nvSpPr>
+          <p:cNvPr id="45" name="Rectangle 44"/>
+          <p:cNvSpPr/>
+          <p:nvPr/>
+        </p:nvSpPr>
+        <p:spPr>
+          <a:xfrm>
+            <a:off x="1295400" y="2209800"/>
+            <a:ext cx="2324100" cy="457200"/>
+          </a:xfrm>
+          <a:prstGeom prst="rect">
+            <a:avLst/>
+          </a:prstGeom>
+          <a:solidFill>
+            <a:schemeClr val="accent1">
+              <a:lumMod val="20000"/>
+              <a:lumOff val="80000"/>
+            </a:schemeClr>
+          </a:solidFill>
+          <a:ln w="76200" cmpd="sng">
+            <a:solidFill>
+              <a:schemeClr val="tx2">
+                <a:lumMod val="40000"/>
+                <a:lumOff val="60000"/>
+              </a:schemeClr>
+            </a:solidFill>
+          </a:ln>
+          <a:effectLst>
+            <a:outerShdw blurRad="40000" dist="23000" dir="5400000" rotWithShape="0">
+              <a:srgbClr val="000000">
+                <a:alpha val="35000"/>
+              </a:srgbClr>
+            </a:outerShdw>
+          </a:effectLst>
+        </p:spPr>
+        <p:style>
+          <a:lnRef idx="1">
+            <a:schemeClr val="accent1"/>
+          </a:lnRef>
+          <a:fillRef idx="3">
+            <a:schemeClr val="accent1"/>
+          </a:fillRef>
+          <a:effectRef idx="2">
+            <a:schemeClr val="accent1"/>
+          </a:effectRef>
+          <a:fontRef idx="minor">
+            <a:schemeClr val="lt1"/>
+          </a:fontRef>
+        </p:style>
+        <p:txBody>
+          <a:bodyPr vert="horz" anchor="ctr" anchorCtr="0"/>
+          <a:lstStyle/>
+          <a:p>
+            <a:pPr algn="ctr"/>
+            <a:r>
+              <a:rPr lang="en-US" sz="2300" dirty="0" smtClean="0">
+                <a:solidFill>
+                  <a:schemeClr val="tx1"/>
+                </a:solidFill>
+              </a:rPr>
+              <a:t>Email Grabber</a:t>
+            </a:r>
+          </a:p>
+        </p:txBody>
+      </p:sp>
+      <p:cxnSp>
+        <p:nvCxnSpPr>
+          <p:cNvPr id="60" name="Elbow Connector 59"/>
+          <p:cNvCxnSpPr>
+            <a:stCxn id="39" idx="1"/>
+          </p:cNvCxnSpPr>
+          <p:nvPr/>
+        </p:nvCxnSpPr>
+        <p:spPr>
+          <a:xfrm rot="10800000" flipV="1">
+            <a:off x="2362200" y="1371600"/>
+            <a:ext cx="1257300" cy="838200"/>
+          </a:xfrm>
+          <a:prstGeom prst="bentConnector3">
+            <a:avLst>
+              <a:gd name="adj1" fmla="val 100509"/>
+            </a:avLst>
+          </a:prstGeom>
+          <a:ln>
+            <a:solidFill>
+              <a:schemeClr val="tx2">
+                <a:lumMod val="60000"/>
+                <a:lumOff val="40000"/>
+              </a:schemeClr>
+            </a:solidFill>
+            <a:tailEnd type="arrow"/>
+          </a:ln>
+        </p:spPr>
+        <p:style>
+          <a:lnRef idx="2">
+            <a:schemeClr val="accent1"/>
+          </a:lnRef>
+          <a:fillRef idx="0">
+            <a:schemeClr val="accent1"/>
+          </a:fillRef>
+          <a:effectRef idx="1">
+            <a:schemeClr val="accent1"/>
+          </a:effectRef>
+          <a:fontRef idx="minor">
+            <a:schemeClr val="tx1"/>
+          </a:fontRef>
+        </p:style>
+      </p:cxnSp>
+      <p:sp>
+        <p:nvSpPr>
+          <p:cNvPr id="62" name="Magnetic Disk 61"/>
+          <p:cNvSpPr/>
+          <p:nvPr/>
+        </p:nvSpPr>
+        <p:spPr>
+          <a:xfrm>
+            <a:off x="266700" y="4953000"/>
+            <a:ext cx="1562100" cy="1095054"/>
+          </a:xfrm>
+          <a:prstGeom prst="flowChartMagneticDisk">
+            <a:avLst/>
+          </a:prstGeom>
+          <a:solidFill>
+            <a:schemeClr val="accent1">
+              <a:lumMod val="20000"/>
+              <a:lumOff val="80000"/>
+            </a:schemeClr>
+          </a:solidFill>
+          <a:ln w="57150" cmpd="sng">
+            <a:solidFill>
+              <a:schemeClr val="tx2">
+                <a:lumMod val="40000"/>
+                <a:lumOff val="60000"/>
+              </a:schemeClr>
+            </a:solidFill>
+          </a:ln>
+        </p:spPr>
+        <p:style>
+          <a:lnRef idx="1">
+            <a:schemeClr val="accent1"/>
+          </a:lnRef>
+          <a:fillRef idx="3">
+            <a:schemeClr val="accent1"/>
+          </a:fillRef>
+          <a:effectRef idx="2">
+            <a:schemeClr val="accent1"/>
+          </a:effectRef>
+          <a:fontRef idx="minor">
+            <a:schemeClr val="lt1"/>
+          </a:fontRef>
+        </p:style>
+        <p:txBody>
+          <a:bodyPr/>
+          <a:lstStyle/>
+          <a:p>
+            <a:pPr algn="ctr"/>
+            <a:r>
+              <a:rPr lang="en-US" sz="2300" dirty="0" smtClean="0">
+                <a:solidFill>
+                  <a:srgbClr val="000000"/>
+                </a:solidFill>
+              </a:rPr>
+              <a:t>Database</a:t>
+            </a:r>
+            <a:endParaRPr lang="en-US" sz="2300" dirty="0">
+              <a:solidFill>
+                <a:srgbClr val="000000"/>
+              </a:solidFill>
+            </a:endParaRPr>
+          </a:p>
+        </p:txBody>
+      </p:sp>
+      <p:sp>
+        <p:nvSpPr>
+          <p:cNvPr id="70" name="Rectangle 69"/>
+          <p:cNvSpPr/>
+          <p:nvPr/>
+        </p:nvSpPr>
+        <p:spPr>
+          <a:xfrm>
+            <a:off x="1295400" y="3657600"/>
+            <a:ext cx="2324100" cy="457200"/>
+          </a:xfrm>
+          <a:prstGeom prst="rect">
+            <a:avLst/>
+          </a:prstGeom>
+          <a:solidFill>
+            <a:schemeClr val="accent1">
+              <a:lumMod val="20000"/>
+              <a:lumOff val="80000"/>
+            </a:schemeClr>
+          </a:solidFill>
+          <a:ln w="76200" cmpd="sng">
+            <a:solidFill>
+              <a:schemeClr val="tx2">
+                <a:lumMod val="40000"/>
+                <a:lumOff val="60000"/>
+              </a:schemeClr>
+            </a:solidFill>
+          </a:ln>
+          <a:effectLst>
+            <a:outerShdw blurRad="40000" dist="23000" dir="5400000" rotWithShape="0">
+              <a:srgbClr val="000000">
+                <a:alpha val="35000"/>
+              </a:srgbClr>
+            </a:outerShdw>
+          </a:effectLst>
+        </p:spPr>
+        <p:style>
+          <a:lnRef idx="1">
+            <a:schemeClr val="accent1"/>
+          </a:lnRef>
+          <a:fillRef idx="3">
+            <a:schemeClr val="accent1"/>
+          </a:fillRef>
+          <a:effectRef idx="2">
+            <a:schemeClr val="accent1"/>
+          </a:effectRef>
+          <a:fontRef idx="minor">
+            <a:schemeClr val="lt1"/>
+          </a:fontRef>
+        </p:style>
+        <p:txBody>
+          <a:bodyPr vert="horz" anchor="ctr" anchorCtr="0"/>
+          <a:lstStyle/>
+          <a:p>
+            <a:pPr algn="ctr"/>
+            <a:r>
+              <a:rPr lang="en-US" sz="2300" dirty="0" smtClean="0">
+                <a:solidFill>
+                  <a:schemeClr val="tx1"/>
+                </a:solidFill>
+              </a:rPr>
+              <a:t>Filter User Stories</a:t>
+            </a:r>
+          </a:p>
+        </p:txBody>
+      </p:sp>
+      <p:cxnSp>
+        <p:nvCxnSpPr>
+          <p:cNvPr id="75" name="Shape 74"/>
+          <p:cNvCxnSpPr>
+            <a:stCxn id="45" idx="1"/>
+            <a:endCxn id="62" idx="1"/>
+          </p:cNvCxnSpPr>
+          <p:nvPr/>
+        </p:nvCxnSpPr>
+        <p:spPr>
+          <a:xfrm rot="10800000" flipV="1">
+            <a:off x="1047750" y="2438400"/>
+            <a:ext cx="247650" cy="2514600"/>
+          </a:xfrm>
+          <a:prstGeom prst="bentConnector2">
+            <a:avLst/>
+          </a:prstGeom>
+          <a:ln>
+            <a:solidFill>
+              <a:schemeClr val="tx2">
+                <a:lumMod val="60000"/>
+                <a:lumOff val="40000"/>
+              </a:schemeClr>
+            </a:solidFill>
+            <a:tailEnd type="arrow"/>
+          </a:ln>
+        </p:spPr>
+        <p:style>
+          <a:lnRef idx="2">
+            <a:schemeClr val="accent1"/>
+          </a:lnRef>
+          <a:fillRef idx="0">
+            <a:schemeClr val="accent1"/>
+          </a:fillRef>
+          <a:effectRef idx="1">
+            <a:schemeClr val="accent1"/>
+          </a:effectRef>
+          <a:fontRef idx="minor">
+            <a:schemeClr val="tx1"/>
+          </a:fontRef>
+        </p:style>
+      </p:cxnSp>
+      <p:cxnSp>
+        <p:nvCxnSpPr>
+          <p:cNvPr id="76" name="Straight Connector 75"/>
+          <p:cNvCxnSpPr>
+            <a:stCxn id="45" idx="2"/>
+            <a:endCxn id="70" idx="0"/>
+          </p:cNvCxnSpPr>
+          <p:nvPr/>
+        </p:nvCxnSpPr>
+        <p:spPr>
+          <a:xfrm rot="5400000">
+            <a:off x="1962150" y="3162300"/>
+            <a:ext cx="990600" cy="1588"/>
+          </a:xfrm>
+          <a:prstGeom prst="line">
+            <a:avLst/>
+          </a:prstGeom>
+          <a:ln>
+            <a:solidFill>
+              <a:schemeClr val="tx2">
+                <a:lumMod val="60000"/>
+                <a:lumOff val="40000"/>
+              </a:schemeClr>
+            </a:solidFill>
+            <a:tailEnd type="triangle" w="lg"/>
+          </a:ln>
+        </p:spPr>
+        <p:style>
+          <a:lnRef idx="2">
+            <a:schemeClr val="accent1"/>
+          </a:lnRef>
+          <a:fillRef idx="0">
+            <a:schemeClr val="accent1"/>
+          </a:fillRef>
+          <a:effectRef idx="1">
+            <a:schemeClr val="accent1"/>
+          </a:effectRef>
+          <a:fontRef idx="minor">
+            <a:schemeClr val="tx1"/>
+          </a:fontRef>
+        </p:style>
+      </p:cxnSp>
+      <p:sp>
+        <p:nvSpPr>
+          <p:cNvPr id="79" name="Rectangle 78"/>
+          <p:cNvSpPr/>
+          <p:nvPr/>
+        </p:nvSpPr>
+        <p:spPr>
+          <a:xfrm>
+            <a:off x="4038600" y="2514600"/>
+            <a:ext cx="2590800" cy="2791146"/>
+          </a:xfrm>
+          <a:prstGeom prst="rect">
+            <a:avLst/>
+          </a:prstGeom>
+          <a:solidFill>
+            <a:schemeClr val="accent1">
+              <a:lumMod val="20000"/>
+              <a:lumOff val="80000"/>
+            </a:schemeClr>
+          </a:solidFill>
+          <a:ln w="76200" cmpd="sng">
+            <a:solidFill>
+              <a:schemeClr val="tx2">
+                <a:lumMod val="40000"/>
+                <a:lumOff val="60000"/>
+              </a:schemeClr>
+            </a:solidFill>
+          </a:ln>
+          <a:effectLst>
+            <a:outerShdw blurRad="40000" dist="23000" dir="5400000" rotWithShape="0">
+              <a:srgbClr val="000000">
+                <a:alpha val="35000"/>
+              </a:srgbClr>
+            </a:outerShdw>
+          </a:effectLst>
+        </p:spPr>
+        <p:style>
+          <a:lnRef idx="1">
+            <a:schemeClr val="accent1"/>
+          </a:lnRef>
+          <a:fillRef idx="3">
+            <a:schemeClr val="accent1"/>
+          </a:fillRef>
+          <a:effectRef idx="2">
+            <a:schemeClr val="accent1"/>
+          </a:effectRef>
+          <a:fontRef idx="minor">
+            <a:schemeClr val="lt1"/>
+          </a:fontRef>
+        </p:style>
+        <p:txBody>
+          <a:bodyPr vert="horz" anchor="ctr" anchorCtr="0"/>
+          <a:lstStyle/>
+          <a:p>
+            <a:pPr algn="ctr"/>
+            <a:r>
+              <a:rPr lang="en-US" sz="2300" b="1" dirty="0" smtClean="0">
+                <a:solidFill>
+                  <a:schemeClr val="tx1"/>
+                </a:solidFill>
+              </a:rPr>
+              <a:t>CBR System</a:t>
+            </a:r>
+            <a:endParaRPr lang="en-US" sz="2300" dirty="0" smtClean="0">
+              <a:solidFill>
+                <a:schemeClr val="tx1"/>
+              </a:solidFill>
+            </a:endParaRPr>
+          </a:p>
+          <a:p>
+            <a:pPr marL="457200" indent="-457200">
+              <a:buFont typeface="+mj-lt"/>
+              <a:buAutoNum type="arabicPeriod" startAt="5"/>
+            </a:pPr>
+            <a:r>
+              <a:rPr lang="en-US" sz="2300" dirty="0" smtClean="0">
+                <a:solidFill>
+                  <a:schemeClr val="tx1"/>
+                </a:solidFill>
+              </a:rPr>
+              <a:t>Compute Local Similarity</a:t>
+            </a:r>
+          </a:p>
+          <a:p>
+            <a:pPr marL="457200" indent="-457200">
+              <a:buFont typeface="+mj-lt"/>
+              <a:buAutoNum type="arabicPeriod" startAt="5"/>
+            </a:pPr>
+            <a:r>
+              <a:rPr lang="en-US" sz="2300" dirty="0" smtClean="0">
+                <a:solidFill>
+                  <a:schemeClr val="tx1"/>
+                </a:solidFill>
+              </a:rPr>
+              <a:t>Compute Global Similarity</a:t>
+            </a:r>
+          </a:p>
+          <a:p>
+            <a:pPr marL="457200" indent="-457200">
+              <a:buFont typeface="+mj-lt"/>
+              <a:buAutoNum type="arabicPeriod" startAt="5"/>
+            </a:pPr>
+            <a:r>
+              <a:rPr lang="en-US" sz="2300" dirty="0" smtClean="0">
+                <a:solidFill>
+                  <a:schemeClr val="tx1"/>
+                </a:solidFill>
+              </a:rPr>
+              <a:t>Sort</a:t>
+            </a:r>
+          </a:p>
+          <a:p>
+            <a:pPr marL="457200" indent="-457200">
+              <a:buFont typeface="+mj-lt"/>
+              <a:buAutoNum type="arabicPeriod" startAt="5"/>
+            </a:pPr>
+            <a:r>
+              <a:rPr lang="en-US" sz="2300" dirty="0" smtClean="0">
+                <a:solidFill>
+                  <a:schemeClr val="tx1"/>
+                </a:solidFill>
+              </a:rPr>
+              <a:t>Pick</a:t>
+            </a:r>
+          </a:p>
+          <a:p>
+            <a:pPr algn="ctr"/>
+            <a:endParaRPr lang="en-US" sz="2300" dirty="0" smtClean="0">
+              <a:solidFill>
+                <a:schemeClr val="tx1"/>
+              </a:solidFill>
+            </a:endParaRPr>
+          </a:p>
+        </p:txBody>
+      </p:sp>
+      <p:cxnSp>
+        <p:nvCxnSpPr>
+          <p:cNvPr id="81" name="Straight Arrow Connector 80"/>
+          <p:cNvCxnSpPr>
+            <a:stCxn id="70" idx="3"/>
+            <a:endCxn id="79" idx="1"/>
+          </p:cNvCxnSpPr>
+          <p:nvPr/>
+        </p:nvCxnSpPr>
+        <p:spPr>
+          <a:xfrm>
+            <a:off x="3619500" y="3886200"/>
+            <a:ext cx="419100" cy="23973"/>
+          </a:xfrm>
+          <a:prstGeom prst="straightConnector1">
+            <a:avLst/>
+          </a:prstGeom>
+          <a:ln>
+            <a:solidFill>
+              <a:schemeClr val="tx2">
+                <a:lumMod val="60000"/>
+                <a:lumOff val="40000"/>
+              </a:schemeClr>
+            </a:solidFill>
+            <a:tailEnd type="arrow"/>
+          </a:ln>
+        </p:spPr>
+        <p:style>
+          <a:lnRef idx="2">
+            <a:schemeClr val="accent1"/>
+          </a:lnRef>
+          <a:fillRef idx="0">
+            <a:schemeClr val="accent1"/>
+          </a:fillRef>
+          <a:effectRef idx="1">
+            <a:schemeClr val="accent1"/>
+          </a:effectRef>
+          <a:fontRef idx="minor">
+            <a:schemeClr val="tx1"/>
+          </a:fontRef>
+        </p:style>
+      </p:cxnSp>
+      <p:sp>
+        <p:nvSpPr>
+          <p:cNvPr id="82" name="Rectangle 81"/>
+          <p:cNvSpPr/>
+          <p:nvPr/>
+        </p:nvSpPr>
+        <p:spPr>
+          <a:xfrm>
+            <a:off x="7086600" y="3467099"/>
+            <a:ext cx="1508760" cy="838200"/>
+          </a:xfrm>
+          <a:prstGeom prst="rect">
+            <a:avLst/>
+          </a:prstGeom>
+          <a:solidFill>
+            <a:schemeClr val="accent1">
+              <a:lumMod val="20000"/>
+              <a:lumOff val="80000"/>
+            </a:schemeClr>
+          </a:solidFill>
+          <a:ln w="76200" cmpd="sng">
+            <a:solidFill>
+              <a:schemeClr val="tx2">
+                <a:lumMod val="40000"/>
+                <a:lumOff val="60000"/>
+              </a:schemeClr>
+            </a:solidFill>
+          </a:ln>
+          <a:effectLst>
+            <a:outerShdw blurRad="40000" dist="23000" dir="5400000" rotWithShape="0">
+              <a:srgbClr val="000000">
+                <a:alpha val="35000"/>
+              </a:srgbClr>
+            </a:outerShdw>
+          </a:effectLst>
+        </p:spPr>
+        <p:style>
+          <a:lnRef idx="1">
+            <a:schemeClr val="accent1"/>
+          </a:lnRef>
+          <a:fillRef idx="3">
+            <a:schemeClr val="accent1"/>
+          </a:fillRef>
+          <a:effectRef idx="2">
+            <a:schemeClr val="accent1"/>
+          </a:effectRef>
+          <a:fontRef idx="minor">
+            <a:schemeClr val="lt1"/>
+          </a:fontRef>
+        </p:style>
+        <p:txBody>
+          <a:bodyPr vert="horz" anchor="ctr" anchorCtr="0"/>
+          <a:lstStyle/>
+          <a:p>
+            <a:pPr algn="ctr"/>
+            <a:r>
+              <a:rPr lang="en-US" sz="2300" dirty="0" smtClean="0">
+                <a:solidFill>
+                  <a:schemeClr val="tx1"/>
+                </a:solidFill>
+              </a:rPr>
+              <a:t>Auto-Tagger</a:t>
+            </a:r>
+          </a:p>
+        </p:txBody>
+      </p:sp>
+      <p:cxnSp>
+        <p:nvCxnSpPr>
+          <p:cNvPr id="87" name="Straight Arrow Connector 86"/>
+          <p:cNvCxnSpPr>
+            <a:stCxn id="79" idx="3"/>
+            <a:endCxn id="82" idx="1"/>
+          </p:cNvCxnSpPr>
+          <p:nvPr/>
+        </p:nvCxnSpPr>
+        <p:spPr>
+          <a:xfrm flipV="1">
+            <a:off x="6629400" y="3886199"/>
+            <a:ext cx="457200" cy="23974"/>
+          </a:xfrm>
+          <a:prstGeom prst="straightConnector1">
+            <a:avLst/>
+          </a:prstGeom>
+          <a:ln>
+            <a:solidFill>
+              <a:schemeClr val="tx2">
+                <a:lumMod val="60000"/>
+                <a:lumOff val="40000"/>
+              </a:schemeClr>
+            </a:solidFill>
+            <a:tailEnd type="arrow"/>
+          </a:ln>
+        </p:spPr>
+        <p:style>
+          <a:lnRef idx="2">
+            <a:schemeClr val="accent1"/>
+          </a:lnRef>
+          <a:fillRef idx="0">
+            <a:schemeClr val="accent1"/>
+          </a:fillRef>
+          <a:effectRef idx="1">
+            <a:schemeClr val="accent1"/>
+          </a:effectRef>
+          <a:fontRef idx="minor">
+            <a:schemeClr val="tx1"/>
+          </a:fontRef>
+        </p:style>
+      </p:cxnSp>
+      <p:cxnSp>
+        <p:nvCxnSpPr>
+          <p:cNvPr id="89" name="Shape 88"/>
+          <p:cNvCxnSpPr>
+            <a:stCxn id="82" idx="2"/>
+            <a:endCxn id="62" idx="4"/>
+          </p:cNvCxnSpPr>
+          <p:nvPr/>
+        </p:nvCxnSpPr>
+        <p:spPr>
+          <a:xfrm rot="5400000">
+            <a:off x="4237276" y="1896823"/>
+            <a:ext cx="1195228" cy="6012180"/>
+          </a:xfrm>
+          <a:prstGeom prst="bentConnector2">
+            <a:avLst/>
+          </a:prstGeom>
+          <a:ln>
+            <a:solidFill>
+              <a:schemeClr val="tx2">
+                <a:lumMod val="60000"/>
+                <a:lumOff val="40000"/>
+              </a:schemeClr>
+            </a:solidFill>
+            <a:tailEnd type="arrow"/>
+          </a:ln>
+        </p:spPr>
+        <p:style>
+          <a:lnRef idx="2">
+            <a:schemeClr val="accent1"/>
+          </a:lnRef>
+          <a:fillRef idx="0">
+            <a:schemeClr val="accent1"/>
+          </a:fillRef>
+          <a:effectRef idx="1">
+            <a:schemeClr val="accent1"/>
+          </a:effectRef>
+          <a:fontRef idx="minor">
+            <a:schemeClr val="tx1"/>
+          </a:fontRef>
+        </p:style>
+      </p:cxnSp>
+      <p:sp>
+        <p:nvSpPr>
+          <p:cNvPr id="97" name="TextBox 96"/>
+          <p:cNvSpPr txBox="1"/>
+          <p:nvPr/>
+        </p:nvSpPr>
+        <p:spPr>
+          <a:xfrm>
+            <a:off x="4155142" y="681335"/>
+            <a:ext cx="340658" cy="461665"/>
+          </a:xfrm>
+          <a:prstGeom prst="rect">
+            <a:avLst/>
+          </a:prstGeom>
+          <a:noFill/>
+        </p:spPr>
+        <p:txBody>
+          <a:bodyPr wrap="none" rtlCol="0">
+            <a:spAutoFit/>
+          </a:bodyPr>
+          <a:lstStyle/>
+          <a:p>
+            <a:r>
+              <a:rPr lang="en-US" sz="2300" b="1" dirty="0" smtClean="0"/>
+              <a:t>1</a:t>
+            </a:r>
+            <a:endParaRPr lang="en-US" sz="2300" b="1" dirty="0"/>
+          </a:p>
+        </p:txBody>
+      </p:sp>
+      <p:sp>
+        <p:nvSpPr>
+          <p:cNvPr id="98" name="TextBox 97"/>
+          <p:cNvSpPr txBox="1"/>
+          <p:nvPr/>
+        </p:nvSpPr>
+        <p:spPr>
+          <a:xfrm>
+            <a:off x="1887071" y="1371600"/>
+            <a:ext cx="340658" cy="461665"/>
+          </a:xfrm>
+          <a:prstGeom prst="rect">
+            <a:avLst/>
+          </a:prstGeom>
+          <a:noFill/>
+        </p:spPr>
+        <p:txBody>
+          <a:bodyPr wrap="none" rtlCol="0">
+            <a:spAutoFit/>
+          </a:bodyPr>
+          <a:lstStyle/>
+          <a:p>
+            <a:r>
+              <a:rPr lang="en-US" sz="2300" b="1" dirty="0" smtClean="0"/>
+              <a:t>2</a:t>
+            </a:r>
+            <a:endParaRPr lang="en-US" sz="2300" b="1" dirty="0"/>
+          </a:p>
+        </p:txBody>
+      </p:sp>
+      <p:sp>
+        <p:nvSpPr>
+          <p:cNvPr id="99" name="TextBox 98"/>
+          <p:cNvSpPr txBox="1"/>
+          <p:nvPr/>
+        </p:nvSpPr>
+        <p:spPr>
+          <a:xfrm>
+            <a:off x="568170" y="4074466"/>
+            <a:ext cx="340658" cy="461665"/>
+          </a:xfrm>
+          <a:prstGeom prst="rect">
+            <a:avLst/>
+          </a:prstGeom>
+          <a:noFill/>
+        </p:spPr>
+        <p:txBody>
+          <a:bodyPr wrap="none" rtlCol="0">
+            <a:spAutoFit/>
+          </a:bodyPr>
+          <a:lstStyle/>
+          <a:p>
+            <a:r>
+              <a:rPr lang="en-US" sz="2300" b="1" dirty="0" smtClean="0"/>
+              <a:t>3</a:t>
+            </a:r>
+            <a:endParaRPr lang="en-US" sz="2300" b="1" dirty="0"/>
+          </a:p>
+        </p:txBody>
+      </p:sp>
+      <p:sp>
+        <p:nvSpPr>
+          <p:cNvPr id="100" name="TextBox 99"/>
+          <p:cNvSpPr txBox="1"/>
+          <p:nvPr/>
+        </p:nvSpPr>
+        <p:spPr>
+          <a:xfrm>
+            <a:off x="2667000" y="3005434"/>
+            <a:ext cx="340658" cy="461665"/>
+          </a:xfrm>
+          <a:prstGeom prst="rect">
+            <a:avLst/>
+          </a:prstGeom>
+          <a:noFill/>
+        </p:spPr>
+        <p:txBody>
+          <a:bodyPr wrap="none" rtlCol="0">
+            <a:spAutoFit/>
+          </a:bodyPr>
+          <a:lstStyle/>
+          <a:p>
+            <a:r>
+              <a:rPr lang="en-US" sz="2300" b="1" dirty="0" smtClean="0"/>
+              <a:t>4</a:t>
+            </a:r>
+            <a:endParaRPr lang="en-US" sz="2300" b="1" dirty="0"/>
+          </a:p>
+        </p:txBody>
+      </p:sp>
+      <p:sp>
+        <p:nvSpPr>
+          <p:cNvPr id="101" name="TextBox 100"/>
+          <p:cNvSpPr txBox="1"/>
+          <p:nvPr/>
+        </p:nvSpPr>
+        <p:spPr>
+          <a:xfrm>
+            <a:off x="7848600" y="4419600"/>
+            <a:ext cx="334158" cy="446276"/>
+          </a:xfrm>
+          <a:prstGeom prst="rect">
+            <a:avLst/>
+          </a:prstGeom>
+          <a:noFill/>
+        </p:spPr>
+        <p:txBody>
+          <a:bodyPr wrap="none" rtlCol="0">
+            <a:spAutoFit/>
+          </a:bodyPr>
+          <a:lstStyle/>
+          <a:p>
+            <a:r>
+              <a:rPr lang="en-US" sz="2300" b="1" dirty="0" smtClean="0"/>
+              <a:t>9</a:t>
+            </a:r>
+            <a:endParaRPr lang="en-US" sz="2300" b="1" dirty="0"/>
+          </a:p>
+        </p:txBody>
+      </p:sp>
+    </p:spTree>
+  </p:cSld>
+  <p:clrMapOvr>
+    <a:masterClrMapping/>
+  </p:clrMapOvr>
+</p:sld>
+</file>
+
+<file path=ppt/slides/slide11.xml><?xml version="1.0" encoding="utf-8"?>
+<p:sld xmlns:a="http://schemas.openxmlformats.org/drawingml/2006/main" xmlns:r="http://schemas.openxmlformats.org/officeDocument/2006/relationships" xmlns:mc="http://schemas.openxmlformats.org/markup-compatibility/2006" xmlns:mv="urn:schemas-microsoft-com:mac:vml" xmlns:p="http://schemas.openxmlformats.org/presentationml/2006/main" mc:Ignorable="mv" mc:PreserveAttributes="mv:*">
+  <p:cSld>
+    <p:spTree>
+      <p:nvGrpSpPr>
+        <p:cNvPr id="1" name=""/>
+        <p:cNvGrpSpPr/>
+        <p:nvPr/>
+      </p:nvGrpSpPr>
+      <p:grpSpPr>
+        <a:xfrm>
+          <a:off x="0" y="0"/>
+          <a:ext cx="0" cy="0"/>
+          <a:chOff x="0" y="0"/>
+          <a:chExt cx="0" cy="0"/>
+        </a:xfrm>
+      </p:grpSpPr>
+      <p:grpSp>
+        <p:nvGrpSpPr>
+          <p:cNvPr id="2" name="Group 36"/>
+          <p:cNvGrpSpPr/>
+          <p:nvPr/>
+        </p:nvGrpSpPr>
+        <p:grpSpPr>
+          <a:xfrm>
+            <a:off x="1518428" y="545068"/>
+            <a:ext cx="1148572" cy="1207532"/>
+            <a:chOff x="908828" y="228600"/>
+            <a:chExt cx="1148572" cy="1207532"/>
+          </a:xfrm>
+        </p:grpSpPr>
+        <p:sp>
+          <p:nvSpPr>
+            <p:cNvPr id="6" name="Smiley Face 5"/>
+            <p:cNvSpPr/>
+            <p:nvPr/>
+          </p:nvSpPr>
+          <p:spPr>
+            <a:xfrm>
+              <a:off x="1048348" y="228600"/>
+              <a:ext cx="822960" cy="822960"/>
+            </a:xfrm>
+            <a:prstGeom prst="smileyFace">
+              <a:avLst/>
+            </a:prstGeom>
+            <a:solidFill>
+              <a:schemeClr val="accent1">
+                <a:lumMod val="20000"/>
+                <a:lumOff val="80000"/>
+              </a:schemeClr>
+            </a:solidFill>
+            <a:ln w="38100" cmpd="sng"/>
+          </p:spPr>
+          <p:style>
+            <a:lnRef idx="1">
+              <a:schemeClr val="accent1"/>
+            </a:lnRef>
+            <a:fillRef idx="3">
+              <a:schemeClr val="accent1"/>
+            </a:fillRef>
+            <a:effectRef idx="2">
+              <a:schemeClr val="accent1"/>
+            </a:effectRef>
+            <a:fontRef idx="minor">
+              <a:schemeClr val="lt1"/>
+            </a:fontRef>
+          </p:style>
+        </p:sp>
+        <p:sp>
+          <p:nvSpPr>
+            <p:cNvPr id="9" name="TextBox 8"/>
+            <p:cNvSpPr txBox="1"/>
+            <p:nvPr/>
+          </p:nvSpPr>
+          <p:spPr>
+            <a:xfrm>
+              <a:off x="908828" y="1066800"/>
+              <a:ext cx="1148572" cy="369332"/>
+            </a:xfrm>
+            <a:prstGeom prst="rect">
+              <a:avLst/>
+            </a:prstGeom>
+            <a:noFill/>
+          </p:spPr>
+          <p:txBody>
+            <a:bodyPr wrap="none" rtlCol="0">
+              <a:spAutoFit/>
+            </a:bodyPr>
+            <a:lstStyle/>
+            <a:p>
+              <a:r>
+                <a:rPr lang="en-US" dirty="0" smtClean="0"/>
+                <a:t>Developer</a:t>
+              </a:r>
+              <a:endParaRPr lang="en-US" dirty="0"/>
+            </a:p>
+          </p:txBody>
+        </p:sp>
+      </p:grpSp>
+      <p:grpSp>
+        <p:nvGrpSpPr>
+          <p:cNvPr id="3" name="Group 37"/>
+          <p:cNvGrpSpPr/>
+          <p:nvPr/>
+        </p:nvGrpSpPr>
+        <p:grpSpPr>
+          <a:xfrm>
+            <a:off x="6400800" y="545068"/>
+            <a:ext cx="1095172" cy="1131332"/>
+            <a:chOff x="7086600" y="228600"/>
+            <a:chExt cx="1095172" cy="1131332"/>
+          </a:xfrm>
+        </p:grpSpPr>
+        <p:sp>
+          <p:nvSpPr>
+            <p:cNvPr id="8" name="Smiley Face 7"/>
+            <p:cNvSpPr/>
+            <p:nvPr/>
+          </p:nvSpPr>
+          <p:spPr>
+            <a:xfrm>
+              <a:off x="7254240" y="228600"/>
+              <a:ext cx="822960" cy="822960"/>
+            </a:xfrm>
+            <a:prstGeom prst="smileyFace">
+              <a:avLst/>
+            </a:prstGeom>
+            <a:solidFill>
+              <a:schemeClr val="accent1">
+                <a:lumMod val="20000"/>
+                <a:lumOff val="80000"/>
+              </a:schemeClr>
+            </a:solidFill>
+            <a:ln w="38100" cmpd="sng"/>
+          </p:spPr>
+          <p:style>
+            <a:lnRef idx="1">
+              <a:schemeClr val="accent1"/>
+            </a:lnRef>
+            <a:fillRef idx="3">
+              <a:schemeClr val="accent1"/>
+            </a:fillRef>
+            <a:effectRef idx="2">
+              <a:schemeClr val="accent1"/>
+            </a:effectRef>
+            <a:fontRef idx="minor">
+              <a:schemeClr val="lt1"/>
+            </a:fontRef>
+          </p:style>
+        </p:sp>
+        <p:sp>
+          <p:nvSpPr>
+            <p:cNvPr id="10" name="TextBox 9"/>
+            <p:cNvSpPr txBox="1"/>
+            <p:nvPr/>
+          </p:nvSpPr>
+          <p:spPr>
+            <a:xfrm>
+              <a:off x="7086600" y="990600"/>
+              <a:ext cx="1095172" cy="369332"/>
+            </a:xfrm>
+            <a:prstGeom prst="rect">
+              <a:avLst/>
+            </a:prstGeom>
+            <a:noFill/>
+          </p:spPr>
+          <p:txBody>
+            <a:bodyPr wrap="none" rtlCol="0">
+              <a:spAutoFit/>
+            </a:bodyPr>
+            <a:lstStyle/>
+            <a:p>
+              <a:r>
+                <a:rPr lang="en-US" dirty="0" smtClean="0"/>
+                <a:t>Customer</a:t>
+              </a:r>
+              <a:endParaRPr lang="en-US" dirty="0"/>
+            </a:p>
+          </p:txBody>
+        </p:sp>
+      </p:grpSp>
+      <p:cxnSp>
+        <p:nvCxnSpPr>
+          <p:cNvPr id="12" name="Straight Arrow Connector 11"/>
+          <p:cNvCxnSpPr>
+            <a:stCxn id="6" idx="6"/>
+            <a:endCxn id="8" idx="2"/>
+          </p:cNvCxnSpPr>
+          <p:nvPr/>
+        </p:nvCxnSpPr>
+        <p:spPr>
+          <a:xfrm>
+            <a:off x="2480908" y="956548"/>
+            <a:ext cx="4087532" cy="1588"/>
+          </a:xfrm>
+          <a:prstGeom prst="straightConnector1">
+            <a:avLst/>
+          </a:prstGeom>
+          <a:ln>
+            <a:headEnd type="arrow"/>
+            <a:tailEnd type="arrow"/>
+          </a:ln>
+        </p:spPr>
+        <p:style>
+          <a:lnRef idx="2">
+            <a:schemeClr val="accent1"/>
+          </a:lnRef>
+          <a:fillRef idx="0">
+            <a:schemeClr val="accent1"/>
+          </a:fillRef>
+          <a:effectRef idx="1">
+            <a:schemeClr val="accent1"/>
+          </a:effectRef>
+          <a:fontRef idx="minor">
+            <a:schemeClr val="tx1"/>
+          </a:fontRef>
+        </p:style>
+      </p:cxnSp>
+      <p:sp>
+        <p:nvSpPr>
+          <p:cNvPr id="44" name="Rectangle 43"/>
+          <p:cNvSpPr/>
+          <p:nvPr/>
+        </p:nvSpPr>
+        <p:spPr>
+          <a:xfrm>
+            <a:off x="2286000" y="2590800"/>
+            <a:ext cx="4148837" cy="2819400"/>
+          </a:xfrm>
+          <a:prstGeom prst="rect">
+            <a:avLst/>
+          </a:prstGeom>
+          <a:solidFill>
+            <a:schemeClr val="accent6">
+              <a:lumMod val="20000"/>
+              <a:lumOff val="80000"/>
+            </a:schemeClr>
+          </a:solidFill>
+          <a:ln w="57150" cmpd="sng">
+            <a:solidFill>
+              <a:schemeClr val="accent6">
+                <a:lumMod val="60000"/>
+                <a:lumOff val="40000"/>
+              </a:schemeClr>
+            </a:solidFill>
+          </a:ln>
+        </p:spPr>
+        <p:style>
+          <a:lnRef idx="1">
+            <a:schemeClr val="accent1"/>
+          </a:lnRef>
+          <a:fillRef idx="3">
+            <a:schemeClr val="accent1"/>
+          </a:fillRef>
+          <a:effectRef idx="2">
+            <a:schemeClr val="accent1"/>
+          </a:effectRef>
+          <a:fontRef idx="minor">
+            <a:schemeClr val="lt1"/>
+          </a:fontRef>
+        </p:style>
+        <p:txBody>
+          <a:bodyPr rtlCol="0" anchor="ctr"/>
+          <a:lstStyle/>
+          <a:p>
+            <a:pPr algn="ctr"/>
+            <a:endParaRPr lang="en-US"/>
+          </a:p>
+        </p:txBody>
+      </p:sp>
+      <p:sp>
+        <p:nvSpPr>
+          <p:cNvPr id="45" name="Rectangle 44"/>
+          <p:cNvSpPr/>
+          <p:nvPr/>
+        </p:nvSpPr>
+        <p:spPr>
+          <a:xfrm>
+            <a:off x="2666999" y="2895600"/>
+            <a:ext cx="3386837" cy="457200"/>
+          </a:xfrm>
+          <a:prstGeom prst="rect">
+            <a:avLst/>
+          </a:prstGeom>
+          <a:solidFill>
+            <a:schemeClr val="accent1">
+              <a:lumMod val="20000"/>
+              <a:lumOff val="80000"/>
+            </a:schemeClr>
+          </a:solidFill>
+          <a:ln w="76200" cmpd="sng">
+            <a:solidFill>
+              <a:schemeClr val="tx2">
+                <a:lumMod val="40000"/>
+                <a:lumOff val="60000"/>
+              </a:schemeClr>
+            </a:solidFill>
+          </a:ln>
+          <a:effectLst>
+            <a:outerShdw blurRad="40000" dist="23000" dir="5400000" rotWithShape="0">
+              <a:srgbClr val="000000">
+                <a:alpha val="35000"/>
+              </a:srgbClr>
+            </a:outerShdw>
+          </a:effectLst>
+        </p:spPr>
+        <p:style>
+          <a:lnRef idx="1">
+            <a:schemeClr val="accent1"/>
+          </a:lnRef>
+          <a:fillRef idx="3">
+            <a:schemeClr val="accent1"/>
+          </a:fillRef>
+          <a:effectRef idx="2">
+            <a:schemeClr val="accent1"/>
+          </a:effectRef>
+          <a:fontRef idx="minor">
+            <a:schemeClr val="lt1"/>
+          </a:fontRef>
+        </p:style>
+        <p:txBody>
+          <a:bodyPr vert="horz" anchor="ctr" anchorCtr="0"/>
+          <a:lstStyle/>
+          <a:p>
+            <a:pPr algn="ctr"/>
+            <a:r>
+              <a:rPr lang="en-US" sz="2300" dirty="0" smtClean="0">
+                <a:solidFill>
+                  <a:schemeClr val="tx1"/>
+                </a:solidFill>
+              </a:rPr>
+              <a:t>Taggy Web Service</a:t>
+            </a:r>
+          </a:p>
+        </p:txBody>
+      </p:sp>
+      <p:sp>
+        <p:nvSpPr>
+          <p:cNvPr id="62" name="Magnetic Disk 61"/>
+          <p:cNvSpPr/>
+          <p:nvPr/>
+        </p:nvSpPr>
+        <p:spPr>
+          <a:xfrm>
+            <a:off x="3581400" y="4038600"/>
+            <a:ext cx="1562100" cy="1095054"/>
+          </a:xfrm>
+          <a:prstGeom prst="flowChartMagneticDisk">
+            <a:avLst/>
+          </a:prstGeom>
+          <a:solidFill>
+            <a:schemeClr val="accent1">
+              <a:lumMod val="20000"/>
+              <a:lumOff val="80000"/>
+            </a:schemeClr>
+          </a:solidFill>
+          <a:ln w="57150" cmpd="sng">
+            <a:solidFill>
+              <a:schemeClr val="tx2">
+                <a:lumMod val="40000"/>
+                <a:lumOff val="60000"/>
+              </a:schemeClr>
+            </a:solidFill>
+          </a:ln>
+        </p:spPr>
+        <p:style>
+          <a:lnRef idx="1">
+            <a:schemeClr val="accent1"/>
+          </a:lnRef>
+          <a:fillRef idx="3">
+            <a:schemeClr val="accent1"/>
+          </a:fillRef>
+          <a:effectRef idx="2">
+            <a:schemeClr val="accent1"/>
+          </a:effectRef>
+          <a:fontRef idx="minor">
+            <a:schemeClr val="lt1"/>
+          </a:fontRef>
+        </p:style>
+        <p:txBody>
+          <a:bodyPr/>
+          <a:lstStyle/>
+          <a:p>
+            <a:pPr algn="ctr"/>
+            <a:r>
+              <a:rPr lang="en-US" sz="2300" dirty="0" smtClean="0">
+                <a:solidFill>
+                  <a:srgbClr val="000000"/>
+                </a:solidFill>
+              </a:rPr>
+              <a:t>Database</a:t>
+            </a:r>
+            <a:endParaRPr lang="en-US" sz="2300" dirty="0">
+              <a:solidFill>
+                <a:srgbClr val="000000"/>
+              </a:solidFill>
+            </a:endParaRPr>
+          </a:p>
+        </p:txBody>
+      </p:sp>
+      <p:cxnSp>
+        <p:nvCxnSpPr>
+          <p:cNvPr id="75" name="Shape 74"/>
+          <p:cNvCxnSpPr>
+            <a:stCxn id="45" idx="2"/>
+            <a:endCxn id="62" idx="1"/>
+          </p:cNvCxnSpPr>
+          <p:nvPr/>
+        </p:nvCxnSpPr>
+        <p:spPr>
+          <a:xfrm rot="16200000" flipH="1">
+            <a:off x="4018534" y="3694684"/>
+            <a:ext cx="685800" cy="2032"/>
+          </a:xfrm>
+          <a:prstGeom prst="bentConnector3">
+            <a:avLst>
+              <a:gd name="adj1" fmla="val 50000"/>
+            </a:avLst>
+          </a:prstGeom>
+          <a:ln>
+            <a:solidFill>
+              <a:schemeClr val="tx2">
+                <a:lumMod val="60000"/>
+                <a:lumOff val="40000"/>
+              </a:schemeClr>
+            </a:solidFill>
+            <a:tailEnd type="arrow"/>
+          </a:ln>
+        </p:spPr>
+        <p:style>
+          <a:lnRef idx="2">
+            <a:schemeClr val="accent1"/>
+          </a:lnRef>
+          <a:fillRef idx="0">
+            <a:schemeClr val="accent1"/>
+          </a:fillRef>
+          <a:effectRef idx="1">
+            <a:schemeClr val="accent1"/>
+          </a:effectRef>
+          <a:fontRef idx="minor">
+            <a:schemeClr val="tx1"/>
+          </a:fontRef>
+        </p:style>
+      </p:cxnSp>
+      <p:sp>
+        <p:nvSpPr>
+          <p:cNvPr id="99" name="TextBox 98"/>
+          <p:cNvSpPr txBox="1"/>
+          <p:nvPr/>
+        </p:nvSpPr>
+        <p:spPr>
+          <a:xfrm>
+            <a:off x="4459942" y="3505200"/>
+            <a:ext cx="340658" cy="461665"/>
+          </a:xfrm>
+          <a:prstGeom prst="rect">
+            <a:avLst/>
+          </a:prstGeom>
+          <a:noFill/>
+        </p:spPr>
+        <p:txBody>
+          <a:bodyPr wrap="none" rtlCol="0">
+            <a:spAutoFit/>
+          </a:bodyPr>
+          <a:lstStyle/>
+          <a:p>
+            <a:r>
+              <a:rPr lang="en-US" sz="2300" b="1" dirty="0" smtClean="0"/>
+              <a:t>3</a:t>
+            </a:r>
+            <a:endParaRPr lang="en-US" sz="2300" b="1" dirty="0"/>
+          </a:p>
+        </p:txBody>
+      </p:sp>
+      <p:sp>
+        <p:nvSpPr>
+          <p:cNvPr id="35" name="Cloud Callout 34"/>
+          <p:cNvSpPr/>
+          <p:nvPr/>
+        </p:nvSpPr>
+        <p:spPr>
+          <a:xfrm>
+            <a:off x="4053840" y="381000"/>
+            <a:ext cx="822960" cy="457200"/>
+          </a:xfrm>
+          <a:prstGeom prst="cloudCallout">
+            <a:avLst/>
+          </a:prstGeom>
+          <a:solidFill>
+            <a:schemeClr val="accent1">
+              <a:lumMod val="20000"/>
+              <a:lumOff val="80000"/>
+            </a:schemeClr>
+          </a:solidFill>
+          <a:ln/>
+        </p:spPr>
+        <p:style>
+          <a:lnRef idx="1">
+            <a:schemeClr val="accent1"/>
+          </a:lnRef>
+          <a:fillRef idx="3">
+            <a:schemeClr val="accent1"/>
+          </a:fillRef>
+          <a:effectRef idx="2">
+            <a:schemeClr val="accent1"/>
+          </a:effectRef>
+          <a:fontRef idx="minor">
+            <a:schemeClr val="lt1"/>
+          </a:fontRef>
+        </p:style>
+      </p:sp>
+      <p:sp>
+        <p:nvSpPr>
+          <p:cNvPr id="36" name="TextBox 35"/>
+          <p:cNvSpPr txBox="1"/>
+          <p:nvPr/>
+        </p:nvSpPr>
+        <p:spPr>
+          <a:xfrm>
+            <a:off x="4724400" y="533400"/>
+            <a:ext cx="1710437" cy="369332"/>
+          </a:xfrm>
+          <a:prstGeom prst="rect">
+            <a:avLst/>
+          </a:prstGeom>
+          <a:noFill/>
+        </p:spPr>
+        <p:txBody>
+          <a:bodyPr wrap="none" rtlCol="0">
+            <a:spAutoFit/>
+          </a:bodyPr>
+          <a:lstStyle/>
+          <a:p>
+            <a:r>
+              <a:rPr lang="en-US" dirty="0" smtClean="0"/>
+              <a:t>Instant Message</a:t>
+            </a:r>
+            <a:endParaRPr lang="en-US" dirty="0"/>
+          </a:p>
+        </p:txBody>
+      </p:sp>
+      <p:sp>
+        <p:nvSpPr>
+          <p:cNvPr id="37" name="Rectangle 36"/>
+          <p:cNvSpPr/>
+          <p:nvPr/>
+        </p:nvSpPr>
+        <p:spPr>
+          <a:xfrm>
+            <a:off x="2667000" y="1600200"/>
+            <a:ext cx="3386837" cy="457200"/>
+          </a:xfrm>
+          <a:prstGeom prst="rect">
+            <a:avLst/>
+          </a:prstGeom>
+          <a:solidFill>
+            <a:schemeClr val="accent1">
+              <a:lumMod val="20000"/>
+              <a:lumOff val="80000"/>
+            </a:schemeClr>
+          </a:solidFill>
+          <a:ln w="76200" cmpd="sng">
+            <a:solidFill>
+              <a:schemeClr val="tx2">
+                <a:lumMod val="40000"/>
+                <a:lumOff val="60000"/>
+              </a:schemeClr>
+            </a:solidFill>
+          </a:ln>
+          <a:effectLst>
+            <a:outerShdw blurRad="40000" dist="23000" dir="5400000" rotWithShape="0">
+              <a:srgbClr val="000000">
+                <a:alpha val="35000"/>
+              </a:srgbClr>
+            </a:outerShdw>
+          </a:effectLst>
+        </p:spPr>
+        <p:style>
+          <a:lnRef idx="1">
+            <a:schemeClr val="accent1"/>
+          </a:lnRef>
+          <a:fillRef idx="3">
+            <a:schemeClr val="accent1"/>
+          </a:fillRef>
+          <a:effectRef idx="2">
+            <a:schemeClr val="accent1"/>
+          </a:effectRef>
+          <a:fontRef idx="minor">
+            <a:schemeClr val="lt1"/>
+          </a:fontRef>
+        </p:style>
+        <p:txBody>
+          <a:bodyPr vert="horz" anchor="ctr" anchorCtr="0"/>
+          <a:lstStyle/>
+          <a:p>
+            <a:pPr algn="ctr"/>
+            <a:r>
+              <a:rPr lang="en-US" sz="2300" dirty="0" smtClean="0">
+                <a:solidFill>
+                  <a:schemeClr val="tx1"/>
+                </a:solidFill>
+              </a:rPr>
+              <a:t>Instant Messenger Plug-in</a:t>
+            </a:r>
+          </a:p>
+        </p:txBody>
+      </p:sp>
+      <p:cxnSp>
+        <p:nvCxnSpPr>
+          <p:cNvPr id="38" name="Straight Connector 37"/>
+          <p:cNvCxnSpPr/>
+          <p:nvPr/>
+        </p:nvCxnSpPr>
+        <p:spPr>
+          <a:xfrm rot="5400000">
+            <a:off x="4099362" y="1278374"/>
+            <a:ext cx="643652" cy="1588"/>
+          </a:xfrm>
+          <a:prstGeom prst="line">
+            <a:avLst/>
+          </a:prstGeom>
+          <a:ln>
+            <a:solidFill>
+              <a:schemeClr val="tx2">
+                <a:lumMod val="60000"/>
+                <a:lumOff val="40000"/>
+              </a:schemeClr>
+            </a:solidFill>
+            <a:tailEnd type="triangle" w="lg"/>
+          </a:ln>
+        </p:spPr>
+        <p:style>
+          <a:lnRef idx="2">
+            <a:schemeClr val="accent1"/>
+          </a:lnRef>
+          <a:fillRef idx="0">
+            <a:schemeClr val="accent1"/>
+          </a:fillRef>
+          <a:effectRef idx="1">
+            <a:schemeClr val="accent1"/>
+          </a:effectRef>
+          <a:fontRef idx="minor">
+            <a:schemeClr val="tx1"/>
+          </a:fontRef>
+        </p:style>
+      </p:cxnSp>
+      <p:sp>
+        <p:nvSpPr>
+          <p:cNvPr id="43" name="TextBox 42"/>
+          <p:cNvSpPr txBox="1"/>
+          <p:nvPr/>
+        </p:nvSpPr>
+        <p:spPr>
+          <a:xfrm>
+            <a:off x="4419600" y="1076235"/>
+            <a:ext cx="340658" cy="461665"/>
+          </a:xfrm>
+          <a:prstGeom prst="rect">
+            <a:avLst/>
+          </a:prstGeom>
+          <a:noFill/>
+        </p:spPr>
+        <p:txBody>
+          <a:bodyPr wrap="none" rtlCol="0">
+            <a:spAutoFit/>
+          </a:bodyPr>
+          <a:lstStyle/>
+          <a:p>
+            <a:r>
+              <a:rPr lang="en-US" sz="2300" b="1" dirty="0" smtClean="0"/>
+              <a:t>1</a:t>
+            </a:r>
+            <a:endParaRPr lang="en-US" sz="2300" b="1" dirty="0"/>
+          </a:p>
+        </p:txBody>
+      </p:sp>
+      <p:cxnSp>
+        <p:nvCxnSpPr>
+          <p:cNvPr id="49" name="Straight Connector 48"/>
+          <p:cNvCxnSpPr/>
+          <p:nvPr/>
+        </p:nvCxnSpPr>
+        <p:spPr>
+          <a:xfrm rot="16200000" flipH="1">
+            <a:off x="4001691" y="2475309"/>
+            <a:ext cx="838200" cy="2382"/>
+          </a:xfrm>
+          <a:prstGeom prst="line">
+            <a:avLst/>
+          </a:prstGeom>
+          <a:ln>
+            <a:solidFill>
+              <a:schemeClr val="tx2">
+                <a:lumMod val="60000"/>
+                <a:lumOff val="40000"/>
+              </a:schemeClr>
+            </a:solidFill>
+            <a:tailEnd type="triangle" w="lg"/>
+          </a:ln>
+        </p:spPr>
+        <p:style>
+          <a:lnRef idx="2">
+            <a:schemeClr val="accent1"/>
+          </a:lnRef>
+          <a:fillRef idx="0">
+            <a:schemeClr val="accent1"/>
+          </a:fillRef>
+          <a:effectRef idx="1">
+            <a:schemeClr val="accent1"/>
+          </a:effectRef>
+          <a:fontRef idx="minor">
+            <a:schemeClr val="tx1"/>
+          </a:fontRef>
+        </p:style>
+      </p:cxnSp>
+      <p:sp>
+        <p:nvSpPr>
+          <p:cNvPr id="53" name="TextBox 52"/>
+          <p:cNvSpPr txBox="1"/>
+          <p:nvPr/>
+        </p:nvSpPr>
+        <p:spPr>
+          <a:xfrm>
+            <a:off x="4419600" y="2129135"/>
+            <a:ext cx="340658" cy="461665"/>
+          </a:xfrm>
+          <a:prstGeom prst="rect">
+            <a:avLst/>
+          </a:prstGeom>
+          <a:noFill/>
+        </p:spPr>
+        <p:txBody>
+          <a:bodyPr wrap="none" rtlCol="0">
+            <a:spAutoFit/>
+          </a:bodyPr>
+          <a:lstStyle/>
+          <a:p>
+            <a:r>
+              <a:rPr lang="en-US" sz="2300" b="1" dirty="0" smtClean="0"/>
+              <a:t>2</a:t>
+            </a:r>
+            <a:endParaRPr lang="en-US" sz="2300" b="1" dirty="0"/>
+          </a:p>
+        </p:txBody>
+      </p:sp>
+    </p:spTree>
+  </p:cSld>
+  <p:clrMapOvr>
+    <a:masterClrMapping/>
+  </p:clrMapOvr>
+</p:sld>
+</file>
+
+<file path=ppt/slides/slide12.xml><?xml version="1.0" encoding="utf-8"?>
+<p:sld xmlns:a="http://schemas.openxmlformats.org/drawingml/2006/main" xmlns:r="http://schemas.openxmlformats.org/officeDocument/2006/relationships" xmlns:mc="http://schemas.openxmlformats.org/markup-compatibility/2006" xmlns:mv="urn:schemas-microsoft-com:mac:vml" xmlns:p="http://schemas.openxmlformats.org/presentationml/2006/main" mc:Ignorable="mv" mc:PreserveAttributes="mv:*">
+  <p:cSld>
+    <p:spTree>
+      <p:nvGrpSpPr>
+        <p:cNvPr id="1" name=""/>
+        <p:cNvGrpSpPr/>
+        <p:nvPr/>
+      </p:nvGrpSpPr>
+      <p:grpSpPr>
+        <a:xfrm>
+          <a:off x="0" y="0"/>
+          <a:ext cx="0" cy="0"/>
+          <a:chOff x="0" y="0"/>
+          <a:chExt cx="0" cy="0"/>
+        </a:xfrm>
+      </p:grpSpPr>
+      <p:sp>
+        <p:nvSpPr>
+          <p:cNvPr id="2" name="Title 1"/>
+          <p:cNvSpPr>
+            <a:spLocks noGrp="1"/>
+          </p:cNvSpPr>
+          <p:nvPr>
+            <p:ph type="title"/>
+          </p:nvPr>
+        </p:nvSpPr>
+        <p:spPr/>
+        <p:txBody>
+          <a:bodyPr/>
+          <a:lstStyle/>
+          <a:p>
+            <a:endParaRPr lang="en-US"/>
+          </a:p>
+        </p:txBody>
+      </p:sp>
+      <p:sp>
+        <p:nvSpPr>
+          <p:cNvPr id="3" name="Content Placeholder 2"/>
+          <p:cNvSpPr>
+            <a:spLocks noGrp="1"/>
+          </p:cNvSpPr>
+          <p:nvPr>
+            <p:ph idx="1"/>
+          </p:nvPr>
+        </p:nvSpPr>
+        <p:spPr/>
+        <p:txBody>
+          <a:bodyPr/>
+          <a:lstStyle/>
+          <a:p>
+            <a:endParaRPr lang="en-US"/>
+          </a:p>
+        </p:txBody>
+      </p:sp>
+    </p:spTree>
+  </p:cSld>
+  <p:clrMapOvr>
+    <a:masterClrMapping/>
+  </p:clrMapOvr>
+</p:sld>
+</file>
+
 <file path=ppt/slides/slide2.xml><?xml version="1.0" encoding="utf-8"?>
+<p:sld xmlns:a="http://schemas.openxmlformats.org/drawingml/2006/main" xmlns:r="http://schemas.openxmlformats.org/officeDocument/2006/relationships" xmlns:mc="http://schemas.openxmlformats.org/markup-compatibility/2006" xmlns:mv="urn:schemas-microsoft-com:mac:vml" xmlns:p="http://schemas.openxmlformats.org/presentationml/2006/main" mc:Ignorable="mv" mc:PreserveAttributes="mv:*">
+  <p:cSld>
+    <p:spTree>
+      <p:nvGrpSpPr>
+        <p:cNvPr id="1" name=""/>
+        <p:cNvGrpSpPr/>
+        <p:nvPr/>
+      </p:nvGrpSpPr>
+      <p:grpSpPr>
+        <a:xfrm>
+          <a:off x="0" y="0"/>
+          <a:ext cx="0" cy="0"/>
+          <a:chOff x="0" y="0"/>
+          <a:chExt cx="0" cy="0"/>
+        </a:xfrm>
+      </p:grpSpPr>
+      <p:sp>
+        <p:nvSpPr>
+          <p:cNvPr id="4" name="TextBox 3"/>
+          <p:cNvSpPr txBox="1"/>
+          <p:nvPr/>
+        </p:nvSpPr>
+        <p:spPr>
+          <a:xfrm>
+            <a:off x="1080026" y="4887724"/>
+            <a:ext cx="4792410" cy="446276"/>
+          </a:xfrm>
+          <a:prstGeom prst="rect">
+            <a:avLst/>
+          </a:prstGeom>
+          <a:solidFill>
+            <a:schemeClr val="accent1">
+              <a:lumMod val="20000"/>
+              <a:lumOff val="80000"/>
+            </a:schemeClr>
+          </a:solidFill>
+          <a:ln w="76200" cmpd="sng">
+            <a:solidFill>
+              <a:schemeClr val="tx2">
+                <a:lumMod val="40000"/>
+                <a:lumOff val="60000"/>
+              </a:schemeClr>
+            </a:solidFill>
+          </a:ln>
+        </p:spPr>
+        <p:txBody>
+          <a:bodyPr wrap="square" rtlCol="0" anchor="ctr" anchorCtr="0">
+            <a:spAutoFit/>
+          </a:bodyPr>
+          <a:lstStyle/>
+          <a:p>
+            <a:pPr algn="ctr"/>
+            <a:r>
+              <a:rPr lang="en-US" sz="2300" dirty="0" smtClean="0">
+                <a:solidFill>
+                  <a:srgbClr val="595959"/>
+                </a:solidFill>
+                <a:cs typeface="Georgia"/>
+              </a:rPr>
+              <a:t>Relational </a:t>
+            </a:r>
+            <a:r>
+              <a:rPr lang="en-US" sz="2300" dirty="0" smtClean="0">
+                <a:solidFill>
+                  <a:srgbClr val="595959"/>
+                </a:solidFill>
+                <a:cs typeface="Georgia"/>
+              </a:rPr>
+              <a:t>Database - </a:t>
+            </a:r>
+            <a:r>
+              <a:rPr lang="en-US" sz="2300" dirty="0" smtClean="0">
+                <a:cs typeface="Georgia"/>
+              </a:rPr>
+              <a:t>MySQL</a:t>
+            </a:r>
+            <a:endParaRPr lang="en-US" sz="2300" dirty="0" smtClean="0">
+              <a:cs typeface="Georgia"/>
+            </a:endParaRPr>
+          </a:p>
+        </p:txBody>
+      </p:sp>
+      <p:sp>
+        <p:nvSpPr>
+          <p:cNvPr id="5" name="TextBox 4"/>
+          <p:cNvSpPr txBox="1"/>
+          <p:nvPr/>
+        </p:nvSpPr>
+        <p:spPr>
+          <a:xfrm>
+            <a:off x="1066800" y="4278124"/>
+            <a:ext cx="7467599" cy="446276"/>
+          </a:xfrm>
+          <a:prstGeom prst="rect">
+            <a:avLst/>
+          </a:prstGeom>
+          <a:solidFill>
+            <a:schemeClr val="accent1">
+              <a:lumMod val="20000"/>
+              <a:lumOff val="80000"/>
+            </a:schemeClr>
+          </a:solidFill>
+          <a:ln w="76200" cmpd="sng">
+            <a:solidFill>
+              <a:schemeClr val="tx2">
+                <a:lumMod val="40000"/>
+                <a:lumOff val="60000"/>
+              </a:schemeClr>
+            </a:solidFill>
+          </a:ln>
+        </p:spPr>
+        <p:txBody>
+          <a:bodyPr wrap="square" rtlCol="0" anchor="ctr" anchorCtr="0">
+            <a:spAutoFit/>
+          </a:bodyPr>
+          <a:lstStyle/>
+          <a:p>
+            <a:pPr algn="ctr"/>
+            <a:r>
+              <a:rPr lang="en-US" sz="2300" dirty="0" smtClean="0">
+                <a:solidFill>
+                  <a:srgbClr val="595959"/>
+                </a:solidFill>
+                <a:cs typeface="Georgia"/>
+              </a:rPr>
+              <a:t>Full Text Search </a:t>
+            </a:r>
+            <a:r>
+              <a:rPr lang="en-US" sz="2300" dirty="0" smtClean="0">
+                <a:solidFill>
+                  <a:srgbClr val="595959"/>
+                </a:solidFill>
+                <a:cs typeface="Georgia"/>
+              </a:rPr>
+              <a:t>Engine –</a:t>
+            </a:r>
+            <a:r>
+              <a:rPr lang="en-US" sz="2300" dirty="0" smtClean="0">
+                <a:cs typeface="Georgia"/>
+              </a:rPr>
+              <a:t> Apache Lucene, Solr</a:t>
+            </a:r>
+            <a:endParaRPr lang="en-US" sz="2300" dirty="0" smtClean="0">
+              <a:cs typeface="Georgia"/>
+            </a:endParaRPr>
+          </a:p>
+        </p:txBody>
+      </p:sp>
+      <p:sp>
+        <p:nvSpPr>
+          <p:cNvPr id="6" name="TextBox 5"/>
+          <p:cNvSpPr txBox="1"/>
+          <p:nvPr/>
+        </p:nvSpPr>
+        <p:spPr>
+          <a:xfrm>
+            <a:off x="1080025" y="3238381"/>
+            <a:ext cx="2195149" cy="800219"/>
+          </a:xfrm>
+          <a:prstGeom prst="rect">
+            <a:avLst/>
+          </a:prstGeom>
+          <a:solidFill>
+            <a:schemeClr val="accent1">
+              <a:lumMod val="20000"/>
+              <a:lumOff val="80000"/>
+            </a:schemeClr>
+          </a:solidFill>
+          <a:ln w="76200" cmpd="sng">
+            <a:solidFill>
+              <a:schemeClr val="tx2">
+                <a:lumMod val="40000"/>
+                <a:lumOff val="60000"/>
+              </a:schemeClr>
+            </a:solidFill>
+          </a:ln>
+        </p:spPr>
+        <p:txBody>
+          <a:bodyPr wrap="square" rtlCol="0" anchor="ctr" anchorCtr="0">
+            <a:spAutoFit/>
+          </a:bodyPr>
+          <a:lstStyle/>
+          <a:p>
+            <a:pPr algn="ctr"/>
+            <a:r>
+              <a:rPr lang="en-US" sz="2300" dirty="0" smtClean="0">
+                <a:solidFill>
+                  <a:srgbClr val="595959"/>
+                </a:solidFill>
+                <a:cs typeface="Georgia"/>
+              </a:rPr>
+              <a:t>Taggy </a:t>
+            </a:r>
+            <a:r>
+              <a:rPr lang="en-US" sz="2300" dirty="0" smtClean="0">
+                <a:solidFill>
+                  <a:srgbClr val="595959"/>
+                </a:solidFill>
+                <a:cs typeface="Georgia"/>
+              </a:rPr>
+              <a:t>Learner</a:t>
+            </a:r>
+            <a:r>
+              <a:rPr lang="en-US" sz="2300" dirty="0" smtClean="0">
+                <a:cs typeface="Georgia"/>
+              </a:rPr>
+              <a:t> Ruby</a:t>
+            </a:r>
+            <a:endParaRPr lang="en-US" sz="2300" dirty="0" smtClean="0">
+              <a:cs typeface="Georgia"/>
+            </a:endParaRPr>
+          </a:p>
+        </p:txBody>
+      </p:sp>
+      <p:sp>
+        <p:nvSpPr>
+          <p:cNvPr id="7" name="TextBox 6"/>
+          <p:cNvSpPr txBox="1"/>
+          <p:nvPr/>
+        </p:nvSpPr>
+        <p:spPr>
+          <a:xfrm>
+            <a:off x="3498515" y="3233728"/>
+            <a:ext cx="5048336" cy="804872"/>
+          </a:xfrm>
+          <a:prstGeom prst="rect">
+            <a:avLst/>
+          </a:prstGeom>
+          <a:solidFill>
+            <a:schemeClr val="accent1">
+              <a:lumMod val="20000"/>
+              <a:lumOff val="80000"/>
+            </a:schemeClr>
+          </a:solidFill>
+          <a:ln w="76200" cmpd="sng">
+            <a:solidFill>
+              <a:schemeClr val="tx2">
+                <a:lumMod val="40000"/>
+                <a:lumOff val="60000"/>
+              </a:schemeClr>
+            </a:solidFill>
+          </a:ln>
+        </p:spPr>
+        <p:txBody>
+          <a:bodyPr wrap="square" rtlCol="0" anchor="ctr" anchorCtr="0">
+            <a:spAutoFit/>
+          </a:bodyPr>
+          <a:lstStyle/>
+          <a:p>
+            <a:pPr algn="ctr"/>
+            <a:r>
+              <a:rPr lang="en-US" sz="2300" dirty="0" smtClean="0">
+                <a:solidFill>
+                  <a:srgbClr val="595959"/>
+                </a:solidFill>
+                <a:cs typeface="Georgia"/>
+              </a:rPr>
+              <a:t>Taggy </a:t>
+            </a:r>
+            <a:r>
+              <a:rPr lang="en-US" sz="2300" dirty="0" smtClean="0">
+                <a:solidFill>
+                  <a:srgbClr val="595959"/>
+                </a:solidFill>
+                <a:cs typeface="Georgia"/>
+              </a:rPr>
+              <a:t>Matchers - </a:t>
+            </a:r>
+            <a:r>
+              <a:rPr lang="en-US" sz="2300" dirty="0" smtClean="0">
+                <a:cs typeface="Georgia"/>
+              </a:rPr>
+              <a:t>Ruby</a:t>
+            </a:r>
+            <a:endParaRPr lang="en-US" sz="2300" dirty="0" smtClean="0">
+              <a:cs typeface="Georgia"/>
+            </a:endParaRPr>
+          </a:p>
+        </p:txBody>
+      </p:sp>
+      <p:sp>
+        <p:nvSpPr>
+          <p:cNvPr id="8" name="TextBox 7"/>
+          <p:cNvSpPr txBox="1"/>
+          <p:nvPr/>
+        </p:nvSpPr>
+        <p:spPr>
+          <a:xfrm>
+            <a:off x="1066799" y="913656"/>
+            <a:ext cx="7480051" cy="446276"/>
+          </a:xfrm>
+          <a:prstGeom prst="rect">
+            <a:avLst/>
+          </a:prstGeom>
+          <a:solidFill>
+            <a:schemeClr val="accent1">
+              <a:lumMod val="20000"/>
+              <a:lumOff val="80000"/>
+            </a:schemeClr>
+          </a:solidFill>
+          <a:ln w="76200" cmpd="sng">
+            <a:solidFill>
+              <a:schemeClr val="tx2">
+                <a:lumMod val="40000"/>
+                <a:lumOff val="60000"/>
+              </a:schemeClr>
+            </a:solidFill>
+          </a:ln>
+        </p:spPr>
+        <p:txBody>
+          <a:bodyPr wrap="square" rtlCol="0" anchor="ctr" anchorCtr="0">
+            <a:spAutoFit/>
+          </a:bodyPr>
+          <a:lstStyle/>
+          <a:p>
+            <a:pPr algn="ctr"/>
+            <a:r>
+              <a:rPr lang="en-US" sz="2300" dirty="0" smtClean="0">
+                <a:solidFill>
+                  <a:schemeClr val="tx1">
+                    <a:lumMod val="65000"/>
+                    <a:lumOff val="35000"/>
+                  </a:schemeClr>
+                </a:solidFill>
+                <a:cs typeface="Georgia"/>
+              </a:rPr>
+              <a:t>Taggy Web </a:t>
+            </a:r>
+            <a:r>
+              <a:rPr lang="en-US" sz="2300" dirty="0" smtClean="0">
+                <a:solidFill>
+                  <a:schemeClr val="tx1">
+                    <a:lumMod val="65000"/>
+                    <a:lumOff val="35000"/>
+                  </a:schemeClr>
+                </a:solidFill>
+                <a:cs typeface="Georgia"/>
+              </a:rPr>
+              <a:t>Application – </a:t>
+            </a:r>
+            <a:r>
+              <a:rPr lang="en-US" sz="2300" dirty="0" smtClean="0">
+                <a:cs typeface="Georgia"/>
+              </a:rPr>
+              <a:t>Ruby on </a:t>
+            </a:r>
+            <a:r>
+              <a:rPr lang="en-US" sz="2300" dirty="0" smtClean="0">
+                <a:cs typeface="Georgia"/>
+              </a:rPr>
+              <a:t>Rails</a:t>
+            </a:r>
+            <a:endParaRPr lang="en-US" sz="2300" dirty="0" smtClean="0">
+              <a:cs typeface="Georgia"/>
+            </a:endParaRPr>
+          </a:p>
+        </p:txBody>
+      </p:sp>
+      <p:sp>
+        <p:nvSpPr>
+          <p:cNvPr id="9" name="TextBox 8"/>
+          <p:cNvSpPr txBox="1"/>
+          <p:nvPr/>
+        </p:nvSpPr>
+        <p:spPr>
+          <a:xfrm>
+            <a:off x="3505200" y="1534328"/>
+            <a:ext cx="2387144" cy="1508105"/>
+          </a:xfrm>
+          <a:prstGeom prst="rect">
+            <a:avLst/>
+          </a:prstGeom>
+          <a:solidFill>
+            <a:schemeClr val="accent1">
+              <a:lumMod val="20000"/>
+              <a:lumOff val="80000"/>
+            </a:schemeClr>
+          </a:solidFill>
+          <a:ln w="76200" cmpd="sng">
+            <a:solidFill>
+              <a:schemeClr val="tx2">
+                <a:lumMod val="40000"/>
+                <a:lumOff val="60000"/>
+              </a:schemeClr>
+            </a:solidFill>
+          </a:ln>
+        </p:spPr>
+        <p:txBody>
+          <a:bodyPr wrap="square" rtlCol="0" anchor="ctr" anchorCtr="0">
+            <a:spAutoFit/>
+          </a:bodyPr>
+          <a:lstStyle/>
+          <a:p>
+            <a:pPr algn="ctr"/>
+            <a:r>
+              <a:rPr lang="en-US" sz="2300" dirty="0" smtClean="0">
+                <a:solidFill>
+                  <a:srgbClr val="595959"/>
+                </a:solidFill>
+                <a:cs typeface="Georgia"/>
+              </a:rPr>
+              <a:t>Taggy Email </a:t>
+            </a:r>
+            <a:r>
+              <a:rPr lang="en-US" sz="2300" dirty="0" smtClean="0">
+                <a:solidFill>
+                  <a:srgbClr val="595959"/>
+                </a:solidFill>
+                <a:cs typeface="Georgia"/>
+              </a:rPr>
+              <a:t>Grabber</a:t>
+            </a:r>
+          </a:p>
+          <a:p>
+            <a:pPr algn="ctr"/>
+            <a:r>
+              <a:rPr lang="en-US" sz="2300" dirty="0" smtClean="0">
+                <a:cs typeface="Georgia"/>
+              </a:rPr>
+              <a:t>Cron or Scheduled Tasks</a:t>
+            </a:r>
+            <a:endParaRPr lang="en-US" sz="2300" dirty="0" smtClean="0">
+              <a:cs typeface="Georgia"/>
+            </a:endParaRPr>
+          </a:p>
+        </p:txBody>
+      </p:sp>
+      <p:sp>
+        <p:nvSpPr>
+          <p:cNvPr id="10" name="TextBox 9"/>
+          <p:cNvSpPr txBox="1"/>
+          <p:nvPr/>
+        </p:nvSpPr>
+        <p:spPr>
+          <a:xfrm>
+            <a:off x="6084426" y="1523256"/>
+            <a:ext cx="2461550" cy="446276"/>
+          </a:xfrm>
+          <a:prstGeom prst="rect">
+            <a:avLst/>
+          </a:prstGeom>
+          <a:solidFill>
+            <a:schemeClr val="accent1">
+              <a:lumMod val="20000"/>
+              <a:lumOff val="80000"/>
+            </a:schemeClr>
+          </a:solidFill>
+          <a:ln w="76200" cmpd="sng">
+            <a:solidFill>
+              <a:schemeClr val="tx2">
+                <a:lumMod val="40000"/>
+                <a:lumOff val="60000"/>
+              </a:schemeClr>
+            </a:solidFill>
+          </a:ln>
+        </p:spPr>
+        <p:txBody>
+          <a:bodyPr wrap="square" rtlCol="0" anchor="ctr" anchorCtr="0">
+            <a:spAutoFit/>
+          </a:bodyPr>
+          <a:lstStyle/>
+          <a:p>
+            <a:pPr algn="ctr"/>
+            <a:r>
+              <a:rPr lang="en-US" sz="2300" dirty="0" smtClean="0">
+                <a:cs typeface="Georgia"/>
+              </a:rPr>
+              <a:t>Skype </a:t>
+            </a:r>
+            <a:r>
+              <a:rPr lang="en-US" sz="2300" dirty="0" smtClean="0">
+                <a:solidFill>
+                  <a:srgbClr val="595959"/>
+                </a:solidFill>
+                <a:cs typeface="Georgia"/>
+              </a:rPr>
+              <a:t>Plug</a:t>
+            </a:r>
+            <a:r>
+              <a:rPr lang="en-US" sz="2300" dirty="0" smtClean="0">
+                <a:solidFill>
+                  <a:srgbClr val="595959"/>
+                </a:solidFill>
+                <a:cs typeface="Georgia"/>
+              </a:rPr>
+              <a:t>-in</a:t>
+            </a:r>
+          </a:p>
+        </p:txBody>
+      </p:sp>
+      <p:sp>
+        <p:nvSpPr>
+          <p:cNvPr id="11" name="TextBox 10"/>
+          <p:cNvSpPr txBox="1"/>
+          <p:nvPr/>
+        </p:nvSpPr>
+        <p:spPr>
+          <a:xfrm>
+            <a:off x="6084425" y="2247781"/>
+            <a:ext cx="2462426" cy="800219"/>
+          </a:xfrm>
+          <a:prstGeom prst="rect">
+            <a:avLst/>
+          </a:prstGeom>
+          <a:solidFill>
+            <a:schemeClr val="accent1">
+              <a:lumMod val="20000"/>
+              <a:lumOff val="80000"/>
+            </a:schemeClr>
+          </a:solidFill>
+          <a:ln w="76200" cmpd="sng">
+            <a:solidFill>
+              <a:schemeClr val="tx2">
+                <a:lumMod val="40000"/>
+                <a:lumOff val="60000"/>
+              </a:schemeClr>
+            </a:solidFill>
+          </a:ln>
+        </p:spPr>
+        <p:txBody>
+          <a:bodyPr wrap="square" rtlCol="0" anchor="ctr" anchorCtr="0">
+            <a:spAutoFit/>
+          </a:bodyPr>
+          <a:lstStyle/>
+          <a:p>
+            <a:pPr algn="ctr"/>
+            <a:r>
+              <a:rPr lang="en-US" sz="2300" dirty="0" smtClean="0">
+                <a:solidFill>
+                  <a:srgbClr val="595959"/>
+                </a:solidFill>
+                <a:cs typeface="Georgia"/>
+              </a:rPr>
+              <a:t>Taggy Web </a:t>
+            </a:r>
+            <a:r>
+              <a:rPr lang="en-US" sz="2300" dirty="0" smtClean="0">
+                <a:solidFill>
+                  <a:srgbClr val="595959"/>
+                </a:solidFill>
+                <a:cs typeface="Georgia"/>
+              </a:rPr>
+              <a:t>Service</a:t>
+            </a:r>
+          </a:p>
+          <a:p>
+            <a:pPr algn="ctr"/>
+            <a:r>
+              <a:rPr lang="en-US" sz="2300" dirty="0" smtClean="0">
+                <a:cs typeface="Georgia"/>
+              </a:rPr>
+              <a:t>Ruby on Rails</a:t>
+            </a:r>
+            <a:endParaRPr lang="en-US" sz="2300" dirty="0" smtClean="0">
+              <a:cs typeface="Georgia"/>
+            </a:endParaRPr>
+          </a:p>
+        </p:txBody>
+      </p:sp>
+      <p:sp>
+        <p:nvSpPr>
+          <p:cNvPr id="12" name="TextBox 11"/>
+          <p:cNvSpPr txBox="1"/>
+          <p:nvPr/>
+        </p:nvSpPr>
+        <p:spPr>
+          <a:xfrm>
+            <a:off x="6084425" y="4887724"/>
+            <a:ext cx="2449975" cy="446276"/>
+          </a:xfrm>
+          <a:prstGeom prst="rect">
+            <a:avLst/>
+          </a:prstGeom>
+          <a:solidFill>
+            <a:schemeClr val="accent1">
+              <a:lumMod val="20000"/>
+              <a:lumOff val="80000"/>
+            </a:schemeClr>
+          </a:solidFill>
+          <a:ln w="76200" cmpd="sng">
+            <a:solidFill>
+              <a:schemeClr val="tx2">
+                <a:lumMod val="40000"/>
+                <a:lumOff val="60000"/>
+              </a:schemeClr>
+            </a:solidFill>
+          </a:ln>
+        </p:spPr>
+        <p:txBody>
+          <a:bodyPr wrap="square" rtlCol="0" anchor="ctr" anchorCtr="0">
+            <a:spAutoFit/>
+          </a:bodyPr>
+          <a:lstStyle/>
+          <a:p>
+            <a:pPr algn="ctr"/>
+            <a:r>
+              <a:rPr lang="en-US" sz="2300" dirty="0" smtClean="0">
+                <a:cs typeface="Georgia"/>
+              </a:rPr>
+              <a:t>Attached Files</a:t>
+            </a:r>
+          </a:p>
+        </p:txBody>
+      </p:sp>
+    </p:spTree>
+  </p:cSld>
+  <p:clrMapOvr>
+    <a:masterClrMapping/>
+  </p:clrMapOvr>
+  <p:timing>
+    <p:tnLst>
+      <p:par>
+        <p:cTn id="1" dur="indefinite" restart="never" nodeType="tmRoot"/>
+      </p:par>
+    </p:tnLst>
+  </p:timing>
+</p:sld>
+</file>
+
+<file path=ppt/slides/slide3.xml><?xml version="1.0" encoding="utf-8"?>
 <p:sld xmlns:a="http://schemas.openxmlformats.org/drawingml/2006/main" xmlns:r="http://schemas.openxmlformats.org/officeDocument/2006/relationships" xmlns:mc="http://schemas.openxmlformats.org/markup-compatibility/2006" xmlns:mv="urn:schemas-microsoft-com:mac:vml" xmlns:p="http://schemas.openxmlformats.org/presentationml/2006/main" mc:Ignorable="mv" mc:PreserveAttributes="mv:*">
   <p:cSld>
     <p:spTree>
@@ -7043,7 +9918,7 @@
 </p:sld>
 </file>
 
-<file path=ppt/slides/slide3.xml><?xml version="1.0" encoding="utf-8"?>
+<file path=ppt/slides/slide4.xml><?xml version="1.0" encoding="utf-8"?>
 <p:sld xmlns:a="http://schemas.openxmlformats.org/drawingml/2006/main" xmlns:r="http://schemas.openxmlformats.org/officeDocument/2006/relationships" xmlns:mc="http://schemas.openxmlformats.org/markup-compatibility/2006" xmlns:mv="urn:schemas-microsoft-com:mac:vml" xmlns:p="http://schemas.openxmlformats.org/presentationml/2006/main" mc:Ignorable="mv" mc:PreserveAttributes="mv:*">
   <p:cSld>
     <p:spTree>
@@ -7068,16 +9943,24 @@
         </p:nvSpPr>
         <p:spPr>
           <a:xfrm>
-            <a:off x="3124200" y="1219200"/>
-            <a:ext cx="3276600" cy="4343400"/>
+            <a:off x="3581400" y="2284272"/>
+            <a:ext cx="1981200" cy="2287727"/>
           </a:xfrm>
           <a:prstGeom prst="rect">
             <a:avLst/>
           </a:prstGeom>
-          <a:noFill/>
-          <a:ln>
+          <a:solidFill>
+            <a:schemeClr val="accent1">
+              <a:lumMod val="20000"/>
+              <a:lumOff val="80000"/>
+            </a:schemeClr>
+          </a:solidFill>
+          <a:ln w="76200" cmpd="sng">
             <a:solidFill>
-              <a:schemeClr val="tx1"/>
+              <a:schemeClr val="tx2">
+                <a:lumMod val="40000"/>
+                <a:lumOff val="60000"/>
+              </a:schemeClr>
             </a:solidFill>
           </a:ln>
         </p:spPr>
@@ -7099,165 +9982,152 @@
           <a:bodyPr rtlCol="0" anchor="ctr"/>
           <a:lstStyle/>
           <a:p>
-            <a:pPr algn="ctr"/>
-            <a:r>
-              <a:rPr lang="en-US" dirty="0" smtClean="0">
+            <a:r>
+              <a:rPr lang="en-US" sz="2300" dirty="0" smtClean="0">
                 <a:solidFill>
                   <a:schemeClr val="tx1"/>
                 </a:solidFill>
-                <a:latin typeface="Georgia"/>
                 <a:cs typeface="Georgia"/>
               </a:rPr>
-              <a:t>User Story#1: ~ ~ ~ ~ ~ ~ ~ ~</a:t>
-            </a:r>
-          </a:p>
-          <a:p>
-            <a:pPr algn="ctr"/>
-            <a:r>
-              <a:rPr lang="en-US" dirty="0" smtClean="0">
+              <a:t>User Story#</a:t>
+            </a:r>
+            <a:r>
+              <a:rPr lang="en-US" sz="2300" dirty="0" smtClean="0">
                 <a:solidFill>
                   <a:schemeClr val="tx1"/>
                 </a:solidFill>
-                <a:latin typeface="Georgia"/>
                 <a:cs typeface="Georgia"/>
               </a:rPr>
-              <a:t>User Story#2: ~ ~ ~ ~ ~ ~ ~ ~</a:t>
-            </a:r>
-          </a:p>
-          <a:p>
-            <a:pPr algn="ctr"/>
-            <a:r>
-              <a:rPr lang="en-US" dirty="0" smtClean="0">
+              <a:t>1</a:t>
+            </a:r>
+          </a:p>
+          <a:p>
+            <a:r>
+              <a:rPr lang="en-US" sz="2300" dirty="0" smtClean="0">
                 <a:solidFill>
                   <a:schemeClr val="tx1"/>
                 </a:solidFill>
-                <a:latin typeface="Georgia"/>
                 <a:cs typeface="Georgia"/>
               </a:rPr>
-              <a:t>User Story#3: ~ ~ ~ ~ ~ ~ ~ ~</a:t>
-            </a:r>
-          </a:p>
-          <a:p>
-            <a:pPr algn="ctr"/>
-            <a:r>
-              <a:rPr lang="en-US" dirty="0" smtClean="0">
+              <a:t>User </a:t>
+            </a:r>
+            <a:r>
+              <a:rPr lang="en-US" sz="2300" dirty="0" smtClean="0">
                 <a:solidFill>
                   <a:schemeClr val="tx1"/>
                 </a:solidFill>
-                <a:latin typeface="Georgia"/>
                 <a:cs typeface="Georgia"/>
               </a:rPr>
-              <a:t>User Story#4: ~ ~ ~ ~ ~ ~ ~ ~</a:t>
-            </a:r>
-          </a:p>
-          <a:p>
-            <a:pPr algn="ctr"/>
-            <a:r>
-              <a:rPr lang="en-US" dirty="0" smtClean="0">
+              <a:t>Story#</a:t>
+            </a:r>
+            <a:r>
+              <a:rPr lang="en-US" sz="2300" dirty="0" smtClean="0">
                 <a:solidFill>
                   <a:schemeClr val="tx1"/>
                 </a:solidFill>
-                <a:latin typeface="Georgia"/>
                 <a:cs typeface="Georgia"/>
               </a:rPr>
-              <a:t>User Story#5: ~ ~ ~ ~ ~ ~ ~ ~</a:t>
-            </a:r>
-          </a:p>
-          <a:p>
-            <a:pPr algn="ctr"/>
-            <a:r>
-              <a:rPr lang="en-US" dirty="0" smtClean="0">
+              <a:t>2</a:t>
+            </a:r>
+          </a:p>
+          <a:p>
+            <a:r>
+              <a:rPr lang="en-US" sz="2300" dirty="0" smtClean="0">
                 <a:solidFill>
                   <a:schemeClr val="tx1"/>
                 </a:solidFill>
-                <a:latin typeface="Georgia"/>
                 <a:cs typeface="Georgia"/>
               </a:rPr>
-              <a:t>User Story#6: ~ ~ ~ ~ ~ ~ ~ ~</a:t>
-            </a:r>
-          </a:p>
-          <a:p>
-            <a:pPr algn="ctr"/>
-            <a:r>
-              <a:rPr lang="en-US" dirty="0" smtClean="0">
+              <a:t>User </a:t>
+            </a:r>
+            <a:r>
+              <a:rPr lang="en-US" sz="2300" dirty="0" smtClean="0">
                 <a:solidFill>
                   <a:schemeClr val="tx1"/>
                 </a:solidFill>
-                <a:latin typeface="Georgia"/>
                 <a:cs typeface="Georgia"/>
               </a:rPr>
-              <a:t>User Story#7: ~ ~ ~ ~ ~ ~ ~ ~</a:t>
-            </a:r>
-          </a:p>
-          <a:p>
-            <a:pPr algn="ctr"/>
-            <a:r>
-              <a:rPr lang="en-US" dirty="0" smtClean="0">
+              <a:t>Story#</a:t>
+            </a:r>
+            <a:r>
+              <a:rPr lang="en-US" sz="2300" dirty="0" smtClean="0">
                 <a:solidFill>
                   <a:schemeClr val="tx1"/>
                 </a:solidFill>
-                <a:latin typeface="Georgia"/>
                 <a:cs typeface="Georgia"/>
               </a:rPr>
-              <a:t>User Story#8: ~ ~ ~ ~ ~ ~ ~ ~</a:t>
-            </a:r>
-          </a:p>
-          <a:p>
-            <a:pPr algn="ctr"/>
-            <a:r>
-              <a:rPr lang="en-US" dirty="0" smtClean="0">
+              <a:t>3</a:t>
+            </a:r>
+          </a:p>
+          <a:p>
+            <a:r>
+              <a:rPr lang="en-US" sz="2300" dirty="0" smtClean="0">
                 <a:solidFill>
                   <a:schemeClr val="tx1"/>
                 </a:solidFill>
-                <a:latin typeface="Georgia"/>
                 <a:cs typeface="Georgia"/>
               </a:rPr>
-              <a:t>User Story#9: ~ ~ ~ ~ ~ ~ ~ ~</a:t>
-            </a:r>
-          </a:p>
-          <a:p>
-            <a:pPr algn="ctr"/>
-            <a:r>
-              <a:rPr lang="en-US" dirty="0" smtClean="0">
+              <a:t>User </a:t>
+            </a:r>
+            <a:r>
+              <a:rPr lang="en-US" sz="2300" dirty="0" smtClean="0">
                 <a:solidFill>
                   <a:schemeClr val="tx1"/>
                 </a:solidFill>
-                <a:latin typeface="Georgia"/>
                 <a:cs typeface="Georgia"/>
               </a:rPr>
-              <a:t>User Story#10: ~ ~ ~ ~ ~ ~ ~~ </a:t>
-            </a:r>
-          </a:p>
-          <a:p>
-            <a:pPr algn="ctr"/>
-            <a:r>
-              <a:rPr lang="en-US" dirty="0" smtClean="0">
+              <a:t>Story#</a:t>
+            </a:r>
+            <a:r>
+              <a:rPr lang="en-US" sz="2300" dirty="0" smtClean="0">
                 <a:solidFill>
                   <a:schemeClr val="tx1"/>
                 </a:solidFill>
-                <a:latin typeface="Georgia"/>
+                <a:cs typeface="Georgia"/>
+              </a:rPr>
+              <a:t>4</a:t>
+            </a:r>
+          </a:p>
+          <a:p>
+            <a:r>
+              <a:rPr lang="en-US" sz="2300" dirty="0" smtClean="0">
+                <a:solidFill>
+                  <a:schemeClr val="tx1"/>
+                </a:solidFill>
                 <a:cs typeface="Georgia"/>
               </a:rPr>
               <a:t>…</a:t>
             </a:r>
-          </a:p>
-          <a:p>
-            <a:pPr algn="ctr"/>
-            <a:r>
-              <a:rPr lang="en-US" dirty="0" smtClean="0">
+            <a:endParaRPr lang="en-US" sz="2300" dirty="0" smtClean="0">
+              <a:solidFill>
+                <a:schemeClr val="tx1"/>
+              </a:solidFill>
+              <a:cs typeface="Georgia"/>
+            </a:endParaRPr>
+          </a:p>
+          <a:p>
+            <a:r>
+              <a:rPr lang="en-US" sz="2300" dirty="0" smtClean="0">
                 <a:solidFill>
                   <a:schemeClr val="tx1"/>
                 </a:solidFill>
-                <a:latin typeface="Georgia"/>
                 <a:cs typeface="Georgia"/>
               </a:rPr>
-              <a:t>User Story#n: ~ ~ ~ ~ ~ ~ ~ ~ </a:t>
-            </a:r>
-            <a:endParaRPr lang="en-US" dirty="0">
+              <a:t>User Story#</a:t>
+            </a:r>
+            <a:r>
+              <a:rPr lang="en-US" sz="2300" dirty="0" smtClean="0">
+                <a:solidFill>
+                  <a:schemeClr val="tx1"/>
+                </a:solidFill>
+                <a:cs typeface="Georgia"/>
+              </a:rPr>
+              <a:t>n</a:t>
+            </a:r>
+            <a:endParaRPr lang="en-US" sz="2300" dirty="0">
               <a:solidFill>
                 <a:schemeClr val="tx1"/>
               </a:solidFill>
-              <a:latin typeface="Georgia"/>
               <a:cs typeface="Georgia"/>
             </a:endParaRPr>
           </a:p>
@@ -7271,126 +10141,83 @@
         </p:nvSpPr>
         <p:spPr>
           <a:xfrm>
-            <a:off x="304800" y="2512873"/>
-            <a:ext cx="2207155" cy="1754327"/>
+            <a:off x="1363120" y="2284273"/>
+            <a:ext cx="1712140" cy="2304631"/>
           </a:xfrm>
           <a:prstGeom prst="rect">
             <a:avLst/>
           </a:prstGeom>
-          <a:noFill/>
-          <a:ln>
+          <a:solidFill>
+            <a:schemeClr val="accent1">
+              <a:lumMod val="20000"/>
+              <a:lumOff val="80000"/>
+            </a:schemeClr>
+          </a:solidFill>
+          <a:ln w="76200" cmpd="sng">
             <a:solidFill>
-              <a:schemeClr val="tx1"/>
+              <a:schemeClr val="tx2">
+                <a:lumMod val="40000"/>
+                <a:lumOff val="60000"/>
+              </a:schemeClr>
             </a:solidFill>
           </a:ln>
         </p:spPr>
         <p:txBody>
-          <a:bodyPr wrap="none" rtlCol="0">
+          <a:bodyPr wrap="square" rtlCol="0">
             <a:spAutoFit/>
           </a:bodyPr>
           <a:lstStyle/>
           <a:p>
             <a:r>
-              <a:rPr lang="en-US" dirty="0" smtClean="0">
-                <a:latin typeface="Georgia"/>
+              <a:rPr lang="en-US" sz="2300" dirty="0" smtClean="0">
                 <a:cs typeface="Georgia"/>
               </a:rPr>
-              <a:t>From: ~ ~ ~</a:t>
-            </a:r>
-          </a:p>
-          <a:p>
-            <a:r>
-              <a:rPr lang="en-US" dirty="0" smtClean="0">
-                <a:latin typeface="Georgia"/>
+              <a:t>From</a:t>
+            </a:r>
+          </a:p>
+          <a:p>
+            <a:r>
+              <a:rPr lang="en-US" sz="2300" dirty="0" smtClean="0">
                 <a:cs typeface="Georgia"/>
               </a:rPr>
-              <a:t>To: ~ ~ ~</a:t>
-            </a:r>
-          </a:p>
-          <a:p>
-            <a:r>
-              <a:rPr lang="en-US" dirty="0" smtClean="0">
-                <a:latin typeface="Georgia"/>
+              <a:t>To</a:t>
+            </a:r>
+          </a:p>
+          <a:p>
+            <a:r>
+              <a:rPr lang="en-US" sz="2300" dirty="0" smtClean="0">
                 <a:cs typeface="Georgia"/>
               </a:rPr>
-              <a:t>At: ~ ~ ~ ~ ~</a:t>
-            </a:r>
-          </a:p>
-          <a:p>
-            <a:r>
-              <a:rPr lang="en-US" dirty="0" smtClean="0">
-                <a:latin typeface="Georgia"/>
+              <a:t>Time</a:t>
+            </a:r>
+            <a:endParaRPr lang="en-US" sz="2300" dirty="0" smtClean="0">
+              <a:cs typeface="Georgia"/>
+            </a:endParaRPr>
+          </a:p>
+          <a:p>
+            <a:r>
+              <a:rPr lang="en-US" sz="2300" dirty="0" smtClean="0">
                 <a:cs typeface="Georgia"/>
               </a:rPr>
-              <a:t>Subject: ~ ~ ~</a:t>
-            </a:r>
-          </a:p>
-          <a:p>
-            <a:r>
-              <a:rPr lang="en-US" dirty="0" smtClean="0">
-                <a:latin typeface="Georgia"/>
+              <a:t>Subject</a:t>
+            </a:r>
+          </a:p>
+          <a:p>
+            <a:r>
+              <a:rPr lang="en-US" sz="2300" dirty="0" smtClean="0">
                 <a:cs typeface="Georgia"/>
               </a:rPr>
-              <a:t>Body: ~ ~ ~ ~ ~ ~ ~</a:t>
-            </a:r>
-          </a:p>
-          <a:p>
-            <a:r>
-              <a:rPr lang="en-US" dirty="0" smtClean="0">
-                <a:latin typeface="Georgia"/>
+              <a:t>Body</a:t>
+            </a:r>
+          </a:p>
+          <a:p>
+            <a:r>
+              <a:rPr lang="en-US" sz="2300" dirty="0" smtClean="0">
                 <a:cs typeface="Georgia"/>
               </a:rPr>
-              <a:t>Attachments: ~ ~ ~</a:t>
-            </a:r>
-            <a:endParaRPr lang="en-US" dirty="0">
-              <a:latin typeface="Georgia"/>
-              <a:cs typeface="Georgia"/>
-            </a:endParaRPr>
-          </a:p>
-        </p:txBody>
-      </p:sp>
-      <p:sp>
-        <p:nvSpPr>
-          <p:cNvPr id="7" name="Right Arrow 6"/>
-          <p:cNvSpPr/>
-          <p:nvPr/>
-        </p:nvSpPr>
-        <p:spPr>
-          <a:xfrm>
-            <a:off x="2514600" y="3276600"/>
-            <a:ext cx="571302" cy="304800"/>
-          </a:xfrm>
-          <a:prstGeom prst="rightArrow">
-            <a:avLst/>
-          </a:prstGeom>
-          <a:noFill/>
-          <a:ln>
-            <a:solidFill>
-              <a:schemeClr val="tx1"/>
-            </a:solidFill>
-          </a:ln>
-        </p:spPr>
-        <p:style>
-          <a:lnRef idx="1">
-            <a:schemeClr val="accent1"/>
-          </a:lnRef>
-          <a:fillRef idx="3">
-            <a:schemeClr val="accent1"/>
-          </a:fillRef>
-          <a:effectRef idx="2">
-            <a:schemeClr val="accent1"/>
-          </a:effectRef>
-          <a:fontRef idx="minor">
-            <a:schemeClr val="lt1"/>
-          </a:fontRef>
-        </p:style>
-        <p:txBody>
-          <a:bodyPr rtlCol="0" anchor="ctr"/>
-          <a:lstStyle/>
-          <a:p>
-            <a:pPr algn="ctr"/>
-            <a:endParaRPr lang="en-US">
-              <a:latin typeface="Georgia"/>
+              <a:t>Attachments</a:t>
+            </a:r>
+            <a:endParaRPr lang="en-US" sz="2300" dirty="0">
               <a:cs typeface="Georgia"/>
             </a:endParaRPr>
           </a:p>
@@ -7404,16 +10231,24 @@
         </p:nvSpPr>
         <p:spPr>
           <a:xfrm>
-            <a:off x="6990536" y="3011269"/>
-            <a:ext cx="1582484" cy="646331"/>
+            <a:off x="6054870" y="2971800"/>
+            <a:ext cx="1793730" cy="830997"/>
           </a:xfrm>
           <a:prstGeom prst="rect">
             <a:avLst/>
           </a:prstGeom>
-          <a:noFill/>
-          <a:ln>
+          <a:solidFill>
+            <a:schemeClr val="accent1">
+              <a:lumMod val="20000"/>
+              <a:lumOff val="80000"/>
+            </a:schemeClr>
+          </a:solidFill>
+          <a:ln w="76200" cmpd="sng">
             <a:solidFill>
-              <a:schemeClr val="tx1"/>
+              <a:schemeClr val="tx2">
+                <a:lumMod val="40000"/>
+                <a:lumOff val="60000"/>
+              </a:schemeClr>
             </a:solidFill>
           </a:ln>
         </p:spPr>
@@ -7424,8 +10259,7 @@
           <a:lstStyle/>
           <a:p>
             <a:r>
-              <a:rPr lang="en-US" dirty="0" smtClean="0">
-                <a:latin typeface="Georgia"/>
+              <a:rPr lang="en-US" sz="2300" dirty="0" smtClean="0">
                 <a:cs typeface="Georgia"/>
               </a:rPr>
               <a:t>User Story#5</a:t>
@@ -7433,61 +10267,12 @@
           </a:p>
           <a:p>
             <a:r>
-              <a:rPr lang="en-US" dirty="0" smtClean="0">
-                <a:latin typeface="Georgia"/>
+              <a:rPr lang="en-US" sz="2300" dirty="0" smtClean="0">
                 <a:cs typeface="Georgia"/>
               </a:rPr>
               <a:t>User Story#k</a:t>
             </a:r>
-            <a:endParaRPr lang="en-US" dirty="0">
-              <a:latin typeface="Georgia"/>
-              <a:cs typeface="Georgia"/>
-            </a:endParaRPr>
-          </a:p>
-        </p:txBody>
-      </p:sp>
-      <p:sp>
-        <p:nvSpPr>
-          <p:cNvPr id="10" name="Right Arrow 9"/>
-          <p:cNvSpPr/>
-          <p:nvPr/>
-        </p:nvSpPr>
-        <p:spPr>
-          <a:xfrm>
-            <a:off x="6400800" y="3200400"/>
-            <a:ext cx="571302" cy="304800"/>
-          </a:xfrm>
-          <a:prstGeom prst="rightArrow">
-            <a:avLst/>
-          </a:prstGeom>
-          <a:noFill/>
-          <a:ln>
-            <a:solidFill>
-              <a:schemeClr val="tx1"/>
-            </a:solidFill>
-          </a:ln>
-        </p:spPr>
-        <p:style>
-          <a:lnRef idx="1">
-            <a:schemeClr val="accent1"/>
-          </a:lnRef>
-          <a:fillRef idx="3">
-            <a:schemeClr val="accent1"/>
-          </a:fillRef>
-          <a:effectRef idx="2">
-            <a:schemeClr val="accent1"/>
-          </a:effectRef>
-          <a:fontRef idx="minor">
-            <a:schemeClr val="lt1"/>
-          </a:fontRef>
-        </p:style>
-        <p:txBody>
-          <a:bodyPr rtlCol="0" anchor="ctr"/>
-          <a:lstStyle/>
-          <a:p>
-            <a:pPr algn="ctr"/>
-            <a:endParaRPr lang="en-US">
-              <a:latin typeface="Georgia"/>
+            <a:endParaRPr lang="en-US" sz="2300" dirty="0">
               <a:cs typeface="Georgia"/>
             </a:endParaRPr>
           </a:p>
@@ -7501,13 +10286,16 @@
         </p:nvSpPr>
         <p:spPr>
           <a:xfrm>
-            <a:off x="990600" y="4343400"/>
-            <a:ext cx="788798" cy="369332"/>
+            <a:off x="1524000" y="4567535"/>
+            <a:ext cx="869499" cy="461665"/>
           </a:xfrm>
           <a:prstGeom prst="rect">
             <a:avLst/>
           </a:prstGeom>
           <a:noFill/>
+          <a:ln w="76200" cmpd="sng">
+            <a:noFill/>
+          </a:ln>
         </p:spPr>
         <p:txBody>
           <a:bodyPr wrap="none" rtlCol="0">
@@ -7516,14 +10304,12 @@
           <a:lstStyle/>
           <a:p>
             <a:r>
-              <a:rPr lang="en-US" dirty="0" smtClean="0">
-                <a:latin typeface="Georgia"/>
+              <a:rPr lang="en-US" sz="2300" dirty="0" smtClean="0">
                 <a:cs typeface="Georgia"/>
               </a:rPr>
               <a:t>Email</a:t>
             </a:r>
-            <a:endParaRPr lang="en-US" dirty="0">
-              <a:latin typeface="Georgia"/>
+            <a:endParaRPr lang="en-US" sz="2300" dirty="0">
               <a:cs typeface="Georgia"/>
             </a:endParaRPr>
           </a:p>
@@ -7537,13 +10323,16 @@
         </p:nvSpPr>
         <p:spPr>
           <a:xfrm>
-            <a:off x="4114800" y="5638800"/>
-            <a:ext cx="1456724" cy="369332"/>
+            <a:off x="3733800" y="4648200"/>
+            <a:ext cx="1611138" cy="461665"/>
           </a:xfrm>
           <a:prstGeom prst="rect">
             <a:avLst/>
           </a:prstGeom>
           <a:noFill/>
+          <a:ln w="76200" cmpd="sng">
+            <a:noFill/>
+          </a:ln>
         </p:spPr>
         <p:txBody>
           <a:bodyPr wrap="none" rtlCol="0">
@@ -7552,14 +10341,12 @@
           <a:lstStyle/>
           <a:p>
             <a:r>
-              <a:rPr lang="en-US" dirty="0" smtClean="0">
-                <a:latin typeface="Georgia"/>
+              <a:rPr lang="en-US" sz="2300" dirty="0" smtClean="0">
                 <a:cs typeface="Georgia"/>
               </a:rPr>
               <a:t>CBR Library</a:t>
             </a:r>
-            <a:endParaRPr lang="en-US" dirty="0">
-              <a:latin typeface="Georgia"/>
+            <a:endParaRPr lang="en-US" sz="2300" dirty="0">
               <a:cs typeface="Georgia"/>
             </a:endParaRPr>
           </a:p>
@@ -7573,13 +10360,16 @@
         </p:nvSpPr>
         <p:spPr>
           <a:xfrm>
-            <a:off x="6954017" y="3886200"/>
-            <a:ext cx="1427983" cy="646331"/>
+            <a:off x="6019800" y="3969603"/>
+            <a:ext cx="1687782" cy="830997"/>
           </a:xfrm>
           <a:prstGeom prst="rect">
             <a:avLst/>
           </a:prstGeom>
           <a:noFill/>
+          <a:ln w="76200" cmpd="sng">
+            <a:noFill/>
+          </a:ln>
         </p:spPr>
         <p:txBody>
           <a:bodyPr wrap="none" rtlCol="0">
@@ -7588,8 +10378,7 @@
           <a:lstStyle/>
           <a:p>
             <a:r>
-              <a:rPr lang="en-US" dirty="0" smtClean="0">
-                <a:latin typeface="Georgia"/>
+              <a:rPr lang="en-US" sz="2300" dirty="0" smtClean="0">
                 <a:cs typeface="Georgia"/>
               </a:rPr>
               <a:t>Related </a:t>
@@ -7597,19 +10386,83 @@
           </a:p>
           <a:p>
             <a:r>
-              <a:rPr lang="en-US" dirty="0" smtClean="0">
-                <a:latin typeface="Georgia"/>
+              <a:rPr lang="en-US" sz="2300" dirty="0" smtClean="0">
                 <a:cs typeface="Georgia"/>
               </a:rPr>
               <a:t>User Stories</a:t>
             </a:r>
-            <a:endParaRPr lang="en-US" dirty="0">
-              <a:latin typeface="Georgia"/>
+            <a:endParaRPr lang="en-US" sz="2300" dirty="0">
               <a:cs typeface="Georgia"/>
             </a:endParaRPr>
           </a:p>
         </p:txBody>
       </p:sp>
+      <p:cxnSp>
+        <p:nvCxnSpPr>
+          <p:cNvPr id="28" name="Straight Arrow Connector 27"/>
+          <p:cNvCxnSpPr/>
+          <p:nvPr/>
+        </p:nvCxnSpPr>
+        <p:spPr>
+          <a:xfrm>
+            <a:off x="3075260" y="3427412"/>
+            <a:ext cx="506140" cy="1588"/>
+          </a:xfrm>
+          <a:prstGeom prst="straightConnector1">
+            <a:avLst/>
+          </a:prstGeom>
+          <a:ln>
+            <a:tailEnd type="arrow"/>
+          </a:ln>
+        </p:spPr>
+        <p:style>
+          <a:lnRef idx="2">
+            <a:schemeClr val="accent1"/>
+          </a:lnRef>
+          <a:fillRef idx="0">
+            <a:schemeClr val="accent1"/>
+          </a:fillRef>
+          <a:effectRef idx="1">
+            <a:schemeClr val="accent1"/>
+          </a:effectRef>
+          <a:fontRef idx="minor">
+            <a:schemeClr val="tx1"/>
+          </a:fontRef>
+        </p:style>
+      </p:cxnSp>
+      <p:cxnSp>
+        <p:nvCxnSpPr>
+          <p:cNvPr id="30" name="Straight Arrow Connector 29"/>
+          <p:cNvCxnSpPr/>
+          <p:nvPr/>
+        </p:nvCxnSpPr>
+        <p:spPr>
+          <a:xfrm>
+            <a:off x="5513660" y="3429000"/>
+            <a:ext cx="506140" cy="1588"/>
+          </a:xfrm>
+          <a:prstGeom prst="straightConnector1">
+            <a:avLst/>
+          </a:prstGeom>
+          <a:ln>
+            <a:tailEnd type="arrow"/>
+          </a:ln>
+        </p:spPr>
+        <p:style>
+          <a:lnRef idx="2">
+            <a:schemeClr val="accent1"/>
+          </a:lnRef>
+          <a:fillRef idx="0">
+            <a:schemeClr val="accent1"/>
+          </a:fillRef>
+          <a:effectRef idx="1">
+            <a:schemeClr val="accent1"/>
+          </a:effectRef>
+          <a:fontRef idx="minor">
+            <a:schemeClr val="tx1"/>
+          </a:fontRef>
+        </p:style>
+      </p:cxnSp>
     </p:spTree>
   </p:cSld>
   <p:clrMapOvr>
@@ -7618,7 +10471,7 @@
 </p:sld>
 </file>
 
-<file path=ppt/slides/slide4.xml><?xml version="1.0" encoding="utf-8"?>
+<file path=ppt/slides/slide5.xml><?xml version="1.0" encoding="utf-8"?>
 <p:sld xmlns:a="http://schemas.openxmlformats.org/drawingml/2006/main" xmlns:r="http://schemas.openxmlformats.org/officeDocument/2006/relationships" xmlns:mc="http://schemas.openxmlformats.org/markup-compatibility/2006" xmlns:mv="urn:schemas-microsoft-com:mac:vml" xmlns:p="http://schemas.openxmlformats.org/presentationml/2006/main" mc:Ignorable="mv" mc:PreserveAttributes="mv:*">
   <p:cSld>
     <p:spTree>
@@ -8213,7 +11066,7 @@
 </p:sld>
 </file>
 
-<file path=ppt/slides/slide5.xml><?xml version="1.0" encoding="utf-8"?>
+<file path=ppt/slides/slide6.xml><?xml version="1.0" encoding="utf-8"?>
 <p:sld xmlns:a="http://schemas.openxmlformats.org/drawingml/2006/main" xmlns:r="http://schemas.openxmlformats.org/officeDocument/2006/relationships" xmlns:mc="http://schemas.openxmlformats.org/markup-compatibility/2006" xmlns:mv="urn:schemas-microsoft-com:mac:vml" xmlns:p="http://schemas.openxmlformats.org/presentationml/2006/main" mc:Ignorable="mv" mc:PreserveAttributes="mv:*">
   <p:cSld>
     <p:spTree>
@@ -8470,7 +11323,7 @@
 </p:sld>
 </file>
 
-<file path=ppt/slides/slide6.xml><?xml version="1.0" encoding="utf-8"?>
+<file path=ppt/slides/slide7.xml><?xml version="1.0" encoding="utf-8"?>
 <p:sld xmlns:a="http://schemas.openxmlformats.org/drawingml/2006/main" xmlns:r="http://schemas.openxmlformats.org/officeDocument/2006/relationships" xmlns:mc="http://schemas.openxmlformats.org/markup-compatibility/2006" xmlns:mv="urn:schemas-microsoft-com:mac:vml" xmlns:p="http://schemas.openxmlformats.org/presentationml/2006/main" mc:Ignorable="mv" mc:PreserveAttributes="mv:*">
   <p:cSld>
     <p:spTree>
@@ -8518,7 +11371,7 @@
 </p:sld>
 </file>
 
-<file path=ppt/slides/slide7.xml><?xml version="1.0" encoding="utf-8"?>
+<file path=ppt/slides/slide8.xml><?xml version="1.0" encoding="utf-8"?>
 <p:sld xmlns:a="http://schemas.openxmlformats.org/drawingml/2006/main" xmlns:r="http://schemas.openxmlformats.org/officeDocument/2006/relationships" xmlns:mc="http://schemas.openxmlformats.org/markup-compatibility/2006" xmlns:mv="urn:schemas-microsoft-com:mac:vml" xmlns:p="http://schemas.openxmlformats.org/presentationml/2006/main" mc:Ignorable="mv" mc:PreserveAttributes="mv:*">
   <p:cSld>
     <p:spTree>
@@ -8557,6 +11410,14 @@
           <a:prstGeom prst="rect">
             <a:avLst/>
           </a:prstGeom>
+          <a:ln w="57150" cmpd="sng">
+            <a:solidFill>
+              <a:schemeClr val="tx2">
+                <a:lumMod val="40000"/>
+                <a:lumOff val="60000"/>
+              </a:schemeClr>
+            </a:solidFill>
+          </a:ln>
         </p:spPr>
       </p:pic>
       <p:sp>
@@ -8603,6 +11464,246 @@
           </a:p>
         </p:txBody>
       </p:sp>
+    </p:spTree>
+  </p:cSld>
+  <p:clrMapOvr>
+    <a:masterClrMapping/>
+  </p:clrMapOvr>
+</p:sld>
+</file>
+
+<file path=ppt/slides/slide9.xml><?xml version="1.0" encoding="utf-8"?>
+<p:sld xmlns:a="http://schemas.openxmlformats.org/drawingml/2006/main" xmlns:r="http://schemas.openxmlformats.org/officeDocument/2006/relationships" xmlns:mc="http://schemas.openxmlformats.org/markup-compatibility/2006" xmlns:mv="urn:schemas-microsoft-com:mac:vml" xmlns:p="http://schemas.openxmlformats.org/presentationml/2006/main" mc:Ignorable="mv" mc:PreserveAttributes="mv:*">
+  <p:cSld>
+    <p:spTree>
+      <p:nvGrpSpPr>
+        <p:cNvPr id="1" name=""/>
+        <p:cNvGrpSpPr/>
+        <p:nvPr/>
+      </p:nvGrpSpPr>
+      <p:grpSpPr>
+        <a:xfrm>
+          <a:off x="0" y="0"/>
+          <a:ext cx="0" cy="0"/>
+          <a:chOff x="0" y="0"/>
+          <a:chExt cx="0" cy="0"/>
+        </a:xfrm>
+      </p:grpSpPr>
+      <p:sp>
+        <p:nvSpPr>
+          <p:cNvPr id="6" name="Rectangle 5"/>
+          <p:cNvSpPr/>
+          <p:nvPr/>
+        </p:nvSpPr>
+        <p:spPr>
+          <a:xfrm>
+            <a:off x="1066800" y="2590800"/>
+            <a:ext cx="4800600" cy="1213322"/>
+          </a:xfrm>
+          <a:prstGeom prst="rect">
+            <a:avLst/>
+          </a:prstGeom>
+          <a:solidFill>
+            <a:schemeClr val="accent1">
+              <a:lumMod val="20000"/>
+              <a:lumOff val="80000"/>
+            </a:schemeClr>
+          </a:solidFill>
+          <a:ln w="76200" cmpd="sng">
+            <a:solidFill>
+              <a:schemeClr val="tx2">
+                <a:lumMod val="40000"/>
+                <a:lumOff val="60000"/>
+              </a:schemeClr>
+            </a:solidFill>
+          </a:ln>
+          <a:effectLst>
+            <a:outerShdw blurRad="40000" dist="23000" dir="5400000" rotWithShape="0">
+              <a:srgbClr val="000000">
+                <a:alpha val="35000"/>
+              </a:srgbClr>
+            </a:outerShdw>
+          </a:effectLst>
+        </p:spPr>
+        <p:style>
+          <a:lnRef idx="1">
+            <a:schemeClr val="accent1"/>
+          </a:lnRef>
+          <a:fillRef idx="3">
+            <a:schemeClr val="accent1"/>
+          </a:fillRef>
+          <a:effectRef idx="2">
+            <a:schemeClr val="accent1"/>
+          </a:effectRef>
+          <a:fontRef idx="minor">
+            <a:schemeClr val="lt1"/>
+          </a:fontRef>
+        </p:style>
+        <p:txBody>
+          <a:bodyPr vert="horz" anchor="ctr" anchorCtr="0"/>
+          <a:lstStyle/>
+          <a:p>
+            <a:pPr algn="ctr"/>
+            <a:r>
+              <a:rPr lang="en-US" sz="2300" dirty="0" smtClean="0">
+                <a:solidFill>
+                  <a:schemeClr val="tx1"/>
+                </a:solidFill>
+              </a:rPr>
+              <a:t>Learn Relative Weights</a:t>
+            </a:r>
+            <a:endParaRPr lang="en-US" sz="2300" dirty="0">
+              <a:solidFill>
+                <a:schemeClr val="tx1"/>
+              </a:solidFill>
+            </a:endParaRPr>
+          </a:p>
+        </p:txBody>
+      </p:sp>
+      <p:sp>
+        <p:nvSpPr>
+          <p:cNvPr id="7" name="Rectangle 6"/>
+          <p:cNvSpPr/>
+          <p:nvPr/>
+        </p:nvSpPr>
+        <p:spPr>
+          <a:xfrm>
+            <a:off x="1066800" y="4349278"/>
+            <a:ext cx="4800600" cy="1213322"/>
+          </a:xfrm>
+          <a:prstGeom prst="rect">
+            <a:avLst/>
+          </a:prstGeom>
+          <a:solidFill>
+            <a:schemeClr val="accent1">
+              <a:lumMod val="20000"/>
+              <a:lumOff val="80000"/>
+            </a:schemeClr>
+          </a:solidFill>
+          <a:ln w="76200" cmpd="sng">
+            <a:solidFill>
+              <a:schemeClr val="tx2">
+                <a:lumMod val="40000"/>
+                <a:lumOff val="60000"/>
+              </a:schemeClr>
+            </a:solidFill>
+          </a:ln>
+          <a:effectLst>
+            <a:outerShdw blurRad="40000" dist="23000" dir="5400000" rotWithShape="0">
+              <a:srgbClr val="000000">
+                <a:alpha val="35000"/>
+              </a:srgbClr>
+            </a:outerShdw>
+          </a:effectLst>
+        </p:spPr>
+        <p:style>
+          <a:lnRef idx="1">
+            <a:schemeClr val="accent1"/>
+          </a:lnRef>
+          <a:fillRef idx="3">
+            <a:schemeClr val="accent1"/>
+          </a:fillRef>
+          <a:effectRef idx="2">
+            <a:schemeClr val="accent1"/>
+          </a:effectRef>
+          <a:fontRef idx="minor">
+            <a:schemeClr val="lt1"/>
+          </a:fontRef>
+        </p:style>
+        <p:txBody>
+          <a:bodyPr vert="horz" anchor="ctr" anchorCtr="0"/>
+          <a:lstStyle/>
+          <a:p>
+            <a:pPr algn="ctr"/>
+            <a:r>
+              <a:rPr lang="en-US" sz="2300" dirty="0" smtClean="0">
+                <a:solidFill>
+                  <a:schemeClr val="tx1"/>
+                </a:solidFill>
+              </a:rPr>
+              <a:t>Evaluate Auto-Tagging Accuracy</a:t>
+            </a:r>
+            <a:endParaRPr lang="en-US" sz="2300" dirty="0">
+              <a:solidFill>
+                <a:schemeClr val="tx1"/>
+              </a:solidFill>
+            </a:endParaRPr>
+          </a:p>
+        </p:txBody>
+      </p:sp>
+      <p:cxnSp>
+        <p:nvCxnSpPr>
+          <p:cNvPr id="13" name="Straight Connector 12"/>
+          <p:cNvCxnSpPr/>
+          <p:nvPr/>
+        </p:nvCxnSpPr>
+        <p:spPr>
+          <a:xfrm rot="5400000">
+            <a:off x="3195873" y="4072967"/>
+            <a:ext cx="539278" cy="1588"/>
+          </a:xfrm>
+          <a:prstGeom prst="line">
+            <a:avLst/>
+          </a:prstGeom>
+          <a:ln>
+            <a:tailEnd type="triangle" w="lg"/>
+          </a:ln>
+        </p:spPr>
+        <p:style>
+          <a:lnRef idx="2">
+            <a:schemeClr val="accent1"/>
+          </a:lnRef>
+          <a:fillRef idx="0">
+            <a:schemeClr val="accent1"/>
+          </a:fillRef>
+          <a:effectRef idx="1">
+            <a:schemeClr val="accent1"/>
+          </a:effectRef>
+          <a:fontRef idx="minor">
+            <a:schemeClr val="tx1"/>
+          </a:fontRef>
+        </p:style>
+      </p:cxnSp>
+      <p:cxnSp>
+        <p:nvCxnSpPr>
+          <p:cNvPr id="15" name="Shape 14"/>
+          <p:cNvCxnSpPr>
+            <a:stCxn id="7" idx="2"/>
+            <a:endCxn id="6" idx="0"/>
+          </p:cNvCxnSpPr>
+          <p:nvPr/>
+        </p:nvCxnSpPr>
+        <p:spPr>
+          <a:xfrm rot="5400000" flipH="1">
+            <a:off x="1981200" y="4076700"/>
+            <a:ext cx="2971800" cy="1588"/>
+          </a:xfrm>
+          <a:prstGeom prst="bentConnector5">
+            <a:avLst>
+              <a:gd name="adj1" fmla="val -14078"/>
+              <a:gd name="adj2" fmla="val -175507746"/>
+              <a:gd name="adj3" fmla="val 116535"/>
+            </a:avLst>
+          </a:prstGeom>
+          <a:ln>
+            <a:tailEnd type="arrow"/>
+          </a:ln>
+        </p:spPr>
+        <p:style>
+          <a:lnRef idx="2">
+            <a:schemeClr val="accent1"/>
+          </a:lnRef>
+          <a:fillRef idx="0">
+            <a:schemeClr val="accent1"/>
+          </a:fillRef>
+          <a:effectRef idx="1">
+            <a:schemeClr val="accent1"/>
+          </a:effectRef>
+          <a:fontRef idx="minor">
+            <a:schemeClr val="tx1"/>
+          </a:fontRef>
+        </p:style>
+      </p:cxnSp>
     </p:spTree>
   </p:cSld>
   <p:clrMapOvr>

--- a/Thesis/arch.pptx
+++ b/Thesis/arch.pptx
@@ -11498,7 +11498,7 @@
         <p:spPr>
           <a:xfrm>
             <a:off x="1066800" y="2590800"/>
-            <a:ext cx="4800600" cy="1213322"/>
+            <a:ext cx="4800600" cy="685800"/>
           </a:xfrm>
           <a:prstGeom prst="rect">
             <a:avLst/>
@@ -11568,8 +11568,8 @@
         </p:nvSpPr>
         <p:spPr>
           <a:xfrm>
-            <a:off x="1066800" y="4349278"/>
-            <a:ext cx="4800600" cy="1213322"/>
+            <a:off x="1066800" y="3968278"/>
+            <a:ext cx="4800600" cy="756122"/>
           </a:xfrm>
           <a:prstGeom prst="rect">
             <a:avLst/>
@@ -11634,13 +11634,16 @@
       <p:cxnSp>
         <p:nvCxnSpPr>
           <p:cNvPr id="13" name="Straight Connector 12"/>
-          <p:cNvCxnSpPr/>
+          <p:cNvCxnSpPr>
+            <a:stCxn id="6" idx="2"/>
+            <a:endCxn id="7" idx="0"/>
+          </p:cNvCxnSpPr>
           <p:nvPr/>
         </p:nvCxnSpPr>
         <p:spPr>
           <a:xfrm rot="5400000">
-            <a:off x="3195873" y="4072967"/>
-            <a:ext cx="539278" cy="1588"/>
+            <a:off x="3121261" y="3622439"/>
+            <a:ext cx="691678" cy="1588"/>
           </a:xfrm>
           <a:prstGeom prst="line">
             <a:avLst/>
@@ -11675,14 +11678,14 @@
         </p:nvCxnSpPr>
         <p:spPr>
           <a:xfrm rot="5400000" flipH="1">
-            <a:off x="1981200" y="4076700"/>
-            <a:ext cx="2971800" cy="1588"/>
+            <a:off x="2400300" y="3657600"/>
+            <a:ext cx="2133600" cy="1588"/>
           </a:xfrm>
           <a:prstGeom prst="bentConnector5">
             <a:avLst>
-              <a:gd name="adj1" fmla="val -14078"/>
-              <a:gd name="adj2" fmla="val -175507746"/>
-              <a:gd name="adj3" fmla="val 116535"/>
+              <a:gd name="adj1" fmla="val -18241"/>
+              <a:gd name="adj2" fmla="val -171830605"/>
+              <a:gd name="adj3" fmla="val 120294"/>
             </a:avLst>
           </a:prstGeom>
           <a:ln>
